--- a/Backprophet.pptx
+++ b/Backprophet.pptx
@@ -8,25 +8,29 @@
     <p:sldId id="256" r:id="rId2"/>
     <p:sldId id="257" r:id="rId3"/>
     <p:sldId id="260" r:id="rId4"/>
-    <p:sldId id="261" r:id="rId5"/>
-    <p:sldId id="274" r:id="rId6"/>
-    <p:sldId id="275" r:id="rId7"/>
-    <p:sldId id="262" r:id="rId8"/>
-    <p:sldId id="273" r:id="rId9"/>
-    <p:sldId id="276" r:id="rId10"/>
-    <p:sldId id="277" r:id="rId11"/>
-    <p:sldId id="258" r:id="rId12"/>
-    <p:sldId id="270" r:id="rId13"/>
-    <p:sldId id="271" r:id="rId14"/>
-    <p:sldId id="268" r:id="rId15"/>
-    <p:sldId id="269" r:id="rId16"/>
-    <p:sldId id="267" r:id="rId17"/>
-    <p:sldId id="259" r:id="rId18"/>
-    <p:sldId id="263" r:id="rId19"/>
-    <p:sldId id="264" r:id="rId20"/>
-    <p:sldId id="265" r:id="rId21"/>
-    <p:sldId id="266" r:id="rId22"/>
-    <p:sldId id="272" r:id="rId23"/>
+    <p:sldId id="282" r:id="rId5"/>
+    <p:sldId id="261" r:id="rId6"/>
+    <p:sldId id="274" r:id="rId7"/>
+    <p:sldId id="275" r:id="rId8"/>
+    <p:sldId id="262" r:id="rId9"/>
+    <p:sldId id="273" r:id="rId10"/>
+    <p:sldId id="276" r:id="rId11"/>
+    <p:sldId id="277" r:id="rId12"/>
+    <p:sldId id="258" r:id="rId13"/>
+    <p:sldId id="270" r:id="rId14"/>
+    <p:sldId id="271" r:id="rId15"/>
+    <p:sldId id="268" r:id="rId16"/>
+    <p:sldId id="269" r:id="rId17"/>
+    <p:sldId id="267" r:id="rId18"/>
+    <p:sldId id="259" r:id="rId19"/>
+    <p:sldId id="263" r:id="rId20"/>
+    <p:sldId id="264" r:id="rId21"/>
+    <p:sldId id="265" r:id="rId22"/>
+    <p:sldId id="266" r:id="rId23"/>
+    <p:sldId id="272" r:id="rId24"/>
+    <p:sldId id="278" r:id="rId25"/>
+    <p:sldId id="280" r:id="rId26"/>
+    <p:sldId id="281" r:id="rId27"/>
   </p:sldIdLst>
   <p:sldSz cx="12192000" cy="6858000"/>
   <p:notesSz cx="6858000" cy="9144000"/>
@@ -125,6 +129,11 @@
       </a:defRPr>
     </a:lvl9pPr>
   </p:defaultTextStyle>
+  <p:extLst>
+    <p:ext uri="{EFAFB233-063F-42B5-8137-9DF3F51BA10A}">
+      <p15:sldGuideLst xmlns:p15="http://schemas.microsoft.com/office/powerpoint/2012/main"/>
+    </p:ext>
+  </p:extLst>
 </p:presentation>
 </file>
 
@@ -329,7 +338,7 @@
           <a:p>
             <a:fld id="{11E07752-41DA-40B8-9FE8-052DE1AB6C24}" type="slidenum">
               <a:rPr lang="en-US" smtClean="0"/>
-              <a:t>‹#›</a:t>
+              <a:t>‹Nr.›</a:t>
             </a:fld>
             <a:endParaRPr lang="en-US"/>
           </a:p>
@@ -527,7 +536,7 @@
           <a:p>
             <a:fld id="{11E07752-41DA-40B8-9FE8-052DE1AB6C24}" type="slidenum">
               <a:rPr lang="en-US" smtClean="0"/>
-              <a:t>‹#›</a:t>
+              <a:t>‹Nr.›</a:t>
             </a:fld>
             <a:endParaRPr lang="en-US"/>
           </a:p>
@@ -735,7 +744,7 @@
           <a:p>
             <a:fld id="{11E07752-41DA-40B8-9FE8-052DE1AB6C24}" type="slidenum">
               <a:rPr lang="en-US" smtClean="0"/>
-              <a:t>‹#›</a:t>
+              <a:t>‹Nr.›</a:t>
             </a:fld>
             <a:endParaRPr lang="en-US"/>
           </a:p>
@@ -933,7 +942,7 @@
           <a:p>
             <a:fld id="{11E07752-41DA-40B8-9FE8-052DE1AB6C24}" type="slidenum">
               <a:rPr lang="en-US" smtClean="0"/>
-              <a:t>‹#›</a:t>
+              <a:t>‹Nr.›</a:t>
             </a:fld>
             <a:endParaRPr lang="en-US"/>
           </a:p>
@@ -1208,7 +1217,7 @@
           <a:p>
             <a:fld id="{11E07752-41DA-40B8-9FE8-052DE1AB6C24}" type="slidenum">
               <a:rPr lang="en-US" smtClean="0"/>
-              <a:t>‹#›</a:t>
+              <a:t>‹Nr.›</a:t>
             </a:fld>
             <a:endParaRPr lang="en-US"/>
           </a:p>
@@ -1473,7 +1482,7 @@
           <a:p>
             <a:fld id="{11E07752-41DA-40B8-9FE8-052DE1AB6C24}" type="slidenum">
               <a:rPr lang="en-US" smtClean="0"/>
-              <a:t>‹#›</a:t>
+              <a:t>‹Nr.›</a:t>
             </a:fld>
             <a:endParaRPr lang="en-US"/>
           </a:p>
@@ -1885,7 +1894,7 @@
           <a:p>
             <a:fld id="{11E07752-41DA-40B8-9FE8-052DE1AB6C24}" type="slidenum">
               <a:rPr lang="en-US" smtClean="0"/>
-              <a:t>‹#›</a:t>
+              <a:t>‹Nr.›</a:t>
             </a:fld>
             <a:endParaRPr lang="en-US"/>
           </a:p>
@@ -2026,7 +2035,7 @@
           <a:p>
             <a:fld id="{11E07752-41DA-40B8-9FE8-052DE1AB6C24}" type="slidenum">
               <a:rPr lang="en-US" smtClean="0"/>
-              <a:t>‹#›</a:t>
+              <a:t>‹Nr.›</a:t>
             </a:fld>
             <a:endParaRPr lang="en-US"/>
           </a:p>
@@ -2139,7 +2148,7 @@
           <a:p>
             <a:fld id="{11E07752-41DA-40B8-9FE8-052DE1AB6C24}" type="slidenum">
               <a:rPr lang="en-US" smtClean="0"/>
-              <a:t>‹#›</a:t>
+              <a:t>‹Nr.›</a:t>
             </a:fld>
             <a:endParaRPr lang="en-US"/>
           </a:p>
@@ -2450,7 +2459,7 @@
           <a:p>
             <a:fld id="{11E07752-41DA-40B8-9FE8-052DE1AB6C24}" type="slidenum">
               <a:rPr lang="en-US" smtClean="0"/>
-              <a:t>‹#›</a:t>
+              <a:t>‹Nr.›</a:t>
             </a:fld>
             <a:endParaRPr lang="en-US"/>
           </a:p>
@@ -2738,7 +2747,7 @@
           <a:p>
             <a:fld id="{11E07752-41DA-40B8-9FE8-052DE1AB6C24}" type="slidenum">
               <a:rPr lang="en-US" smtClean="0"/>
-              <a:t>‹#›</a:t>
+              <a:t>‹Nr.›</a:t>
             </a:fld>
             <a:endParaRPr lang="en-US"/>
           </a:p>
@@ -3015,7 +3024,7 @@
           <a:p>
             <a:fld id="{11E07752-41DA-40B8-9FE8-052DE1AB6C24}" type="slidenum">
               <a:rPr lang="en-US" smtClean="0"/>
-              <a:t>‹#›</a:t>
+              <a:t>‹Nr.›</a:t>
             </a:fld>
             <a:endParaRPr lang="en-US"/>
           </a:p>
@@ -3358,7 +3367,12 @@
             <p:ph type="ctrTitle"/>
           </p:nvPr>
         </p:nvSpPr>
-        <p:spPr/>
+        <p:spPr>
+          <a:xfrm>
+            <a:off x="1524000" y="1041400"/>
+            <a:ext cx="9144000" cy="2387600"/>
+          </a:xfrm>
+        </p:spPr>
         <p:txBody>
           <a:bodyPr/>
           <a:lstStyle/>
@@ -3387,12 +3401,36 @@
             <p:ph type="subTitle" idx="1"/>
           </p:nvPr>
         </p:nvSpPr>
-        <p:spPr/>
-        <p:txBody>
-          <a:bodyPr/>
+        <p:spPr>
+          <a:xfrm>
+            <a:off x="1524000" y="3822172"/>
+            <a:ext cx="9144000" cy="1655762"/>
+          </a:xfrm>
+        </p:spPr>
+        <p:txBody>
+          <a:bodyPr>
+            <a:normAutofit lnSpcReduction="10000"/>
+          </a:bodyPr>
           <a:lstStyle/>
           <a:p>
+            <a:r>
+              <a:rPr lang="en-US" dirty="0"/>
+              <a:t>A deep learning-based tool for stocks prediction</a:t>
+            </a:r>
+          </a:p>
+          <a:p>
             <a:endParaRPr lang="en-US" dirty="0"/>
+          </a:p>
+          <a:p>
+            <a:pPr algn="l"/>
+            <a:endParaRPr lang="en-US" dirty="0"/>
+          </a:p>
+          <a:p>
+            <a:pPr algn="l"/>
+            <a:r>
+              <a:rPr lang="en-US" sz="1800" dirty="0"/>
+              <a:t>Presented by: Ivo Glück, Stephan Fremerey</a:t>
+            </a:r>
           </a:p>
         </p:txBody>
       </p:sp>
@@ -3410,6 +3448,188 @@
 </file>
 
 <file path=ppt/slides/slide10.xml><?xml version="1.0" encoding="utf-8"?>
+<p:sld xmlns:a="http://schemas.openxmlformats.org/drawingml/2006/main" xmlns:r="http://schemas.openxmlformats.org/officeDocument/2006/relationships" xmlns:p="http://schemas.openxmlformats.org/presentationml/2006/main">
+  <p:cSld>
+    <p:spTree>
+      <p:nvGrpSpPr>
+        <p:cNvPr id="1" name="">
+          <a:extLst>
+            <a:ext uri="{FF2B5EF4-FFF2-40B4-BE49-F238E27FC236}">
+              <a16:creationId xmlns:a16="http://schemas.microsoft.com/office/drawing/2014/main" id="{F3DA1B15-20D9-6028-5BAF-669BBDCD880A}"/>
+            </a:ext>
+          </a:extLst>
+        </p:cNvPr>
+        <p:cNvGrpSpPr/>
+        <p:nvPr/>
+      </p:nvGrpSpPr>
+      <p:grpSpPr>
+        <a:xfrm>
+          <a:off x="0" y="0"/>
+          <a:ext cx="0" cy="0"/>
+          <a:chOff x="0" y="0"/>
+          <a:chExt cx="0" cy="0"/>
+        </a:xfrm>
+      </p:grpSpPr>
+      <p:sp>
+        <p:nvSpPr>
+          <p:cNvPr id="2" name="Title 1">
+            <a:extLst>
+              <a:ext uri="{FF2B5EF4-FFF2-40B4-BE49-F238E27FC236}">
+                <a16:creationId xmlns:a16="http://schemas.microsoft.com/office/drawing/2014/main" id="{C6B46AD9-0A4A-10BA-4AC3-B6BDF04B53C7}"/>
+              </a:ext>
+            </a:extLst>
+          </p:cNvPr>
+          <p:cNvSpPr>
+            <a:spLocks noGrp="1"/>
+          </p:cNvSpPr>
+          <p:nvPr>
+            <p:ph type="title"/>
+          </p:nvPr>
+        </p:nvSpPr>
+        <p:spPr/>
+        <p:txBody>
+          <a:bodyPr/>
+          <a:lstStyle/>
+          <a:p>
+            <a:r>
+              <a:rPr lang="de-DE" dirty="0"/>
+              <a:t>Applied </a:t>
+            </a:r>
+            <a:r>
+              <a:rPr lang="de-DE" dirty="0" err="1"/>
+              <a:t>models</a:t>
+            </a:r>
+            <a:r>
+              <a:rPr lang="de-DE" dirty="0"/>
+              <a:t> </a:t>
+            </a:r>
+            <a:endParaRPr lang="en-US" dirty="0"/>
+          </a:p>
+        </p:txBody>
+      </p:sp>
+      <p:sp>
+        <p:nvSpPr>
+          <p:cNvPr id="3" name="Content Placeholder 2">
+            <a:extLst>
+              <a:ext uri="{FF2B5EF4-FFF2-40B4-BE49-F238E27FC236}">
+                <a16:creationId xmlns:a16="http://schemas.microsoft.com/office/drawing/2014/main" id="{F7176549-20BF-5B2D-B668-2F52ABBC509B}"/>
+              </a:ext>
+            </a:extLst>
+          </p:cNvPr>
+          <p:cNvSpPr>
+            <a:spLocks noGrp="1"/>
+          </p:cNvSpPr>
+          <p:nvPr>
+            <p:ph idx="1"/>
+          </p:nvPr>
+        </p:nvSpPr>
+        <p:spPr/>
+        <p:txBody>
+          <a:bodyPr>
+            <a:normAutofit/>
+          </a:bodyPr>
+          <a:lstStyle/>
+          <a:p>
+            <a:r>
+              <a:rPr lang="de-DE" dirty="0"/>
+              <a:t>First </a:t>
+            </a:r>
+            <a:r>
+              <a:rPr lang="de-DE" dirty="0" err="1"/>
+              <a:t>step</a:t>
+            </a:r>
+            <a:r>
+              <a:rPr lang="de-DE" dirty="0"/>
+              <a:t>: </a:t>
+            </a:r>
+            <a:r>
+              <a:rPr lang="de-DE" dirty="0" err="1"/>
+              <a:t>scale</a:t>
+            </a:r>
+            <a:r>
+              <a:rPr lang="de-DE" dirty="0"/>
+              <a:t> </a:t>
+            </a:r>
+            <a:r>
+              <a:rPr lang="de-DE" dirty="0" err="1"/>
+              <a:t>data</a:t>
+            </a:r>
+            <a:r>
+              <a:rPr lang="de-DE" dirty="0"/>
+              <a:t> </a:t>
+            </a:r>
+            <a:r>
+              <a:rPr lang="de-DE" dirty="0" err="1"/>
+              <a:t>using</a:t>
+            </a:r>
+            <a:r>
+              <a:rPr lang="de-DE" dirty="0"/>
+              <a:t> </a:t>
+            </a:r>
+            <a:r>
+              <a:rPr lang="de-DE" dirty="0" err="1"/>
+              <a:t>MinMaxScaler</a:t>
+            </a:r>
+            <a:endParaRPr lang="en-US" dirty="0"/>
+          </a:p>
+          <a:p>
+            <a:r>
+              <a:rPr lang="en-US" dirty="0"/>
+              <a:t>Convolutional Neural Network (CNN)</a:t>
+            </a:r>
+          </a:p>
+          <a:p>
+            <a:pPr marL="0" indent="0">
+              <a:buNone/>
+            </a:pPr>
+            <a:endParaRPr lang="en-US" dirty="0"/>
+          </a:p>
+        </p:txBody>
+      </p:sp>
+      <p:pic>
+        <p:nvPicPr>
+          <p:cNvPr id="5" name="Picture 4">
+            <a:extLst>
+              <a:ext uri="{FF2B5EF4-FFF2-40B4-BE49-F238E27FC236}">
+                <a16:creationId xmlns:a16="http://schemas.microsoft.com/office/drawing/2014/main" id="{B0F9667F-9092-00CA-870E-E0511818930D}"/>
+              </a:ext>
+            </a:extLst>
+          </p:cNvPr>
+          <p:cNvPicPr>
+            <a:picLocks noChangeAspect="1"/>
+          </p:cNvPicPr>
+          <p:nvPr/>
+        </p:nvPicPr>
+        <p:blipFill>
+          <a:blip r:embed="rId2"/>
+          <a:stretch>
+            <a:fillRect/>
+          </a:stretch>
+        </p:blipFill>
+        <p:spPr>
+          <a:xfrm>
+            <a:off x="1150261" y="2898382"/>
+            <a:ext cx="10344150" cy="2600325"/>
+          </a:xfrm>
+          <a:prstGeom prst="rect">
+            <a:avLst/>
+          </a:prstGeom>
+        </p:spPr>
+      </p:pic>
+    </p:spTree>
+    <p:extLst>
+      <p:ext uri="{BB962C8B-B14F-4D97-AF65-F5344CB8AC3E}">
+        <p14:creationId xmlns:p14="http://schemas.microsoft.com/office/powerpoint/2010/main" val="2589736892"/>
+      </p:ext>
+    </p:extLst>
+  </p:cSld>
+  <p:clrMapOvr>
+    <a:masterClrMapping/>
+  </p:clrMapOvr>
+</p:sld>
+</file>
+
+<file path=ppt/slides/slide11.xml><?xml version="1.0" encoding="utf-8"?>
 <p:sld xmlns:a="http://schemas.openxmlformats.org/drawingml/2006/main" xmlns:r="http://schemas.openxmlformats.org/officeDocument/2006/relationships" xmlns:p="http://schemas.openxmlformats.org/presentationml/2006/main">
   <p:cSld>
     <p:spTree>
@@ -3485,7 +3705,12 @@
             <p:ph idx="1"/>
           </p:nvPr>
         </p:nvSpPr>
-        <p:spPr/>
+        <p:spPr>
+          <a:xfrm>
+            <a:off x="838200" y="1825625"/>
+            <a:ext cx="11353800" cy="4351338"/>
+          </a:xfrm>
+        </p:spPr>
         <p:txBody>
           <a:bodyPr>
             <a:normAutofit/>
@@ -3537,7 +3762,7 @@
           <a:p>
             <a:r>
               <a:rPr lang="en-US" dirty="0"/>
-              <a:t>Ensemble Model</a:t>
+              <a:t>Ensemble Model based on RNN, GRU and LSTM (3 top-performing models)</a:t>
             </a:r>
           </a:p>
           <a:p>
@@ -3570,7 +3795,7 @@
         </p:blipFill>
         <p:spPr>
           <a:xfrm>
-            <a:off x="1158324" y="5351432"/>
+            <a:off x="1158324" y="5469964"/>
             <a:ext cx="7400925" cy="981075"/>
           </a:xfrm>
           <a:prstGeom prst="rect">
@@ -3600,7 +3825,7 @@
         </p:blipFill>
         <p:spPr>
           <a:xfrm>
-            <a:off x="1158324" y="2872581"/>
+            <a:off x="1158324" y="2991113"/>
             <a:ext cx="4714875" cy="2257425"/>
           </a:xfrm>
           <a:prstGeom prst="rect">
@@ -3621,7 +3846,7 @@
 </p:sld>
 </file>
 
-<file path=ppt/slides/slide11.xml><?xml version="1.0" encoding="utf-8"?>
+<file path=ppt/slides/slide12.xml><?xml version="1.0" encoding="utf-8"?>
 <p:sld xmlns:a="http://schemas.openxmlformats.org/drawingml/2006/main" xmlns:r="http://schemas.openxmlformats.org/officeDocument/2006/relationships" xmlns:p="http://schemas.openxmlformats.org/presentationml/2006/main">
   <p:cSld>
     <p:spTree>
@@ -3784,7 +4009,7 @@
 </p:sld>
 </file>
 
-<file path=ppt/slides/slide12.xml><?xml version="1.0" encoding="utf-8"?>
+<file path=ppt/slides/slide13.xml><?xml version="1.0" encoding="utf-8"?>
 <p:sld xmlns:a="http://schemas.openxmlformats.org/drawingml/2006/main" xmlns:r="http://schemas.openxmlformats.org/officeDocument/2006/relationships" xmlns:p="http://schemas.openxmlformats.org/presentationml/2006/main">
   <p:cSld>
     <p:spTree>
@@ -3981,7 +4206,7 @@
 </p:sld>
 </file>
 
-<file path=ppt/slides/slide13.xml><?xml version="1.0" encoding="utf-8"?>
+<file path=ppt/slides/slide14.xml><?xml version="1.0" encoding="utf-8"?>
 <p:sld xmlns:a="http://schemas.openxmlformats.org/drawingml/2006/main" xmlns:r="http://schemas.openxmlformats.org/officeDocument/2006/relationships" xmlns:p="http://schemas.openxmlformats.org/presentationml/2006/main">
   <p:cSld>
     <p:spTree>
@@ -4178,7 +4403,7 @@
 </p:sld>
 </file>
 
-<file path=ppt/slides/slide14.xml><?xml version="1.0" encoding="utf-8"?>
+<file path=ppt/slides/slide15.xml><?xml version="1.0" encoding="utf-8"?>
 <p:sld xmlns:a="http://schemas.openxmlformats.org/drawingml/2006/main" xmlns:r="http://schemas.openxmlformats.org/officeDocument/2006/relationships" xmlns:p="http://schemas.openxmlformats.org/presentationml/2006/main">
   <p:cSld>
     <p:spTree>
@@ -4375,7 +4600,7 @@
 </p:sld>
 </file>
 
-<file path=ppt/slides/slide15.xml><?xml version="1.0" encoding="utf-8"?>
+<file path=ppt/slides/slide16.xml><?xml version="1.0" encoding="utf-8"?>
 <p:sld xmlns:a="http://schemas.openxmlformats.org/drawingml/2006/main" xmlns:r="http://schemas.openxmlformats.org/officeDocument/2006/relationships" xmlns:p="http://schemas.openxmlformats.org/presentationml/2006/main">
   <p:cSld>
     <p:spTree>
@@ -4572,7 +4797,7 @@
 </p:sld>
 </file>
 
-<file path=ppt/slides/slide16.xml><?xml version="1.0" encoding="utf-8"?>
+<file path=ppt/slides/slide17.xml><?xml version="1.0" encoding="utf-8"?>
 <p:sld xmlns:a="http://schemas.openxmlformats.org/drawingml/2006/main" xmlns:r="http://schemas.openxmlformats.org/officeDocument/2006/relationships" xmlns:p="http://schemas.openxmlformats.org/presentationml/2006/main">
   <p:cSld>
     <p:spTree>
@@ -4769,7 +4994,7 @@
 </p:sld>
 </file>
 
-<file path=ppt/slides/slide17.xml><?xml version="1.0" encoding="utf-8"?>
+<file path=ppt/slides/slide18.xml><?xml version="1.0" encoding="utf-8"?>
 <p:sld xmlns:a="http://schemas.openxmlformats.org/drawingml/2006/main" xmlns:r="http://schemas.openxmlformats.org/officeDocument/2006/relationships" xmlns:p="http://schemas.openxmlformats.org/presentationml/2006/main">
   <p:cSld>
     <p:spTree>
@@ -5058,7 +5283,7 @@
 </p:sld>
 </file>
 
-<file path=ppt/slides/slide18.xml><?xml version="1.0" encoding="utf-8"?>
+<file path=ppt/slides/slide19.xml><?xml version="1.0" encoding="utf-8"?>
 <p:sld xmlns:a="http://schemas.openxmlformats.org/drawingml/2006/main" xmlns:r="http://schemas.openxmlformats.org/officeDocument/2006/relationships" xmlns:p="http://schemas.openxmlformats.org/presentationml/2006/main">
   <p:cSld>
     <p:spTree>
@@ -5335,7 +5560,744 @@
 </p:sld>
 </file>
 
-<file path=ppt/slides/slide19.xml><?xml version="1.0" encoding="utf-8"?>
+<file path=ppt/slides/slide2.xml><?xml version="1.0" encoding="utf-8"?>
+<p:sld xmlns:a="http://schemas.openxmlformats.org/drawingml/2006/main" xmlns:r="http://schemas.openxmlformats.org/officeDocument/2006/relationships" xmlns:p="http://schemas.openxmlformats.org/presentationml/2006/main">
+  <p:cSld>
+    <p:spTree>
+      <p:nvGrpSpPr>
+        <p:cNvPr id="1" name=""/>
+        <p:cNvGrpSpPr/>
+        <p:nvPr/>
+      </p:nvGrpSpPr>
+      <p:grpSpPr>
+        <a:xfrm>
+          <a:off x="0" y="0"/>
+          <a:ext cx="0" cy="0"/>
+          <a:chOff x="0" y="0"/>
+          <a:chExt cx="0" cy="0"/>
+        </a:xfrm>
+      </p:grpSpPr>
+      <p:sp>
+        <p:nvSpPr>
+          <p:cNvPr id="2" name="Title 1">
+            <a:extLst>
+              <a:ext uri="{FF2B5EF4-FFF2-40B4-BE49-F238E27FC236}">
+                <a16:creationId xmlns:a16="http://schemas.microsoft.com/office/drawing/2014/main" id="{4C902162-C00D-27BA-8035-78C2A4D5EFC2}"/>
+              </a:ext>
+            </a:extLst>
+          </p:cNvPr>
+          <p:cNvSpPr>
+            <a:spLocks noGrp="1"/>
+          </p:cNvSpPr>
+          <p:nvPr>
+            <p:ph type="title"/>
+          </p:nvPr>
+        </p:nvSpPr>
+        <p:spPr/>
+        <p:txBody>
+          <a:bodyPr/>
+          <a:lstStyle/>
+          <a:p>
+            <a:pPr algn="ctr"/>
+            <a:r>
+              <a:rPr lang="de-DE" dirty="0"/>
+              <a:t>General </a:t>
+            </a:r>
+            <a:r>
+              <a:rPr lang="de-DE" dirty="0" err="1"/>
+              <a:t>idea</a:t>
+            </a:r>
+            <a:endParaRPr lang="en-US" dirty="0"/>
+          </a:p>
+        </p:txBody>
+      </p:sp>
+      <p:sp>
+        <p:nvSpPr>
+          <p:cNvPr id="3" name="Content Placeholder 2">
+            <a:extLst>
+              <a:ext uri="{FF2B5EF4-FFF2-40B4-BE49-F238E27FC236}">
+                <a16:creationId xmlns:a16="http://schemas.microsoft.com/office/drawing/2014/main" id="{C5EC69AC-002E-1A92-5753-904AA07C80CD}"/>
+              </a:ext>
+            </a:extLst>
+          </p:cNvPr>
+          <p:cNvSpPr>
+            <a:spLocks noGrp="1"/>
+          </p:cNvSpPr>
+          <p:nvPr>
+            <p:ph idx="1"/>
+          </p:nvPr>
+        </p:nvSpPr>
+        <p:spPr/>
+        <p:txBody>
+          <a:bodyPr>
+            <a:normAutofit fontScale="85000" lnSpcReduction="20000"/>
+          </a:bodyPr>
+          <a:lstStyle/>
+          <a:p>
+            <a:pPr marL="0" indent="0">
+              <a:buNone/>
+            </a:pPr>
+            <a:r>
+              <a:rPr lang="de-DE" dirty="0" err="1"/>
+              <a:t>Build</a:t>
+            </a:r>
+            <a:r>
+              <a:rPr lang="de-DE" dirty="0"/>
+              <a:t> a </a:t>
+            </a:r>
+            <a:r>
+              <a:rPr lang="de-DE" dirty="0" err="1"/>
+              <a:t>deep</a:t>
+            </a:r>
+            <a:r>
+              <a:rPr lang="de-DE" dirty="0"/>
+              <a:t> </a:t>
+            </a:r>
+            <a:r>
+              <a:rPr lang="de-DE" dirty="0" err="1"/>
+              <a:t>learning-based</a:t>
+            </a:r>
+            <a:r>
+              <a:rPr lang="de-DE" dirty="0"/>
+              <a:t> </a:t>
+            </a:r>
+            <a:r>
+              <a:rPr lang="de-DE" dirty="0" err="1"/>
+              <a:t>procedure</a:t>
+            </a:r>
+            <a:r>
+              <a:rPr lang="de-DE" dirty="0"/>
+              <a:t> to </a:t>
+            </a:r>
+            <a:r>
+              <a:rPr lang="de-DE" dirty="0" err="1"/>
+              <a:t>predict</a:t>
+            </a:r>
+            <a:r>
+              <a:rPr lang="de-DE" dirty="0"/>
+              <a:t> </a:t>
+            </a:r>
+            <a:r>
+              <a:rPr lang="de-DE" dirty="0" err="1"/>
+              <a:t>the</a:t>
+            </a:r>
+            <a:r>
+              <a:rPr lang="de-DE" dirty="0"/>
+              <a:t> </a:t>
+            </a:r>
+            <a:r>
+              <a:rPr lang="de-DE" dirty="0" err="1"/>
+              <a:t>close</a:t>
+            </a:r>
+            <a:r>
+              <a:rPr lang="de-DE" dirty="0"/>
+              <a:t> </a:t>
+            </a:r>
+            <a:r>
+              <a:rPr lang="de-DE" dirty="0" err="1"/>
+              <a:t>value</a:t>
+            </a:r>
+            <a:r>
+              <a:rPr lang="de-DE" dirty="0"/>
+              <a:t> </a:t>
+            </a:r>
+            <a:r>
+              <a:rPr lang="de-DE" dirty="0" err="1"/>
+              <a:t>of</a:t>
+            </a:r>
+            <a:r>
+              <a:rPr lang="de-DE" dirty="0"/>
+              <a:t> an </a:t>
+            </a:r>
+            <a:r>
+              <a:rPr lang="de-DE" dirty="0" err="1"/>
+              <a:t>asset</a:t>
+            </a:r>
+            <a:r>
+              <a:rPr lang="de-DE" dirty="0"/>
+              <a:t> </a:t>
+            </a:r>
+            <a:r>
+              <a:rPr lang="de-DE" dirty="0" err="1"/>
+              <a:t>for</a:t>
+            </a:r>
+            <a:r>
+              <a:rPr lang="de-DE" dirty="0"/>
+              <a:t> </a:t>
+            </a:r>
+            <a:r>
+              <a:rPr lang="de-DE" dirty="0" err="1"/>
+              <a:t>the</a:t>
+            </a:r>
+            <a:r>
+              <a:rPr lang="de-DE" dirty="0"/>
+              <a:t> </a:t>
+            </a:r>
+            <a:r>
+              <a:rPr lang="de-DE" dirty="0" err="1"/>
+              <a:t>next</a:t>
+            </a:r>
+            <a:r>
+              <a:rPr lang="de-DE" dirty="0"/>
+              <a:t> </a:t>
+            </a:r>
+            <a:r>
+              <a:rPr lang="de-DE" dirty="0" err="1"/>
+              <a:t>day</a:t>
+            </a:r>
+            <a:r>
+              <a:rPr lang="de-DE" dirty="0"/>
+              <a:t> (</a:t>
+            </a:r>
+            <a:r>
+              <a:rPr lang="de-DE" dirty="0" err="1"/>
+              <a:t>regression</a:t>
+            </a:r>
+            <a:r>
+              <a:rPr lang="de-DE" dirty="0"/>
+              <a:t>). As an </a:t>
+            </a:r>
+            <a:r>
+              <a:rPr lang="de-DE" dirty="0" err="1"/>
+              <a:t>example</a:t>
+            </a:r>
+            <a:r>
+              <a:rPr lang="de-DE" dirty="0"/>
+              <a:t>, </a:t>
+            </a:r>
+            <a:r>
+              <a:rPr lang="de-DE" dirty="0" err="1"/>
+              <a:t>we</a:t>
+            </a:r>
+            <a:r>
+              <a:rPr lang="de-DE" dirty="0"/>
+              <a:t> </a:t>
+            </a:r>
+            <a:r>
+              <a:rPr lang="de-DE" dirty="0" err="1"/>
+              <a:t>took</a:t>
+            </a:r>
+            <a:r>
+              <a:rPr lang="de-DE" dirty="0"/>
+              <a:t> </a:t>
+            </a:r>
+            <a:r>
+              <a:rPr lang="de-DE" dirty="0" err="1"/>
+              <a:t>the</a:t>
+            </a:r>
+            <a:r>
+              <a:rPr lang="de-DE" dirty="0"/>
+              <a:t> META </a:t>
+            </a:r>
+            <a:r>
+              <a:rPr lang="de-DE" dirty="0" err="1"/>
+              <a:t>share</a:t>
+            </a:r>
+            <a:r>
+              <a:rPr lang="de-DE" dirty="0"/>
+              <a:t>.</a:t>
+            </a:r>
+          </a:p>
+          <a:p>
+            <a:pPr marL="0" indent="0">
+              <a:buNone/>
+            </a:pPr>
+            <a:endParaRPr lang="de-DE" dirty="0"/>
+          </a:p>
+          <a:p>
+            <a:pPr marL="0" indent="0">
+              <a:buNone/>
+            </a:pPr>
+            <a:r>
+              <a:rPr lang="de-DE" b="1" dirty="0"/>
+              <a:t>Scenario: </a:t>
+            </a:r>
+          </a:p>
+          <a:p>
+            <a:pPr marL="0" indent="0">
+              <a:buNone/>
+            </a:pPr>
+            <a:r>
+              <a:rPr lang="de-DE" dirty="0" err="1"/>
+              <a:t>Once</a:t>
+            </a:r>
+            <a:r>
+              <a:rPr lang="de-DE" dirty="0"/>
+              <a:t> </a:t>
+            </a:r>
+            <a:r>
+              <a:rPr lang="de-DE" dirty="0" err="1"/>
+              <a:t>the</a:t>
+            </a:r>
+            <a:r>
+              <a:rPr lang="de-DE" dirty="0"/>
+              <a:t> tradefaire </a:t>
+            </a:r>
+            <a:r>
+              <a:rPr lang="de-DE" dirty="0" err="1"/>
+              <a:t>has</a:t>
+            </a:r>
+            <a:r>
+              <a:rPr lang="de-DE" dirty="0"/>
+              <a:t> </a:t>
+            </a:r>
+            <a:r>
+              <a:rPr lang="de-DE" dirty="0" err="1"/>
+              <a:t>closed</a:t>
+            </a:r>
+            <a:r>
+              <a:rPr lang="de-DE" dirty="0"/>
+              <a:t> and </a:t>
+            </a:r>
+            <a:r>
+              <a:rPr lang="de-DE" dirty="0" err="1"/>
+              <a:t>data</a:t>
+            </a:r>
+            <a:r>
+              <a:rPr lang="de-DE" dirty="0"/>
+              <a:t> </a:t>
+            </a:r>
+            <a:r>
+              <a:rPr lang="de-DE" dirty="0" err="1"/>
+              <a:t>are</a:t>
+            </a:r>
+            <a:r>
+              <a:rPr lang="de-DE" dirty="0"/>
+              <a:t> </a:t>
+            </a:r>
+            <a:r>
+              <a:rPr lang="de-DE" dirty="0" err="1"/>
+              <a:t>available</a:t>
+            </a:r>
+            <a:r>
+              <a:rPr lang="de-DE" dirty="0"/>
+              <a:t> (</a:t>
+            </a:r>
+            <a:r>
+              <a:rPr lang="de-DE" dirty="0" err="1"/>
+              <a:t>about</a:t>
+            </a:r>
+            <a:r>
+              <a:rPr lang="de-DE" dirty="0"/>
+              <a:t> 0:00 CET), </a:t>
+            </a:r>
+            <a:r>
+              <a:rPr lang="de-DE" dirty="0" err="1"/>
+              <a:t>train</a:t>
+            </a:r>
+            <a:r>
+              <a:rPr lang="de-DE" dirty="0"/>
+              <a:t> </a:t>
+            </a:r>
+            <a:r>
+              <a:rPr lang="de-DE" dirty="0" err="1"/>
+              <a:t>model</a:t>
+            </a:r>
+            <a:r>
+              <a:rPr lang="de-DE" dirty="0"/>
+              <a:t> </a:t>
+            </a:r>
+            <a:r>
+              <a:rPr lang="de-DE" dirty="0" err="1"/>
+              <a:t>using</a:t>
+            </a:r>
+            <a:r>
+              <a:rPr lang="de-DE" dirty="0"/>
+              <a:t> all </a:t>
+            </a:r>
+            <a:r>
+              <a:rPr lang="de-DE" dirty="0" err="1"/>
+              <a:t>available</a:t>
+            </a:r>
+            <a:r>
+              <a:rPr lang="de-DE" dirty="0"/>
+              <a:t> </a:t>
+            </a:r>
+            <a:r>
+              <a:rPr lang="de-DE" dirty="0" err="1"/>
+              <a:t>data</a:t>
+            </a:r>
+            <a:r>
+              <a:rPr lang="de-DE" dirty="0"/>
+              <a:t> </a:t>
+            </a:r>
+            <a:r>
+              <a:rPr lang="de-DE" dirty="0" err="1"/>
+              <a:t>including</a:t>
+            </a:r>
+            <a:r>
+              <a:rPr lang="de-DE" dirty="0"/>
+              <a:t> </a:t>
+            </a:r>
+            <a:r>
+              <a:rPr lang="de-DE" dirty="0" err="1"/>
+              <a:t>the</a:t>
+            </a:r>
+            <a:r>
+              <a:rPr lang="de-DE" dirty="0"/>
+              <a:t> last </a:t>
+            </a:r>
+            <a:r>
+              <a:rPr lang="de-DE" dirty="0" err="1"/>
+              <a:t>trading</a:t>
+            </a:r>
+            <a:r>
+              <a:rPr lang="de-DE" dirty="0"/>
+              <a:t> </a:t>
+            </a:r>
+            <a:r>
+              <a:rPr lang="de-DE" dirty="0" err="1"/>
+              <a:t>day</a:t>
+            </a:r>
+            <a:r>
+              <a:rPr lang="de-DE" dirty="0"/>
+              <a:t>. </a:t>
+            </a:r>
+          </a:p>
+          <a:p>
+            <a:pPr marL="0" indent="0">
+              <a:buNone/>
+            </a:pPr>
+            <a:r>
+              <a:rPr lang="de-DE" dirty="0"/>
+              <a:t>Act </a:t>
+            </a:r>
+            <a:r>
+              <a:rPr lang="de-DE" dirty="0" err="1"/>
+              <a:t>based</a:t>
+            </a:r>
+            <a:r>
+              <a:rPr lang="de-DE" dirty="0"/>
+              <a:t> on </a:t>
+            </a:r>
+            <a:r>
+              <a:rPr lang="de-DE" dirty="0" err="1"/>
+              <a:t>the</a:t>
+            </a:r>
+            <a:r>
+              <a:rPr lang="de-DE" dirty="0"/>
+              <a:t> </a:t>
+            </a:r>
+            <a:r>
+              <a:rPr lang="de-DE" dirty="0" err="1"/>
+              <a:t>prediction</a:t>
+            </a:r>
+            <a:r>
+              <a:rPr lang="de-DE" dirty="0"/>
+              <a:t> </a:t>
+            </a:r>
+            <a:r>
+              <a:rPr lang="de-DE" dirty="0" err="1"/>
+              <a:t>once</a:t>
+            </a:r>
+            <a:r>
+              <a:rPr lang="de-DE" dirty="0"/>
+              <a:t> </a:t>
+            </a:r>
+            <a:r>
+              <a:rPr lang="de-DE" dirty="0" err="1"/>
+              <a:t>the</a:t>
+            </a:r>
+            <a:r>
+              <a:rPr lang="de-DE" dirty="0"/>
+              <a:t> </a:t>
+            </a:r>
+            <a:r>
+              <a:rPr lang="de-DE" dirty="0" err="1"/>
+              <a:t>tradfaire</a:t>
+            </a:r>
+            <a:r>
+              <a:rPr lang="de-DE" dirty="0"/>
+              <a:t> </a:t>
+            </a:r>
+            <a:r>
+              <a:rPr lang="de-DE" dirty="0" err="1"/>
+              <a:t>has</a:t>
+            </a:r>
+            <a:r>
+              <a:rPr lang="de-DE" dirty="0"/>
+              <a:t> </a:t>
+            </a:r>
+            <a:r>
+              <a:rPr lang="de-DE" dirty="0" err="1"/>
+              <a:t>reopened</a:t>
+            </a:r>
+            <a:r>
+              <a:rPr lang="de-DE" dirty="0"/>
+              <a:t>: </a:t>
+            </a:r>
+          </a:p>
+          <a:p>
+            <a:pPr marL="0" indent="0">
+              <a:buNone/>
+            </a:pPr>
+            <a:r>
+              <a:rPr lang="de-DE" dirty="0" err="1"/>
+              <a:t>if</a:t>
+            </a:r>
+            <a:r>
+              <a:rPr lang="de-DE" dirty="0"/>
+              <a:t> an </a:t>
+            </a:r>
+            <a:r>
+              <a:rPr lang="de-DE" dirty="0" err="1"/>
+              <a:t>increase</a:t>
+            </a:r>
+            <a:r>
+              <a:rPr lang="de-DE" dirty="0"/>
+              <a:t> </a:t>
+            </a:r>
+            <a:r>
+              <a:rPr lang="de-DE" dirty="0" err="1"/>
+              <a:t>is</a:t>
+            </a:r>
+            <a:r>
+              <a:rPr lang="de-DE" dirty="0"/>
+              <a:t> </a:t>
+            </a:r>
+            <a:r>
+              <a:rPr lang="de-DE" dirty="0" err="1"/>
+              <a:t>predicted</a:t>
+            </a:r>
+            <a:r>
+              <a:rPr lang="de-DE" dirty="0"/>
+              <a:t> </a:t>
+            </a:r>
+            <a:r>
+              <a:rPr lang="de-DE" dirty="0" err="1"/>
+              <a:t>buy</a:t>
+            </a:r>
+            <a:r>
+              <a:rPr lang="de-DE" dirty="0"/>
+              <a:t>, </a:t>
+            </a:r>
+            <a:r>
+              <a:rPr lang="de-DE" dirty="0" err="1"/>
+              <a:t>if</a:t>
+            </a:r>
+            <a:r>
+              <a:rPr lang="de-DE" dirty="0"/>
+              <a:t> a </a:t>
+            </a:r>
+            <a:r>
+              <a:rPr lang="de-DE" dirty="0" err="1"/>
+              <a:t>decrease</a:t>
+            </a:r>
+            <a:r>
+              <a:rPr lang="de-DE" dirty="0"/>
+              <a:t> </a:t>
+            </a:r>
+            <a:r>
+              <a:rPr lang="de-DE" dirty="0" err="1"/>
+              <a:t>is</a:t>
+            </a:r>
+            <a:r>
+              <a:rPr lang="de-DE" dirty="0"/>
+              <a:t> </a:t>
+            </a:r>
+            <a:r>
+              <a:rPr lang="de-DE" dirty="0" err="1"/>
+              <a:t>predicted</a:t>
+            </a:r>
+            <a:r>
+              <a:rPr lang="de-DE" dirty="0"/>
+              <a:t> </a:t>
+            </a:r>
+            <a:r>
+              <a:rPr lang="de-DE" dirty="0" err="1"/>
+              <a:t>sell</a:t>
+            </a:r>
+            <a:r>
+              <a:rPr lang="de-DE" dirty="0"/>
+              <a:t> </a:t>
+            </a:r>
+            <a:r>
+              <a:rPr lang="de-DE" dirty="0" err="1"/>
+              <a:t>the</a:t>
+            </a:r>
+            <a:r>
+              <a:rPr lang="de-DE" dirty="0"/>
+              <a:t> </a:t>
+            </a:r>
+            <a:r>
+              <a:rPr lang="de-DE" dirty="0" err="1"/>
+              <a:t>asset</a:t>
+            </a:r>
+            <a:r>
+              <a:rPr lang="de-DE" dirty="0"/>
+              <a:t>.</a:t>
+            </a:r>
+          </a:p>
+          <a:p>
+            <a:pPr marL="0" indent="0">
+              <a:buNone/>
+            </a:pPr>
+            <a:endParaRPr lang="de-DE" dirty="0"/>
+          </a:p>
+          <a:p>
+            <a:pPr marL="0" indent="0">
+              <a:buNone/>
+            </a:pPr>
+            <a:r>
+              <a:rPr lang="de-DE" b="1" dirty="0" err="1"/>
+              <a:t>Prerequisite</a:t>
+            </a:r>
+            <a:r>
+              <a:rPr lang="de-DE" b="1" dirty="0"/>
+              <a:t>: </a:t>
+            </a:r>
+          </a:p>
+          <a:p>
+            <a:pPr marL="0" indent="0">
+              <a:buNone/>
+            </a:pPr>
+            <a:r>
+              <a:rPr lang="de-DE" dirty="0"/>
+              <a:t>At </a:t>
+            </a:r>
+            <a:r>
+              <a:rPr lang="de-DE" dirty="0" err="1"/>
+              <a:t>best</a:t>
+            </a:r>
+            <a:r>
+              <a:rPr lang="de-DE" dirty="0"/>
+              <a:t>, </a:t>
+            </a:r>
+            <a:r>
+              <a:rPr lang="de-DE" dirty="0" err="1"/>
+              <a:t>training</a:t>
+            </a:r>
+            <a:r>
+              <a:rPr lang="de-DE" dirty="0"/>
+              <a:t> </a:t>
+            </a:r>
+            <a:r>
+              <a:rPr lang="de-DE" dirty="0" err="1"/>
+              <a:t>needs</a:t>
+            </a:r>
+            <a:r>
+              <a:rPr lang="de-DE" dirty="0"/>
+              <a:t> to </a:t>
+            </a:r>
+            <a:r>
+              <a:rPr lang="de-DE" dirty="0" err="1"/>
+              <a:t>be</a:t>
+            </a:r>
+            <a:r>
+              <a:rPr lang="de-DE" dirty="0"/>
+              <a:t> </a:t>
+            </a:r>
+            <a:r>
+              <a:rPr lang="de-DE" dirty="0" err="1"/>
+              <a:t>finished</a:t>
+            </a:r>
+            <a:r>
+              <a:rPr lang="de-DE" dirty="0"/>
+              <a:t> </a:t>
+            </a:r>
+            <a:r>
+              <a:rPr lang="de-DE" dirty="0" err="1"/>
+              <a:t>within</a:t>
+            </a:r>
+            <a:r>
+              <a:rPr lang="de-DE" dirty="0"/>
+              <a:t> </a:t>
+            </a:r>
+            <a:r>
+              <a:rPr lang="de-DE" dirty="0" err="1"/>
+              <a:t>the</a:t>
+            </a:r>
+            <a:r>
+              <a:rPr lang="de-DE" dirty="0"/>
+              <a:t> 1 </a:t>
+            </a:r>
+            <a:r>
+              <a:rPr lang="de-DE" dirty="0" err="1"/>
+              <a:t>hour</a:t>
+            </a:r>
+            <a:r>
+              <a:rPr lang="de-DE" dirty="0"/>
+              <a:t> in </a:t>
+            </a:r>
+            <a:r>
+              <a:rPr lang="de-DE" dirty="0" err="1"/>
+              <a:t>which</a:t>
+            </a:r>
+            <a:r>
+              <a:rPr lang="de-DE" dirty="0"/>
+              <a:t> </a:t>
+            </a:r>
+            <a:r>
+              <a:rPr lang="de-DE" dirty="0" err="1"/>
+              <a:t>indices</a:t>
+            </a:r>
+            <a:r>
+              <a:rPr lang="de-DE" dirty="0"/>
+              <a:t> like </a:t>
+            </a:r>
+            <a:r>
+              <a:rPr lang="de-DE" dirty="0" err="1"/>
+              <a:t>the</a:t>
+            </a:r>
+            <a:r>
+              <a:rPr lang="de-DE" dirty="0"/>
+              <a:t> S&amp;P 500 </a:t>
+            </a:r>
+            <a:r>
+              <a:rPr lang="de-DE" dirty="0" err="1"/>
+              <a:t>or</a:t>
+            </a:r>
+            <a:r>
+              <a:rPr lang="de-DE" dirty="0"/>
+              <a:t> </a:t>
+            </a:r>
+            <a:r>
+              <a:rPr lang="de-DE" dirty="0" err="1"/>
+              <a:t>the</a:t>
+            </a:r>
+            <a:r>
+              <a:rPr lang="de-DE" dirty="0"/>
+              <a:t> DJI </a:t>
+            </a:r>
+            <a:r>
+              <a:rPr lang="de-DE" dirty="0" err="1"/>
+              <a:t>are</a:t>
+            </a:r>
+            <a:r>
+              <a:rPr lang="de-DE" dirty="0"/>
+              <a:t> not </a:t>
+            </a:r>
+            <a:r>
+              <a:rPr lang="de-DE" dirty="0" err="1"/>
+              <a:t>tradeable</a:t>
+            </a:r>
+            <a:r>
+              <a:rPr lang="de-DE" dirty="0"/>
+              <a:t>.</a:t>
+            </a:r>
+          </a:p>
+          <a:p>
+            <a:pPr marL="0" indent="0">
+              <a:buNone/>
+            </a:pPr>
+            <a:endParaRPr lang="en-US" dirty="0"/>
+          </a:p>
+        </p:txBody>
+      </p:sp>
+    </p:spTree>
+    <p:extLst>
+      <p:ext uri="{BB962C8B-B14F-4D97-AF65-F5344CB8AC3E}">
+        <p14:creationId xmlns:p14="http://schemas.microsoft.com/office/powerpoint/2010/main" val="1668333977"/>
+      </p:ext>
+    </p:extLst>
+  </p:cSld>
+  <p:clrMapOvr>
+    <a:masterClrMapping/>
+  </p:clrMapOvr>
+</p:sld>
+</file>
+
+<file path=ppt/slides/slide20.xml><?xml version="1.0" encoding="utf-8"?>
 <p:sld xmlns:a="http://schemas.openxmlformats.org/drawingml/2006/main" xmlns:r="http://schemas.openxmlformats.org/officeDocument/2006/relationships" xmlns:p="http://schemas.openxmlformats.org/presentationml/2006/main">
   <p:cSld>
     <p:spTree>
@@ -5612,696 +6574,7 @@
 </p:sld>
 </file>
 
-<file path=ppt/slides/slide2.xml><?xml version="1.0" encoding="utf-8"?>
-<p:sld xmlns:a="http://schemas.openxmlformats.org/drawingml/2006/main" xmlns:r="http://schemas.openxmlformats.org/officeDocument/2006/relationships" xmlns:p="http://schemas.openxmlformats.org/presentationml/2006/main">
-  <p:cSld>
-    <p:spTree>
-      <p:nvGrpSpPr>
-        <p:cNvPr id="1" name=""/>
-        <p:cNvGrpSpPr/>
-        <p:nvPr/>
-      </p:nvGrpSpPr>
-      <p:grpSpPr>
-        <a:xfrm>
-          <a:off x="0" y="0"/>
-          <a:ext cx="0" cy="0"/>
-          <a:chOff x="0" y="0"/>
-          <a:chExt cx="0" cy="0"/>
-        </a:xfrm>
-      </p:grpSpPr>
-      <p:sp>
-        <p:nvSpPr>
-          <p:cNvPr id="2" name="Title 1">
-            <a:extLst>
-              <a:ext uri="{FF2B5EF4-FFF2-40B4-BE49-F238E27FC236}">
-                <a16:creationId xmlns:a16="http://schemas.microsoft.com/office/drawing/2014/main" id="{4C902162-C00D-27BA-8035-78C2A4D5EFC2}"/>
-              </a:ext>
-            </a:extLst>
-          </p:cNvPr>
-          <p:cNvSpPr>
-            <a:spLocks noGrp="1"/>
-          </p:cNvSpPr>
-          <p:nvPr>
-            <p:ph type="title"/>
-          </p:nvPr>
-        </p:nvSpPr>
-        <p:spPr/>
-        <p:txBody>
-          <a:bodyPr/>
-          <a:lstStyle/>
-          <a:p>
-            <a:pPr algn="ctr"/>
-            <a:r>
-              <a:rPr lang="de-DE" dirty="0"/>
-              <a:t>General </a:t>
-            </a:r>
-            <a:r>
-              <a:rPr lang="de-DE" dirty="0" err="1"/>
-              <a:t>idea</a:t>
-            </a:r>
-            <a:endParaRPr lang="en-US" dirty="0"/>
-          </a:p>
-        </p:txBody>
-      </p:sp>
-      <p:sp>
-        <p:nvSpPr>
-          <p:cNvPr id="3" name="Content Placeholder 2">
-            <a:extLst>
-              <a:ext uri="{FF2B5EF4-FFF2-40B4-BE49-F238E27FC236}">
-                <a16:creationId xmlns:a16="http://schemas.microsoft.com/office/drawing/2014/main" id="{C5EC69AC-002E-1A92-5753-904AA07C80CD}"/>
-              </a:ext>
-            </a:extLst>
-          </p:cNvPr>
-          <p:cNvSpPr>
-            <a:spLocks noGrp="1"/>
-          </p:cNvSpPr>
-          <p:nvPr>
-            <p:ph idx="1"/>
-          </p:nvPr>
-        </p:nvSpPr>
-        <p:spPr/>
-        <p:txBody>
-          <a:bodyPr>
-            <a:normAutofit fontScale="85000" lnSpcReduction="20000"/>
-          </a:bodyPr>
-          <a:lstStyle/>
-          <a:p>
-            <a:pPr marL="0" indent="0">
-              <a:buNone/>
-            </a:pPr>
-            <a:r>
-              <a:rPr lang="de-DE" dirty="0" err="1"/>
-              <a:t>Build</a:t>
-            </a:r>
-            <a:r>
-              <a:rPr lang="de-DE" dirty="0"/>
-              <a:t> a </a:t>
-            </a:r>
-            <a:r>
-              <a:rPr lang="de-DE" dirty="0" err="1"/>
-              <a:t>deep</a:t>
-            </a:r>
-            <a:r>
-              <a:rPr lang="de-DE" dirty="0"/>
-              <a:t> </a:t>
-            </a:r>
-            <a:r>
-              <a:rPr lang="de-DE" dirty="0" err="1"/>
-              <a:t>learning-based</a:t>
-            </a:r>
-            <a:r>
-              <a:rPr lang="de-DE" dirty="0"/>
-              <a:t> </a:t>
-            </a:r>
-            <a:r>
-              <a:rPr lang="de-DE" dirty="0" err="1"/>
-              <a:t>procedure</a:t>
-            </a:r>
-            <a:r>
-              <a:rPr lang="de-DE" dirty="0"/>
-              <a:t> to </a:t>
-            </a:r>
-            <a:r>
-              <a:rPr lang="de-DE" dirty="0" err="1"/>
-              <a:t>predict</a:t>
-            </a:r>
-            <a:r>
-              <a:rPr lang="de-DE" dirty="0"/>
-              <a:t> </a:t>
-            </a:r>
-            <a:r>
-              <a:rPr lang="de-DE" dirty="0" err="1"/>
-              <a:t>the</a:t>
-            </a:r>
-            <a:r>
-              <a:rPr lang="de-DE" dirty="0"/>
-              <a:t> </a:t>
-            </a:r>
-            <a:r>
-              <a:rPr lang="de-DE" dirty="0" err="1"/>
-              <a:t>close</a:t>
-            </a:r>
-            <a:r>
-              <a:rPr lang="de-DE" dirty="0"/>
-              <a:t> </a:t>
-            </a:r>
-            <a:r>
-              <a:rPr lang="de-DE" dirty="0" err="1"/>
-              <a:t>value</a:t>
-            </a:r>
-            <a:r>
-              <a:rPr lang="de-DE" dirty="0"/>
-              <a:t> </a:t>
-            </a:r>
-            <a:r>
-              <a:rPr lang="de-DE" dirty="0" err="1"/>
-              <a:t>of</a:t>
-            </a:r>
-            <a:r>
-              <a:rPr lang="de-DE" dirty="0"/>
-              <a:t> an </a:t>
-            </a:r>
-            <a:r>
-              <a:rPr lang="de-DE" dirty="0" err="1"/>
-              <a:t>asset</a:t>
-            </a:r>
-            <a:r>
-              <a:rPr lang="de-DE" dirty="0"/>
-              <a:t> </a:t>
-            </a:r>
-            <a:r>
-              <a:rPr lang="de-DE" dirty="0" err="1"/>
-              <a:t>for</a:t>
-            </a:r>
-            <a:r>
-              <a:rPr lang="de-DE" dirty="0"/>
-              <a:t> </a:t>
-            </a:r>
-            <a:r>
-              <a:rPr lang="de-DE" dirty="0" err="1"/>
-              <a:t>the</a:t>
-            </a:r>
-            <a:r>
-              <a:rPr lang="de-DE" dirty="0"/>
-              <a:t> </a:t>
-            </a:r>
-            <a:r>
-              <a:rPr lang="de-DE" dirty="0" err="1"/>
-              <a:t>next</a:t>
-            </a:r>
-            <a:r>
-              <a:rPr lang="de-DE" dirty="0"/>
-              <a:t> </a:t>
-            </a:r>
-            <a:r>
-              <a:rPr lang="de-DE" dirty="0" err="1"/>
-              <a:t>day</a:t>
-            </a:r>
-            <a:r>
-              <a:rPr lang="de-DE" dirty="0"/>
-              <a:t> (</a:t>
-            </a:r>
-            <a:r>
-              <a:rPr lang="de-DE" dirty="0" err="1"/>
-              <a:t>regression</a:t>
-            </a:r>
-            <a:r>
-              <a:rPr lang="de-DE" dirty="0"/>
-              <a:t>). As an </a:t>
-            </a:r>
-            <a:r>
-              <a:rPr lang="de-DE" dirty="0" err="1"/>
-              <a:t>example</a:t>
-            </a:r>
-            <a:r>
-              <a:rPr lang="de-DE" dirty="0"/>
-              <a:t> </a:t>
-            </a:r>
-            <a:r>
-              <a:rPr lang="de-DE" dirty="0" err="1"/>
-              <a:t>we</a:t>
-            </a:r>
-            <a:r>
-              <a:rPr lang="de-DE" dirty="0"/>
-              <a:t> </a:t>
-            </a:r>
-            <a:r>
-              <a:rPr lang="de-DE" dirty="0" err="1"/>
-              <a:t>took</a:t>
-            </a:r>
-            <a:r>
-              <a:rPr lang="de-DE" dirty="0"/>
-              <a:t> </a:t>
-            </a:r>
-            <a:r>
-              <a:rPr lang="de-DE" dirty="0" err="1"/>
-              <a:t>the</a:t>
-            </a:r>
-            <a:r>
-              <a:rPr lang="de-DE" dirty="0"/>
-              <a:t> META </a:t>
-            </a:r>
-            <a:r>
-              <a:rPr lang="de-DE" dirty="0" err="1"/>
-              <a:t>share</a:t>
-            </a:r>
-            <a:r>
-              <a:rPr lang="de-DE" dirty="0"/>
-              <a:t>.</a:t>
-            </a:r>
-          </a:p>
-          <a:p>
-            <a:pPr marL="0" indent="0">
-              <a:buNone/>
-            </a:pPr>
-            <a:endParaRPr lang="de-DE" dirty="0"/>
-          </a:p>
-          <a:p>
-            <a:pPr marL="0" indent="0">
-              <a:buNone/>
-            </a:pPr>
-            <a:r>
-              <a:rPr lang="de-DE" dirty="0"/>
-              <a:t>Scenario: </a:t>
-            </a:r>
-          </a:p>
-          <a:p>
-            <a:pPr marL="0" indent="0">
-              <a:buNone/>
-            </a:pPr>
-            <a:r>
-              <a:rPr lang="de-DE" dirty="0" err="1"/>
-              <a:t>Once</a:t>
-            </a:r>
-            <a:r>
-              <a:rPr lang="de-DE" dirty="0"/>
-              <a:t> </a:t>
-            </a:r>
-            <a:r>
-              <a:rPr lang="de-DE" dirty="0" err="1"/>
-              <a:t>the</a:t>
-            </a:r>
-            <a:r>
-              <a:rPr lang="de-DE" dirty="0"/>
-              <a:t> tradefaire </a:t>
-            </a:r>
-            <a:r>
-              <a:rPr lang="de-DE" dirty="0" err="1"/>
-              <a:t>has</a:t>
-            </a:r>
-            <a:r>
-              <a:rPr lang="de-DE" dirty="0"/>
-              <a:t> </a:t>
-            </a:r>
-            <a:r>
-              <a:rPr lang="de-DE" dirty="0" err="1"/>
-              <a:t>closed</a:t>
-            </a:r>
-            <a:r>
-              <a:rPr lang="de-DE" dirty="0"/>
-              <a:t> </a:t>
-            </a:r>
-            <a:r>
-              <a:rPr lang="de-DE" dirty="0" err="1"/>
-              <a:t>train</a:t>
-            </a:r>
-            <a:r>
-              <a:rPr lang="de-DE" dirty="0"/>
-              <a:t> </a:t>
-            </a:r>
-            <a:r>
-              <a:rPr lang="de-DE" dirty="0" err="1"/>
-              <a:t>model</a:t>
-            </a:r>
-            <a:r>
-              <a:rPr lang="de-DE" dirty="0"/>
-              <a:t> </a:t>
-            </a:r>
-            <a:r>
-              <a:rPr lang="de-DE" dirty="0" err="1"/>
-              <a:t>using</a:t>
-            </a:r>
-            <a:r>
-              <a:rPr lang="de-DE" dirty="0"/>
-              <a:t> all </a:t>
-            </a:r>
-            <a:r>
-              <a:rPr lang="de-DE" dirty="0" err="1"/>
-              <a:t>available</a:t>
-            </a:r>
-            <a:r>
-              <a:rPr lang="de-DE" dirty="0"/>
-              <a:t> </a:t>
-            </a:r>
-            <a:r>
-              <a:rPr lang="de-DE" dirty="0" err="1"/>
-              <a:t>data</a:t>
-            </a:r>
-            <a:r>
-              <a:rPr lang="de-DE" dirty="0"/>
-              <a:t> </a:t>
-            </a:r>
-            <a:r>
-              <a:rPr lang="de-DE" dirty="0" err="1"/>
-              <a:t>including</a:t>
-            </a:r>
-            <a:r>
-              <a:rPr lang="de-DE" dirty="0"/>
-              <a:t> </a:t>
-            </a:r>
-            <a:r>
-              <a:rPr lang="de-DE" dirty="0" err="1"/>
-              <a:t>the</a:t>
-            </a:r>
-            <a:r>
-              <a:rPr lang="de-DE" dirty="0"/>
-              <a:t> last </a:t>
-            </a:r>
-            <a:r>
-              <a:rPr lang="de-DE" dirty="0" err="1"/>
-              <a:t>trading</a:t>
-            </a:r>
-            <a:r>
-              <a:rPr lang="de-DE" dirty="0"/>
-              <a:t> </a:t>
-            </a:r>
-            <a:r>
-              <a:rPr lang="de-DE" dirty="0" err="1"/>
-              <a:t>day</a:t>
-            </a:r>
-            <a:r>
-              <a:rPr lang="de-DE" dirty="0"/>
-              <a:t>. </a:t>
-            </a:r>
-          </a:p>
-          <a:p>
-            <a:pPr marL="0" indent="0">
-              <a:buNone/>
-            </a:pPr>
-            <a:r>
-              <a:rPr lang="de-DE" dirty="0"/>
-              <a:t>Act </a:t>
-            </a:r>
-            <a:r>
-              <a:rPr lang="de-DE" dirty="0" err="1"/>
-              <a:t>based</a:t>
-            </a:r>
-            <a:r>
-              <a:rPr lang="de-DE" dirty="0"/>
-              <a:t> on </a:t>
-            </a:r>
-            <a:r>
-              <a:rPr lang="de-DE" dirty="0" err="1"/>
-              <a:t>the</a:t>
-            </a:r>
-            <a:r>
-              <a:rPr lang="de-DE" dirty="0"/>
-              <a:t> </a:t>
-            </a:r>
-            <a:r>
-              <a:rPr lang="de-DE" dirty="0" err="1"/>
-              <a:t>prediction</a:t>
-            </a:r>
-            <a:r>
-              <a:rPr lang="de-DE" dirty="0"/>
-              <a:t> </a:t>
-            </a:r>
-            <a:r>
-              <a:rPr lang="de-DE" dirty="0" err="1"/>
-              <a:t>once</a:t>
-            </a:r>
-            <a:r>
-              <a:rPr lang="de-DE" dirty="0"/>
-              <a:t> </a:t>
-            </a:r>
-            <a:r>
-              <a:rPr lang="de-DE" dirty="0" err="1"/>
-              <a:t>the</a:t>
-            </a:r>
-            <a:r>
-              <a:rPr lang="de-DE" dirty="0"/>
-              <a:t> </a:t>
-            </a:r>
-            <a:r>
-              <a:rPr lang="de-DE" dirty="0" err="1"/>
-              <a:t>tradfaire</a:t>
-            </a:r>
-            <a:r>
-              <a:rPr lang="de-DE" dirty="0"/>
-              <a:t> </a:t>
-            </a:r>
-            <a:r>
-              <a:rPr lang="de-DE" dirty="0" err="1"/>
-              <a:t>has</a:t>
-            </a:r>
-            <a:r>
-              <a:rPr lang="de-DE" dirty="0"/>
-              <a:t> </a:t>
-            </a:r>
-            <a:r>
-              <a:rPr lang="de-DE" dirty="0" err="1"/>
-              <a:t>reopened</a:t>
-            </a:r>
-            <a:r>
-              <a:rPr lang="de-DE" dirty="0"/>
-              <a:t>: </a:t>
-            </a:r>
-          </a:p>
-          <a:p>
-            <a:pPr marL="0" indent="0">
-              <a:buNone/>
-            </a:pPr>
-            <a:r>
-              <a:rPr lang="de-DE" dirty="0" err="1"/>
-              <a:t>if</a:t>
-            </a:r>
-            <a:r>
-              <a:rPr lang="de-DE" dirty="0"/>
-              <a:t> an </a:t>
-            </a:r>
-            <a:r>
-              <a:rPr lang="de-DE" dirty="0" err="1"/>
-              <a:t>increase</a:t>
-            </a:r>
-            <a:r>
-              <a:rPr lang="de-DE" dirty="0"/>
-              <a:t> </a:t>
-            </a:r>
-            <a:r>
-              <a:rPr lang="de-DE" dirty="0" err="1"/>
-              <a:t>is</a:t>
-            </a:r>
-            <a:r>
-              <a:rPr lang="de-DE" dirty="0"/>
-              <a:t> </a:t>
-            </a:r>
-            <a:r>
-              <a:rPr lang="de-DE" dirty="0" err="1"/>
-              <a:t>predicted</a:t>
-            </a:r>
-            <a:r>
-              <a:rPr lang="de-DE" dirty="0"/>
-              <a:t> </a:t>
-            </a:r>
-            <a:r>
-              <a:rPr lang="de-DE" dirty="0" err="1"/>
-              <a:t>buy</a:t>
-            </a:r>
-            <a:r>
-              <a:rPr lang="de-DE" dirty="0"/>
-              <a:t>, </a:t>
-            </a:r>
-            <a:r>
-              <a:rPr lang="de-DE" dirty="0" err="1"/>
-              <a:t>if</a:t>
-            </a:r>
-            <a:r>
-              <a:rPr lang="de-DE" dirty="0"/>
-              <a:t> a </a:t>
-            </a:r>
-            <a:r>
-              <a:rPr lang="de-DE" dirty="0" err="1"/>
-              <a:t>decrease</a:t>
-            </a:r>
-            <a:r>
-              <a:rPr lang="de-DE" dirty="0"/>
-              <a:t> </a:t>
-            </a:r>
-            <a:r>
-              <a:rPr lang="de-DE" dirty="0" err="1"/>
-              <a:t>is</a:t>
-            </a:r>
-            <a:r>
-              <a:rPr lang="de-DE" dirty="0"/>
-              <a:t> </a:t>
-            </a:r>
-            <a:r>
-              <a:rPr lang="de-DE" dirty="0" err="1"/>
-              <a:t>predicted</a:t>
-            </a:r>
-            <a:r>
-              <a:rPr lang="de-DE" dirty="0"/>
-              <a:t> </a:t>
-            </a:r>
-            <a:r>
-              <a:rPr lang="de-DE" dirty="0" err="1"/>
-              <a:t>sell</a:t>
-            </a:r>
-            <a:r>
-              <a:rPr lang="de-DE" dirty="0"/>
-              <a:t> </a:t>
-            </a:r>
-            <a:r>
-              <a:rPr lang="de-DE" dirty="0" err="1"/>
-              <a:t>the</a:t>
-            </a:r>
-            <a:r>
-              <a:rPr lang="de-DE" dirty="0"/>
-              <a:t> </a:t>
-            </a:r>
-            <a:r>
-              <a:rPr lang="de-DE" dirty="0" err="1"/>
-              <a:t>asset</a:t>
-            </a:r>
-            <a:r>
-              <a:rPr lang="de-DE" dirty="0"/>
-              <a:t>.  </a:t>
-            </a:r>
-          </a:p>
-          <a:p>
-            <a:pPr marL="0" indent="0">
-              <a:buNone/>
-            </a:pPr>
-            <a:endParaRPr lang="de-DE" dirty="0"/>
-          </a:p>
-          <a:p>
-            <a:pPr marL="0" indent="0">
-              <a:buNone/>
-            </a:pPr>
-            <a:r>
-              <a:rPr lang="de-DE" dirty="0" err="1"/>
-              <a:t>Prerequisite</a:t>
-            </a:r>
-            <a:r>
-              <a:rPr lang="de-DE" dirty="0"/>
-              <a:t>: </a:t>
-            </a:r>
-          </a:p>
-          <a:p>
-            <a:pPr marL="0" indent="0">
-              <a:buNone/>
-            </a:pPr>
-            <a:r>
-              <a:rPr lang="de-DE" dirty="0"/>
-              <a:t>Training </a:t>
-            </a:r>
-            <a:r>
-              <a:rPr lang="de-DE" dirty="0" err="1"/>
-              <a:t>of</a:t>
-            </a:r>
-            <a:r>
-              <a:rPr lang="de-DE" dirty="0"/>
-              <a:t> </a:t>
-            </a:r>
-            <a:r>
-              <a:rPr lang="de-DE" dirty="0" err="1"/>
-              <a:t>the</a:t>
-            </a:r>
-            <a:r>
-              <a:rPr lang="de-DE" dirty="0"/>
-              <a:t> </a:t>
-            </a:r>
-            <a:r>
-              <a:rPr lang="de-DE" dirty="0" err="1"/>
-              <a:t>procedure</a:t>
-            </a:r>
-            <a:r>
-              <a:rPr lang="de-DE" dirty="0"/>
-              <a:t> </a:t>
-            </a:r>
-            <a:r>
-              <a:rPr lang="de-DE" dirty="0" err="1"/>
-              <a:t>needs</a:t>
-            </a:r>
-            <a:r>
-              <a:rPr lang="de-DE" dirty="0"/>
-              <a:t> to </a:t>
-            </a:r>
-            <a:r>
-              <a:rPr lang="de-DE" dirty="0" err="1"/>
-              <a:t>be</a:t>
-            </a:r>
-            <a:r>
-              <a:rPr lang="de-DE" dirty="0"/>
-              <a:t> </a:t>
-            </a:r>
-            <a:r>
-              <a:rPr lang="de-DE" dirty="0" err="1"/>
-              <a:t>finished</a:t>
-            </a:r>
-            <a:r>
-              <a:rPr lang="de-DE" dirty="0"/>
-              <a:t> </a:t>
-            </a:r>
-            <a:r>
-              <a:rPr lang="de-DE" dirty="0" err="1"/>
-              <a:t>within</a:t>
-            </a:r>
-            <a:r>
-              <a:rPr lang="de-DE" dirty="0"/>
-              <a:t> </a:t>
-            </a:r>
-            <a:r>
-              <a:rPr lang="de-DE" dirty="0" err="1"/>
-              <a:t>the</a:t>
-            </a:r>
-            <a:r>
-              <a:rPr lang="de-DE" dirty="0"/>
-              <a:t> 1 </a:t>
-            </a:r>
-            <a:r>
-              <a:rPr lang="de-DE" dirty="0" err="1"/>
-              <a:t>hour</a:t>
-            </a:r>
-            <a:r>
-              <a:rPr lang="de-DE" dirty="0"/>
-              <a:t> in </a:t>
-            </a:r>
-            <a:r>
-              <a:rPr lang="de-DE" dirty="0" err="1"/>
-              <a:t>which</a:t>
-            </a:r>
-            <a:r>
-              <a:rPr lang="de-DE" dirty="0"/>
-              <a:t> </a:t>
-            </a:r>
-            <a:r>
-              <a:rPr lang="de-DE" dirty="0" err="1"/>
-              <a:t>the</a:t>
-            </a:r>
-            <a:r>
-              <a:rPr lang="de-DE" dirty="0"/>
-              <a:t> US tradefaire </a:t>
-            </a:r>
-            <a:r>
-              <a:rPr lang="de-DE" dirty="0" err="1"/>
-              <a:t>is</a:t>
-            </a:r>
-            <a:r>
-              <a:rPr lang="de-DE" dirty="0"/>
-              <a:t> </a:t>
-            </a:r>
-            <a:r>
-              <a:rPr lang="de-DE" dirty="0" err="1"/>
-              <a:t>closed</a:t>
-            </a:r>
-            <a:r>
-              <a:rPr lang="de-DE" dirty="0"/>
-              <a:t>.</a:t>
-            </a:r>
-          </a:p>
-          <a:p>
-            <a:pPr marL="0" indent="0">
-              <a:buNone/>
-            </a:pPr>
-            <a:endParaRPr lang="en-US" dirty="0"/>
-          </a:p>
-        </p:txBody>
-      </p:sp>
-    </p:spTree>
-    <p:extLst>
-      <p:ext uri="{BB962C8B-B14F-4D97-AF65-F5344CB8AC3E}">
-        <p14:creationId xmlns:p14="http://schemas.microsoft.com/office/powerpoint/2010/main" val="1668333977"/>
-      </p:ext>
-    </p:extLst>
-  </p:cSld>
-  <p:clrMapOvr>
-    <a:masterClrMapping/>
-  </p:clrMapOvr>
-</p:sld>
-</file>
-
-<file path=ppt/slides/slide20.xml><?xml version="1.0" encoding="utf-8"?>
+<file path=ppt/slides/slide21.xml><?xml version="1.0" encoding="utf-8"?>
 <p:sld xmlns:a="http://schemas.openxmlformats.org/drawingml/2006/main" xmlns:r="http://schemas.openxmlformats.org/officeDocument/2006/relationships" xmlns:p="http://schemas.openxmlformats.org/presentationml/2006/main">
   <p:cSld>
     <p:spTree>
@@ -6584,7 +6857,7 @@
 </p:sld>
 </file>
 
-<file path=ppt/slides/slide21.xml><?xml version="1.0" encoding="utf-8"?>
+<file path=ppt/slides/slide22.xml><?xml version="1.0" encoding="utf-8"?>
 <p:sld xmlns:a="http://schemas.openxmlformats.org/drawingml/2006/main" xmlns:r="http://schemas.openxmlformats.org/officeDocument/2006/relationships" xmlns:p="http://schemas.openxmlformats.org/presentationml/2006/main">
   <p:cSld>
     <p:spTree>
@@ -6867,7 +7140,7 @@
 </p:sld>
 </file>
 
-<file path=ppt/slides/slide22.xml><?xml version="1.0" encoding="utf-8"?>
+<file path=ppt/slides/slide23.xml><?xml version="1.0" encoding="utf-8"?>
 <p:sld xmlns:a="http://schemas.openxmlformats.org/drawingml/2006/main" xmlns:r="http://schemas.openxmlformats.org/officeDocument/2006/relationships" xmlns:p="http://schemas.openxmlformats.org/presentationml/2006/main">
   <p:cSld>
     <p:spTree>
@@ -7015,6 +7288,593 @@
     <p:extLst>
       <p:ext uri="{BB962C8B-B14F-4D97-AF65-F5344CB8AC3E}">
         <p14:creationId xmlns:p14="http://schemas.microsoft.com/office/powerpoint/2010/main" val="4000332666"/>
+      </p:ext>
+    </p:extLst>
+  </p:cSld>
+  <p:clrMapOvr>
+    <a:masterClrMapping/>
+  </p:clrMapOvr>
+</p:sld>
+</file>
+
+<file path=ppt/slides/slide24.xml><?xml version="1.0" encoding="utf-8"?>
+<p:sld xmlns:a="http://schemas.openxmlformats.org/drawingml/2006/main" xmlns:r="http://schemas.openxmlformats.org/officeDocument/2006/relationships" xmlns:p="http://schemas.openxmlformats.org/presentationml/2006/main">
+  <p:cSld>
+    <p:spTree>
+      <p:nvGrpSpPr>
+        <p:cNvPr id="1" name="">
+          <a:extLst>
+            <a:ext uri="{FF2B5EF4-FFF2-40B4-BE49-F238E27FC236}">
+              <a16:creationId xmlns:a16="http://schemas.microsoft.com/office/drawing/2014/main" id="{B0CD61B3-8641-2748-6FAD-666EB545C2A0}"/>
+            </a:ext>
+          </a:extLst>
+        </p:cNvPr>
+        <p:cNvGrpSpPr/>
+        <p:nvPr/>
+      </p:nvGrpSpPr>
+      <p:grpSpPr>
+        <a:xfrm>
+          <a:off x="0" y="0"/>
+          <a:ext cx="0" cy="0"/>
+          <a:chOff x="0" y="0"/>
+          <a:chExt cx="0" cy="0"/>
+        </a:xfrm>
+      </p:grpSpPr>
+      <p:sp>
+        <p:nvSpPr>
+          <p:cNvPr id="4" name="Title 1">
+            <a:extLst>
+              <a:ext uri="{FF2B5EF4-FFF2-40B4-BE49-F238E27FC236}">
+                <a16:creationId xmlns:a16="http://schemas.microsoft.com/office/drawing/2014/main" id="{A29C6FE6-5EEE-593F-BD8D-757F05289984}"/>
+              </a:ext>
+            </a:extLst>
+          </p:cNvPr>
+          <p:cNvSpPr>
+            <a:spLocks noGrp="1"/>
+          </p:cNvSpPr>
+          <p:nvPr>
+            <p:ph type="title"/>
+          </p:nvPr>
+        </p:nvSpPr>
+        <p:spPr>
+          <a:xfrm>
+            <a:off x="838200" y="102834"/>
+            <a:ext cx="10515600" cy="585489"/>
+          </a:xfrm>
+        </p:spPr>
+        <p:txBody>
+          <a:bodyPr>
+            <a:normAutofit fontScale="90000"/>
+          </a:bodyPr>
+          <a:lstStyle/>
+          <a:p>
+            <a:pPr algn="ctr"/>
+            <a:r>
+              <a:rPr lang="de-DE" sz="2000" b="1" dirty="0"/>
+              <a:t>Table </a:t>
+            </a:r>
+            <a:r>
+              <a:rPr lang="de-DE" sz="2000" b="1" dirty="0" err="1"/>
+              <a:t>from</a:t>
+            </a:r>
+            <a:r>
+              <a:rPr lang="de-DE" sz="2000" b="1" dirty="0"/>
+              <a:t> </a:t>
+            </a:r>
+            <a:r>
+              <a:rPr lang="de-DE" sz="2000" b="1" dirty="0" err="1"/>
+              <a:t>data</a:t>
+            </a:r>
+            <a:r>
+              <a:rPr lang="de-DE" sz="2000" b="1" dirty="0"/>
+              <a:t> in plots_5years/results.txt </a:t>
+            </a:r>
+            <a:r>
+              <a:rPr lang="de-DE" sz="2000" b="1" dirty="0" err="1"/>
+              <a:t>comes</a:t>
+            </a:r>
+            <a:r>
+              <a:rPr lang="de-DE" sz="2000" b="1" dirty="0"/>
+              <a:t> </a:t>
+            </a:r>
+            <a:r>
+              <a:rPr lang="de-DE" sz="2000" b="1" dirty="0" err="1"/>
+              <a:t>here</a:t>
+            </a:r>
+            <a:br>
+              <a:rPr lang="de-DE" sz="2000" b="1" dirty="0"/>
+            </a:br>
+            <a:r>
+              <a:rPr lang="de-DE" sz="2000" b="1" dirty="0" err="1"/>
+              <a:t>to</a:t>
+            </a:r>
+            <a:r>
+              <a:rPr lang="de-DE" sz="2000" b="1" dirty="0"/>
+              <a:t> </a:t>
+            </a:r>
+            <a:r>
+              <a:rPr lang="de-DE" sz="2000" b="1" dirty="0" err="1"/>
+              <a:t>compare</a:t>
+            </a:r>
+            <a:r>
+              <a:rPr lang="de-DE" sz="2000" b="1" dirty="0"/>
+              <a:t> </a:t>
+            </a:r>
+            <a:r>
+              <a:rPr lang="de-DE" sz="2000" b="1" dirty="0" err="1"/>
+              <a:t>prediction</a:t>
+            </a:r>
+            <a:r>
+              <a:rPr lang="de-DE" sz="2000" b="1" dirty="0"/>
+              <a:t> </a:t>
+            </a:r>
+            <a:r>
+              <a:rPr lang="de-DE" sz="2000" b="1" dirty="0" err="1"/>
+              <a:t>with</a:t>
+            </a:r>
+            <a:r>
+              <a:rPr lang="de-DE" sz="2000" b="1" dirty="0"/>
+              <a:t> real-</a:t>
+            </a:r>
+            <a:r>
+              <a:rPr lang="de-DE" sz="2000" b="1" dirty="0" err="1"/>
+              <a:t>world</a:t>
+            </a:r>
+            <a:r>
+              <a:rPr lang="de-DE" sz="2000" b="1" dirty="0"/>
+              <a:t> </a:t>
+            </a:r>
+            <a:r>
+              <a:rPr lang="de-DE" sz="2000" b="1" dirty="0" err="1"/>
+              <a:t>data</a:t>
+            </a:r>
+            <a:r>
+              <a:rPr lang="de-DE" sz="2000" b="1" dirty="0"/>
+              <a:t> </a:t>
+            </a:r>
+            <a:r>
+              <a:rPr lang="de-DE" sz="2000" b="1" dirty="0" err="1"/>
+              <a:t>from</a:t>
+            </a:r>
+            <a:r>
+              <a:rPr lang="de-DE" sz="2000" b="1" dirty="0"/>
+              <a:t> </a:t>
+            </a:r>
+            <a:r>
+              <a:rPr lang="de-DE" sz="2000" b="1" dirty="0" err="1"/>
+              <a:t>the</a:t>
+            </a:r>
+            <a:r>
+              <a:rPr lang="de-DE" sz="2000" b="1" dirty="0"/>
+              <a:t> real </a:t>
+            </a:r>
+            <a:r>
+              <a:rPr lang="de-DE" sz="2000" b="1" dirty="0" err="1"/>
+              <a:t>closes</a:t>
+            </a:r>
+            <a:endParaRPr lang="en-US" sz="2000" b="1" dirty="0"/>
+          </a:p>
+        </p:txBody>
+      </p:sp>
+      <p:sp>
+        <p:nvSpPr>
+          <p:cNvPr id="5" name="Title 1">
+            <a:extLst>
+              <a:ext uri="{FF2B5EF4-FFF2-40B4-BE49-F238E27FC236}">
+                <a16:creationId xmlns:a16="http://schemas.microsoft.com/office/drawing/2014/main" id="{D71ABB0C-19C5-C054-F506-4FFC45F262E5}"/>
+              </a:ext>
+            </a:extLst>
+          </p:cNvPr>
+          <p:cNvSpPr txBox="1">
+            <a:spLocks/>
+          </p:cNvSpPr>
+          <p:nvPr/>
+        </p:nvSpPr>
+        <p:spPr>
+          <a:xfrm>
+            <a:off x="838200" y="318359"/>
+            <a:ext cx="10515600" cy="585489"/>
+          </a:xfrm>
+          <a:prstGeom prst="rect">
+            <a:avLst/>
+          </a:prstGeom>
+        </p:spPr>
+        <p:txBody>
+          <a:bodyPr vert="horz" lIns="91440" tIns="45720" rIns="91440" bIns="45720" rtlCol="0" anchor="ctr">
+            <a:normAutofit/>
+          </a:bodyPr>
+          <a:lstStyle>
+            <a:lvl1pPr algn="l" defTabSz="914400" rtl="0" eaLnBrk="1" latinLnBrk="0" hangingPunct="1">
+              <a:lnSpc>
+                <a:spcPct val="90000"/>
+              </a:lnSpc>
+              <a:spcBef>
+                <a:spcPct val="0"/>
+              </a:spcBef>
+              <a:buNone/>
+              <a:defRPr sz="4400" kern="1200">
+                <a:solidFill>
+                  <a:schemeClr val="tx1"/>
+                </a:solidFill>
+                <a:latin typeface="+mj-lt"/>
+                <a:ea typeface="+mj-ea"/>
+                <a:cs typeface="+mj-cs"/>
+              </a:defRPr>
+            </a:lvl1pPr>
+          </a:lstStyle>
+          <a:p>
+            <a:pPr algn="ctr"/>
+            <a:endParaRPr lang="en-US" sz="2000" b="1" dirty="0"/>
+          </a:p>
+        </p:txBody>
+      </p:sp>
+    </p:spTree>
+    <p:extLst>
+      <p:ext uri="{BB962C8B-B14F-4D97-AF65-F5344CB8AC3E}">
+        <p14:creationId xmlns:p14="http://schemas.microsoft.com/office/powerpoint/2010/main" val="185403250"/>
+      </p:ext>
+    </p:extLst>
+  </p:cSld>
+  <p:clrMapOvr>
+    <a:masterClrMapping/>
+  </p:clrMapOvr>
+</p:sld>
+</file>
+
+<file path=ppt/slides/slide25.xml><?xml version="1.0" encoding="utf-8"?>
+<p:sld xmlns:a="http://schemas.openxmlformats.org/drawingml/2006/main" xmlns:r="http://schemas.openxmlformats.org/officeDocument/2006/relationships" xmlns:p="http://schemas.openxmlformats.org/presentationml/2006/main">
+  <p:cSld>
+    <p:spTree>
+      <p:nvGrpSpPr>
+        <p:cNvPr id="1" name="">
+          <a:extLst>
+            <a:ext uri="{FF2B5EF4-FFF2-40B4-BE49-F238E27FC236}">
+              <a16:creationId xmlns:a16="http://schemas.microsoft.com/office/drawing/2014/main" id="{FD486627-FBB5-673F-EFDF-67DBF5D3D1BD}"/>
+            </a:ext>
+          </a:extLst>
+        </p:cNvPr>
+        <p:cNvGrpSpPr/>
+        <p:nvPr/>
+      </p:nvGrpSpPr>
+      <p:grpSpPr>
+        <a:xfrm>
+          <a:off x="0" y="0"/>
+          <a:ext cx="0" cy="0"/>
+          <a:chOff x="0" y="0"/>
+          <a:chExt cx="0" cy="0"/>
+        </a:xfrm>
+      </p:grpSpPr>
+      <p:sp>
+        <p:nvSpPr>
+          <p:cNvPr id="2" name="Title 1">
+            <a:extLst>
+              <a:ext uri="{FF2B5EF4-FFF2-40B4-BE49-F238E27FC236}">
+                <a16:creationId xmlns:a16="http://schemas.microsoft.com/office/drawing/2014/main" id="{A0483AFE-E1AF-1412-E42A-054E308235E9}"/>
+              </a:ext>
+            </a:extLst>
+          </p:cNvPr>
+          <p:cNvSpPr>
+            <a:spLocks noGrp="1"/>
+          </p:cNvSpPr>
+          <p:nvPr>
+            <p:ph type="title"/>
+          </p:nvPr>
+        </p:nvSpPr>
+        <p:spPr/>
+        <p:txBody>
+          <a:bodyPr/>
+          <a:lstStyle/>
+          <a:p>
+            <a:r>
+              <a:rPr lang="de-DE" dirty="0"/>
+              <a:t>Extra: Sentiment </a:t>
+            </a:r>
+            <a:r>
+              <a:rPr lang="de-DE" dirty="0" err="1"/>
+              <a:t>analysis</a:t>
+            </a:r>
+            <a:endParaRPr lang="en-US" dirty="0"/>
+          </a:p>
+        </p:txBody>
+      </p:sp>
+      <p:sp>
+        <p:nvSpPr>
+          <p:cNvPr id="3" name="Content Placeholder 2">
+            <a:extLst>
+              <a:ext uri="{FF2B5EF4-FFF2-40B4-BE49-F238E27FC236}">
+                <a16:creationId xmlns:a16="http://schemas.microsoft.com/office/drawing/2014/main" id="{9EB75E72-C861-3AF2-ABB4-605E65368ABC}"/>
+              </a:ext>
+            </a:extLst>
+          </p:cNvPr>
+          <p:cNvSpPr>
+            <a:spLocks noGrp="1"/>
+          </p:cNvSpPr>
+          <p:nvPr>
+            <p:ph idx="1"/>
+          </p:nvPr>
+        </p:nvSpPr>
+        <p:spPr>
+          <a:xfrm>
+            <a:off x="838200" y="1690688"/>
+            <a:ext cx="10515600" cy="4351338"/>
+          </a:xfrm>
+        </p:spPr>
+        <p:txBody>
+          <a:bodyPr>
+            <a:normAutofit fontScale="92500" lnSpcReduction="10000"/>
+          </a:bodyPr>
+          <a:lstStyle/>
+          <a:p>
+            <a:r>
+              <a:rPr lang="de-DE" dirty="0"/>
+              <a:t>Access APIs </a:t>
+            </a:r>
+            <a:r>
+              <a:rPr lang="de-DE" dirty="0" err="1"/>
+              <a:t>of</a:t>
+            </a:r>
+            <a:r>
+              <a:rPr lang="de-DE" dirty="0"/>
+              <a:t> </a:t>
+            </a:r>
+            <a:r>
+              <a:rPr lang="de-DE" dirty="0" err="1"/>
+              <a:t>two</a:t>
+            </a:r>
+            <a:r>
+              <a:rPr lang="de-DE" dirty="0"/>
+              <a:t> LLMs </a:t>
+            </a:r>
+            <a:r>
+              <a:rPr lang="de-DE" dirty="0" err="1"/>
+              <a:t>to</a:t>
+            </a:r>
+            <a:r>
+              <a:rPr lang="de-DE" dirty="0"/>
+              <a:t> do </a:t>
+            </a:r>
+            <a:r>
+              <a:rPr lang="de-DE" dirty="0" err="1"/>
+              <a:t>sentiment</a:t>
+            </a:r>
+            <a:r>
+              <a:rPr lang="de-DE" dirty="0"/>
+              <a:t> </a:t>
+            </a:r>
+            <a:r>
+              <a:rPr lang="de-DE" dirty="0" err="1"/>
+              <a:t>analysis</a:t>
+            </a:r>
+            <a:r>
+              <a:rPr lang="de-DE" dirty="0"/>
+              <a:t> on </a:t>
+            </a:r>
+            <a:r>
+              <a:rPr lang="de-DE" dirty="0" err="1"/>
+              <a:t>daily</a:t>
+            </a:r>
+            <a:r>
+              <a:rPr lang="de-DE" dirty="0"/>
+              <a:t> </a:t>
+            </a:r>
+            <a:r>
+              <a:rPr lang="de-DE" dirty="0" err="1"/>
+              <a:t>basis</a:t>
+            </a:r>
+            <a:endParaRPr lang="de-DE" dirty="0"/>
+          </a:p>
+          <a:p>
+            <a:pPr lvl="1"/>
+            <a:r>
+              <a:rPr lang="de-DE" dirty="0"/>
+              <a:t>Google Gemini („</a:t>
+            </a:r>
+            <a:r>
+              <a:rPr lang="de-DE" dirty="0" err="1"/>
+              <a:t>allrounder</a:t>
+            </a:r>
+            <a:r>
+              <a:rPr lang="de-DE" dirty="0"/>
+              <a:t>“)</a:t>
+            </a:r>
+          </a:p>
+          <a:p>
+            <a:pPr lvl="1"/>
+            <a:r>
+              <a:rPr lang="de-DE" dirty="0" err="1"/>
+              <a:t>Perplexity</a:t>
+            </a:r>
+            <a:r>
+              <a:rPr lang="de-DE" dirty="0"/>
+              <a:t> (</a:t>
+            </a:r>
+            <a:r>
+              <a:rPr lang="de-DE" dirty="0" err="1"/>
+              <a:t>focused</a:t>
+            </a:r>
+            <a:r>
+              <a:rPr lang="de-DE" dirty="0"/>
+              <a:t> on real-time </a:t>
+            </a:r>
+            <a:r>
+              <a:rPr lang="de-DE" dirty="0" err="1"/>
+              <a:t>information</a:t>
+            </a:r>
+            <a:r>
+              <a:rPr lang="de-DE" dirty="0"/>
+              <a:t>)</a:t>
+            </a:r>
+          </a:p>
+          <a:p>
+            <a:r>
+              <a:rPr lang="en-US" dirty="0"/>
+              <a:t>Prompt: “Please give me an assessment of Meta shares (ISIN: US30303M1027) based on current news within the past 7 days, using at least 6 reputable financial sources. Use sentiment analysis and any major events impacting the stock. Rate on a scale of 1-100 (1 very poor, 100 very good). Return only a single int as the answer. ”</a:t>
+            </a:r>
+          </a:p>
+          <a:p>
+            <a:r>
+              <a:rPr lang="en-US" dirty="0"/>
+              <a:t>Returns .csv file</a:t>
+            </a:r>
+          </a:p>
+          <a:p>
+            <a:endParaRPr lang="en-US" dirty="0"/>
+          </a:p>
+          <a:p>
+            <a:r>
+              <a:rPr lang="en-US" dirty="0"/>
+              <a:t>Could be integrated for future modelling, if enough data is available</a:t>
+            </a:r>
+          </a:p>
+        </p:txBody>
+      </p:sp>
+      <p:pic>
+        <p:nvPicPr>
+          <p:cNvPr id="5" name="Grafik 4">
+            <a:extLst>
+              <a:ext uri="{FF2B5EF4-FFF2-40B4-BE49-F238E27FC236}">
+                <a16:creationId xmlns:a16="http://schemas.microsoft.com/office/drawing/2014/main" id="{AE33749E-D573-F128-81F0-3D66D1C07FBB}"/>
+              </a:ext>
+            </a:extLst>
+          </p:cNvPr>
+          <p:cNvPicPr>
+            <a:picLocks noChangeAspect="1"/>
+          </p:cNvPicPr>
+          <p:nvPr/>
+        </p:nvPicPr>
+        <p:blipFill>
+          <a:blip r:embed="rId2"/>
+          <a:stretch>
+            <a:fillRect/>
+          </a:stretch>
+        </p:blipFill>
+        <p:spPr>
+          <a:xfrm>
+            <a:off x="3447776" y="4520560"/>
+            <a:ext cx="3924848" cy="790685"/>
+          </a:xfrm>
+          <a:prstGeom prst="rect">
+            <a:avLst/>
+          </a:prstGeom>
+        </p:spPr>
+      </p:pic>
+    </p:spTree>
+    <p:extLst>
+      <p:ext uri="{BB962C8B-B14F-4D97-AF65-F5344CB8AC3E}">
+        <p14:creationId xmlns:p14="http://schemas.microsoft.com/office/powerpoint/2010/main" val="862690193"/>
+      </p:ext>
+    </p:extLst>
+  </p:cSld>
+  <p:clrMapOvr>
+    <a:masterClrMapping/>
+  </p:clrMapOvr>
+</p:sld>
+</file>
+
+<file path=ppt/slides/slide26.xml><?xml version="1.0" encoding="utf-8"?>
+<p:sld xmlns:a="http://schemas.openxmlformats.org/drawingml/2006/main" xmlns:r="http://schemas.openxmlformats.org/officeDocument/2006/relationships" xmlns:p="http://schemas.openxmlformats.org/presentationml/2006/main">
+  <p:cSld>
+    <p:spTree>
+      <p:nvGrpSpPr>
+        <p:cNvPr id="1" name="">
+          <a:extLst>
+            <a:ext uri="{FF2B5EF4-FFF2-40B4-BE49-F238E27FC236}">
+              <a16:creationId xmlns:a16="http://schemas.microsoft.com/office/drawing/2014/main" id="{118968EC-0DF5-454A-29F0-06E7F94B5885}"/>
+            </a:ext>
+          </a:extLst>
+        </p:cNvPr>
+        <p:cNvGrpSpPr/>
+        <p:nvPr/>
+      </p:nvGrpSpPr>
+      <p:grpSpPr>
+        <a:xfrm>
+          <a:off x="0" y="0"/>
+          <a:ext cx="0" cy="0"/>
+          <a:chOff x="0" y="0"/>
+          <a:chExt cx="0" cy="0"/>
+        </a:xfrm>
+      </p:grpSpPr>
+      <p:sp>
+        <p:nvSpPr>
+          <p:cNvPr id="2" name="Title 1">
+            <a:extLst>
+              <a:ext uri="{FF2B5EF4-FFF2-40B4-BE49-F238E27FC236}">
+                <a16:creationId xmlns:a16="http://schemas.microsoft.com/office/drawing/2014/main" id="{437F05CF-EAAC-5EC6-9A1A-47B26BE9E174}"/>
+              </a:ext>
+            </a:extLst>
+          </p:cNvPr>
+          <p:cNvSpPr>
+            <a:spLocks noGrp="1"/>
+          </p:cNvSpPr>
+          <p:nvPr>
+            <p:ph type="title"/>
+          </p:nvPr>
+        </p:nvSpPr>
+        <p:spPr/>
+        <p:txBody>
+          <a:bodyPr/>
+          <a:lstStyle/>
+          <a:p>
+            <a:r>
+              <a:rPr lang="de-DE" dirty="0"/>
+              <a:t>Outlook</a:t>
+            </a:r>
+            <a:endParaRPr lang="en-US" dirty="0"/>
+          </a:p>
+        </p:txBody>
+      </p:sp>
+      <p:sp>
+        <p:nvSpPr>
+          <p:cNvPr id="3" name="Content Placeholder 2">
+            <a:extLst>
+              <a:ext uri="{FF2B5EF4-FFF2-40B4-BE49-F238E27FC236}">
+                <a16:creationId xmlns:a16="http://schemas.microsoft.com/office/drawing/2014/main" id="{57E2B12A-B674-8F51-3ADD-BF70D5C1906C}"/>
+              </a:ext>
+            </a:extLst>
+          </p:cNvPr>
+          <p:cNvSpPr>
+            <a:spLocks noGrp="1"/>
+          </p:cNvSpPr>
+          <p:nvPr>
+            <p:ph idx="1"/>
+          </p:nvPr>
+        </p:nvSpPr>
+        <p:spPr>
+          <a:xfrm>
+            <a:off x="838200" y="1690688"/>
+            <a:ext cx="10515600" cy="4351338"/>
+          </a:xfrm>
+        </p:spPr>
+        <p:txBody>
+          <a:bodyPr>
+            <a:normAutofit/>
+          </a:bodyPr>
+          <a:lstStyle/>
+          <a:p>
+            <a:r>
+              <a:rPr lang="en-US" dirty="0"/>
+              <a:t>Code optimization </a:t>
+            </a:r>
+            <a:r>
+              <a:rPr lang="en-US" dirty="0">
+                <a:sym typeface="Wingdings" panose="05000000000000000000" pitchFamily="2" charset="2"/>
+              </a:rPr>
+              <a:t> </a:t>
+            </a:r>
+            <a:r>
+              <a:rPr lang="en-US" dirty="0"/>
+              <a:t>Move parts of code used more frequently into class</a:t>
+            </a:r>
+          </a:p>
+          <a:p>
+            <a:endParaRPr lang="en-US" dirty="0"/>
+          </a:p>
+        </p:txBody>
+      </p:sp>
+    </p:spTree>
+    <p:extLst>
+      <p:ext uri="{BB962C8B-B14F-4D97-AF65-F5344CB8AC3E}">
+        <p14:creationId xmlns:p14="http://schemas.microsoft.com/office/powerpoint/2010/main" val="2433222471"/>
       </p:ext>
     </p:extLst>
   </p:cSld>
@@ -7425,8 +8285,12 @@
           <a:lstStyle/>
           <a:p>
             <a:r>
-              <a:rPr lang="de-DE" dirty="0"/>
-              <a:t>Optional </a:t>
+              <a:rPr lang="de-DE" dirty="0" err="1"/>
+              <a:t>Optionally</a:t>
+            </a:r>
+            <a:r>
+              <a:rPr lang="de-DE" dirty="0"/>
+              <a:t> </a:t>
             </a:r>
             <a:r>
               <a:rPr lang="de-DE" dirty="0" err="1"/>
@@ -7467,8 +8331,8 @@
         </p:nvSpPr>
         <p:spPr>
           <a:xfrm>
-            <a:off x="1023042" y="1539089"/>
-            <a:ext cx="6781045" cy="369332"/>
+            <a:off x="838200" y="1538714"/>
+            <a:ext cx="7562158" cy="369332"/>
           </a:xfrm>
           <a:prstGeom prst="rect">
             <a:avLst/>
@@ -7491,7 +8355,35 @@
             </a:r>
             <a:r>
               <a:rPr lang="de-DE" dirty="0"/>
-              <a:t> from yfinance.com</a:t>
+              <a:t> </a:t>
+            </a:r>
+            <a:r>
+              <a:rPr lang="de-DE" dirty="0" err="1"/>
+              <a:t>from</a:t>
+            </a:r>
+            <a:r>
+              <a:rPr lang="de-DE" dirty="0"/>
+              <a:t> finance.yahoo.com </a:t>
+            </a:r>
+            <a:r>
+              <a:rPr lang="de-DE" dirty="0" err="1"/>
+              <a:t>using</a:t>
+            </a:r>
+            <a:r>
+              <a:rPr lang="de-DE" dirty="0"/>
+              <a:t> Python </a:t>
+            </a:r>
+            <a:r>
+              <a:rPr lang="de-DE" dirty="0" err="1"/>
+              <a:t>yfinance</a:t>
+            </a:r>
+            <a:r>
+              <a:rPr lang="de-DE" dirty="0"/>
+              <a:t> </a:t>
+            </a:r>
+            <a:r>
+              <a:rPr lang="de-DE" dirty="0" err="1"/>
+              <a:t>package</a:t>
             </a:r>
             <a:endParaRPr lang="en-US" dirty="0"/>
           </a:p>
@@ -7515,6 +8407,110 @@
   <p:cSld>
     <p:spTree>
       <p:nvGrpSpPr>
+        <p:cNvPr id="1" name="">
+          <a:extLst>
+            <a:ext uri="{FF2B5EF4-FFF2-40B4-BE49-F238E27FC236}">
+              <a16:creationId xmlns:a16="http://schemas.microsoft.com/office/drawing/2014/main" id="{61DD7428-C6FE-949D-575D-CDBD0A49AC07}"/>
+            </a:ext>
+          </a:extLst>
+        </p:cNvPr>
+        <p:cNvGrpSpPr/>
+        <p:nvPr/>
+      </p:nvGrpSpPr>
+      <p:grpSpPr>
+        <a:xfrm>
+          <a:off x="0" y="0"/>
+          <a:ext cx="0" cy="0"/>
+          <a:chOff x="0" y="0"/>
+          <a:chExt cx="0" cy="0"/>
+        </a:xfrm>
+      </p:grpSpPr>
+      <p:sp>
+        <p:nvSpPr>
+          <p:cNvPr id="2" name="Title 1">
+            <a:extLst>
+              <a:ext uri="{FF2B5EF4-FFF2-40B4-BE49-F238E27FC236}">
+                <a16:creationId xmlns:a16="http://schemas.microsoft.com/office/drawing/2014/main" id="{5D6E4F12-6683-EFAB-4898-4F36C9B89FEC}"/>
+              </a:ext>
+            </a:extLst>
+          </p:cNvPr>
+          <p:cNvSpPr>
+            <a:spLocks noGrp="1"/>
+          </p:cNvSpPr>
+          <p:nvPr>
+            <p:ph type="title"/>
+          </p:nvPr>
+        </p:nvSpPr>
+        <p:spPr>
+          <a:xfrm>
+            <a:off x="838200" y="-37852"/>
+            <a:ext cx="10515600" cy="1325563"/>
+          </a:xfrm>
+        </p:spPr>
+        <p:txBody>
+          <a:bodyPr/>
+          <a:lstStyle/>
+          <a:p>
+            <a:r>
+              <a:rPr lang="de-DE" dirty="0"/>
+              <a:t>General </a:t>
+            </a:r>
+            <a:r>
+              <a:rPr lang="de-DE" dirty="0" err="1"/>
+              <a:t>structure</a:t>
+            </a:r>
+            <a:endParaRPr lang="en-US" dirty="0"/>
+          </a:p>
+        </p:txBody>
+      </p:sp>
+      <p:pic>
+        <p:nvPicPr>
+          <p:cNvPr id="13" name="Grafik 12">
+            <a:extLst>
+              <a:ext uri="{FF2B5EF4-FFF2-40B4-BE49-F238E27FC236}">
+                <a16:creationId xmlns:a16="http://schemas.microsoft.com/office/drawing/2014/main" id="{AA9E7CCE-B29F-6DEF-8FFF-5FDC77EA31F2}"/>
+              </a:ext>
+            </a:extLst>
+          </p:cNvPr>
+          <p:cNvPicPr>
+            <a:picLocks noChangeAspect="1"/>
+          </p:cNvPicPr>
+          <p:nvPr/>
+        </p:nvPicPr>
+        <p:blipFill>
+          <a:blip r:embed="rId2"/>
+          <a:stretch>
+            <a:fillRect/>
+          </a:stretch>
+        </p:blipFill>
+        <p:spPr>
+          <a:xfrm>
+            <a:off x="354105" y="1016777"/>
+            <a:ext cx="11483790" cy="5341690"/>
+          </a:xfrm>
+          <a:prstGeom prst="rect">
+            <a:avLst/>
+          </a:prstGeom>
+        </p:spPr>
+      </p:pic>
+    </p:spTree>
+    <p:extLst>
+      <p:ext uri="{BB962C8B-B14F-4D97-AF65-F5344CB8AC3E}">
+        <p14:creationId xmlns:p14="http://schemas.microsoft.com/office/powerpoint/2010/main" val="2886565103"/>
+      </p:ext>
+    </p:extLst>
+  </p:cSld>
+  <p:clrMapOvr>
+    <a:masterClrMapping/>
+  </p:clrMapOvr>
+</p:sld>
+</file>
+
+<file path=ppt/slides/slide5.xml><?xml version="1.0" encoding="utf-8"?>
+<p:sld xmlns:a="http://schemas.openxmlformats.org/drawingml/2006/main" xmlns:r="http://schemas.openxmlformats.org/officeDocument/2006/relationships" xmlns:p="http://schemas.openxmlformats.org/presentationml/2006/main">
+  <p:cSld>
+    <p:spTree>
+      <p:nvGrpSpPr>
         <p:cNvPr id="1" name=""/>
         <p:cNvGrpSpPr/>
         <p:nvPr/>
@@ -7650,7 +8646,7 @@
             </a:r>
             <a:r>
               <a:rPr lang="de-DE" dirty="0" err="1"/>
-              <a:t>traiding</a:t>
+              <a:t>trading</a:t>
             </a:r>
             <a:r>
               <a:rPr lang="de-DE" dirty="0"/>
@@ -7716,7 +8712,7 @@
             </a:r>
             <a:r>
               <a:rPr lang="de-DE" dirty="0" err="1"/>
-              <a:t>periode</a:t>
+              <a:t>period</a:t>
             </a:r>
             <a:r>
               <a:rPr lang="de-DE" dirty="0"/>
@@ -7730,6 +8726,36 @@
           </a:p>
         </p:txBody>
       </p:sp>
+      <p:pic>
+        <p:nvPicPr>
+          <p:cNvPr id="7" name="Grafik 6">
+            <a:extLst>
+              <a:ext uri="{FF2B5EF4-FFF2-40B4-BE49-F238E27FC236}">
+                <a16:creationId xmlns:a16="http://schemas.microsoft.com/office/drawing/2014/main" id="{A877C498-979A-6625-D3A6-2C773F8E96C6}"/>
+              </a:ext>
+            </a:extLst>
+          </p:cNvPr>
+          <p:cNvPicPr>
+            <a:picLocks noChangeAspect="1"/>
+          </p:cNvPicPr>
+          <p:nvPr/>
+        </p:nvPicPr>
+        <p:blipFill>
+          <a:blip r:embed="rId2"/>
+          <a:stretch>
+            <a:fillRect/>
+          </a:stretch>
+        </p:blipFill>
+        <p:spPr>
+          <a:xfrm>
+            <a:off x="1276769" y="3939810"/>
+            <a:ext cx="9164329" cy="2629267"/>
+          </a:xfrm>
+          <a:prstGeom prst="rect">
+            <a:avLst/>
+          </a:prstGeom>
+        </p:spPr>
+      </p:pic>
     </p:spTree>
     <p:extLst>
       <p:ext uri="{BB962C8B-B14F-4D97-AF65-F5344CB8AC3E}">
@@ -7743,7 +8769,7 @@
 </p:sld>
 </file>
 
-<file path=ppt/slides/slide5.xml><?xml version="1.0" encoding="utf-8"?>
+<file path=ppt/slides/slide6.xml><?xml version="1.0" encoding="utf-8"?>
 <p:sld xmlns:a="http://schemas.openxmlformats.org/drawingml/2006/main" xmlns:r="http://schemas.openxmlformats.org/officeDocument/2006/relationships" xmlns:p="http://schemas.openxmlformats.org/presentationml/2006/main">
   <p:cSld>
     <p:spTree>
@@ -7958,7 +8984,7 @@
 </p:sld>
 </file>
 
-<file path=ppt/slides/slide6.xml><?xml version="1.0" encoding="utf-8"?>
+<file path=ppt/slides/slide7.xml><?xml version="1.0" encoding="utf-8"?>
 <p:sld xmlns:a="http://schemas.openxmlformats.org/drawingml/2006/main" xmlns:r="http://schemas.openxmlformats.org/officeDocument/2006/relationships" xmlns:p="http://schemas.openxmlformats.org/presentationml/2006/main">
   <p:cSld>
     <p:spTree>
@@ -8146,7 +9172,7 @@
 </p:sld>
 </file>
 
-<file path=ppt/slides/slide7.xml><?xml version="1.0" encoding="utf-8"?>
+<file path=ppt/slides/slide8.xml><?xml version="1.0" encoding="utf-8"?>
 <p:sld xmlns:a="http://schemas.openxmlformats.org/drawingml/2006/main" xmlns:r="http://schemas.openxmlformats.org/officeDocument/2006/relationships" xmlns:p="http://schemas.openxmlformats.org/presentationml/2006/main">
   <p:cSld>
     <p:spTree>
@@ -8322,7 +9348,7 @@
 </p:sld>
 </file>
 
-<file path=ppt/slides/slide8.xml><?xml version="1.0" encoding="utf-8"?>
+<file path=ppt/slides/slide9.xml><?xml version="1.0" encoding="utf-8"?>
 <p:sld xmlns:a="http://schemas.openxmlformats.org/drawingml/2006/main" xmlns:r="http://schemas.openxmlformats.org/officeDocument/2006/relationships" xmlns:p="http://schemas.openxmlformats.org/presentationml/2006/main">
   <p:cSld>
     <p:spTree>
@@ -8525,188 +9551,6 @@
     <p:extLst>
       <p:ext uri="{BB962C8B-B14F-4D97-AF65-F5344CB8AC3E}">
         <p14:creationId xmlns:p14="http://schemas.microsoft.com/office/powerpoint/2010/main" val="2578081995"/>
-      </p:ext>
-    </p:extLst>
-  </p:cSld>
-  <p:clrMapOvr>
-    <a:masterClrMapping/>
-  </p:clrMapOvr>
-</p:sld>
-</file>
-
-<file path=ppt/slides/slide9.xml><?xml version="1.0" encoding="utf-8"?>
-<p:sld xmlns:a="http://schemas.openxmlformats.org/drawingml/2006/main" xmlns:r="http://schemas.openxmlformats.org/officeDocument/2006/relationships" xmlns:p="http://schemas.openxmlformats.org/presentationml/2006/main">
-  <p:cSld>
-    <p:spTree>
-      <p:nvGrpSpPr>
-        <p:cNvPr id="1" name="">
-          <a:extLst>
-            <a:ext uri="{FF2B5EF4-FFF2-40B4-BE49-F238E27FC236}">
-              <a16:creationId xmlns:a16="http://schemas.microsoft.com/office/drawing/2014/main" id="{F3DA1B15-20D9-6028-5BAF-669BBDCD880A}"/>
-            </a:ext>
-          </a:extLst>
-        </p:cNvPr>
-        <p:cNvGrpSpPr/>
-        <p:nvPr/>
-      </p:nvGrpSpPr>
-      <p:grpSpPr>
-        <a:xfrm>
-          <a:off x="0" y="0"/>
-          <a:ext cx="0" cy="0"/>
-          <a:chOff x="0" y="0"/>
-          <a:chExt cx="0" cy="0"/>
-        </a:xfrm>
-      </p:grpSpPr>
-      <p:sp>
-        <p:nvSpPr>
-          <p:cNvPr id="2" name="Title 1">
-            <a:extLst>
-              <a:ext uri="{FF2B5EF4-FFF2-40B4-BE49-F238E27FC236}">
-                <a16:creationId xmlns:a16="http://schemas.microsoft.com/office/drawing/2014/main" id="{C6B46AD9-0A4A-10BA-4AC3-B6BDF04B53C7}"/>
-              </a:ext>
-            </a:extLst>
-          </p:cNvPr>
-          <p:cNvSpPr>
-            <a:spLocks noGrp="1"/>
-          </p:cNvSpPr>
-          <p:nvPr>
-            <p:ph type="title"/>
-          </p:nvPr>
-        </p:nvSpPr>
-        <p:spPr/>
-        <p:txBody>
-          <a:bodyPr/>
-          <a:lstStyle/>
-          <a:p>
-            <a:r>
-              <a:rPr lang="de-DE" dirty="0"/>
-              <a:t>Applied </a:t>
-            </a:r>
-            <a:r>
-              <a:rPr lang="de-DE" dirty="0" err="1"/>
-              <a:t>models</a:t>
-            </a:r>
-            <a:r>
-              <a:rPr lang="de-DE" dirty="0"/>
-              <a:t> </a:t>
-            </a:r>
-            <a:endParaRPr lang="en-US" dirty="0"/>
-          </a:p>
-        </p:txBody>
-      </p:sp>
-      <p:sp>
-        <p:nvSpPr>
-          <p:cNvPr id="3" name="Content Placeholder 2">
-            <a:extLst>
-              <a:ext uri="{FF2B5EF4-FFF2-40B4-BE49-F238E27FC236}">
-                <a16:creationId xmlns:a16="http://schemas.microsoft.com/office/drawing/2014/main" id="{F7176549-20BF-5B2D-B668-2F52ABBC509B}"/>
-              </a:ext>
-            </a:extLst>
-          </p:cNvPr>
-          <p:cNvSpPr>
-            <a:spLocks noGrp="1"/>
-          </p:cNvSpPr>
-          <p:nvPr>
-            <p:ph idx="1"/>
-          </p:nvPr>
-        </p:nvSpPr>
-        <p:spPr/>
-        <p:txBody>
-          <a:bodyPr>
-            <a:normAutofit/>
-          </a:bodyPr>
-          <a:lstStyle/>
-          <a:p>
-            <a:r>
-              <a:rPr lang="de-DE" dirty="0"/>
-              <a:t>First </a:t>
-            </a:r>
-            <a:r>
-              <a:rPr lang="de-DE" dirty="0" err="1"/>
-              <a:t>step</a:t>
-            </a:r>
-            <a:r>
-              <a:rPr lang="de-DE" dirty="0"/>
-              <a:t>: </a:t>
-            </a:r>
-            <a:r>
-              <a:rPr lang="de-DE" dirty="0" err="1"/>
-              <a:t>scale</a:t>
-            </a:r>
-            <a:r>
-              <a:rPr lang="de-DE" dirty="0"/>
-              <a:t> </a:t>
-            </a:r>
-            <a:r>
-              <a:rPr lang="de-DE" dirty="0" err="1"/>
-              <a:t>data</a:t>
-            </a:r>
-            <a:r>
-              <a:rPr lang="de-DE" dirty="0"/>
-              <a:t> </a:t>
-            </a:r>
-            <a:r>
-              <a:rPr lang="de-DE" dirty="0" err="1"/>
-              <a:t>using</a:t>
-            </a:r>
-            <a:r>
-              <a:rPr lang="de-DE" dirty="0"/>
-              <a:t> </a:t>
-            </a:r>
-            <a:r>
-              <a:rPr lang="de-DE" dirty="0" err="1"/>
-              <a:t>MinMaxScaler</a:t>
-            </a:r>
-            <a:endParaRPr lang="en-US" dirty="0"/>
-          </a:p>
-          <a:p>
-            <a:r>
-              <a:rPr lang="en-US" dirty="0"/>
-              <a:t>Convolutional Neural Network (CNN)</a:t>
-            </a:r>
-          </a:p>
-          <a:p>
-            <a:pPr marL="0" indent="0">
-              <a:buNone/>
-            </a:pPr>
-            <a:endParaRPr lang="en-US" dirty="0"/>
-          </a:p>
-        </p:txBody>
-      </p:sp>
-      <p:pic>
-        <p:nvPicPr>
-          <p:cNvPr id="5" name="Picture 4">
-            <a:extLst>
-              <a:ext uri="{FF2B5EF4-FFF2-40B4-BE49-F238E27FC236}">
-                <a16:creationId xmlns:a16="http://schemas.microsoft.com/office/drawing/2014/main" id="{B0F9667F-9092-00CA-870E-E0511818930D}"/>
-              </a:ext>
-            </a:extLst>
-          </p:cNvPr>
-          <p:cNvPicPr>
-            <a:picLocks noChangeAspect="1"/>
-          </p:cNvPicPr>
-          <p:nvPr/>
-        </p:nvPicPr>
-        <p:blipFill>
-          <a:blip r:embed="rId2"/>
-          <a:stretch>
-            <a:fillRect/>
-          </a:stretch>
-        </p:blipFill>
-        <p:spPr>
-          <a:xfrm>
-            <a:off x="1150261" y="2898382"/>
-            <a:ext cx="10344150" cy="2600325"/>
-          </a:xfrm>
-          <a:prstGeom prst="rect">
-            <a:avLst/>
-          </a:prstGeom>
-        </p:spPr>
-      </p:pic>
-    </p:spTree>
-    <p:extLst>
-      <p:ext uri="{BB962C8B-B14F-4D97-AF65-F5344CB8AC3E}">
-        <p14:creationId xmlns:p14="http://schemas.microsoft.com/office/powerpoint/2010/main" val="2589736892"/>
       </p:ext>
     </p:extLst>
   </p:cSld>

--- a/Backprophet.pptx
+++ b/Backprophet.pptx
@@ -22,15 +22,16 @@
     <p:sldId id="268" r:id="rId16"/>
     <p:sldId id="269" r:id="rId17"/>
     <p:sldId id="267" r:id="rId18"/>
-    <p:sldId id="259" r:id="rId19"/>
-    <p:sldId id="263" r:id="rId20"/>
-    <p:sldId id="264" r:id="rId21"/>
-    <p:sldId id="265" r:id="rId22"/>
-    <p:sldId id="266" r:id="rId23"/>
-    <p:sldId id="272" r:id="rId24"/>
-    <p:sldId id="278" r:id="rId25"/>
-    <p:sldId id="280" r:id="rId26"/>
-    <p:sldId id="281" r:id="rId27"/>
+    <p:sldId id="283" r:id="rId19"/>
+    <p:sldId id="259" r:id="rId20"/>
+    <p:sldId id="263" r:id="rId21"/>
+    <p:sldId id="264" r:id="rId22"/>
+    <p:sldId id="265" r:id="rId23"/>
+    <p:sldId id="266" r:id="rId24"/>
+    <p:sldId id="272" r:id="rId25"/>
+    <p:sldId id="278" r:id="rId26"/>
+    <p:sldId id="280" r:id="rId27"/>
+    <p:sldId id="281" r:id="rId28"/>
   </p:sldIdLst>
   <p:sldSz cx="12192000" cy="6858000"/>
   <p:notesSz cx="6858000" cy="9144000"/>
@@ -284,7 +285,7 @@
           <a:p>
             <a:fld id="{868454ED-CCA3-451D-B815-B50EE476BA78}" type="datetimeFigureOut">
               <a:rPr lang="en-US" smtClean="0"/>
-              <a:t>9/18/2025</a:t>
+              <a:t>9/19/2025</a:t>
             </a:fld>
             <a:endParaRPr lang="en-US"/>
           </a:p>
@@ -338,7 +339,7 @@
           <a:p>
             <a:fld id="{11E07752-41DA-40B8-9FE8-052DE1AB6C24}" type="slidenum">
               <a:rPr lang="en-US" smtClean="0"/>
-              <a:t>‹Nr.›</a:t>
+              <a:t>‹#›</a:t>
             </a:fld>
             <a:endParaRPr lang="en-US"/>
           </a:p>
@@ -482,7 +483,7 @@
           <a:p>
             <a:fld id="{868454ED-CCA3-451D-B815-B50EE476BA78}" type="datetimeFigureOut">
               <a:rPr lang="en-US" smtClean="0"/>
-              <a:t>9/18/2025</a:t>
+              <a:t>9/19/2025</a:t>
             </a:fld>
             <a:endParaRPr lang="en-US"/>
           </a:p>
@@ -536,7 +537,7 @@
           <a:p>
             <a:fld id="{11E07752-41DA-40B8-9FE8-052DE1AB6C24}" type="slidenum">
               <a:rPr lang="en-US" smtClean="0"/>
-              <a:t>‹Nr.›</a:t>
+              <a:t>‹#›</a:t>
             </a:fld>
             <a:endParaRPr lang="en-US"/>
           </a:p>
@@ -690,7 +691,7 @@
           <a:p>
             <a:fld id="{868454ED-CCA3-451D-B815-B50EE476BA78}" type="datetimeFigureOut">
               <a:rPr lang="en-US" smtClean="0"/>
-              <a:t>9/18/2025</a:t>
+              <a:t>9/19/2025</a:t>
             </a:fld>
             <a:endParaRPr lang="en-US"/>
           </a:p>
@@ -744,7 +745,7 @@
           <a:p>
             <a:fld id="{11E07752-41DA-40B8-9FE8-052DE1AB6C24}" type="slidenum">
               <a:rPr lang="en-US" smtClean="0"/>
-              <a:t>‹Nr.›</a:t>
+              <a:t>‹#›</a:t>
             </a:fld>
             <a:endParaRPr lang="en-US"/>
           </a:p>
@@ -888,7 +889,7 @@
           <a:p>
             <a:fld id="{868454ED-CCA3-451D-B815-B50EE476BA78}" type="datetimeFigureOut">
               <a:rPr lang="en-US" smtClean="0"/>
-              <a:t>9/18/2025</a:t>
+              <a:t>9/19/2025</a:t>
             </a:fld>
             <a:endParaRPr lang="en-US"/>
           </a:p>
@@ -942,7 +943,7 @@
           <a:p>
             <a:fld id="{11E07752-41DA-40B8-9FE8-052DE1AB6C24}" type="slidenum">
               <a:rPr lang="en-US" smtClean="0"/>
-              <a:t>‹Nr.›</a:t>
+              <a:t>‹#›</a:t>
             </a:fld>
             <a:endParaRPr lang="en-US"/>
           </a:p>
@@ -1163,7 +1164,7 @@
           <a:p>
             <a:fld id="{868454ED-CCA3-451D-B815-B50EE476BA78}" type="datetimeFigureOut">
               <a:rPr lang="en-US" smtClean="0"/>
-              <a:t>9/18/2025</a:t>
+              <a:t>9/19/2025</a:t>
             </a:fld>
             <a:endParaRPr lang="en-US"/>
           </a:p>
@@ -1217,7 +1218,7 @@
           <a:p>
             <a:fld id="{11E07752-41DA-40B8-9FE8-052DE1AB6C24}" type="slidenum">
               <a:rPr lang="en-US" smtClean="0"/>
-              <a:t>‹Nr.›</a:t>
+              <a:t>‹#›</a:t>
             </a:fld>
             <a:endParaRPr lang="en-US"/>
           </a:p>
@@ -1428,7 +1429,7 @@
           <a:p>
             <a:fld id="{868454ED-CCA3-451D-B815-B50EE476BA78}" type="datetimeFigureOut">
               <a:rPr lang="en-US" smtClean="0"/>
-              <a:t>9/18/2025</a:t>
+              <a:t>9/19/2025</a:t>
             </a:fld>
             <a:endParaRPr lang="en-US"/>
           </a:p>
@@ -1482,7 +1483,7 @@
           <a:p>
             <a:fld id="{11E07752-41DA-40B8-9FE8-052DE1AB6C24}" type="slidenum">
               <a:rPr lang="en-US" smtClean="0"/>
-              <a:t>‹Nr.›</a:t>
+              <a:t>‹#›</a:t>
             </a:fld>
             <a:endParaRPr lang="en-US"/>
           </a:p>
@@ -1840,7 +1841,7 @@
           <a:p>
             <a:fld id="{868454ED-CCA3-451D-B815-B50EE476BA78}" type="datetimeFigureOut">
               <a:rPr lang="en-US" smtClean="0"/>
-              <a:t>9/18/2025</a:t>
+              <a:t>9/19/2025</a:t>
             </a:fld>
             <a:endParaRPr lang="en-US"/>
           </a:p>
@@ -1894,7 +1895,7 @@
           <a:p>
             <a:fld id="{11E07752-41DA-40B8-9FE8-052DE1AB6C24}" type="slidenum">
               <a:rPr lang="en-US" smtClean="0"/>
-              <a:t>‹Nr.›</a:t>
+              <a:t>‹#›</a:t>
             </a:fld>
             <a:endParaRPr lang="en-US"/>
           </a:p>
@@ -1981,7 +1982,7 @@
           <a:p>
             <a:fld id="{868454ED-CCA3-451D-B815-B50EE476BA78}" type="datetimeFigureOut">
               <a:rPr lang="en-US" smtClean="0"/>
-              <a:t>9/18/2025</a:t>
+              <a:t>9/19/2025</a:t>
             </a:fld>
             <a:endParaRPr lang="en-US"/>
           </a:p>
@@ -2035,7 +2036,7 @@
           <a:p>
             <a:fld id="{11E07752-41DA-40B8-9FE8-052DE1AB6C24}" type="slidenum">
               <a:rPr lang="en-US" smtClean="0"/>
-              <a:t>‹Nr.›</a:t>
+              <a:t>‹#›</a:t>
             </a:fld>
             <a:endParaRPr lang="en-US"/>
           </a:p>
@@ -2094,7 +2095,7 @@
           <a:p>
             <a:fld id="{868454ED-CCA3-451D-B815-B50EE476BA78}" type="datetimeFigureOut">
               <a:rPr lang="en-US" smtClean="0"/>
-              <a:t>9/18/2025</a:t>
+              <a:t>9/19/2025</a:t>
             </a:fld>
             <a:endParaRPr lang="en-US"/>
           </a:p>
@@ -2148,7 +2149,7 @@
           <a:p>
             <a:fld id="{11E07752-41DA-40B8-9FE8-052DE1AB6C24}" type="slidenum">
               <a:rPr lang="en-US" smtClean="0"/>
-              <a:t>‹Nr.›</a:t>
+              <a:t>‹#›</a:t>
             </a:fld>
             <a:endParaRPr lang="en-US"/>
           </a:p>
@@ -2405,7 +2406,7 @@
           <a:p>
             <a:fld id="{868454ED-CCA3-451D-B815-B50EE476BA78}" type="datetimeFigureOut">
               <a:rPr lang="en-US" smtClean="0"/>
-              <a:t>9/18/2025</a:t>
+              <a:t>9/19/2025</a:t>
             </a:fld>
             <a:endParaRPr lang="en-US"/>
           </a:p>
@@ -2459,7 +2460,7 @@
           <a:p>
             <a:fld id="{11E07752-41DA-40B8-9FE8-052DE1AB6C24}" type="slidenum">
               <a:rPr lang="en-US" smtClean="0"/>
-              <a:t>‹Nr.›</a:t>
+              <a:t>‹#›</a:t>
             </a:fld>
             <a:endParaRPr lang="en-US"/>
           </a:p>
@@ -2693,7 +2694,7 @@
           <a:p>
             <a:fld id="{868454ED-CCA3-451D-B815-B50EE476BA78}" type="datetimeFigureOut">
               <a:rPr lang="en-US" smtClean="0"/>
-              <a:t>9/18/2025</a:t>
+              <a:t>9/19/2025</a:t>
             </a:fld>
             <a:endParaRPr lang="en-US"/>
           </a:p>
@@ -2747,7 +2748,7 @@
           <a:p>
             <a:fld id="{11E07752-41DA-40B8-9FE8-052DE1AB6C24}" type="slidenum">
               <a:rPr lang="en-US" smtClean="0"/>
-              <a:t>‹Nr.›</a:t>
+              <a:t>‹#›</a:t>
             </a:fld>
             <a:endParaRPr lang="en-US"/>
           </a:p>
@@ -2934,7 +2935,7 @@
           <a:p>
             <a:fld id="{868454ED-CCA3-451D-B815-B50EE476BA78}" type="datetimeFigureOut">
               <a:rPr lang="en-US" smtClean="0"/>
-              <a:t>9/18/2025</a:t>
+              <a:t>9/19/2025</a:t>
             </a:fld>
             <a:endParaRPr lang="en-US"/>
           </a:p>
@@ -3024,7 +3025,7 @@
           <a:p>
             <a:fld id="{11E07752-41DA-40B8-9FE8-052DE1AB6C24}" type="slidenum">
               <a:rPr lang="en-US" smtClean="0"/>
-              <a:t>‹Nr.›</a:t>
+              <a:t>‹#›</a:t>
             </a:fld>
             <a:endParaRPr lang="en-US"/>
           </a:p>
@@ -3996,6 +3997,132 @@
           </a:p>
         </p:txBody>
       </p:sp>
+      <p:graphicFrame>
+        <p:nvGraphicFramePr>
+          <p:cNvPr id="2" name="Object 1">
+            <a:extLst>
+              <a:ext uri="{FF2B5EF4-FFF2-40B4-BE49-F238E27FC236}">
+                <a16:creationId xmlns:a16="http://schemas.microsoft.com/office/drawing/2014/main" id="{736C2F0A-2468-B40A-E2BC-46266BF36299}"/>
+              </a:ext>
+            </a:extLst>
+          </p:cNvPr>
+          <p:cNvGraphicFramePr>
+            <a:graphicFrameLocks noChangeAspect="1"/>
+          </p:cNvGraphicFramePr>
+          <p:nvPr>
+            <p:extLst>
+              <p:ext uri="{D42A27DB-BD31-4B8C-83A1-F6EECF244321}">
+                <p14:modId xmlns:p14="http://schemas.microsoft.com/office/powerpoint/2010/main" val="2335559799"/>
+              </p:ext>
+            </p:extLst>
+          </p:nvPr>
+        </p:nvGraphicFramePr>
+        <p:xfrm>
+          <a:off x="2640000" y="3740967"/>
+          <a:ext cx="6912000" cy="2880000"/>
+        </p:xfrm>
+        <a:graphic>
+          <a:graphicData uri="http://schemas.openxmlformats.org/presentationml/2006/ole">
+            <mc:AlternateContent xmlns:mc="http://schemas.openxmlformats.org/markup-compatibility/2006">
+              <mc:Choice xmlns:v="urn:schemas-microsoft-com:vml" Requires="v">
+                <p:oleObj name="Acrobat Document" r:id="rId2" imgW="8229600" imgH="3428872" progId="Acrobat.Document.DC">
+                  <p:embed/>
+                </p:oleObj>
+              </mc:Choice>
+              <mc:Fallback>
+                <p:oleObj name="Acrobat Document" r:id="rId2" imgW="8229600" imgH="3428872" progId="Acrobat.Document.DC">
+                  <p:embed/>
+                  <p:pic>
+                    <p:nvPicPr>
+                      <p:cNvPr id="0" name=""/>
+                      <p:cNvPicPr/>
+                      <p:nvPr/>
+                    </p:nvPicPr>
+                    <p:blipFill>
+                      <a:blip r:embed="rId3"/>
+                      <a:stretch>
+                        <a:fillRect/>
+                      </a:stretch>
+                    </p:blipFill>
+                    <p:spPr>
+                      <a:xfrm>
+                        <a:off x="2640000" y="3740967"/>
+                        <a:ext cx="6912000" cy="2880000"/>
+                      </a:xfrm>
+                      <a:prstGeom prst="rect">
+                        <a:avLst/>
+                      </a:prstGeom>
+                    </p:spPr>
+                  </p:pic>
+                </p:oleObj>
+              </mc:Fallback>
+            </mc:AlternateContent>
+          </a:graphicData>
+        </a:graphic>
+      </p:graphicFrame>
+      <p:graphicFrame>
+        <p:nvGraphicFramePr>
+          <p:cNvPr id="3" name="Object 2">
+            <a:extLst>
+              <a:ext uri="{FF2B5EF4-FFF2-40B4-BE49-F238E27FC236}">
+                <a16:creationId xmlns:a16="http://schemas.microsoft.com/office/drawing/2014/main" id="{86A09FDB-32D2-40E0-D432-491D8115518D}"/>
+              </a:ext>
+            </a:extLst>
+          </p:cNvPr>
+          <p:cNvGraphicFramePr>
+            <a:graphicFrameLocks noChangeAspect="1"/>
+          </p:cNvGraphicFramePr>
+          <p:nvPr>
+            <p:extLst>
+              <p:ext uri="{D42A27DB-BD31-4B8C-83A1-F6EECF244321}">
+                <p14:modId xmlns:p14="http://schemas.microsoft.com/office/powerpoint/2010/main" val="1326370733"/>
+              </p:ext>
+            </p:extLst>
+          </p:nvPr>
+        </p:nvGraphicFramePr>
+        <p:xfrm>
+          <a:off x="2640000" y="860967"/>
+          <a:ext cx="6912000" cy="2880000"/>
+        </p:xfrm>
+        <a:graphic>
+          <a:graphicData uri="http://schemas.openxmlformats.org/presentationml/2006/ole">
+            <mc:AlternateContent xmlns:mc="http://schemas.openxmlformats.org/markup-compatibility/2006">
+              <mc:Choice xmlns:v="urn:schemas-microsoft-com:vml" Requires="v">
+                <p:oleObj name="Acrobat Document" r:id="rId4" imgW="8229600" imgH="3428872" progId="Acrobat.Document.DC">
+                  <p:embed/>
+                </p:oleObj>
+              </mc:Choice>
+              <mc:Fallback>
+                <p:oleObj name="Acrobat Document" r:id="rId4" imgW="8229600" imgH="3428872" progId="Acrobat.Document.DC">
+                  <p:embed/>
+                  <p:pic>
+                    <p:nvPicPr>
+                      <p:cNvPr id="0" name=""/>
+                      <p:cNvPicPr/>
+                      <p:nvPr/>
+                    </p:nvPicPr>
+                    <p:blipFill>
+                      <a:blip r:embed="rId5"/>
+                      <a:stretch>
+                        <a:fillRect/>
+                      </a:stretch>
+                    </p:blipFill>
+                    <p:spPr>
+                      <a:xfrm>
+                        <a:off x="2640000" y="860967"/>
+                        <a:ext cx="6912000" cy="2880000"/>
+                      </a:xfrm>
+                      <a:prstGeom prst="rect">
+                        <a:avLst/>
+                      </a:prstGeom>
+                    </p:spPr>
+                  </p:pic>
+                </p:oleObj>
+              </mc:Fallback>
+            </mc:AlternateContent>
+          </a:graphicData>
+        </a:graphic>
+      </p:graphicFrame>
     </p:spTree>
     <p:extLst>
       <p:ext uri="{BB962C8B-B14F-4D97-AF65-F5344CB8AC3E}">
@@ -4034,34 +4161,6 @@
       </p:grpSpPr>
       <p:sp>
         <p:nvSpPr>
-          <p:cNvPr id="3" name="Content Placeholder 2">
-            <a:extLst>
-              <a:ext uri="{FF2B5EF4-FFF2-40B4-BE49-F238E27FC236}">
-                <a16:creationId xmlns:a16="http://schemas.microsoft.com/office/drawing/2014/main" id="{0657279E-A7E4-1314-62C4-96E9B4A1850F}"/>
-              </a:ext>
-            </a:extLst>
-          </p:cNvPr>
-          <p:cNvSpPr>
-            <a:spLocks noGrp="1"/>
-          </p:cNvSpPr>
-          <p:nvPr>
-            <p:ph idx="1"/>
-          </p:nvPr>
-        </p:nvSpPr>
-        <p:spPr/>
-        <p:txBody>
-          <a:bodyPr/>
-          <a:lstStyle/>
-          <a:p>
-            <a:pPr marL="0" indent="0">
-              <a:buNone/>
-            </a:pPr>
-            <a:endParaRPr lang="en-US" dirty="0"/>
-          </a:p>
-        </p:txBody>
-      </p:sp>
-      <p:sp>
-        <p:nvSpPr>
           <p:cNvPr id="10" name="Title 1">
             <a:extLst>
               <a:ext uri="{FF2B5EF4-FFF2-40B4-BE49-F238E27FC236}">
@@ -4190,6 +4289,180 @@
               <a:t>RNN</a:t>
             </a:r>
             <a:endParaRPr lang="en-US" sz="2000" b="1" dirty="0"/>
+          </a:p>
+        </p:txBody>
+      </p:sp>
+      <p:graphicFrame>
+        <p:nvGraphicFramePr>
+          <p:cNvPr id="4" name="Object 3">
+            <a:extLst>
+              <a:ext uri="{FF2B5EF4-FFF2-40B4-BE49-F238E27FC236}">
+                <a16:creationId xmlns:a16="http://schemas.microsoft.com/office/drawing/2014/main" id="{C11DB8B0-59FC-9D20-8FE0-06C2ED5C3073}"/>
+              </a:ext>
+            </a:extLst>
+          </p:cNvPr>
+          <p:cNvGraphicFramePr>
+            <a:graphicFrameLocks noChangeAspect="1"/>
+          </p:cNvGraphicFramePr>
+          <p:nvPr>
+            <p:extLst>
+              <p:ext uri="{D42A27DB-BD31-4B8C-83A1-F6EECF244321}">
+                <p14:modId xmlns:p14="http://schemas.microsoft.com/office/powerpoint/2010/main" val="3850666733"/>
+              </p:ext>
+            </p:extLst>
+          </p:nvPr>
+        </p:nvGraphicFramePr>
+        <p:xfrm>
+          <a:off x="2640000" y="3821647"/>
+          <a:ext cx="6912000" cy="2880000"/>
+        </p:xfrm>
+        <a:graphic>
+          <a:graphicData uri="http://schemas.openxmlformats.org/presentationml/2006/ole">
+            <mc:AlternateContent xmlns:mc="http://schemas.openxmlformats.org/markup-compatibility/2006">
+              <mc:Choice xmlns:v="urn:schemas-microsoft-com:vml" Requires="v">
+                <p:oleObj name="Acrobat Document" r:id="rId2" imgW="8229600" imgH="3428872" progId="Acrobat.Document.DC">
+                  <p:embed/>
+                </p:oleObj>
+              </mc:Choice>
+              <mc:Fallback>
+                <p:oleObj name="Acrobat Document" r:id="rId2" imgW="8229600" imgH="3428872" progId="Acrobat.Document.DC">
+                  <p:embed/>
+                  <p:pic>
+                    <p:nvPicPr>
+                      <p:cNvPr id="0" name=""/>
+                      <p:cNvPicPr/>
+                      <p:nvPr/>
+                    </p:nvPicPr>
+                    <p:blipFill>
+                      <a:blip r:embed="rId3"/>
+                      <a:stretch>
+                        <a:fillRect/>
+                      </a:stretch>
+                    </p:blipFill>
+                    <p:spPr>
+                      <a:xfrm>
+                        <a:off x="2640000" y="3821647"/>
+                        <a:ext cx="6912000" cy="2880000"/>
+                      </a:xfrm>
+                      <a:prstGeom prst="rect">
+                        <a:avLst/>
+                      </a:prstGeom>
+                    </p:spPr>
+                  </p:pic>
+                </p:oleObj>
+              </mc:Fallback>
+            </mc:AlternateContent>
+          </a:graphicData>
+        </a:graphic>
+      </p:graphicFrame>
+      <p:graphicFrame>
+        <p:nvGraphicFramePr>
+          <p:cNvPr id="5" name="Object 4">
+            <a:extLst>
+              <a:ext uri="{FF2B5EF4-FFF2-40B4-BE49-F238E27FC236}">
+                <a16:creationId xmlns:a16="http://schemas.microsoft.com/office/drawing/2014/main" id="{9F1AFF81-4869-105F-677B-B7CF6A187655}"/>
+              </a:ext>
+            </a:extLst>
+          </p:cNvPr>
+          <p:cNvGraphicFramePr>
+            <a:graphicFrameLocks noChangeAspect="1"/>
+          </p:cNvGraphicFramePr>
+          <p:nvPr>
+            <p:extLst>
+              <p:ext uri="{D42A27DB-BD31-4B8C-83A1-F6EECF244321}">
+                <p14:modId xmlns:p14="http://schemas.microsoft.com/office/powerpoint/2010/main" val="812199570"/>
+              </p:ext>
+            </p:extLst>
+          </p:nvPr>
+        </p:nvGraphicFramePr>
+        <p:xfrm>
+          <a:off x="2640000" y="903848"/>
+          <a:ext cx="6912000" cy="2880000"/>
+        </p:xfrm>
+        <a:graphic>
+          <a:graphicData uri="http://schemas.openxmlformats.org/presentationml/2006/ole">
+            <mc:AlternateContent xmlns:mc="http://schemas.openxmlformats.org/markup-compatibility/2006">
+              <mc:Choice xmlns:v="urn:schemas-microsoft-com:vml" Requires="v">
+                <p:oleObj name="Acrobat Document" r:id="rId4" imgW="8229600" imgH="3428872" progId="Acrobat.Document.DC">
+                  <p:embed/>
+                </p:oleObj>
+              </mc:Choice>
+              <mc:Fallback>
+                <p:oleObj name="Acrobat Document" r:id="rId4" imgW="8229600" imgH="3428872" progId="Acrobat.Document.DC">
+                  <p:embed/>
+                  <p:pic>
+                    <p:nvPicPr>
+                      <p:cNvPr id="0" name=""/>
+                      <p:cNvPicPr/>
+                      <p:nvPr/>
+                    </p:nvPicPr>
+                    <p:blipFill>
+                      <a:blip r:embed="rId5"/>
+                      <a:stretch>
+                        <a:fillRect/>
+                      </a:stretch>
+                    </p:blipFill>
+                    <p:spPr>
+                      <a:xfrm>
+                        <a:off x="2640000" y="903848"/>
+                        <a:ext cx="6912000" cy="2880000"/>
+                      </a:xfrm>
+                      <a:prstGeom prst="rect">
+                        <a:avLst/>
+                      </a:prstGeom>
+                    </p:spPr>
+                  </p:pic>
+                </p:oleObj>
+              </mc:Fallback>
+            </mc:AlternateContent>
+          </a:graphicData>
+        </a:graphic>
+      </p:graphicFrame>
+      <p:sp>
+        <p:nvSpPr>
+          <p:cNvPr id="6" name="TextBox 5">
+            <a:extLst>
+              <a:ext uri="{FF2B5EF4-FFF2-40B4-BE49-F238E27FC236}">
+                <a16:creationId xmlns:a16="http://schemas.microsoft.com/office/drawing/2014/main" id="{8EECC4A6-05C3-38A9-BD14-3E9A54FD529D}"/>
+              </a:ext>
+            </a:extLst>
+          </p:cNvPr>
+          <p:cNvSpPr txBox="1"/>
+          <p:nvPr/>
+        </p:nvSpPr>
+        <p:spPr>
+          <a:xfrm>
+            <a:off x="443620" y="1403287"/>
+            <a:ext cx="1348966" cy="646331"/>
+          </a:xfrm>
+          <a:prstGeom prst="rect">
+            <a:avLst/>
+          </a:prstGeom>
+          <a:solidFill>
+            <a:srgbClr val="FF0000"/>
+          </a:solidFill>
+        </p:spPr>
+        <p:txBody>
+          <a:bodyPr wrap="square" rtlCol="0">
+            <a:spAutoFit/>
+          </a:bodyPr>
+          <a:lstStyle/>
+          <a:p>
+            <a:r>
+              <a:rPr lang="de-DE" dirty="0" err="1"/>
+              <a:t>Incl</a:t>
+            </a:r>
+            <a:r>
+              <a:rPr lang="en-US" dirty="0"/>
+              <a:t>.</a:t>
+            </a:r>
+          </a:p>
+          <a:p>
+            <a:r>
+              <a:rPr lang="en-US" dirty="0"/>
+              <a:t>dropout</a:t>
+            </a:r>
+            <a:endParaRPr lang="de-DE" dirty="0"/>
           </a:p>
         </p:txBody>
       </p:sp>
@@ -4231,34 +4504,6 @@
       </p:grpSpPr>
       <p:sp>
         <p:nvSpPr>
-          <p:cNvPr id="3" name="Content Placeholder 2">
-            <a:extLst>
-              <a:ext uri="{FF2B5EF4-FFF2-40B4-BE49-F238E27FC236}">
-                <a16:creationId xmlns:a16="http://schemas.microsoft.com/office/drawing/2014/main" id="{DD9B1D2F-760E-5E48-896E-7B928F581F92}"/>
-              </a:ext>
-            </a:extLst>
-          </p:cNvPr>
-          <p:cNvSpPr>
-            <a:spLocks noGrp="1"/>
-          </p:cNvSpPr>
-          <p:nvPr>
-            <p:ph idx="1"/>
-          </p:nvPr>
-        </p:nvSpPr>
-        <p:spPr/>
-        <p:txBody>
-          <a:bodyPr/>
-          <a:lstStyle/>
-          <a:p>
-            <a:pPr marL="0" indent="0">
-              <a:buNone/>
-            </a:pPr>
-            <a:endParaRPr lang="en-US" dirty="0"/>
-          </a:p>
-        </p:txBody>
-      </p:sp>
-      <p:sp>
-        <p:nvSpPr>
           <p:cNvPr id="10" name="Title 1">
             <a:extLst>
               <a:ext uri="{FF2B5EF4-FFF2-40B4-BE49-F238E27FC236}">
@@ -4390,6 +4635,132 @@
           </a:p>
         </p:txBody>
       </p:sp>
+      <p:graphicFrame>
+        <p:nvGraphicFramePr>
+          <p:cNvPr id="4" name="Object 3">
+            <a:extLst>
+              <a:ext uri="{FF2B5EF4-FFF2-40B4-BE49-F238E27FC236}">
+                <a16:creationId xmlns:a16="http://schemas.microsoft.com/office/drawing/2014/main" id="{2DE79C9F-24AB-A52E-E1B8-0B41384DC681}"/>
+              </a:ext>
+            </a:extLst>
+          </p:cNvPr>
+          <p:cNvGraphicFramePr>
+            <a:graphicFrameLocks noChangeAspect="1"/>
+          </p:cNvGraphicFramePr>
+          <p:nvPr>
+            <p:extLst>
+              <p:ext uri="{D42A27DB-BD31-4B8C-83A1-F6EECF244321}">
+                <p14:modId xmlns:p14="http://schemas.microsoft.com/office/powerpoint/2010/main" val="2560106406"/>
+              </p:ext>
+            </p:extLst>
+          </p:nvPr>
+        </p:nvGraphicFramePr>
+        <p:xfrm>
+          <a:off x="2640000" y="3826061"/>
+          <a:ext cx="6912000" cy="2880000"/>
+        </p:xfrm>
+        <a:graphic>
+          <a:graphicData uri="http://schemas.openxmlformats.org/presentationml/2006/ole">
+            <mc:AlternateContent xmlns:mc="http://schemas.openxmlformats.org/markup-compatibility/2006">
+              <mc:Choice xmlns:v="urn:schemas-microsoft-com:vml" Requires="v">
+                <p:oleObj name="Acrobat Document" r:id="rId2" imgW="8229600" imgH="3428872" progId="Acrobat.Document.DC">
+                  <p:embed/>
+                </p:oleObj>
+              </mc:Choice>
+              <mc:Fallback>
+                <p:oleObj name="Acrobat Document" r:id="rId2" imgW="8229600" imgH="3428872" progId="Acrobat.Document.DC">
+                  <p:embed/>
+                  <p:pic>
+                    <p:nvPicPr>
+                      <p:cNvPr id="0" name=""/>
+                      <p:cNvPicPr/>
+                      <p:nvPr/>
+                    </p:nvPicPr>
+                    <p:blipFill>
+                      <a:blip r:embed="rId3"/>
+                      <a:stretch>
+                        <a:fillRect/>
+                      </a:stretch>
+                    </p:blipFill>
+                    <p:spPr>
+                      <a:xfrm>
+                        <a:off x="2640000" y="3826061"/>
+                        <a:ext cx="6912000" cy="2880000"/>
+                      </a:xfrm>
+                      <a:prstGeom prst="rect">
+                        <a:avLst/>
+                      </a:prstGeom>
+                    </p:spPr>
+                  </p:pic>
+                </p:oleObj>
+              </mc:Fallback>
+            </mc:AlternateContent>
+          </a:graphicData>
+        </a:graphic>
+      </p:graphicFrame>
+      <p:graphicFrame>
+        <p:nvGraphicFramePr>
+          <p:cNvPr id="5" name="Object 4">
+            <a:extLst>
+              <a:ext uri="{FF2B5EF4-FFF2-40B4-BE49-F238E27FC236}">
+                <a16:creationId xmlns:a16="http://schemas.microsoft.com/office/drawing/2014/main" id="{B3F1D803-8BC5-E141-9BA3-71736CB2304E}"/>
+              </a:ext>
+            </a:extLst>
+          </p:cNvPr>
+          <p:cNvGraphicFramePr>
+            <a:graphicFrameLocks noChangeAspect="1"/>
+          </p:cNvGraphicFramePr>
+          <p:nvPr>
+            <p:extLst>
+              <p:ext uri="{D42A27DB-BD31-4B8C-83A1-F6EECF244321}">
+                <p14:modId xmlns:p14="http://schemas.microsoft.com/office/powerpoint/2010/main" val="1718113795"/>
+              </p:ext>
+            </p:extLst>
+          </p:nvPr>
+        </p:nvGraphicFramePr>
+        <p:xfrm>
+          <a:off x="2640000" y="753692"/>
+          <a:ext cx="6912000" cy="2880000"/>
+        </p:xfrm>
+        <a:graphic>
+          <a:graphicData uri="http://schemas.openxmlformats.org/presentationml/2006/ole">
+            <mc:AlternateContent xmlns:mc="http://schemas.openxmlformats.org/markup-compatibility/2006">
+              <mc:Choice xmlns:v="urn:schemas-microsoft-com:vml" Requires="v">
+                <p:oleObj name="Acrobat Document" r:id="rId4" imgW="8229600" imgH="3428872" progId="Acrobat.Document.DC">
+                  <p:embed/>
+                </p:oleObj>
+              </mc:Choice>
+              <mc:Fallback>
+                <p:oleObj name="Acrobat Document" r:id="rId4" imgW="8229600" imgH="3428872" progId="Acrobat.Document.DC">
+                  <p:embed/>
+                  <p:pic>
+                    <p:nvPicPr>
+                      <p:cNvPr id="0" name=""/>
+                      <p:cNvPicPr/>
+                      <p:nvPr/>
+                    </p:nvPicPr>
+                    <p:blipFill>
+                      <a:blip r:embed="rId5"/>
+                      <a:stretch>
+                        <a:fillRect/>
+                      </a:stretch>
+                    </p:blipFill>
+                    <p:spPr>
+                      <a:xfrm>
+                        <a:off x="2640000" y="753692"/>
+                        <a:ext cx="6912000" cy="2880000"/>
+                      </a:xfrm>
+                      <a:prstGeom prst="rect">
+                        <a:avLst/>
+                      </a:prstGeom>
+                    </p:spPr>
+                  </p:pic>
+                </p:oleObj>
+              </mc:Fallback>
+            </mc:AlternateContent>
+          </a:graphicData>
+        </a:graphic>
+      </p:graphicFrame>
     </p:spTree>
     <p:extLst>
       <p:ext uri="{BB962C8B-B14F-4D97-AF65-F5344CB8AC3E}">
@@ -4428,34 +4799,6 @@
       </p:grpSpPr>
       <p:sp>
         <p:nvSpPr>
-          <p:cNvPr id="3" name="Content Placeholder 2">
-            <a:extLst>
-              <a:ext uri="{FF2B5EF4-FFF2-40B4-BE49-F238E27FC236}">
-                <a16:creationId xmlns:a16="http://schemas.microsoft.com/office/drawing/2014/main" id="{1D29B62F-5F94-C6A4-E643-D910363A8926}"/>
-              </a:ext>
-            </a:extLst>
-          </p:cNvPr>
-          <p:cNvSpPr>
-            <a:spLocks noGrp="1"/>
-          </p:cNvSpPr>
-          <p:nvPr>
-            <p:ph idx="1"/>
-          </p:nvPr>
-        </p:nvSpPr>
-        <p:spPr/>
-        <p:txBody>
-          <a:bodyPr/>
-          <a:lstStyle/>
-          <a:p>
-            <a:pPr marL="0" indent="0">
-              <a:buNone/>
-            </a:pPr>
-            <a:endParaRPr lang="en-US" dirty="0"/>
-          </a:p>
-        </p:txBody>
-      </p:sp>
-      <p:sp>
-        <p:nvSpPr>
           <p:cNvPr id="10" name="Title 1">
             <a:extLst>
               <a:ext uri="{FF2B5EF4-FFF2-40B4-BE49-F238E27FC236}">
@@ -4587,6 +4930,132 @@
           </a:p>
         </p:txBody>
       </p:sp>
+      <p:graphicFrame>
+        <p:nvGraphicFramePr>
+          <p:cNvPr id="4" name="Object 3">
+            <a:extLst>
+              <a:ext uri="{FF2B5EF4-FFF2-40B4-BE49-F238E27FC236}">
+                <a16:creationId xmlns:a16="http://schemas.microsoft.com/office/drawing/2014/main" id="{1B98FB5C-697C-6866-0639-BE8E8FDDE023}"/>
+              </a:ext>
+            </a:extLst>
+          </p:cNvPr>
+          <p:cNvGraphicFramePr>
+            <a:graphicFrameLocks noChangeAspect="1"/>
+          </p:cNvGraphicFramePr>
+          <p:nvPr>
+            <p:extLst>
+              <p:ext uri="{D42A27DB-BD31-4B8C-83A1-F6EECF244321}">
+                <p14:modId xmlns:p14="http://schemas.microsoft.com/office/powerpoint/2010/main" val="3487550289"/>
+              </p:ext>
+            </p:extLst>
+          </p:nvPr>
+        </p:nvGraphicFramePr>
+        <p:xfrm>
+          <a:off x="2640000" y="3606424"/>
+          <a:ext cx="6912000" cy="2880000"/>
+        </p:xfrm>
+        <a:graphic>
+          <a:graphicData uri="http://schemas.openxmlformats.org/presentationml/2006/ole">
+            <mc:AlternateContent xmlns:mc="http://schemas.openxmlformats.org/markup-compatibility/2006">
+              <mc:Choice xmlns:v="urn:schemas-microsoft-com:vml" Requires="v">
+                <p:oleObj name="Acrobat Document" r:id="rId2" imgW="8229600" imgH="3428872" progId="Acrobat.Document.DC">
+                  <p:embed/>
+                </p:oleObj>
+              </mc:Choice>
+              <mc:Fallback>
+                <p:oleObj name="Acrobat Document" r:id="rId2" imgW="8229600" imgH="3428872" progId="Acrobat.Document.DC">
+                  <p:embed/>
+                  <p:pic>
+                    <p:nvPicPr>
+                      <p:cNvPr id="0" name=""/>
+                      <p:cNvPicPr/>
+                      <p:nvPr/>
+                    </p:nvPicPr>
+                    <p:blipFill>
+                      <a:blip r:embed="rId3"/>
+                      <a:stretch>
+                        <a:fillRect/>
+                      </a:stretch>
+                    </p:blipFill>
+                    <p:spPr>
+                      <a:xfrm>
+                        <a:off x="2640000" y="3606424"/>
+                        <a:ext cx="6912000" cy="2880000"/>
+                      </a:xfrm>
+                      <a:prstGeom prst="rect">
+                        <a:avLst/>
+                      </a:prstGeom>
+                    </p:spPr>
+                  </p:pic>
+                </p:oleObj>
+              </mc:Fallback>
+            </mc:AlternateContent>
+          </a:graphicData>
+        </a:graphic>
+      </p:graphicFrame>
+      <p:graphicFrame>
+        <p:nvGraphicFramePr>
+          <p:cNvPr id="5" name="Object 4">
+            <a:extLst>
+              <a:ext uri="{FF2B5EF4-FFF2-40B4-BE49-F238E27FC236}">
+                <a16:creationId xmlns:a16="http://schemas.microsoft.com/office/drawing/2014/main" id="{1EF27E15-6F6C-257A-9204-9D5351E7B268}"/>
+              </a:ext>
+            </a:extLst>
+          </p:cNvPr>
+          <p:cNvGraphicFramePr>
+            <a:graphicFrameLocks noChangeAspect="1"/>
+          </p:cNvGraphicFramePr>
+          <p:nvPr>
+            <p:extLst>
+              <p:ext uri="{D42A27DB-BD31-4B8C-83A1-F6EECF244321}">
+                <p14:modId xmlns:p14="http://schemas.microsoft.com/office/powerpoint/2010/main" val="3550336673"/>
+              </p:ext>
+            </p:extLst>
+          </p:nvPr>
+        </p:nvGraphicFramePr>
+        <p:xfrm>
+          <a:off x="2640000" y="726424"/>
+          <a:ext cx="6912000" cy="2880000"/>
+        </p:xfrm>
+        <a:graphic>
+          <a:graphicData uri="http://schemas.openxmlformats.org/presentationml/2006/ole">
+            <mc:AlternateContent xmlns:mc="http://schemas.openxmlformats.org/markup-compatibility/2006">
+              <mc:Choice xmlns:v="urn:schemas-microsoft-com:vml" Requires="v">
+                <p:oleObj name="Acrobat Document" r:id="rId4" imgW="8229600" imgH="3428872" progId="Acrobat.Document.DC">
+                  <p:embed/>
+                </p:oleObj>
+              </mc:Choice>
+              <mc:Fallback>
+                <p:oleObj name="Acrobat Document" r:id="rId4" imgW="8229600" imgH="3428872" progId="Acrobat.Document.DC">
+                  <p:embed/>
+                  <p:pic>
+                    <p:nvPicPr>
+                      <p:cNvPr id="0" name=""/>
+                      <p:cNvPicPr/>
+                      <p:nvPr/>
+                    </p:nvPicPr>
+                    <p:blipFill>
+                      <a:blip r:embed="rId5"/>
+                      <a:stretch>
+                        <a:fillRect/>
+                      </a:stretch>
+                    </p:blipFill>
+                    <p:spPr>
+                      <a:xfrm>
+                        <a:off x="2640000" y="726424"/>
+                        <a:ext cx="6912000" cy="2880000"/>
+                      </a:xfrm>
+                      <a:prstGeom prst="rect">
+                        <a:avLst/>
+                      </a:prstGeom>
+                    </p:spPr>
+                  </p:pic>
+                </p:oleObj>
+              </mc:Fallback>
+            </mc:AlternateContent>
+          </a:graphicData>
+        </a:graphic>
+      </p:graphicFrame>
     </p:spTree>
     <p:extLst>
       <p:ext uri="{BB962C8B-B14F-4D97-AF65-F5344CB8AC3E}">
@@ -4625,34 +5094,6 @@
       </p:grpSpPr>
       <p:sp>
         <p:nvSpPr>
-          <p:cNvPr id="3" name="Content Placeholder 2">
-            <a:extLst>
-              <a:ext uri="{FF2B5EF4-FFF2-40B4-BE49-F238E27FC236}">
-                <a16:creationId xmlns:a16="http://schemas.microsoft.com/office/drawing/2014/main" id="{22E91F82-2D7F-C84F-C3AF-EC0732541EC8}"/>
-              </a:ext>
-            </a:extLst>
-          </p:cNvPr>
-          <p:cNvSpPr>
-            <a:spLocks noGrp="1"/>
-          </p:cNvSpPr>
-          <p:nvPr>
-            <p:ph idx="1"/>
-          </p:nvPr>
-        </p:nvSpPr>
-        <p:spPr/>
-        <p:txBody>
-          <a:bodyPr/>
-          <a:lstStyle/>
-          <a:p>
-            <a:pPr marL="0" indent="0">
-              <a:buNone/>
-            </a:pPr>
-            <a:endParaRPr lang="en-US" dirty="0"/>
-          </a:p>
-        </p:txBody>
-      </p:sp>
-      <p:sp>
-        <p:nvSpPr>
           <p:cNvPr id="10" name="Title 1">
             <a:extLst>
               <a:ext uri="{FF2B5EF4-FFF2-40B4-BE49-F238E27FC236}">
@@ -4784,6 +5225,132 @@
           </a:p>
         </p:txBody>
       </p:sp>
+      <p:graphicFrame>
+        <p:nvGraphicFramePr>
+          <p:cNvPr id="4" name="Object 3">
+            <a:extLst>
+              <a:ext uri="{FF2B5EF4-FFF2-40B4-BE49-F238E27FC236}">
+                <a16:creationId xmlns:a16="http://schemas.microsoft.com/office/drawing/2014/main" id="{54E27D62-BE20-43EC-F25C-9373E1589D25}"/>
+              </a:ext>
+            </a:extLst>
+          </p:cNvPr>
+          <p:cNvGraphicFramePr>
+            <a:graphicFrameLocks noChangeAspect="1"/>
+          </p:cNvGraphicFramePr>
+          <p:nvPr>
+            <p:extLst>
+              <p:ext uri="{D42A27DB-BD31-4B8C-83A1-F6EECF244321}">
+                <p14:modId xmlns:p14="http://schemas.microsoft.com/office/powerpoint/2010/main" val="2455606600"/>
+              </p:ext>
+            </p:extLst>
+          </p:nvPr>
+        </p:nvGraphicFramePr>
+        <p:xfrm>
+          <a:off x="2640000" y="3758494"/>
+          <a:ext cx="6912000" cy="2880000"/>
+        </p:xfrm>
+        <a:graphic>
+          <a:graphicData uri="http://schemas.openxmlformats.org/presentationml/2006/ole">
+            <mc:AlternateContent xmlns:mc="http://schemas.openxmlformats.org/markup-compatibility/2006">
+              <mc:Choice xmlns:v="urn:schemas-microsoft-com:vml" Requires="v">
+                <p:oleObj name="Acrobat Document" r:id="rId2" imgW="8229600" imgH="3428872" progId="Acrobat.Document.DC">
+                  <p:embed/>
+                </p:oleObj>
+              </mc:Choice>
+              <mc:Fallback>
+                <p:oleObj name="Acrobat Document" r:id="rId2" imgW="8229600" imgH="3428872" progId="Acrobat.Document.DC">
+                  <p:embed/>
+                  <p:pic>
+                    <p:nvPicPr>
+                      <p:cNvPr id="0" name=""/>
+                      <p:cNvPicPr/>
+                      <p:nvPr/>
+                    </p:nvPicPr>
+                    <p:blipFill>
+                      <a:blip r:embed="rId3"/>
+                      <a:stretch>
+                        <a:fillRect/>
+                      </a:stretch>
+                    </p:blipFill>
+                    <p:spPr>
+                      <a:xfrm>
+                        <a:off x="2640000" y="3758494"/>
+                        <a:ext cx="6912000" cy="2880000"/>
+                      </a:xfrm>
+                      <a:prstGeom prst="rect">
+                        <a:avLst/>
+                      </a:prstGeom>
+                    </p:spPr>
+                  </p:pic>
+                </p:oleObj>
+              </mc:Fallback>
+            </mc:AlternateContent>
+          </a:graphicData>
+        </a:graphic>
+      </p:graphicFrame>
+      <p:graphicFrame>
+        <p:nvGraphicFramePr>
+          <p:cNvPr id="5" name="Object 4">
+            <a:extLst>
+              <a:ext uri="{FF2B5EF4-FFF2-40B4-BE49-F238E27FC236}">
+                <a16:creationId xmlns:a16="http://schemas.microsoft.com/office/drawing/2014/main" id="{6A476AE1-BAA3-EC69-3569-0B7F2D2A7E39}"/>
+              </a:ext>
+            </a:extLst>
+          </p:cNvPr>
+          <p:cNvGraphicFramePr>
+            <a:graphicFrameLocks noChangeAspect="1"/>
+          </p:cNvGraphicFramePr>
+          <p:nvPr>
+            <p:extLst>
+              <p:ext uri="{D42A27DB-BD31-4B8C-83A1-F6EECF244321}">
+                <p14:modId xmlns:p14="http://schemas.microsoft.com/office/powerpoint/2010/main" val="547222978"/>
+              </p:ext>
+            </p:extLst>
+          </p:nvPr>
+        </p:nvGraphicFramePr>
+        <p:xfrm>
+          <a:off x="2640000" y="753252"/>
+          <a:ext cx="6912000" cy="2880000"/>
+        </p:xfrm>
+        <a:graphic>
+          <a:graphicData uri="http://schemas.openxmlformats.org/presentationml/2006/ole">
+            <mc:AlternateContent xmlns:mc="http://schemas.openxmlformats.org/markup-compatibility/2006">
+              <mc:Choice xmlns:v="urn:schemas-microsoft-com:vml" Requires="v">
+                <p:oleObj name="Acrobat Document" r:id="rId4" imgW="8229600" imgH="3428872" progId="Acrobat.Document.DC">
+                  <p:embed/>
+                </p:oleObj>
+              </mc:Choice>
+              <mc:Fallback>
+                <p:oleObj name="Acrobat Document" r:id="rId4" imgW="8229600" imgH="3428872" progId="Acrobat.Document.DC">
+                  <p:embed/>
+                  <p:pic>
+                    <p:nvPicPr>
+                      <p:cNvPr id="0" name=""/>
+                      <p:cNvPicPr/>
+                      <p:nvPr/>
+                    </p:nvPicPr>
+                    <p:blipFill>
+                      <a:blip r:embed="rId5"/>
+                      <a:stretch>
+                        <a:fillRect/>
+                      </a:stretch>
+                    </p:blipFill>
+                    <p:spPr>
+                      <a:xfrm>
+                        <a:off x="2640000" y="753252"/>
+                        <a:ext cx="6912000" cy="2880000"/>
+                      </a:xfrm>
+                      <a:prstGeom prst="rect">
+                        <a:avLst/>
+                      </a:prstGeom>
+                    </p:spPr>
+                  </p:pic>
+                </p:oleObj>
+              </mc:Fallback>
+            </mc:AlternateContent>
+          </a:graphicData>
+        </a:graphic>
+      </p:graphicFrame>
     </p:spTree>
     <p:extLst>
       <p:ext uri="{BB962C8B-B14F-4D97-AF65-F5344CB8AC3E}">
@@ -4822,34 +5389,6 @@
       </p:grpSpPr>
       <p:sp>
         <p:nvSpPr>
-          <p:cNvPr id="3" name="Content Placeholder 2">
-            <a:extLst>
-              <a:ext uri="{FF2B5EF4-FFF2-40B4-BE49-F238E27FC236}">
-                <a16:creationId xmlns:a16="http://schemas.microsoft.com/office/drawing/2014/main" id="{088AA377-E65A-DA0C-5671-F224615F0123}"/>
-              </a:ext>
-            </a:extLst>
-          </p:cNvPr>
-          <p:cNvSpPr>
-            <a:spLocks noGrp="1"/>
-          </p:cNvSpPr>
-          <p:nvPr>
-            <p:ph idx="1"/>
-          </p:nvPr>
-        </p:nvSpPr>
-        <p:spPr/>
-        <p:txBody>
-          <a:bodyPr/>
-          <a:lstStyle/>
-          <a:p>
-            <a:pPr marL="0" indent="0">
-              <a:buNone/>
-            </a:pPr>
-            <a:endParaRPr lang="en-US" dirty="0"/>
-          </a:p>
-        </p:txBody>
-      </p:sp>
-      <p:sp>
-        <p:nvSpPr>
           <p:cNvPr id="10" name="Title 1">
             <a:extLst>
               <a:ext uri="{FF2B5EF4-FFF2-40B4-BE49-F238E27FC236}">
@@ -4981,6 +5520,132 @@
           </a:p>
         </p:txBody>
       </p:sp>
+      <p:graphicFrame>
+        <p:nvGraphicFramePr>
+          <p:cNvPr id="4" name="Object 3">
+            <a:extLst>
+              <a:ext uri="{FF2B5EF4-FFF2-40B4-BE49-F238E27FC236}">
+                <a16:creationId xmlns:a16="http://schemas.microsoft.com/office/drawing/2014/main" id="{AA39BFA7-0F9C-A48B-DCDA-AEAAFBE38001}"/>
+              </a:ext>
+            </a:extLst>
+          </p:cNvPr>
+          <p:cNvGraphicFramePr>
+            <a:graphicFrameLocks noChangeAspect="1"/>
+          </p:cNvGraphicFramePr>
+          <p:nvPr>
+            <p:extLst>
+              <p:ext uri="{D42A27DB-BD31-4B8C-83A1-F6EECF244321}">
+                <p14:modId xmlns:p14="http://schemas.microsoft.com/office/powerpoint/2010/main" val="4253611223"/>
+              </p:ext>
+            </p:extLst>
+          </p:nvPr>
+        </p:nvGraphicFramePr>
+        <p:xfrm>
+          <a:off x="2640000" y="3731223"/>
+          <a:ext cx="6912000" cy="2880000"/>
+        </p:xfrm>
+        <a:graphic>
+          <a:graphicData uri="http://schemas.openxmlformats.org/presentationml/2006/ole">
+            <mc:AlternateContent xmlns:mc="http://schemas.openxmlformats.org/markup-compatibility/2006">
+              <mc:Choice xmlns:v="urn:schemas-microsoft-com:vml" Requires="v">
+                <p:oleObj name="Acrobat Document" r:id="rId2" imgW="8229600" imgH="3428872" progId="Acrobat.Document.DC">
+                  <p:embed/>
+                </p:oleObj>
+              </mc:Choice>
+              <mc:Fallback>
+                <p:oleObj name="Acrobat Document" r:id="rId2" imgW="8229600" imgH="3428872" progId="Acrobat.Document.DC">
+                  <p:embed/>
+                  <p:pic>
+                    <p:nvPicPr>
+                      <p:cNvPr id="0" name=""/>
+                      <p:cNvPicPr/>
+                      <p:nvPr/>
+                    </p:nvPicPr>
+                    <p:blipFill>
+                      <a:blip r:embed="rId3"/>
+                      <a:stretch>
+                        <a:fillRect/>
+                      </a:stretch>
+                    </p:blipFill>
+                    <p:spPr>
+                      <a:xfrm>
+                        <a:off x="2640000" y="3731223"/>
+                        <a:ext cx="6912000" cy="2880000"/>
+                      </a:xfrm>
+                      <a:prstGeom prst="rect">
+                        <a:avLst/>
+                      </a:prstGeom>
+                    </p:spPr>
+                  </p:pic>
+                </p:oleObj>
+              </mc:Fallback>
+            </mc:AlternateContent>
+          </a:graphicData>
+        </a:graphic>
+      </p:graphicFrame>
+      <p:graphicFrame>
+        <p:nvGraphicFramePr>
+          <p:cNvPr id="5" name="Object 4">
+            <a:extLst>
+              <a:ext uri="{FF2B5EF4-FFF2-40B4-BE49-F238E27FC236}">
+                <a16:creationId xmlns:a16="http://schemas.microsoft.com/office/drawing/2014/main" id="{F9E1BA7D-40E1-D3CC-0529-7E7496D668FC}"/>
+              </a:ext>
+            </a:extLst>
+          </p:cNvPr>
+          <p:cNvGraphicFramePr>
+            <a:graphicFrameLocks noChangeAspect="1"/>
+          </p:cNvGraphicFramePr>
+          <p:nvPr>
+            <p:extLst>
+              <p:ext uri="{D42A27DB-BD31-4B8C-83A1-F6EECF244321}">
+                <p14:modId xmlns:p14="http://schemas.microsoft.com/office/powerpoint/2010/main" val="752767906"/>
+              </p:ext>
+            </p:extLst>
+          </p:nvPr>
+        </p:nvGraphicFramePr>
+        <p:xfrm>
+          <a:off x="2640000" y="777100"/>
+          <a:ext cx="6912000" cy="2880000"/>
+        </p:xfrm>
+        <a:graphic>
+          <a:graphicData uri="http://schemas.openxmlformats.org/presentationml/2006/ole">
+            <mc:AlternateContent xmlns:mc="http://schemas.openxmlformats.org/markup-compatibility/2006">
+              <mc:Choice xmlns:v="urn:schemas-microsoft-com:vml" Requires="v">
+                <p:oleObj name="Acrobat Document" r:id="rId4" imgW="8229600" imgH="3428872" progId="Acrobat.Document.DC">
+                  <p:embed/>
+                </p:oleObj>
+              </mc:Choice>
+              <mc:Fallback>
+                <p:oleObj name="Acrobat Document" r:id="rId4" imgW="8229600" imgH="3428872" progId="Acrobat.Document.DC">
+                  <p:embed/>
+                  <p:pic>
+                    <p:nvPicPr>
+                      <p:cNvPr id="0" name=""/>
+                      <p:cNvPicPr/>
+                      <p:nvPr/>
+                    </p:nvPicPr>
+                    <p:blipFill>
+                      <a:blip r:embed="rId5"/>
+                      <a:stretch>
+                        <a:fillRect/>
+                      </a:stretch>
+                    </p:blipFill>
+                    <p:spPr>
+                      <a:xfrm>
+                        <a:off x="2640000" y="777100"/>
+                        <a:ext cx="6912000" cy="2880000"/>
+                      </a:xfrm>
+                      <a:prstGeom prst="rect">
+                        <a:avLst/>
+                      </a:prstGeom>
+                    </p:spPr>
+                  </p:pic>
+                </p:oleObj>
+              </mc:Fallback>
+            </mc:AlternateContent>
+          </a:graphicData>
+        </a:graphic>
+      </p:graphicFrame>
     </p:spTree>
     <p:extLst>
       <p:ext uri="{BB962C8B-B14F-4D97-AF65-F5344CB8AC3E}">
@@ -4995,6 +5660,127 @@
 </file>
 
 <file path=ppt/slides/slide18.xml><?xml version="1.0" encoding="utf-8"?>
+<p:sld xmlns:a="http://schemas.openxmlformats.org/drawingml/2006/main" xmlns:r="http://schemas.openxmlformats.org/officeDocument/2006/relationships" xmlns:p="http://schemas.openxmlformats.org/presentationml/2006/main">
+  <p:cSld>
+    <p:spTree>
+      <p:nvGrpSpPr>
+        <p:cNvPr id="1" name=""/>
+        <p:cNvGrpSpPr/>
+        <p:nvPr/>
+      </p:nvGrpSpPr>
+      <p:grpSpPr>
+        <a:xfrm>
+          <a:off x="0" y="0"/>
+          <a:ext cx="0" cy="0"/>
+          <a:chOff x="0" y="0"/>
+          <a:chExt cx="0" cy="0"/>
+        </a:xfrm>
+      </p:grpSpPr>
+      <p:sp>
+        <p:nvSpPr>
+          <p:cNvPr id="2" name="Title 1">
+            <a:extLst>
+              <a:ext uri="{FF2B5EF4-FFF2-40B4-BE49-F238E27FC236}">
+                <a16:creationId xmlns:a16="http://schemas.microsoft.com/office/drawing/2014/main" id="{1C345EC7-DD93-62AC-6D44-8CBBBA65CC61}"/>
+              </a:ext>
+            </a:extLst>
+          </p:cNvPr>
+          <p:cNvSpPr>
+            <a:spLocks noGrp="1"/>
+          </p:cNvSpPr>
+          <p:nvPr>
+            <p:ph type="title"/>
+          </p:nvPr>
+        </p:nvSpPr>
+        <p:spPr>
+          <a:xfrm>
+            <a:off x="838200" y="2766218"/>
+            <a:ext cx="10515600" cy="1325563"/>
+          </a:xfrm>
+        </p:spPr>
+        <p:txBody>
+          <a:bodyPr/>
+          <a:lstStyle/>
+          <a:p>
+            <a:pPr algn="ctr"/>
+            <a:r>
+              <a:rPr lang="de-DE" dirty="0"/>
+              <a:t>Would a </a:t>
+            </a:r>
+            <a:r>
+              <a:rPr lang="de-DE" dirty="0" err="1"/>
+              <a:t>shorter</a:t>
+            </a:r>
+            <a:r>
+              <a:rPr lang="de-DE" dirty="0"/>
+              <a:t> </a:t>
+            </a:r>
+            <a:r>
+              <a:rPr lang="de-DE" dirty="0" err="1"/>
+              <a:t>training</a:t>
+            </a:r>
+            <a:r>
+              <a:rPr lang="de-DE" dirty="0"/>
+              <a:t> time </a:t>
+            </a:r>
+            <a:r>
+              <a:rPr lang="de-DE" dirty="0" err="1"/>
+              <a:t>period</a:t>
+            </a:r>
+            <a:r>
+              <a:rPr lang="de-DE" dirty="0"/>
+              <a:t> </a:t>
+            </a:r>
+            <a:r>
+              <a:rPr lang="de-DE" dirty="0" err="1"/>
+              <a:t>for</a:t>
+            </a:r>
+            <a:r>
+              <a:rPr lang="de-DE" dirty="0"/>
+              <a:t> </a:t>
+            </a:r>
+            <a:r>
+              <a:rPr lang="de-DE" dirty="0" err="1"/>
+              <a:t>training</a:t>
+            </a:r>
+            <a:r>
+              <a:rPr lang="de-DE" dirty="0"/>
+              <a:t> also </a:t>
+            </a:r>
+            <a:r>
+              <a:rPr lang="de-DE" dirty="0" err="1"/>
+              <a:t>be</a:t>
+            </a:r>
+            <a:r>
+              <a:rPr lang="de-DE" dirty="0"/>
+              <a:t> </a:t>
+            </a:r>
+            <a:r>
+              <a:rPr lang="de-DE" dirty="0" err="1"/>
+              <a:t>sufficient</a:t>
+            </a:r>
+            <a:r>
+              <a:rPr lang="de-DE" dirty="0"/>
+              <a:t>?</a:t>
+            </a:r>
+            <a:endParaRPr lang="en-US" dirty="0"/>
+          </a:p>
+        </p:txBody>
+      </p:sp>
+    </p:spTree>
+    <p:extLst>
+      <p:ext uri="{BB962C8B-B14F-4D97-AF65-F5344CB8AC3E}">
+        <p14:creationId xmlns:p14="http://schemas.microsoft.com/office/powerpoint/2010/main" val="1330588655"/>
+      </p:ext>
+    </p:extLst>
+  </p:cSld>
+  <p:clrMapOvr>
+    <a:masterClrMapping/>
+  </p:clrMapOvr>
+</p:sld>
+</file>
+
+<file path=ppt/slides/slide19.xml><?xml version="1.0" encoding="utf-8"?>
 <p:sld xmlns:a="http://schemas.openxmlformats.org/drawingml/2006/main" xmlns:r="http://schemas.openxmlformats.org/officeDocument/2006/relationships" xmlns:p="http://schemas.openxmlformats.org/presentationml/2006/main">
   <p:cSld>
     <p:spTree>
@@ -5283,7 +6069,744 @@
 </p:sld>
 </file>
 
-<file path=ppt/slides/slide19.xml><?xml version="1.0" encoding="utf-8"?>
+<file path=ppt/slides/slide2.xml><?xml version="1.0" encoding="utf-8"?>
+<p:sld xmlns:a="http://schemas.openxmlformats.org/drawingml/2006/main" xmlns:r="http://schemas.openxmlformats.org/officeDocument/2006/relationships" xmlns:p="http://schemas.openxmlformats.org/presentationml/2006/main">
+  <p:cSld>
+    <p:spTree>
+      <p:nvGrpSpPr>
+        <p:cNvPr id="1" name=""/>
+        <p:cNvGrpSpPr/>
+        <p:nvPr/>
+      </p:nvGrpSpPr>
+      <p:grpSpPr>
+        <a:xfrm>
+          <a:off x="0" y="0"/>
+          <a:ext cx="0" cy="0"/>
+          <a:chOff x="0" y="0"/>
+          <a:chExt cx="0" cy="0"/>
+        </a:xfrm>
+      </p:grpSpPr>
+      <p:sp>
+        <p:nvSpPr>
+          <p:cNvPr id="2" name="Title 1">
+            <a:extLst>
+              <a:ext uri="{FF2B5EF4-FFF2-40B4-BE49-F238E27FC236}">
+                <a16:creationId xmlns:a16="http://schemas.microsoft.com/office/drawing/2014/main" id="{4C902162-C00D-27BA-8035-78C2A4D5EFC2}"/>
+              </a:ext>
+            </a:extLst>
+          </p:cNvPr>
+          <p:cNvSpPr>
+            <a:spLocks noGrp="1"/>
+          </p:cNvSpPr>
+          <p:nvPr>
+            <p:ph type="title"/>
+          </p:nvPr>
+        </p:nvSpPr>
+        <p:spPr/>
+        <p:txBody>
+          <a:bodyPr/>
+          <a:lstStyle/>
+          <a:p>
+            <a:pPr algn="ctr"/>
+            <a:r>
+              <a:rPr lang="de-DE" dirty="0"/>
+              <a:t>General </a:t>
+            </a:r>
+            <a:r>
+              <a:rPr lang="de-DE" dirty="0" err="1"/>
+              <a:t>idea</a:t>
+            </a:r>
+            <a:endParaRPr lang="en-US" dirty="0"/>
+          </a:p>
+        </p:txBody>
+      </p:sp>
+      <p:sp>
+        <p:nvSpPr>
+          <p:cNvPr id="3" name="Content Placeholder 2">
+            <a:extLst>
+              <a:ext uri="{FF2B5EF4-FFF2-40B4-BE49-F238E27FC236}">
+                <a16:creationId xmlns:a16="http://schemas.microsoft.com/office/drawing/2014/main" id="{C5EC69AC-002E-1A92-5753-904AA07C80CD}"/>
+              </a:ext>
+            </a:extLst>
+          </p:cNvPr>
+          <p:cNvSpPr>
+            <a:spLocks noGrp="1"/>
+          </p:cNvSpPr>
+          <p:nvPr>
+            <p:ph idx="1"/>
+          </p:nvPr>
+        </p:nvSpPr>
+        <p:spPr/>
+        <p:txBody>
+          <a:bodyPr>
+            <a:normAutofit fontScale="85000" lnSpcReduction="20000"/>
+          </a:bodyPr>
+          <a:lstStyle/>
+          <a:p>
+            <a:pPr marL="0" indent="0">
+              <a:buNone/>
+            </a:pPr>
+            <a:r>
+              <a:rPr lang="de-DE" dirty="0" err="1"/>
+              <a:t>Build</a:t>
+            </a:r>
+            <a:r>
+              <a:rPr lang="de-DE" dirty="0"/>
+              <a:t> a </a:t>
+            </a:r>
+            <a:r>
+              <a:rPr lang="de-DE" dirty="0" err="1"/>
+              <a:t>deep</a:t>
+            </a:r>
+            <a:r>
+              <a:rPr lang="de-DE" dirty="0"/>
+              <a:t> </a:t>
+            </a:r>
+            <a:r>
+              <a:rPr lang="de-DE" dirty="0" err="1"/>
+              <a:t>learning-based</a:t>
+            </a:r>
+            <a:r>
+              <a:rPr lang="de-DE" dirty="0"/>
+              <a:t> </a:t>
+            </a:r>
+            <a:r>
+              <a:rPr lang="de-DE" dirty="0" err="1"/>
+              <a:t>procedure</a:t>
+            </a:r>
+            <a:r>
+              <a:rPr lang="de-DE" dirty="0"/>
+              <a:t> to </a:t>
+            </a:r>
+            <a:r>
+              <a:rPr lang="de-DE" dirty="0" err="1"/>
+              <a:t>predict</a:t>
+            </a:r>
+            <a:r>
+              <a:rPr lang="de-DE" dirty="0"/>
+              <a:t> </a:t>
+            </a:r>
+            <a:r>
+              <a:rPr lang="de-DE" dirty="0" err="1"/>
+              <a:t>the</a:t>
+            </a:r>
+            <a:r>
+              <a:rPr lang="de-DE" dirty="0"/>
+              <a:t> </a:t>
+            </a:r>
+            <a:r>
+              <a:rPr lang="de-DE" dirty="0" err="1"/>
+              <a:t>close</a:t>
+            </a:r>
+            <a:r>
+              <a:rPr lang="de-DE" dirty="0"/>
+              <a:t> </a:t>
+            </a:r>
+            <a:r>
+              <a:rPr lang="de-DE" dirty="0" err="1"/>
+              <a:t>value</a:t>
+            </a:r>
+            <a:r>
+              <a:rPr lang="de-DE" dirty="0"/>
+              <a:t> </a:t>
+            </a:r>
+            <a:r>
+              <a:rPr lang="de-DE" dirty="0" err="1"/>
+              <a:t>of</a:t>
+            </a:r>
+            <a:r>
+              <a:rPr lang="de-DE" dirty="0"/>
+              <a:t> an </a:t>
+            </a:r>
+            <a:r>
+              <a:rPr lang="de-DE" dirty="0" err="1"/>
+              <a:t>asset</a:t>
+            </a:r>
+            <a:r>
+              <a:rPr lang="de-DE" dirty="0"/>
+              <a:t> </a:t>
+            </a:r>
+            <a:r>
+              <a:rPr lang="de-DE" dirty="0" err="1"/>
+              <a:t>for</a:t>
+            </a:r>
+            <a:r>
+              <a:rPr lang="de-DE" dirty="0"/>
+              <a:t> </a:t>
+            </a:r>
+            <a:r>
+              <a:rPr lang="de-DE" dirty="0" err="1"/>
+              <a:t>the</a:t>
+            </a:r>
+            <a:r>
+              <a:rPr lang="de-DE" dirty="0"/>
+              <a:t> </a:t>
+            </a:r>
+            <a:r>
+              <a:rPr lang="de-DE" dirty="0" err="1"/>
+              <a:t>next</a:t>
+            </a:r>
+            <a:r>
+              <a:rPr lang="de-DE" dirty="0"/>
+              <a:t> </a:t>
+            </a:r>
+            <a:r>
+              <a:rPr lang="de-DE" dirty="0" err="1"/>
+              <a:t>day</a:t>
+            </a:r>
+            <a:r>
+              <a:rPr lang="de-DE" dirty="0"/>
+              <a:t> (</a:t>
+            </a:r>
+            <a:r>
+              <a:rPr lang="de-DE" dirty="0" err="1"/>
+              <a:t>regression</a:t>
+            </a:r>
+            <a:r>
+              <a:rPr lang="de-DE" dirty="0"/>
+              <a:t>). As an </a:t>
+            </a:r>
+            <a:r>
+              <a:rPr lang="de-DE" dirty="0" err="1"/>
+              <a:t>example</a:t>
+            </a:r>
+            <a:r>
+              <a:rPr lang="de-DE" dirty="0"/>
+              <a:t>, </a:t>
+            </a:r>
+            <a:r>
+              <a:rPr lang="de-DE" dirty="0" err="1"/>
+              <a:t>we</a:t>
+            </a:r>
+            <a:r>
+              <a:rPr lang="de-DE" dirty="0"/>
+              <a:t> </a:t>
+            </a:r>
+            <a:r>
+              <a:rPr lang="de-DE" dirty="0" err="1"/>
+              <a:t>took</a:t>
+            </a:r>
+            <a:r>
+              <a:rPr lang="de-DE" dirty="0"/>
+              <a:t> </a:t>
+            </a:r>
+            <a:r>
+              <a:rPr lang="de-DE" dirty="0" err="1"/>
+              <a:t>the</a:t>
+            </a:r>
+            <a:r>
+              <a:rPr lang="de-DE" dirty="0"/>
+              <a:t> META </a:t>
+            </a:r>
+            <a:r>
+              <a:rPr lang="de-DE" dirty="0" err="1"/>
+              <a:t>share</a:t>
+            </a:r>
+            <a:r>
+              <a:rPr lang="de-DE" dirty="0"/>
+              <a:t>.</a:t>
+            </a:r>
+          </a:p>
+          <a:p>
+            <a:pPr marL="0" indent="0">
+              <a:buNone/>
+            </a:pPr>
+            <a:endParaRPr lang="de-DE" dirty="0"/>
+          </a:p>
+          <a:p>
+            <a:pPr marL="0" indent="0">
+              <a:buNone/>
+            </a:pPr>
+            <a:r>
+              <a:rPr lang="de-DE" b="1" dirty="0"/>
+              <a:t>Scenario: </a:t>
+            </a:r>
+          </a:p>
+          <a:p>
+            <a:pPr marL="0" indent="0">
+              <a:buNone/>
+            </a:pPr>
+            <a:r>
+              <a:rPr lang="de-DE" dirty="0" err="1"/>
+              <a:t>Once</a:t>
+            </a:r>
+            <a:r>
+              <a:rPr lang="de-DE" dirty="0"/>
+              <a:t> </a:t>
+            </a:r>
+            <a:r>
+              <a:rPr lang="de-DE" dirty="0" err="1"/>
+              <a:t>the</a:t>
+            </a:r>
+            <a:r>
+              <a:rPr lang="de-DE" dirty="0"/>
+              <a:t> tradefaire </a:t>
+            </a:r>
+            <a:r>
+              <a:rPr lang="de-DE" dirty="0" err="1"/>
+              <a:t>has</a:t>
+            </a:r>
+            <a:r>
+              <a:rPr lang="de-DE" dirty="0"/>
+              <a:t> </a:t>
+            </a:r>
+            <a:r>
+              <a:rPr lang="de-DE" dirty="0" err="1"/>
+              <a:t>closed</a:t>
+            </a:r>
+            <a:r>
+              <a:rPr lang="de-DE" dirty="0"/>
+              <a:t> and </a:t>
+            </a:r>
+            <a:r>
+              <a:rPr lang="de-DE" dirty="0" err="1"/>
+              <a:t>data</a:t>
+            </a:r>
+            <a:r>
+              <a:rPr lang="de-DE" dirty="0"/>
+              <a:t> </a:t>
+            </a:r>
+            <a:r>
+              <a:rPr lang="de-DE" dirty="0" err="1"/>
+              <a:t>are</a:t>
+            </a:r>
+            <a:r>
+              <a:rPr lang="de-DE" dirty="0"/>
+              <a:t> </a:t>
+            </a:r>
+            <a:r>
+              <a:rPr lang="de-DE" dirty="0" err="1"/>
+              <a:t>available</a:t>
+            </a:r>
+            <a:r>
+              <a:rPr lang="de-DE" dirty="0"/>
+              <a:t> (</a:t>
+            </a:r>
+            <a:r>
+              <a:rPr lang="de-DE" dirty="0" err="1"/>
+              <a:t>about</a:t>
+            </a:r>
+            <a:r>
+              <a:rPr lang="de-DE" dirty="0"/>
+              <a:t> 0:00 CET), </a:t>
+            </a:r>
+            <a:r>
+              <a:rPr lang="de-DE" dirty="0" err="1"/>
+              <a:t>train</a:t>
+            </a:r>
+            <a:r>
+              <a:rPr lang="de-DE" dirty="0"/>
+              <a:t> </a:t>
+            </a:r>
+            <a:r>
+              <a:rPr lang="de-DE" dirty="0" err="1"/>
+              <a:t>model</a:t>
+            </a:r>
+            <a:r>
+              <a:rPr lang="de-DE" dirty="0"/>
+              <a:t> </a:t>
+            </a:r>
+            <a:r>
+              <a:rPr lang="de-DE" dirty="0" err="1"/>
+              <a:t>using</a:t>
+            </a:r>
+            <a:r>
+              <a:rPr lang="de-DE" dirty="0"/>
+              <a:t> all </a:t>
+            </a:r>
+            <a:r>
+              <a:rPr lang="de-DE" dirty="0" err="1"/>
+              <a:t>available</a:t>
+            </a:r>
+            <a:r>
+              <a:rPr lang="de-DE" dirty="0"/>
+              <a:t> </a:t>
+            </a:r>
+            <a:r>
+              <a:rPr lang="de-DE" dirty="0" err="1"/>
+              <a:t>data</a:t>
+            </a:r>
+            <a:r>
+              <a:rPr lang="de-DE" dirty="0"/>
+              <a:t> </a:t>
+            </a:r>
+            <a:r>
+              <a:rPr lang="de-DE" dirty="0" err="1"/>
+              <a:t>including</a:t>
+            </a:r>
+            <a:r>
+              <a:rPr lang="de-DE" dirty="0"/>
+              <a:t> </a:t>
+            </a:r>
+            <a:r>
+              <a:rPr lang="de-DE" dirty="0" err="1"/>
+              <a:t>the</a:t>
+            </a:r>
+            <a:r>
+              <a:rPr lang="de-DE" dirty="0"/>
+              <a:t> last </a:t>
+            </a:r>
+            <a:r>
+              <a:rPr lang="de-DE" dirty="0" err="1"/>
+              <a:t>trading</a:t>
+            </a:r>
+            <a:r>
+              <a:rPr lang="de-DE" dirty="0"/>
+              <a:t> </a:t>
+            </a:r>
+            <a:r>
+              <a:rPr lang="de-DE" dirty="0" err="1"/>
+              <a:t>day</a:t>
+            </a:r>
+            <a:r>
+              <a:rPr lang="de-DE" dirty="0"/>
+              <a:t>. </a:t>
+            </a:r>
+          </a:p>
+          <a:p>
+            <a:pPr marL="0" indent="0">
+              <a:buNone/>
+            </a:pPr>
+            <a:r>
+              <a:rPr lang="de-DE" dirty="0"/>
+              <a:t>Act </a:t>
+            </a:r>
+            <a:r>
+              <a:rPr lang="de-DE" dirty="0" err="1"/>
+              <a:t>based</a:t>
+            </a:r>
+            <a:r>
+              <a:rPr lang="de-DE" dirty="0"/>
+              <a:t> on </a:t>
+            </a:r>
+            <a:r>
+              <a:rPr lang="de-DE" dirty="0" err="1"/>
+              <a:t>the</a:t>
+            </a:r>
+            <a:r>
+              <a:rPr lang="de-DE" dirty="0"/>
+              <a:t> </a:t>
+            </a:r>
+            <a:r>
+              <a:rPr lang="de-DE" dirty="0" err="1"/>
+              <a:t>prediction</a:t>
+            </a:r>
+            <a:r>
+              <a:rPr lang="de-DE" dirty="0"/>
+              <a:t> </a:t>
+            </a:r>
+            <a:r>
+              <a:rPr lang="de-DE" dirty="0" err="1"/>
+              <a:t>once</a:t>
+            </a:r>
+            <a:r>
+              <a:rPr lang="de-DE" dirty="0"/>
+              <a:t> </a:t>
+            </a:r>
+            <a:r>
+              <a:rPr lang="de-DE" dirty="0" err="1"/>
+              <a:t>the</a:t>
+            </a:r>
+            <a:r>
+              <a:rPr lang="de-DE" dirty="0"/>
+              <a:t> </a:t>
+            </a:r>
+            <a:r>
+              <a:rPr lang="de-DE" dirty="0" err="1"/>
+              <a:t>tradfaire</a:t>
+            </a:r>
+            <a:r>
+              <a:rPr lang="de-DE" dirty="0"/>
+              <a:t> </a:t>
+            </a:r>
+            <a:r>
+              <a:rPr lang="de-DE" dirty="0" err="1"/>
+              <a:t>has</a:t>
+            </a:r>
+            <a:r>
+              <a:rPr lang="de-DE" dirty="0"/>
+              <a:t> </a:t>
+            </a:r>
+            <a:r>
+              <a:rPr lang="de-DE" dirty="0" err="1"/>
+              <a:t>reopened</a:t>
+            </a:r>
+            <a:r>
+              <a:rPr lang="de-DE" dirty="0"/>
+              <a:t>: </a:t>
+            </a:r>
+          </a:p>
+          <a:p>
+            <a:pPr marL="0" indent="0">
+              <a:buNone/>
+            </a:pPr>
+            <a:r>
+              <a:rPr lang="de-DE" dirty="0" err="1"/>
+              <a:t>if</a:t>
+            </a:r>
+            <a:r>
+              <a:rPr lang="de-DE" dirty="0"/>
+              <a:t> an </a:t>
+            </a:r>
+            <a:r>
+              <a:rPr lang="de-DE" dirty="0" err="1"/>
+              <a:t>increase</a:t>
+            </a:r>
+            <a:r>
+              <a:rPr lang="de-DE" dirty="0"/>
+              <a:t> </a:t>
+            </a:r>
+            <a:r>
+              <a:rPr lang="de-DE" dirty="0" err="1"/>
+              <a:t>is</a:t>
+            </a:r>
+            <a:r>
+              <a:rPr lang="de-DE" dirty="0"/>
+              <a:t> </a:t>
+            </a:r>
+            <a:r>
+              <a:rPr lang="de-DE" dirty="0" err="1"/>
+              <a:t>predicted</a:t>
+            </a:r>
+            <a:r>
+              <a:rPr lang="de-DE" dirty="0"/>
+              <a:t> </a:t>
+            </a:r>
+            <a:r>
+              <a:rPr lang="de-DE" dirty="0" err="1"/>
+              <a:t>buy</a:t>
+            </a:r>
+            <a:r>
+              <a:rPr lang="de-DE" dirty="0"/>
+              <a:t>, </a:t>
+            </a:r>
+            <a:r>
+              <a:rPr lang="de-DE" dirty="0" err="1"/>
+              <a:t>if</a:t>
+            </a:r>
+            <a:r>
+              <a:rPr lang="de-DE" dirty="0"/>
+              <a:t> a </a:t>
+            </a:r>
+            <a:r>
+              <a:rPr lang="de-DE" dirty="0" err="1"/>
+              <a:t>decrease</a:t>
+            </a:r>
+            <a:r>
+              <a:rPr lang="de-DE" dirty="0"/>
+              <a:t> </a:t>
+            </a:r>
+            <a:r>
+              <a:rPr lang="de-DE" dirty="0" err="1"/>
+              <a:t>is</a:t>
+            </a:r>
+            <a:r>
+              <a:rPr lang="de-DE" dirty="0"/>
+              <a:t> </a:t>
+            </a:r>
+            <a:r>
+              <a:rPr lang="de-DE" dirty="0" err="1"/>
+              <a:t>predicted</a:t>
+            </a:r>
+            <a:r>
+              <a:rPr lang="de-DE" dirty="0"/>
+              <a:t> </a:t>
+            </a:r>
+            <a:r>
+              <a:rPr lang="de-DE" dirty="0" err="1"/>
+              <a:t>sell</a:t>
+            </a:r>
+            <a:r>
+              <a:rPr lang="de-DE" dirty="0"/>
+              <a:t> </a:t>
+            </a:r>
+            <a:r>
+              <a:rPr lang="de-DE" dirty="0" err="1"/>
+              <a:t>the</a:t>
+            </a:r>
+            <a:r>
+              <a:rPr lang="de-DE" dirty="0"/>
+              <a:t> </a:t>
+            </a:r>
+            <a:r>
+              <a:rPr lang="de-DE" dirty="0" err="1"/>
+              <a:t>asset</a:t>
+            </a:r>
+            <a:r>
+              <a:rPr lang="de-DE" dirty="0"/>
+              <a:t>.</a:t>
+            </a:r>
+          </a:p>
+          <a:p>
+            <a:pPr marL="0" indent="0">
+              <a:buNone/>
+            </a:pPr>
+            <a:endParaRPr lang="de-DE" dirty="0"/>
+          </a:p>
+          <a:p>
+            <a:pPr marL="0" indent="0">
+              <a:buNone/>
+            </a:pPr>
+            <a:r>
+              <a:rPr lang="de-DE" b="1" dirty="0" err="1"/>
+              <a:t>Prerequisite</a:t>
+            </a:r>
+            <a:r>
+              <a:rPr lang="de-DE" b="1" dirty="0"/>
+              <a:t>: </a:t>
+            </a:r>
+          </a:p>
+          <a:p>
+            <a:pPr marL="0" indent="0">
+              <a:buNone/>
+            </a:pPr>
+            <a:r>
+              <a:rPr lang="de-DE" dirty="0"/>
+              <a:t>At </a:t>
+            </a:r>
+            <a:r>
+              <a:rPr lang="de-DE" dirty="0" err="1"/>
+              <a:t>best</a:t>
+            </a:r>
+            <a:r>
+              <a:rPr lang="de-DE" dirty="0"/>
+              <a:t>, </a:t>
+            </a:r>
+            <a:r>
+              <a:rPr lang="de-DE" dirty="0" err="1"/>
+              <a:t>training</a:t>
+            </a:r>
+            <a:r>
+              <a:rPr lang="de-DE" dirty="0"/>
+              <a:t> </a:t>
+            </a:r>
+            <a:r>
+              <a:rPr lang="de-DE" dirty="0" err="1"/>
+              <a:t>needs</a:t>
+            </a:r>
+            <a:r>
+              <a:rPr lang="de-DE" dirty="0"/>
+              <a:t> to </a:t>
+            </a:r>
+            <a:r>
+              <a:rPr lang="de-DE" dirty="0" err="1"/>
+              <a:t>be</a:t>
+            </a:r>
+            <a:r>
+              <a:rPr lang="de-DE" dirty="0"/>
+              <a:t> </a:t>
+            </a:r>
+            <a:r>
+              <a:rPr lang="de-DE" dirty="0" err="1"/>
+              <a:t>finished</a:t>
+            </a:r>
+            <a:r>
+              <a:rPr lang="de-DE" dirty="0"/>
+              <a:t> </a:t>
+            </a:r>
+            <a:r>
+              <a:rPr lang="de-DE" dirty="0" err="1"/>
+              <a:t>within</a:t>
+            </a:r>
+            <a:r>
+              <a:rPr lang="de-DE" dirty="0"/>
+              <a:t> </a:t>
+            </a:r>
+            <a:r>
+              <a:rPr lang="de-DE" dirty="0" err="1"/>
+              <a:t>the</a:t>
+            </a:r>
+            <a:r>
+              <a:rPr lang="de-DE" dirty="0"/>
+              <a:t> 1 </a:t>
+            </a:r>
+            <a:r>
+              <a:rPr lang="de-DE" dirty="0" err="1"/>
+              <a:t>hour</a:t>
+            </a:r>
+            <a:r>
+              <a:rPr lang="de-DE" dirty="0"/>
+              <a:t> in </a:t>
+            </a:r>
+            <a:r>
+              <a:rPr lang="de-DE" dirty="0" err="1"/>
+              <a:t>which</a:t>
+            </a:r>
+            <a:r>
+              <a:rPr lang="de-DE" dirty="0"/>
+              <a:t> </a:t>
+            </a:r>
+            <a:r>
+              <a:rPr lang="de-DE" dirty="0" err="1"/>
+              <a:t>indices</a:t>
+            </a:r>
+            <a:r>
+              <a:rPr lang="de-DE" dirty="0"/>
+              <a:t> like </a:t>
+            </a:r>
+            <a:r>
+              <a:rPr lang="de-DE" dirty="0" err="1"/>
+              <a:t>the</a:t>
+            </a:r>
+            <a:r>
+              <a:rPr lang="de-DE" dirty="0"/>
+              <a:t> S&amp;P 500 </a:t>
+            </a:r>
+            <a:r>
+              <a:rPr lang="de-DE" dirty="0" err="1"/>
+              <a:t>or</a:t>
+            </a:r>
+            <a:r>
+              <a:rPr lang="de-DE" dirty="0"/>
+              <a:t> </a:t>
+            </a:r>
+            <a:r>
+              <a:rPr lang="de-DE" dirty="0" err="1"/>
+              <a:t>the</a:t>
+            </a:r>
+            <a:r>
+              <a:rPr lang="de-DE" dirty="0"/>
+              <a:t> DJI </a:t>
+            </a:r>
+            <a:r>
+              <a:rPr lang="de-DE" dirty="0" err="1"/>
+              <a:t>are</a:t>
+            </a:r>
+            <a:r>
+              <a:rPr lang="de-DE" dirty="0"/>
+              <a:t> not </a:t>
+            </a:r>
+            <a:r>
+              <a:rPr lang="de-DE" dirty="0" err="1"/>
+              <a:t>tradeable</a:t>
+            </a:r>
+            <a:r>
+              <a:rPr lang="de-DE" dirty="0"/>
+              <a:t>.</a:t>
+            </a:r>
+          </a:p>
+          <a:p>
+            <a:pPr marL="0" indent="0">
+              <a:buNone/>
+            </a:pPr>
+            <a:endParaRPr lang="en-US" dirty="0"/>
+          </a:p>
+        </p:txBody>
+      </p:sp>
+    </p:spTree>
+    <p:extLst>
+      <p:ext uri="{BB962C8B-B14F-4D97-AF65-F5344CB8AC3E}">
+        <p14:creationId xmlns:p14="http://schemas.microsoft.com/office/powerpoint/2010/main" val="1668333977"/>
+      </p:ext>
+    </p:extLst>
+  </p:cSld>
+  <p:clrMapOvr>
+    <a:masterClrMapping/>
+  </p:clrMapOvr>
+</p:sld>
+</file>
+
+<file path=ppt/slides/slide20.xml><?xml version="1.0" encoding="utf-8"?>
 <p:sld xmlns:a="http://schemas.openxmlformats.org/drawingml/2006/main" xmlns:r="http://schemas.openxmlformats.org/officeDocument/2006/relationships" xmlns:p="http://schemas.openxmlformats.org/presentationml/2006/main">
   <p:cSld>
     <p:spTree>
@@ -5560,744 +7083,7 @@
 </p:sld>
 </file>
 
-<file path=ppt/slides/slide2.xml><?xml version="1.0" encoding="utf-8"?>
-<p:sld xmlns:a="http://schemas.openxmlformats.org/drawingml/2006/main" xmlns:r="http://schemas.openxmlformats.org/officeDocument/2006/relationships" xmlns:p="http://schemas.openxmlformats.org/presentationml/2006/main">
-  <p:cSld>
-    <p:spTree>
-      <p:nvGrpSpPr>
-        <p:cNvPr id="1" name=""/>
-        <p:cNvGrpSpPr/>
-        <p:nvPr/>
-      </p:nvGrpSpPr>
-      <p:grpSpPr>
-        <a:xfrm>
-          <a:off x="0" y="0"/>
-          <a:ext cx="0" cy="0"/>
-          <a:chOff x="0" y="0"/>
-          <a:chExt cx="0" cy="0"/>
-        </a:xfrm>
-      </p:grpSpPr>
-      <p:sp>
-        <p:nvSpPr>
-          <p:cNvPr id="2" name="Title 1">
-            <a:extLst>
-              <a:ext uri="{FF2B5EF4-FFF2-40B4-BE49-F238E27FC236}">
-                <a16:creationId xmlns:a16="http://schemas.microsoft.com/office/drawing/2014/main" id="{4C902162-C00D-27BA-8035-78C2A4D5EFC2}"/>
-              </a:ext>
-            </a:extLst>
-          </p:cNvPr>
-          <p:cNvSpPr>
-            <a:spLocks noGrp="1"/>
-          </p:cNvSpPr>
-          <p:nvPr>
-            <p:ph type="title"/>
-          </p:nvPr>
-        </p:nvSpPr>
-        <p:spPr/>
-        <p:txBody>
-          <a:bodyPr/>
-          <a:lstStyle/>
-          <a:p>
-            <a:pPr algn="ctr"/>
-            <a:r>
-              <a:rPr lang="de-DE" dirty="0"/>
-              <a:t>General </a:t>
-            </a:r>
-            <a:r>
-              <a:rPr lang="de-DE" dirty="0" err="1"/>
-              <a:t>idea</a:t>
-            </a:r>
-            <a:endParaRPr lang="en-US" dirty="0"/>
-          </a:p>
-        </p:txBody>
-      </p:sp>
-      <p:sp>
-        <p:nvSpPr>
-          <p:cNvPr id="3" name="Content Placeholder 2">
-            <a:extLst>
-              <a:ext uri="{FF2B5EF4-FFF2-40B4-BE49-F238E27FC236}">
-                <a16:creationId xmlns:a16="http://schemas.microsoft.com/office/drawing/2014/main" id="{C5EC69AC-002E-1A92-5753-904AA07C80CD}"/>
-              </a:ext>
-            </a:extLst>
-          </p:cNvPr>
-          <p:cNvSpPr>
-            <a:spLocks noGrp="1"/>
-          </p:cNvSpPr>
-          <p:nvPr>
-            <p:ph idx="1"/>
-          </p:nvPr>
-        </p:nvSpPr>
-        <p:spPr/>
-        <p:txBody>
-          <a:bodyPr>
-            <a:normAutofit fontScale="85000" lnSpcReduction="20000"/>
-          </a:bodyPr>
-          <a:lstStyle/>
-          <a:p>
-            <a:pPr marL="0" indent="0">
-              <a:buNone/>
-            </a:pPr>
-            <a:r>
-              <a:rPr lang="de-DE" dirty="0" err="1"/>
-              <a:t>Build</a:t>
-            </a:r>
-            <a:r>
-              <a:rPr lang="de-DE" dirty="0"/>
-              <a:t> a </a:t>
-            </a:r>
-            <a:r>
-              <a:rPr lang="de-DE" dirty="0" err="1"/>
-              <a:t>deep</a:t>
-            </a:r>
-            <a:r>
-              <a:rPr lang="de-DE" dirty="0"/>
-              <a:t> </a:t>
-            </a:r>
-            <a:r>
-              <a:rPr lang="de-DE" dirty="0" err="1"/>
-              <a:t>learning-based</a:t>
-            </a:r>
-            <a:r>
-              <a:rPr lang="de-DE" dirty="0"/>
-              <a:t> </a:t>
-            </a:r>
-            <a:r>
-              <a:rPr lang="de-DE" dirty="0" err="1"/>
-              <a:t>procedure</a:t>
-            </a:r>
-            <a:r>
-              <a:rPr lang="de-DE" dirty="0"/>
-              <a:t> to </a:t>
-            </a:r>
-            <a:r>
-              <a:rPr lang="de-DE" dirty="0" err="1"/>
-              <a:t>predict</a:t>
-            </a:r>
-            <a:r>
-              <a:rPr lang="de-DE" dirty="0"/>
-              <a:t> </a:t>
-            </a:r>
-            <a:r>
-              <a:rPr lang="de-DE" dirty="0" err="1"/>
-              <a:t>the</a:t>
-            </a:r>
-            <a:r>
-              <a:rPr lang="de-DE" dirty="0"/>
-              <a:t> </a:t>
-            </a:r>
-            <a:r>
-              <a:rPr lang="de-DE" dirty="0" err="1"/>
-              <a:t>close</a:t>
-            </a:r>
-            <a:r>
-              <a:rPr lang="de-DE" dirty="0"/>
-              <a:t> </a:t>
-            </a:r>
-            <a:r>
-              <a:rPr lang="de-DE" dirty="0" err="1"/>
-              <a:t>value</a:t>
-            </a:r>
-            <a:r>
-              <a:rPr lang="de-DE" dirty="0"/>
-              <a:t> </a:t>
-            </a:r>
-            <a:r>
-              <a:rPr lang="de-DE" dirty="0" err="1"/>
-              <a:t>of</a:t>
-            </a:r>
-            <a:r>
-              <a:rPr lang="de-DE" dirty="0"/>
-              <a:t> an </a:t>
-            </a:r>
-            <a:r>
-              <a:rPr lang="de-DE" dirty="0" err="1"/>
-              <a:t>asset</a:t>
-            </a:r>
-            <a:r>
-              <a:rPr lang="de-DE" dirty="0"/>
-              <a:t> </a:t>
-            </a:r>
-            <a:r>
-              <a:rPr lang="de-DE" dirty="0" err="1"/>
-              <a:t>for</a:t>
-            </a:r>
-            <a:r>
-              <a:rPr lang="de-DE" dirty="0"/>
-              <a:t> </a:t>
-            </a:r>
-            <a:r>
-              <a:rPr lang="de-DE" dirty="0" err="1"/>
-              <a:t>the</a:t>
-            </a:r>
-            <a:r>
-              <a:rPr lang="de-DE" dirty="0"/>
-              <a:t> </a:t>
-            </a:r>
-            <a:r>
-              <a:rPr lang="de-DE" dirty="0" err="1"/>
-              <a:t>next</a:t>
-            </a:r>
-            <a:r>
-              <a:rPr lang="de-DE" dirty="0"/>
-              <a:t> </a:t>
-            </a:r>
-            <a:r>
-              <a:rPr lang="de-DE" dirty="0" err="1"/>
-              <a:t>day</a:t>
-            </a:r>
-            <a:r>
-              <a:rPr lang="de-DE" dirty="0"/>
-              <a:t> (</a:t>
-            </a:r>
-            <a:r>
-              <a:rPr lang="de-DE" dirty="0" err="1"/>
-              <a:t>regression</a:t>
-            </a:r>
-            <a:r>
-              <a:rPr lang="de-DE" dirty="0"/>
-              <a:t>). As an </a:t>
-            </a:r>
-            <a:r>
-              <a:rPr lang="de-DE" dirty="0" err="1"/>
-              <a:t>example</a:t>
-            </a:r>
-            <a:r>
-              <a:rPr lang="de-DE" dirty="0"/>
-              <a:t>, </a:t>
-            </a:r>
-            <a:r>
-              <a:rPr lang="de-DE" dirty="0" err="1"/>
-              <a:t>we</a:t>
-            </a:r>
-            <a:r>
-              <a:rPr lang="de-DE" dirty="0"/>
-              <a:t> </a:t>
-            </a:r>
-            <a:r>
-              <a:rPr lang="de-DE" dirty="0" err="1"/>
-              <a:t>took</a:t>
-            </a:r>
-            <a:r>
-              <a:rPr lang="de-DE" dirty="0"/>
-              <a:t> </a:t>
-            </a:r>
-            <a:r>
-              <a:rPr lang="de-DE" dirty="0" err="1"/>
-              <a:t>the</a:t>
-            </a:r>
-            <a:r>
-              <a:rPr lang="de-DE" dirty="0"/>
-              <a:t> META </a:t>
-            </a:r>
-            <a:r>
-              <a:rPr lang="de-DE" dirty="0" err="1"/>
-              <a:t>share</a:t>
-            </a:r>
-            <a:r>
-              <a:rPr lang="de-DE" dirty="0"/>
-              <a:t>.</a:t>
-            </a:r>
-          </a:p>
-          <a:p>
-            <a:pPr marL="0" indent="0">
-              <a:buNone/>
-            </a:pPr>
-            <a:endParaRPr lang="de-DE" dirty="0"/>
-          </a:p>
-          <a:p>
-            <a:pPr marL="0" indent="0">
-              <a:buNone/>
-            </a:pPr>
-            <a:r>
-              <a:rPr lang="de-DE" b="1" dirty="0"/>
-              <a:t>Scenario: </a:t>
-            </a:r>
-          </a:p>
-          <a:p>
-            <a:pPr marL="0" indent="0">
-              <a:buNone/>
-            </a:pPr>
-            <a:r>
-              <a:rPr lang="de-DE" dirty="0" err="1"/>
-              <a:t>Once</a:t>
-            </a:r>
-            <a:r>
-              <a:rPr lang="de-DE" dirty="0"/>
-              <a:t> </a:t>
-            </a:r>
-            <a:r>
-              <a:rPr lang="de-DE" dirty="0" err="1"/>
-              <a:t>the</a:t>
-            </a:r>
-            <a:r>
-              <a:rPr lang="de-DE" dirty="0"/>
-              <a:t> tradefaire </a:t>
-            </a:r>
-            <a:r>
-              <a:rPr lang="de-DE" dirty="0" err="1"/>
-              <a:t>has</a:t>
-            </a:r>
-            <a:r>
-              <a:rPr lang="de-DE" dirty="0"/>
-              <a:t> </a:t>
-            </a:r>
-            <a:r>
-              <a:rPr lang="de-DE" dirty="0" err="1"/>
-              <a:t>closed</a:t>
-            </a:r>
-            <a:r>
-              <a:rPr lang="de-DE" dirty="0"/>
-              <a:t> and </a:t>
-            </a:r>
-            <a:r>
-              <a:rPr lang="de-DE" dirty="0" err="1"/>
-              <a:t>data</a:t>
-            </a:r>
-            <a:r>
-              <a:rPr lang="de-DE" dirty="0"/>
-              <a:t> </a:t>
-            </a:r>
-            <a:r>
-              <a:rPr lang="de-DE" dirty="0" err="1"/>
-              <a:t>are</a:t>
-            </a:r>
-            <a:r>
-              <a:rPr lang="de-DE" dirty="0"/>
-              <a:t> </a:t>
-            </a:r>
-            <a:r>
-              <a:rPr lang="de-DE" dirty="0" err="1"/>
-              <a:t>available</a:t>
-            </a:r>
-            <a:r>
-              <a:rPr lang="de-DE" dirty="0"/>
-              <a:t> (</a:t>
-            </a:r>
-            <a:r>
-              <a:rPr lang="de-DE" dirty="0" err="1"/>
-              <a:t>about</a:t>
-            </a:r>
-            <a:r>
-              <a:rPr lang="de-DE" dirty="0"/>
-              <a:t> 0:00 CET), </a:t>
-            </a:r>
-            <a:r>
-              <a:rPr lang="de-DE" dirty="0" err="1"/>
-              <a:t>train</a:t>
-            </a:r>
-            <a:r>
-              <a:rPr lang="de-DE" dirty="0"/>
-              <a:t> </a:t>
-            </a:r>
-            <a:r>
-              <a:rPr lang="de-DE" dirty="0" err="1"/>
-              <a:t>model</a:t>
-            </a:r>
-            <a:r>
-              <a:rPr lang="de-DE" dirty="0"/>
-              <a:t> </a:t>
-            </a:r>
-            <a:r>
-              <a:rPr lang="de-DE" dirty="0" err="1"/>
-              <a:t>using</a:t>
-            </a:r>
-            <a:r>
-              <a:rPr lang="de-DE" dirty="0"/>
-              <a:t> all </a:t>
-            </a:r>
-            <a:r>
-              <a:rPr lang="de-DE" dirty="0" err="1"/>
-              <a:t>available</a:t>
-            </a:r>
-            <a:r>
-              <a:rPr lang="de-DE" dirty="0"/>
-              <a:t> </a:t>
-            </a:r>
-            <a:r>
-              <a:rPr lang="de-DE" dirty="0" err="1"/>
-              <a:t>data</a:t>
-            </a:r>
-            <a:r>
-              <a:rPr lang="de-DE" dirty="0"/>
-              <a:t> </a:t>
-            </a:r>
-            <a:r>
-              <a:rPr lang="de-DE" dirty="0" err="1"/>
-              <a:t>including</a:t>
-            </a:r>
-            <a:r>
-              <a:rPr lang="de-DE" dirty="0"/>
-              <a:t> </a:t>
-            </a:r>
-            <a:r>
-              <a:rPr lang="de-DE" dirty="0" err="1"/>
-              <a:t>the</a:t>
-            </a:r>
-            <a:r>
-              <a:rPr lang="de-DE" dirty="0"/>
-              <a:t> last </a:t>
-            </a:r>
-            <a:r>
-              <a:rPr lang="de-DE" dirty="0" err="1"/>
-              <a:t>trading</a:t>
-            </a:r>
-            <a:r>
-              <a:rPr lang="de-DE" dirty="0"/>
-              <a:t> </a:t>
-            </a:r>
-            <a:r>
-              <a:rPr lang="de-DE" dirty="0" err="1"/>
-              <a:t>day</a:t>
-            </a:r>
-            <a:r>
-              <a:rPr lang="de-DE" dirty="0"/>
-              <a:t>. </a:t>
-            </a:r>
-          </a:p>
-          <a:p>
-            <a:pPr marL="0" indent="0">
-              <a:buNone/>
-            </a:pPr>
-            <a:r>
-              <a:rPr lang="de-DE" dirty="0"/>
-              <a:t>Act </a:t>
-            </a:r>
-            <a:r>
-              <a:rPr lang="de-DE" dirty="0" err="1"/>
-              <a:t>based</a:t>
-            </a:r>
-            <a:r>
-              <a:rPr lang="de-DE" dirty="0"/>
-              <a:t> on </a:t>
-            </a:r>
-            <a:r>
-              <a:rPr lang="de-DE" dirty="0" err="1"/>
-              <a:t>the</a:t>
-            </a:r>
-            <a:r>
-              <a:rPr lang="de-DE" dirty="0"/>
-              <a:t> </a:t>
-            </a:r>
-            <a:r>
-              <a:rPr lang="de-DE" dirty="0" err="1"/>
-              <a:t>prediction</a:t>
-            </a:r>
-            <a:r>
-              <a:rPr lang="de-DE" dirty="0"/>
-              <a:t> </a:t>
-            </a:r>
-            <a:r>
-              <a:rPr lang="de-DE" dirty="0" err="1"/>
-              <a:t>once</a:t>
-            </a:r>
-            <a:r>
-              <a:rPr lang="de-DE" dirty="0"/>
-              <a:t> </a:t>
-            </a:r>
-            <a:r>
-              <a:rPr lang="de-DE" dirty="0" err="1"/>
-              <a:t>the</a:t>
-            </a:r>
-            <a:r>
-              <a:rPr lang="de-DE" dirty="0"/>
-              <a:t> </a:t>
-            </a:r>
-            <a:r>
-              <a:rPr lang="de-DE" dirty="0" err="1"/>
-              <a:t>tradfaire</a:t>
-            </a:r>
-            <a:r>
-              <a:rPr lang="de-DE" dirty="0"/>
-              <a:t> </a:t>
-            </a:r>
-            <a:r>
-              <a:rPr lang="de-DE" dirty="0" err="1"/>
-              <a:t>has</a:t>
-            </a:r>
-            <a:r>
-              <a:rPr lang="de-DE" dirty="0"/>
-              <a:t> </a:t>
-            </a:r>
-            <a:r>
-              <a:rPr lang="de-DE" dirty="0" err="1"/>
-              <a:t>reopened</a:t>
-            </a:r>
-            <a:r>
-              <a:rPr lang="de-DE" dirty="0"/>
-              <a:t>: </a:t>
-            </a:r>
-          </a:p>
-          <a:p>
-            <a:pPr marL="0" indent="0">
-              <a:buNone/>
-            </a:pPr>
-            <a:r>
-              <a:rPr lang="de-DE" dirty="0" err="1"/>
-              <a:t>if</a:t>
-            </a:r>
-            <a:r>
-              <a:rPr lang="de-DE" dirty="0"/>
-              <a:t> an </a:t>
-            </a:r>
-            <a:r>
-              <a:rPr lang="de-DE" dirty="0" err="1"/>
-              <a:t>increase</a:t>
-            </a:r>
-            <a:r>
-              <a:rPr lang="de-DE" dirty="0"/>
-              <a:t> </a:t>
-            </a:r>
-            <a:r>
-              <a:rPr lang="de-DE" dirty="0" err="1"/>
-              <a:t>is</a:t>
-            </a:r>
-            <a:r>
-              <a:rPr lang="de-DE" dirty="0"/>
-              <a:t> </a:t>
-            </a:r>
-            <a:r>
-              <a:rPr lang="de-DE" dirty="0" err="1"/>
-              <a:t>predicted</a:t>
-            </a:r>
-            <a:r>
-              <a:rPr lang="de-DE" dirty="0"/>
-              <a:t> </a:t>
-            </a:r>
-            <a:r>
-              <a:rPr lang="de-DE" dirty="0" err="1"/>
-              <a:t>buy</a:t>
-            </a:r>
-            <a:r>
-              <a:rPr lang="de-DE" dirty="0"/>
-              <a:t>, </a:t>
-            </a:r>
-            <a:r>
-              <a:rPr lang="de-DE" dirty="0" err="1"/>
-              <a:t>if</a:t>
-            </a:r>
-            <a:r>
-              <a:rPr lang="de-DE" dirty="0"/>
-              <a:t> a </a:t>
-            </a:r>
-            <a:r>
-              <a:rPr lang="de-DE" dirty="0" err="1"/>
-              <a:t>decrease</a:t>
-            </a:r>
-            <a:r>
-              <a:rPr lang="de-DE" dirty="0"/>
-              <a:t> </a:t>
-            </a:r>
-            <a:r>
-              <a:rPr lang="de-DE" dirty="0" err="1"/>
-              <a:t>is</a:t>
-            </a:r>
-            <a:r>
-              <a:rPr lang="de-DE" dirty="0"/>
-              <a:t> </a:t>
-            </a:r>
-            <a:r>
-              <a:rPr lang="de-DE" dirty="0" err="1"/>
-              <a:t>predicted</a:t>
-            </a:r>
-            <a:r>
-              <a:rPr lang="de-DE" dirty="0"/>
-              <a:t> </a:t>
-            </a:r>
-            <a:r>
-              <a:rPr lang="de-DE" dirty="0" err="1"/>
-              <a:t>sell</a:t>
-            </a:r>
-            <a:r>
-              <a:rPr lang="de-DE" dirty="0"/>
-              <a:t> </a:t>
-            </a:r>
-            <a:r>
-              <a:rPr lang="de-DE" dirty="0" err="1"/>
-              <a:t>the</a:t>
-            </a:r>
-            <a:r>
-              <a:rPr lang="de-DE" dirty="0"/>
-              <a:t> </a:t>
-            </a:r>
-            <a:r>
-              <a:rPr lang="de-DE" dirty="0" err="1"/>
-              <a:t>asset</a:t>
-            </a:r>
-            <a:r>
-              <a:rPr lang="de-DE" dirty="0"/>
-              <a:t>.</a:t>
-            </a:r>
-          </a:p>
-          <a:p>
-            <a:pPr marL="0" indent="0">
-              <a:buNone/>
-            </a:pPr>
-            <a:endParaRPr lang="de-DE" dirty="0"/>
-          </a:p>
-          <a:p>
-            <a:pPr marL="0" indent="0">
-              <a:buNone/>
-            </a:pPr>
-            <a:r>
-              <a:rPr lang="de-DE" b="1" dirty="0" err="1"/>
-              <a:t>Prerequisite</a:t>
-            </a:r>
-            <a:r>
-              <a:rPr lang="de-DE" b="1" dirty="0"/>
-              <a:t>: </a:t>
-            </a:r>
-          </a:p>
-          <a:p>
-            <a:pPr marL="0" indent="0">
-              <a:buNone/>
-            </a:pPr>
-            <a:r>
-              <a:rPr lang="de-DE" dirty="0"/>
-              <a:t>At </a:t>
-            </a:r>
-            <a:r>
-              <a:rPr lang="de-DE" dirty="0" err="1"/>
-              <a:t>best</a:t>
-            </a:r>
-            <a:r>
-              <a:rPr lang="de-DE" dirty="0"/>
-              <a:t>, </a:t>
-            </a:r>
-            <a:r>
-              <a:rPr lang="de-DE" dirty="0" err="1"/>
-              <a:t>training</a:t>
-            </a:r>
-            <a:r>
-              <a:rPr lang="de-DE" dirty="0"/>
-              <a:t> </a:t>
-            </a:r>
-            <a:r>
-              <a:rPr lang="de-DE" dirty="0" err="1"/>
-              <a:t>needs</a:t>
-            </a:r>
-            <a:r>
-              <a:rPr lang="de-DE" dirty="0"/>
-              <a:t> to </a:t>
-            </a:r>
-            <a:r>
-              <a:rPr lang="de-DE" dirty="0" err="1"/>
-              <a:t>be</a:t>
-            </a:r>
-            <a:r>
-              <a:rPr lang="de-DE" dirty="0"/>
-              <a:t> </a:t>
-            </a:r>
-            <a:r>
-              <a:rPr lang="de-DE" dirty="0" err="1"/>
-              <a:t>finished</a:t>
-            </a:r>
-            <a:r>
-              <a:rPr lang="de-DE" dirty="0"/>
-              <a:t> </a:t>
-            </a:r>
-            <a:r>
-              <a:rPr lang="de-DE" dirty="0" err="1"/>
-              <a:t>within</a:t>
-            </a:r>
-            <a:r>
-              <a:rPr lang="de-DE" dirty="0"/>
-              <a:t> </a:t>
-            </a:r>
-            <a:r>
-              <a:rPr lang="de-DE" dirty="0" err="1"/>
-              <a:t>the</a:t>
-            </a:r>
-            <a:r>
-              <a:rPr lang="de-DE" dirty="0"/>
-              <a:t> 1 </a:t>
-            </a:r>
-            <a:r>
-              <a:rPr lang="de-DE" dirty="0" err="1"/>
-              <a:t>hour</a:t>
-            </a:r>
-            <a:r>
-              <a:rPr lang="de-DE" dirty="0"/>
-              <a:t> in </a:t>
-            </a:r>
-            <a:r>
-              <a:rPr lang="de-DE" dirty="0" err="1"/>
-              <a:t>which</a:t>
-            </a:r>
-            <a:r>
-              <a:rPr lang="de-DE" dirty="0"/>
-              <a:t> </a:t>
-            </a:r>
-            <a:r>
-              <a:rPr lang="de-DE" dirty="0" err="1"/>
-              <a:t>indices</a:t>
-            </a:r>
-            <a:r>
-              <a:rPr lang="de-DE" dirty="0"/>
-              <a:t> like </a:t>
-            </a:r>
-            <a:r>
-              <a:rPr lang="de-DE" dirty="0" err="1"/>
-              <a:t>the</a:t>
-            </a:r>
-            <a:r>
-              <a:rPr lang="de-DE" dirty="0"/>
-              <a:t> S&amp;P 500 </a:t>
-            </a:r>
-            <a:r>
-              <a:rPr lang="de-DE" dirty="0" err="1"/>
-              <a:t>or</a:t>
-            </a:r>
-            <a:r>
-              <a:rPr lang="de-DE" dirty="0"/>
-              <a:t> </a:t>
-            </a:r>
-            <a:r>
-              <a:rPr lang="de-DE" dirty="0" err="1"/>
-              <a:t>the</a:t>
-            </a:r>
-            <a:r>
-              <a:rPr lang="de-DE" dirty="0"/>
-              <a:t> DJI </a:t>
-            </a:r>
-            <a:r>
-              <a:rPr lang="de-DE" dirty="0" err="1"/>
-              <a:t>are</a:t>
-            </a:r>
-            <a:r>
-              <a:rPr lang="de-DE" dirty="0"/>
-              <a:t> not </a:t>
-            </a:r>
-            <a:r>
-              <a:rPr lang="de-DE" dirty="0" err="1"/>
-              <a:t>tradeable</a:t>
-            </a:r>
-            <a:r>
-              <a:rPr lang="de-DE" dirty="0"/>
-              <a:t>.</a:t>
-            </a:r>
-          </a:p>
-          <a:p>
-            <a:pPr marL="0" indent="0">
-              <a:buNone/>
-            </a:pPr>
-            <a:endParaRPr lang="en-US" dirty="0"/>
-          </a:p>
-        </p:txBody>
-      </p:sp>
-    </p:spTree>
-    <p:extLst>
-      <p:ext uri="{BB962C8B-B14F-4D97-AF65-F5344CB8AC3E}">
-        <p14:creationId xmlns:p14="http://schemas.microsoft.com/office/powerpoint/2010/main" val="1668333977"/>
-      </p:ext>
-    </p:extLst>
-  </p:cSld>
-  <p:clrMapOvr>
-    <a:masterClrMapping/>
-  </p:clrMapOvr>
-</p:sld>
-</file>
-
-<file path=ppt/slides/slide20.xml><?xml version="1.0" encoding="utf-8"?>
+<file path=ppt/slides/slide21.xml><?xml version="1.0" encoding="utf-8"?>
 <p:sld xmlns:a="http://schemas.openxmlformats.org/drawingml/2006/main" xmlns:r="http://schemas.openxmlformats.org/officeDocument/2006/relationships" xmlns:p="http://schemas.openxmlformats.org/presentationml/2006/main">
   <p:cSld>
     <p:spTree>
@@ -6574,7 +7360,7 @@
 </p:sld>
 </file>
 
-<file path=ppt/slides/slide21.xml><?xml version="1.0" encoding="utf-8"?>
+<file path=ppt/slides/slide22.xml><?xml version="1.0" encoding="utf-8"?>
 <p:sld xmlns:a="http://schemas.openxmlformats.org/drawingml/2006/main" xmlns:r="http://schemas.openxmlformats.org/officeDocument/2006/relationships" xmlns:p="http://schemas.openxmlformats.org/presentationml/2006/main">
   <p:cSld>
     <p:spTree>
@@ -6857,7 +7643,7 @@
 </p:sld>
 </file>
 
-<file path=ppt/slides/slide22.xml><?xml version="1.0" encoding="utf-8"?>
+<file path=ppt/slides/slide23.xml><?xml version="1.0" encoding="utf-8"?>
 <p:sld xmlns:a="http://schemas.openxmlformats.org/drawingml/2006/main" xmlns:r="http://schemas.openxmlformats.org/officeDocument/2006/relationships" xmlns:p="http://schemas.openxmlformats.org/presentationml/2006/main">
   <p:cSld>
     <p:spTree>
@@ -7140,7 +7926,7 @@
 </p:sld>
 </file>
 
-<file path=ppt/slides/slide23.xml><?xml version="1.0" encoding="utf-8"?>
+<file path=ppt/slides/slide24.xml><?xml version="1.0" encoding="utf-8"?>
 <p:sld xmlns:a="http://schemas.openxmlformats.org/drawingml/2006/main" xmlns:r="http://schemas.openxmlformats.org/officeDocument/2006/relationships" xmlns:p="http://schemas.openxmlformats.org/presentationml/2006/main">
   <p:cSld>
     <p:spTree>
@@ -7284,6 +8070,132 @@
           </a:p>
         </p:txBody>
       </p:sp>
+      <p:graphicFrame>
+        <p:nvGraphicFramePr>
+          <p:cNvPr id="2" name="Object 1">
+            <a:extLst>
+              <a:ext uri="{FF2B5EF4-FFF2-40B4-BE49-F238E27FC236}">
+                <a16:creationId xmlns:a16="http://schemas.microsoft.com/office/drawing/2014/main" id="{FD18D57A-AD76-E387-CCBD-5A7D0E46A39C}"/>
+              </a:ext>
+            </a:extLst>
+          </p:cNvPr>
+          <p:cNvGraphicFramePr>
+            <a:graphicFrameLocks noChangeAspect="1"/>
+          </p:cNvGraphicFramePr>
+          <p:nvPr>
+            <p:extLst>
+              <p:ext uri="{D42A27DB-BD31-4B8C-83A1-F6EECF244321}">
+                <p14:modId xmlns:p14="http://schemas.microsoft.com/office/powerpoint/2010/main" val="1195282480"/>
+              </p:ext>
+            </p:extLst>
+          </p:nvPr>
+        </p:nvGraphicFramePr>
+        <p:xfrm>
+          <a:off x="2640000" y="903848"/>
+          <a:ext cx="6912000" cy="2880000"/>
+        </p:xfrm>
+        <a:graphic>
+          <a:graphicData uri="http://schemas.openxmlformats.org/presentationml/2006/ole">
+            <mc:AlternateContent xmlns:mc="http://schemas.openxmlformats.org/markup-compatibility/2006">
+              <mc:Choice xmlns:v="urn:schemas-microsoft-com:vml" Requires="v">
+                <p:oleObj name="Acrobat Document" r:id="rId2" imgW="8229600" imgH="3428872" progId="Acrobat.Document.DC">
+                  <p:embed/>
+                </p:oleObj>
+              </mc:Choice>
+              <mc:Fallback>
+                <p:oleObj name="Acrobat Document" r:id="rId2" imgW="8229600" imgH="3428872" progId="Acrobat.Document.DC">
+                  <p:embed/>
+                  <p:pic>
+                    <p:nvPicPr>
+                      <p:cNvPr id="0" name=""/>
+                      <p:cNvPicPr/>
+                      <p:nvPr/>
+                    </p:nvPicPr>
+                    <p:blipFill>
+                      <a:blip r:embed="rId3"/>
+                      <a:stretch>
+                        <a:fillRect/>
+                      </a:stretch>
+                    </p:blipFill>
+                    <p:spPr>
+                      <a:xfrm>
+                        <a:off x="2640000" y="903848"/>
+                        <a:ext cx="6912000" cy="2880000"/>
+                      </a:xfrm>
+                      <a:prstGeom prst="rect">
+                        <a:avLst/>
+                      </a:prstGeom>
+                    </p:spPr>
+                  </p:pic>
+                </p:oleObj>
+              </mc:Fallback>
+            </mc:AlternateContent>
+          </a:graphicData>
+        </a:graphic>
+      </p:graphicFrame>
+      <p:graphicFrame>
+        <p:nvGraphicFramePr>
+          <p:cNvPr id="3" name="Object 2">
+            <a:extLst>
+              <a:ext uri="{FF2B5EF4-FFF2-40B4-BE49-F238E27FC236}">
+                <a16:creationId xmlns:a16="http://schemas.microsoft.com/office/drawing/2014/main" id="{A528D5F6-0A3C-B6E6-5A3E-089F0EF00134}"/>
+              </a:ext>
+            </a:extLst>
+          </p:cNvPr>
+          <p:cNvGraphicFramePr>
+            <a:graphicFrameLocks noChangeAspect="1"/>
+          </p:cNvGraphicFramePr>
+          <p:nvPr>
+            <p:extLst>
+              <p:ext uri="{D42A27DB-BD31-4B8C-83A1-F6EECF244321}">
+                <p14:modId xmlns:p14="http://schemas.microsoft.com/office/powerpoint/2010/main" val="1491307881"/>
+              </p:ext>
+            </p:extLst>
+          </p:nvPr>
+        </p:nvGraphicFramePr>
+        <p:xfrm>
+          <a:off x="2640000" y="3800192"/>
+          <a:ext cx="6912000" cy="2880000"/>
+        </p:xfrm>
+        <a:graphic>
+          <a:graphicData uri="http://schemas.openxmlformats.org/presentationml/2006/ole">
+            <mc:AlternateContent xmlns:mc="http://schemas.openxmlformats.org/markup-compatibility/2006">
+              <mc:Choice xmlns:v="urn:schemas-microsoft-com:vml" Requires="v">
+                <p:oleObj name="Acrobat Document" r:id="rId4" imgW="8229600" imgH="3428872" progId="Acrobat.Document.DC">
+                  <p:embed/>
+                </p:oleObj>
+              </mc:Choice>
+              <mc:Fallback>
+                <p:oleObj name="Acrobat Document" r:id="rId4" imgW="8229600" imgH="3428872" progId="Acrobat.Document.DC">
+                  <p:embed/>
+                  <p:pic>
+                    <p:nvPicPr>
+                      <p:cNvPr id="0" name=""/>
+                      <p:cNvPicPr/>
+                      <p:nvPr/>
+                    </p:nvPicPr>
+                    <p:blipFill>
+                      <a:blip r:embed="rId5"/>
+                      <a:stretch>
+                        <a:fillRect/>
+                      </a:stretch>
+                    </p:blipFill>
+                    <p:spPr>
+                      <a:xfrm>
+                        <a:off x="2640000" y="3800192"/>
+                        <a:ext cx="6912000" cy="2880000"/>
+                      </a:xfrm>
+                      <a:prstGeom prst="rect">
+                        <a:avLst/>
+                      </a:prstGeom>
+                    </p:spPr>
+                  </p:pic>
+                </p:oleObj>
+              </mc:Fallback>
+            </mc:AlternateContent>
+          </a:graphicData>
+        </a:graphic>
+      </p:graphicFrame>
     </p:spTree>
     <p:extLst>
       <p:ext uri="{BB962C8B-B14F-4D97-AF65-F5344CB8AC3E}">
@@ -7297,7 +8209,7 @@
 </p:sld>
 </file>
 
-<file path=ppt/slides/slide24.xml><?xml version="1.0" encoding="utf-8"?>
+<file path=ppt/slides/slide25.xml><?xml version="1.0" encoding="utf-8"?>
 <p:sld xmlns:a="http://schemas.openxmlformats.org/drawingml/2006/main" xmlns:r="http://schemas.openxmlformats.org/officeDocument/2006/relationships" xmlns:p="http://schemas.openxmlformats.org/presentationml/2006/main">
   <p:cSld>
     <p:spTree>
@@ -7521,7 +8433,7 @@
 </p:sld>
 </file>
 
-<file path=ppt/slides/slide25.xml><?xml version="1.0" encoding="utf-8"?>
+<file path=ppt/slides/slide26.xml><?xml version="1.0" encoding="utf-8"?>
 <p:sld xmlns:a="http://schemas.openxmlformats.org/drawingml/2006/main" xmlns:r="http://schemas.openxmlformats.org/officeDocument/2006/relationships" xmlns:p="http://schemas.openxmlformats.org/presentationml/2006/main">
   <p:cSld>
     <p:spTree>
@@ -7771,7 +8683,7 @@
 </p:sld>
 </file>
 
-<file path=ppt/slides/slide26.xml><?xml version="1.0" encoding="utf-8"?>
+<file path=ppt/slides/slide27.xml><?xml version="1.0" encoding="utf-8"?>
 <p:sld xmlns:a="http://schemas.openxmlformats.org/drawingml/2006/main" xmlns:r="http://schemas.openxmlformats.org/officeDocument/2006/relationships" xmlns:p="http://schemas.openxmlformats.org/presentationml/2006/main">
   <p:cSld>
     <p:spTree>
@@ -7864,6 +8776,12 @@
             <a:r>
               <a:rPr lang="en-US" dirty="0"/>
               <a:t>Move parts of code used more frequently into class</a:t>
+            </a:r>
+          </a:p>
+          <a:p>
+            <a:r>
+              <a:rPr lang="en-US" dirty="0"/>
+              <a:t>Generate a confidence measure of prediction by applying dropout when applying the trained model </a:t>
             </a:r>
           </a:p>
           <a:p>
@@ -7944,27 +8862,11 @@
             </a:r>
             <a:r>
               <a:rPr lang="de-DE" dirty="0"/>
-              <a:t> (</a:t>
-            </a:r>
-            <a:r>
-              <a:rPr lang="de-DE" dirty="0" err="1"/>
-              <a:t>list</a:t>
-            </a:r>
-            <a:r>
-              <a:rPr lang="de-DE" dirty="0"/>
-              <a:t> </a:t>
-            </a:r>
-            <a:r>
-              <a:rPr lang="de-DE" dirty="0" err="1"/>
-              <a:t>of</a:t>
-            </a:r>
-            <a:r>
-              <a:rPr lang="de-DE" dirty="0"/>
-              <a:t> </a:t>
-            </a:r>
-            <a:r>
-              <a:rPr lang="de-DE" dirty="0" err="1"/>
-              <a:t>features</a:t>
+              <a:t> (multivariate </a:t>
+            </a:r>
+            <a:r>
+              <a:rPr lang="de-DE" dirty="0" err="1"/>
+              <a:t>analysis</a:t>
             </a:r>
             <a:r>
               <a:rPr lang="de-DE" dirty="0"/>
@@ -7998,9 +8900,18 @@
         </p:spPr>
         <p:txBody>
           <a:bodyPr>
-            <a:normAutofit lnSpcReduction="10000"/>
+            <a:normAutofit fontScale="92500" lnSpcReduction="20000"/>
           </a:bodyPr>
           <a:lstStyle/>
+          <a:p>
+            <a:pPr marL="0" indent="0">
+              <a:buNone/>
+            </a:pPr>
+            <a:r>
+              <a:rPr lang="en-US" dirty="0"/>
+              <a:t>List of features:</a:t>
+            </a:r>
+          </a:p>
           <a:p>
             <a:r>
               <a:rPr lang="en-US" dirty="0"/>
@@ -8332,7 +9243,7 @@
         <p:spPr>
           <a:xfrm>
             <a:off x="838200" y="1538714"/>
-            <a:ext cx="7562158" cy="369332"/>
+            <a:ext cx="7562158" cy="646331"/>
           </a:xfrm>
           <a:prstGeom prst="rect">
             <a:avLst/>
@@ -8355,15 +9266,7 @@
             </a:r>
             <a:r>
               <a:rPr lang="de-DE" dirty="0"/>
-              <a:t> </a:t>
-            </a:r>
-            <a:r>
-              <a:rPr lang="de-DE" dirty="0" err="1"/>
-              <a:t>from</a:t>
-            </a:r>
-            <a:r>
-              <a:rPr lang="de-DE" dirty="0"/>
-              <a:t> finance.yahoo.com </a:t>
+              <a:t> from finance.yahoo.com </a:t>
             </a:r>
             <a:r>
               <a:rPr lang="de-DE" dirty="0" err="1"/>
@@ -8384,6 +9287,10 @@
             <a:r>
               <a:rPr lang="de-DE" dirty="0" err="1"/>
               <a:t>package</a:t>
+            </a:r>
+            <a:r>
+              <a:rPr lang="de-DE" dirty="0"/>
+              <a:t> (18.09.2020 – 17.09.2025)</a:t>
             </a:r>
             <a:endParaRPr lang="en-US" dirty="0"/>
           </a:p>

--- a/Backprophet.pptx
+++ b/Backprophet.pptx
@@ -11,27 +11,32 @@
     <p:sldId id="282" r:id="rId5"/>
     <p:sldId id="261" r:id="rId6"/>
     <p:sldId id="274" r:id="rId7"/>
-    <p:sldId id="275" r:id="rId8"/>
-    <p:sldId id="262" r:id="rId9"/>
-    <p:sldId id="273" r:id="rId10"/>
-    <p:sldId id="276" r:id="rId11"/>
-    <p:sldId id="277" r:id="rId12"/>
-    <p:sldId id="258" r:id="rId13"/>
-    <p:sldId id="270" r:id="rId14"/>
-    <p:sldId id="271" r:id="rId15"/>
-    <p:sldId id="268" r:id="rId16"/>
-    <p:sldId id="269" r:id="rId17"/>
-    <p:sldId id="267" r:id="rId18"/>
-    <p:sldId id="283" r:id="rId19"/>
-    <p:sldId id="259" r:id="rId20"/>
-    <p:sldId id="263" r:id="rId21"/>
-    <p:sldId id="264" r:id="rId22"/>
-    <p:sldId id="265" r:id="rId23"/>
-    <p:sldId id="266" r:id="rId24"/>
-    <p:sldId id="272" r:id="rId25"/>
-    <p:sldId id="278" r:id="rId26"/>
-    <p:sldId id="280" r:id="rId27"/>
-    <p:sldId id="281" r:id="rId28"/>
+    <p:sldId id="285" r:id="rId8"/>
+    <p:sldId id="286" r:id="rId9"/>
+    <p:sldId id="284" r:id="rId10"/>
+    <p:sldId id="275" r:id="rId11"/>
+    <p:sldId id="262" r:id="rId12"/>
+    <p:sldId id="273" r:id="rId13"/>
+    <p:sldId id="276" r:id="rId14"/>
+    <p:sldId id="277" r:id="rId15"/>
+    <p:sldId id="258" r:id="rId16"/>
+    <p:sldId id="270" r:id="rId17"/>
+    <p:sldId id="287" r:id="rId18"/>
+    <p:sldId id="271" r:id="rId19"/>
+    <p:sldId id="268" r:id="rId20"/>
+    <p:sldId id="269" r:id="rId21"/>
+    <p:sldId id="267" r:id="rId22"/>
+    <p:sldId id="283" r:id="rId23"/>
+    <p:sldId id="259" r:id="rId24"/>
+    <p:sldId id="263" r:id="rId25"/>
+    <p:sldId id="264" r:id="rId26"/>
+    <p:sldId id="265" r:id="rId27"/>
+    <p:sldId id="266" r:id="rId28"/>
+    <p:sldId id="272" r:id="rId29"/>
+    <p:sldId id="278" r:id="rId30"/>
+    <p:sldId id="280" r:id="rId31"/>
+    <p:sldId id="281" r:id="rId32"/>
+    <p:sldId id="288" r:id="rId33"/>
   </p:sldIdLst>
   <p:sldSz cx="12192000" cy="6858000"/>
   <p:notesSz cx="6858000" cy="9144000"/>
@@ -339,7 +344,7 @@
           <a:p>
             <a:fld id="{11E07752-41DA-40B8-9FE8-052DE1AB6C24}" type="slidenum">
               <a:rPr lang="en-US" smtClean="0"/>
-              <a:t>‹#›</a:t>
+              <a:t>‹Nr.›</a:t>
             </a:fld>
             <a:endParaRPr lang="en-US"/>
           </a:p>
@@ -537,7 +542,7 @@
           <a:p>
             <a:fld id="{11E07752-41DA-40B8-9FE8-052DE1AB6C24}" type="slidenum">
               <a:rPr lang="en-US" smtClean="0"/>
-              <a:t>‹#›</a:t>
+              <a:t>‹Nr.›</a:t>
             </a:fld>
             <a:endParaRPr lang="en-US"/>
           </a:p>
@@ -745,7 +750,7 @@
           <a:p>
             <a:fld id="{11E07752-41DA-40B8-9FE8-052DE1AB6C24}" type="slidenum">
               <a:rPr lang="en-US" smtClean="0"/>
-              <a:t>‹#›</a:t>
+              <a:t>‹Nr.›</a:t>
             </a:fld>
             <a:endParaRPr lang="en-US"/>
           </a:p>
@@ -943,7 +948,7 @@
           <a:p>
             <a:fld id="{11E07752-41DA-40B8-9FE8-052DE1AB6C24}" type="slidenum">
               <a:rPr lang="en-US" smtClean="0"/>
-              <a:t>‹#›</a:t>
+              <a:t>‹Nr.›</a:t>
             </a:fld>
             <a:endParaRPr lang="en-US"/>
           </a:p>
@@ -1218,7 +1223,7 @@
           <a:p>
             <a:fld id="{11E07752-41DA-40B8-9FE8-052DE1AB6C24}" type="slidenum">
               <a:rPr lang="en-US" smtClean="0"/>
-              <a:t>‹#›</a:t>
+              <a:t>‹Nr.›</a:t>
             </a:fld>
             <a:endParaRPr lang="en-US"/>
           </a:p>
@@ -1483,7 +1488,7 @@
           <a:p>
             <a:fld id="{11E07752-41DA-40B8-9FE8-052DE1AB6C24}" type="slidenum">
               <a:rPr lang="en-US" smtClean="0"/>
-              <a:t>‹#›</a:t>
+              <a:t>‹Nr.›</a:t>
             </a:fld>
             <a:endParaRPr lang="en-US"/>
           </a:p>
@@ -1895,7 +1900,7 @@
           <a:p>
             <a:fld id="{11E07752-41DA-40B8-9FE8-052DE1AB6C24}" type="slidenum">
               <a:rPr lang="en-US" smtClean="0"/>
-              <a:t>‹#›</a:t>
+              <a:t>‹Nr.›</a:t>
             </a:fld>
             <a:endParaRPr lang="en-US"/>
           </a:p>
@@ -2036,7 +2041,7 @@
           <a:p>
             <a:fld id="{11E07752-41DA-40B8-9FE8-052DE1AB6C24}" type="slidenum">
               <a:rPr lang="en-US" smtClean="0"/>
-              <a:t>‹#›</a:t>
+              <a:t>‹Nr.›</a:t>
             </a:fld>
             <a:endParaRPr lang="en-US"/>
           </a:p>
@@ -2149,7 +2154,7 @@
           <a:p>
             <a:fld id="{11E07752-41DA-40B8-9FE8-052DE1AB6C24}" type="slidenum">
               <a:rPr lang="en-US" smtClean="0"/>
-              <a:t>‹#›</a:t>
+              <a:t>‹Nr.›</a:t>
             </a:fld>
             <a:endParaRPr lang="en-US"/>
           </a:p>
@@ -2460,7 +2465,7 @@
           <a:p>
             <a:fld id="{11E07752-41DA-40B8-9FE8-052DE1AB6C24}" type="slidenum">
               <a:rPr lang="en-US" smtClean="0"/>
-              <a:t>‹#›</a:t>
+              <a:t>‹Nr.›</a:t>
             </a:fld>
             <a:endParaRPr lang="en-US"/>
           </a:p>
@@ -2748,7 +2753,7 @@
           <a:p>
             <a:fld id="{11E07752-41DA-40B8-9FE8-052DE1AB6C24}" type="slidenum">
               <a:rPr lang="en-US" smtClean="0"/>
-              <a:t>‹#›</a:t>
+              <a:t>‹Nr.›</a:t>
             </a:fld>
             <a:endParaRPr lang="en-US"/>
           </a:p>
@@ -3025,7 +3030,7 @@
           <a:p>
             <a:fld id="{11E07752-41DA-40B8-9FE8-052DE1AB6C24}" type="slidenum">
               <a:rPr lang="en-US" smtClean="0"/>
-              <a:t>‹#›</a:t>
+              <a:t>‹Nr.›</a:t>
             </a:fld>
             <a:endParaRPr lang="en-US"/>
           </a:p>
@@ -3456,6 +3461,453 @@
         <p:cNvPr id="1" name="">
           <a:extLst>
             <a:ext uri="{FF2B5EF4-FFF2-40B4-BE49-F238E27FC236}">
+              <a16:creationId xmlns:a16="http://schemas.microsoft.com/office/drawing/2014/main" id="{3D380AE5-9CF6-9115-C087-C3E53612F809}"/>
+            </a:ext>
+          </a:extLst>
+        </p:cNvPr>
+        <p:cNvGrpSpPr/>
+        <p:nvPr/>
+      </p:nvGrpSpPr>
+      <p:grpSpPr>
+        <a:xfrm>
+          <a:off x="0" y="0"/>
+          <a:ext cx="0" cy="0"/>
+          <a:chOff x="0" y="0"/>
+          <a:chExt cx="0" cy="0"/>
+        </a:xfrm>
+      </p:grpSpPr>
+      <p:sp>
+        <p:nvSpPr>
+          <p:cNvPr id="2" name="Title 1">
+            <a:extLst>
+              <a:ext uri="{FF2B5EF4-FFF2-40B4-BE49-F238E27FC236}">
+                <a16:creationId xmlns:a16="http://schemas.microsoft.com/office/drawing/2014/main" id="{2CEDD188-FD53-1ED7-8B4C-03C4E359719A}"/>
+              </a:ext>
+            </a:extLst>
+          </p:cNvPr>
+          <p:cNvSpPr>
+            <a:spLocks noGrp="1"/>
+          </p:cNvSpPr>
+          <p:nvPr>
+            <p:ph type="title"/>
+          </p:nvPr>
+        </p:nvSpPr>
+        <p:spPr/>
+        <p:txBody>
+          <a:bodyPr/>
+          <a:lstStyle/>
+          <a:p>
+            <a:r>
+              <a:rPr lang="de-DE" dirty="0"/>
+              <a:t>Applied </a:t>
+            </a:r>
+            <a:r>
+              <a:rPr lang="de-DE" dirty="0" err="1"/>
+              <a:t>models</a:t>
+            </a:r>
+            <a:r>
+              <a:rPr lang="de-DE" dirty="0"/>
+              <a:t> </a:t>
+            </a:r>
+            <a:endParaRPr lang="en-US" dirty="0"/>
+          </a:p>
+        </p:txBody>
+      </p:sp>
+      <p:sp>
+        <p:nvSpPr>
+          <p:cNvPr id="3" name="Content Placeholder 2">
+            <a:extLst>
+              <a:ext uri="{FF2B5EF4-FFF2-40B4-BE49-F238E27FC236}">
+                <a16:creationId xmlns:a16="http://schemas.microsoft.com/office/drawing/2014/main" id="{0B525E38-7077-840F-8516-F47A194A49D4}"/>
+              </a:ext>
+            </a:extLst>
+          </p:cNvPr>
+          <p:cNvSpPr>
+            <a:spLocks noGrp="1"/>
+          </p:cNvSpPr>
+          <p:nvPr>
+            <p:ph idx="1"/>
+          </p:nvPr>
+        </p:nvSpPr>
+        <p:spPr/>
+        <p:txBody>
+          <a:bodyPr>
+            <a:normAutofit/>
+          </a:bodyPr>
+          <a:lstStyle/>
+          <a:p>
+            <a:r>
+              <a:rPr lang="en-US" dirty="0"/>
+              <a:t>Recurrent Neural Network (RNN)</a:t>
+            </a:r>
+          </a:p>
+          <a:p>
+            <a:pPr marL="0" indent="0">
+              <a:buNone/>
+            </a:pPr>
+            <a:endParaRPr lang="en-US" dirty="0"/>
+          </a:p>
+          <a:p>
+            <a:pPr marL="0" indent="0">
+              <a:buNone/>
+            </a:pPr>
+            <a:endParaRPr lang="en-US" dirty="0"/>
+          </a:p>
+        </p:txBody>
+      </p:sp>
+      <p:pic>
+        <p:nvPicPr>
+          <p:cNvPr id="5" name="Picture 4">
+            <a:extLst>
+              <a:ext uri="{FF2B5EF4-FFF2-40B4-BE49-F238E27FC236}">
+                <a16:creationId xmlns:a16="http://schemas.microsoft.com/office/drawing/2014/main" id="{AD492AD2-569C-0FDC-AE0F-C16A586FB536}"/>
+              </a:ext>
+            </a:extLst>
+          </p:cNvPr>
+          <p:cNvPicPr>
+            <a:picLocks noChangeAspect="1"/>
+          </p:cNvPicPr>
+          <p:nvPr/>
+        </p:nvPicPr>
+        <p:blipFill>
+          <a:blip r:embed="rId2"/>
+          <a:stretch>
+            <a:fillRect/>
+          </a:stretch>
+        </p:blipFill>
+        <p:spPr>
+          <a:xfrm>
+            <a:off x="1189728" y="2386327"/>
+            <a:ext cx="8201025" cy="1819275"/>
+          </a:xfrm>
+          <a:prstGeom prst="rect">
+            <a:avLst/>
+          </a:prstGeom>
+        </p:spPr>
+      </p:pic>
+    </p:spTree>
+    <p:extLst>
+      <p:ext uri="{BB962C8B-B14F-4D97-AF65-F5344CB8AC3E}">
+        <p14:creationId xmlns:p14="http://schemas.microsoft.com/office/powerpoint/2010/main" val="2136584559"/>
+      </p:ext>
+    </p:extLst>
+  </p:cSld>
+  <p:clrMapOvr>
+    <a:masterClrMapping/>
+  </p:clrMapOvr>
+</p:sld>
+</file>
+
+<file path=ppt/slides/slide11.xml><?xml version="1.0" encoding="utf-8"?>
+<p:sld xmlns:a="http://schemas.openxmlformats.org/drawingml/2006/main" xmlns:r="http://schemas.openxmlformats.org/officeDocument/2006/relationships" xmlns:p="http://schemas.openxmlformats.org/presentationml/2006/main">
+  <p:cSld>
+    <p:spTree>
+      <p:nvGrpSpPr>
+        <p:cNvPr id="1" name=""/>
+        <p:cNvGrpSpPr/>
+        <p:nvPr/>
+      </p:nvGrpSpPr>
+      <p:grpSpPr>
+        <a:xfrm>
+          <a:off x="0" y="0"/>
+          <a:ext cx="0" cy="0"/>
+          <a:chOff x="0" y="0"/>
+          <a:chExt cx="0" cy="0"/>
+        </a:xfrm>
+      </p:grpSpPr>
+      <p:sp>
+        <p:nvSpPr>
+          <p:cNvPr id="2" name="Title 1">
+            <a:extLst>
+              <a:ext uri="{FF2B5EF4-FFF2-40B4-BE49-F238E27FC236}">
+                <a16:creationId xmlns:a16="http://schemas.microsoft.com/office/drawing/2014/main" id="{D498FB88-5A58-F47D-BDEB-3FF012B1715D}"/>
+              </a:ext>
+            </a:extLst>
+          </p:cNvPr>
+          <p:cNvSpPr>
+            <a:spLocks noGrp="1"/>
+          </p:cNvSpPr>
+          <p:nvPr>
+            <p:ph type="title"/>
+          </p:nvPr>
+        </p:nvSpPr>
+        <p:spPr/>
+        <p:txBody>
+          <a:bodyPr/>
+          <a:lstStyle/>
+          <a:p>
+            <a:r>
+              <a:rPr lang="de-DE" dirty="0"/>
+              <a:t>Applied </a:t>
+            </a:r>
+            <a:r>
+              <a:rPr lang="de-DE" dirty="0" err="1"/>
+              <a:t>models</a:t>
+            </a:r>
+            <a:r>
+              <a:rPr lang="de-DE" dirty="0"/>
+              <a:t> </a:t>
+            </a:r>
+            <a:endParaRPr lang="en-US" dirty="0"/>
+          </a:p>
+        </p:txBody>
+      </p:sp>
+      <p:sp>
+        <p:nvSpPr>
+          <p:cNvPr id="3" name="Content Placeholder 2">
+            <a:extLst>
+              <a:ext uri="{FF2B5EF4-FFF2-40B4-BE49-F238E27FC236}">
+                <a16:creationId xmlns:a16="http://schemas.microsoft.com/office/drawing/2014/main" id="{DC543A68-DB92-9498-9A45-83099A72EFCB}"/>
+              </a:ext>
+            </a:extLst>
+          </p:cNvPr>
+          <p:cNvSpPr>
+            <a:spLocks noGrp="1"/>
+          </p:cNvSpPr>
+          <p:nvPr>
+            <p:ph idx="1"/>
+          </p:nvPr>
+        </p:nvSpPr>
+        <p:spPr/>
+        <p:txBody>
+          <a:bodyPr>
+            <a:normAutofit/>
+          </a:bodyPr>
+          <a:lstStyle/>
+          <a:p>
+            <a:r>
+              <a:rPr lang="en-US" dirty="0"/>
+              <a:t>Long short-term memory (LSTM)</a:t>
+            </a:r>
+          </a:p>
+          <a:p>
+            <a:pPr marL="0" indent="0">
+              <a:buNone/>
+            </a:pPr>
+            <a:endParaRPr lang="en-US" dirty="0"/>
+          </a:p>
+        </p:txBody>
+      </p:sp>
+      <p:pic>
+        <p:nvPicPr>
+          <p:cNvPr id="6" name="Picture 5">
+            <a:extLst>
+              <a:ext uri="{FF2B5EF4-FFF2-40B4-BE49-F238E27FC236}">
+                <a16:creationId xmlns:a16="http://schemas.microsoft.com/office/drawing/2014/main" id="{FA526E35-E12E-41EB-9EBC-CA5768E42813}"/>
+              </a:ext>
+            </a:extLst>
+          </p:cNvPr>
+          <p:cNvPicPr>
+            <a:picLocks noChangeAspect="1"/>
+          </p:cNvPicPr>
+          <p:nvPr/>
+        </p:nvPicPr>
+        <p:blipFill>
+          <a:blip r:embed="rId2"/>
+          <a:stretch>
+            <a:fillRect/>
+          </a:stretch>
+        </p:blipFill>
+        <p:spPr>
+          <a:xfrm>
+            <a:off x="1179428" y="2429669"/>
+            <a:ext cx="7496175" cy="1571625"/>
+          </a:xfrm>
+          <a:prstGeom prst="rect">
+            <a:avLst/>
+          </a:prstGeom>
+        </p:spPr>
+      </p:pic>
+    </p:spTree>
+    <p:extLst>
+      <p:ext uri="{BB962C8B-B14F-4D97-AF65-F5344CB8AC3E}">
+        <p14:creationId xmlns:p14="http://schemas.microsoft.com/office/powerpoint/2010/main" val="2708990205"/>
+      </p:ext>
+    </p:extLst>
+  </p:cSld>
+  <p:clrMapOvr>
+    <a:masterClrMapping/>
+  </p:clrMapOvr>
+</p:sld>
+</file>
+
+<file path=ppt/slides/slide12.xml><?xml version="1.0" encoding="utf-8"?>
+<p:sld xmlns:a="http://schemas.openxmlformats.org/drawingml/2006/main" xmlns:r="http://schemas.openxmlformats.org/officeDocument/2006/relationships" xmlns:p="http://schemas.openxmlformats.org/presentationml/2006/main">
+  <p:cSld>
+    <p:spTree>
+      <p:nvGrpSpPr>
+        <p:cNvPr id="1" name="">
+          <a:extLst>
+            <a:ext uri="{FF2B5EF4-FFF2-40B4-BE49-F238E27FC236}">
+              <a16:creationId xmlns:a16="http://schemas.microsoft.com/office/drawing/2014/main" id="{D7BCAC5F-589C-8B99-BA05-447D597934E0}"/>
+            </a:ext>
+          </a:extLst>
+        </p:cNvPr>
+        <p:cNvGrpSpPr/>
+        <p:nvPr/>
+      </p:nvGrpSpPr>
+      <p:grpSpPr>
+        <a:xfrm>
+          <a:off x="0" y="0"/>
+          <a:ext cx="0" cy="0"/>
+          <a:chOff x="0" y="0"/>
+          <a:chExt cx="0" cy="0"/>
+        </a:xfrm>
+      </p:grpSpPr>
+      <p:sp>
+        <p:nvSpPr>
+          <p:cNvPr id="2" name="Title 1">
+            <a:extLst>
+              <a:ext uri="{FF2B5EF4-FFF2-40B4-BE49-F238E27FC236}">
+                <a16:creationId xmlns:a16="http://schemas.microsoft.com/office/drawing/2014/main" id="{F84D4BEC-D970-0934-0F21-640ECC6C5005}"/>
+              </a:ext>
+            </a:extLst>
+          </p:cNvPr>
+          <p:cNvSpPr>
+            <a:spLocks noGrp="1"/>
+          </p:cNvSpPr>
+          <p:nvPr>
+            <p:ph type="title"/>
+          </p:nvPr>
+        </p:nvSpPr>
+        <p:spPr/>
+        <p:txBody>
+          <a:bodyPr/>
+          <a:lstStyle/>
+          <a:p>
+            <a:r>
+              <a:rPr lang="de-DE" dirty="0"/>
+              <a:t>Applied </a:t>
+            </a:r>
+            <a:r>
+              <a:rPr lang="de-DE" dirty="0" err="1"/>
+              <a:t>models</a:t>
+            </a:r>
+            <a:r>
+              <a:rPr lang="de-DE" dirty="0"/>
+              <a:t> </a:t>
+            </a:r>
+            <a:endParaRPr lang="en-US" dirty="0"/>
+          </a:p>
+        </p:txBody>
+      </p:sp>
+      <p:sp>
+        <p:nvSpPr>
+          <p:cNvPr id="3" name="Content Placeholder 2">
+            <a:extLst>
+              <a:ext uri="{FF2B5EF4-FFF2-40B4-BE49-F238E27FC236}">
+                <a16:creationId xmlns:a16="http://schemas.microsoft.com/office/drawing/2014/main" id="{EC613A9E-7E0B-EAFB-B5D3-50658B3FD546}"/>
+              </a:ext>
+            </a:extLst>
+          </p:cNvPr>
+          <p:cNvSpPr>
+            <a:spLocks noGrp="1"/>
+          </p:cNvSpPr>
+          <p:nvPr>
+            <p:ph idx="1"/>
+          </p:nvPr>
+        </p:nvSpPr>
+        <p:spPr/>
+        <p:txBody>
+          <a:bodyPr>
+            <a:normAutofit/>
+          </a:bodyPr>
+          <a:lstStyle/>
+          <a:p>
+            <a:r>
+              <a:rPr lang="de-DE" dirty="0"/>
+              <a:t>Gated </a:t>
+            </a:r>
+            <a:r>
+              <a:rPr lang="de-DE" dirty="0" err="1"/>
+              <a:t>Recurrent</a:t>
+            </a:r>
+            <a:r>
+              <a:rPr lang="de-DE" dirty="0"/>
+              <a:t> Unit </a:t>
+            </a:r>
+            <a:r>
+              <a:rPr lang="en-US" dirty="0"/>
+              <a:t>(GRU)</a:t>
+            </a:r>
+          </a:p>
+          <a:p>
+            <a:endParaRPr lang="en-US" dirty="0"/>
+          </a:p>
+          <a:p>
+            <a:pPr marL="457200" lvl="1" indent="0">
+              <a:buNone/>
+            </a:pPr>
+            <a:endParaRPr lang="en-US" dirty="0"/>
+          </a:p>
+          <a:p>
+            <a:endParaRPr lang="en-US" dirty="0"/>
+          </a:p>
+          <a:p>
+            <a:pPr marL="0" indent="0">
+              <a:buNone/>
+            </a:pPr>
+            <a:endParaRPr lang="en-US" dirty="0"/>
+          </a:p>
+          <a:p>
+            <a:pPr marL="0" indent="0">
+              <a:buNone/>
+            </a:pPr>
+            <a:endParaRPr lang="en-US" dirty="0"/>
+          </a:p>
+        </p:txBody>
+      </p:sp>
+      <p:pic>
+        <p:nvPicPr>
+          <p:cNvPr id="6" name="Picture 5">
+            <a:extLst>
+              <a:ext uri="{FF2B5EF4-FFF2-40B4-BE49-F238E27FC236}">
+                <a16:creationId xmlns:a16="http://schemas.microsoft.com/office/drawing/2014/main" id="{FE682AB0-6D3A-E06F-1316-4557DACC237D}"/>
+              </a:ext>
+            </a:extLst>
+          </p:cNvPr>
+          <p:cNvPicPr>
+            <a:picLocks noChangeAspect="1"/>
+          </p:cNvPicPr>
+          <p:nvPr/>
+        </p:nvPicPr>
+        <p:blipFill>
+          <a:blip r:embed="rId2"/>
+          <a:stretch>
+            <a:fillRect/>
+          </a:stretch>
+        </p:blipFill>
+        <p:spPr>
+          <a:xfrm>
+            <a:off x="1148261" y="2338387"/>
+            <a:ext cx="6743700" cy="2181225"/>
+          </a:xfrm>
+          <a:prstGeom prst="rect">
+            <a:avLst/>
+          </a:prstGeom>
+        </p:spPr>
+      </p:pic>
+    </p:spTree>
+    <p:extLst>
+      <p:ext uri="{BB962C8B-B14F-4D97-AF65-F5344CB8AC3E}">
+        <p14:creationId xmlns:p14="http://schemas.microsoft.com/office/powerpoint/2010/main" val="2578081995"/>
+      </p:ext>
+    </p:extLst>
+  </p:cSld>
+  <p:clrMapOvr>
+    <a:masterClrMapping/>
+  </p:clrMapOvr>
+</p:sld>
+</file>
+
+<file path=ppt/slides/slide13.xml><?xml version="1.0" encoding="utf-8"?>
+<p:sld xmlns:a="http://schemas.openxmlformats.org/drawingml/2006/main" xmlns:r="http://schemas.openxmlformats.org/officeDocument/2006/relationships" xmlns:p="http://schemas.openxmlformats.org/presentationml/2006/main">
+  <p:cSld>
+    <p:spTree>
+      <p:nvGrpSpPr>
+        <p:cNvPr id="1" name="">
+          <a:extLst>
+            <a:ext uri="{FF2B5EF4-FFF2-40B4-BE49-F238E27FC236}">
               <a16:creationId xmlns:a16="http://schemas.microsoft.com/office/drawing/2014/main" id="{F3DA1B15-20D9-6028-5BAF-669BBDCD880A}"/>
             </a:ext>
           </a:extLst>
@@ -3532,49 +3984,6 @@
           <a:lstStyle/>
           <a:p>
             <a:r>
-              <a:rPr lang="de-DE" dirty="0"/>
-              <a:t>First </a:t>
-            </a:r>
-            <a:r>
-              <a:rPr lang="de-DE" dirty="0" err="1"/>
-              <a:t>step</a:t>
-            </a:r>
-            <a:r>
-              <a:rPr lang="de-DE" dirty="0"/>
-              <a:t>: </a:t>
-            </a:r>
-            <a:r>
-              <a:rPr lang="de-DE" dirty="0" err="1"/>
-              <a:t>scale</a:t>
-            </a:r>
-            <a:r>
-              <a:rPr lang="de-DE" dirty="0"/>
-              <a:t> </a:t>
-            </a:r>
-            <a:r>
-              <a:rPr lang="de-DE" dirty="0" err="1"/>
-              <a:t>data</a:t>
-            </a:r>
-            <a:r>
-              <a:rPr lang="de-DE" dirty="0"/>
-              <a:t> </a:t>
-            </a:r>
-            <a:r>
-              <a:rPr lang="de-DE" dirty="0" err="1"/>
-              <a:t>using</a:t>
-            </a:r>
-            <a:r>
-              <a:rPr lang="de-DE" dirty="0"/>
-              <a:t> </a:t>
-            </a:r>
-            <a:r>
-              <a:rPr lang="de-DE" dirty="0" err="1"/>
-              <a:t>MinMaxScaler</a:t>
-            </a:r>
-            <a:endParaRPr lang="en-US" dirty="0"/>
-          </a:p>
-          <a:p>
-            <a:r>
               <a:rPr lang="en-US" dirty="0"/>
               <a:t>Convolutional Neural Network (CNN)</a:t>
             </a:r>
@@ -3609,7 +4018,7 @@
         </p:blipFill>
         <p:spPr>
           <a:xfrm>
-            <a:off x="1150261" y="2898382"/>
+            <a:off x="1141794" y="2373449"/>
             <a:ext cx="10344150" cy="2600325"/>
           </a:xfrm>
           <a:prstGeom prst="rect">
@@ -3630,7 +4039,7 @@
 </p:sld>
 </file>
 
-<file path=ppt/slides/slide11.xml><?xml version="1.0" encoding="utf-8"?>
+<file path=ppt/slides/slide14.xml><?xml version="1.0" encoding="utf-8"?>
 <p:sld xmlns:a="http://schemas.openxmlformats.org/drawingml/2006/main" xmlns:r="http://schemas.openxmlformats.org/officeDocument/2006/relationships" xmlns:p="http://schemas.openxmlformats.org/presentationml/2006/main">
   <p:cSld>
     <p:spTree>
@@ -3719,49 +4128,6 @@
           <a:lstStyle/>
           <a:p>
             <a:r>
-              <a:rPr lang="de-DE" dirty="0"/>
-              <a:t>First </a:t>
-            </a:r>
-            <a:r>
-              <a:rPr lang="de-DE" dirty="0" err="1"/>
-              <a:t>step</a:t>
-            </a:r>
-            <a:r>
-              <a:rPr lang="de-DE" dirty="0"/>
-              <a:t>: </a:t>
-            </a:r>
-            <a:r>
-              <a:rPr lang="de-DE" dirty="0" err="1"/>
-              <a:t>scale</a:t>
-            </a:r>
-            <a:r>
-              <a:rPr lang="de-DE" dirty="0"/>
-              <a:t> </a:t>
-            </a:r>
-            <a:r>
-              <a:rPr lang="de-DE" dirty="0" err="1"/>
-              <a:t>data</a:t>
-            </a:r>
-            <a:r>
-              <a:rPr lang="de-DE" dirty="0"/>
-              <a:t> </a:t>
-            </a:r>
-            <a:r>
-              <a:rPr lang="de-DE" dirty="0" err="1"/>
-              <a:t>using</a:t>
-            </a:r>
-            <a:r>
-              <a:rPr lang="de-DE" dirty="0"/>
-              <a:t> </a:t>
-            </a:r>
-            <a:r>
-              <a:rPr lang="de-DE" dirty="0" err="1"/>
-              <a:t>MinMaxScaler</a:t>
-            </a:r>
-            <a:endParaRPr lang="en-US" dirty="0"/>
-          </a:p>
-          <a:p>
-            <a:r>
               <a:rPr lang="en-US" dirty="0"/>
               <a:t>Ensemble Model based on RNN, GRU and LSTM (3 top-performing models)</a:t>
             </a:r>
@@ -3796,7 +4162,7 @@
         </p:blipFill>
         <p:spPr>
           <a:xfrm>
-            <a:off x="1158324" y="5469964"/>
+            <a:off x="1158324" y="4834964"/>
             <a:ext cx="7400925" cy="981075"/>
           </a:xfrm>
           <a:prstGeom prst="rect">
@@ -3826,7 +4192,7 @@
         </p:blipFill>
         <p:spPr>
           <a:xfrm>
-            <a:off x="1158324" y="2991113"/>
+            <a:off x="1158324" y="2356113"/>
             <a:ext cx="4714875" cy="2257425"/>
           </a:xfrm>
           <a:prstGeom prst="rect">
@@ -3847,7 +4213,7 @@
 </p:sld>
 </file>
 
-<file path=ppt/slides/slide12.xml><?xml version="1.0" encoding="utf-8"?>
+<file path=ppt/slides/slide15.xml><?xml version="1.0" encoding="utf-8"?>
 <p:sld xmlns:a="http://schemas.openxmlformats.org/drawingml/2006/main" xmlns:r="http://schemas.openxmlformats.org/officeDocument/2006/relationships" xmlns:p="http://schemas.openxmlformats.org/presentationml/2006/main">
   <p:cSld>
     <p:spTree>
@@ -4136,7 +4502,7 @@
 </p:sld>
 </file>
 
-<file path=ppt/slides/slide13.xml><?xml version="1.0" encoding="utf-8"?>
+<file path=ppt/slides/slide16.xml><?xml version="1.0" encoding="utf-8"?>
 <p:sld xmlns:a="http://schemas.openxmlformats.org/drawingml/2006/main" xmlns:r="http://schemas.openxmlformats.org/officeDocument/2006/relationships" xmlns:p="http://schemas.openxmlformats.org/presentationml/2006/main">
   <p:cSld>
     <p:spTree>
@@ -4159,6 +4525,132 @@
           <a:chExt cx="0" cy="0"/>
         </a:xfrm>
       </p:grpSpPr>
+      <p:graphicFrame>
+        <p:nvGraphicFramePr>
+          <p:cNvPr id="7" name="Objekt 6">
+            <a:extLst>
+              <a:ext uri="{FF2B5EF4-FFF2-40B4-BE49-F238E27FC236}">
+                <a16:creationId xmlns:a16="http://schemas.microsoft.com/office/drawing/2014/main" id="{E2B83EC1-F7B4-5089-7A8C-53BC8368A7E6}"/>
+              </a:ext>
+            </a:extLst>
+          </p:cNvPr>
+          <p:cNvGraphicFramePr>
+            <a:graphicFrameLocks noChangeAspect="1"/>
+          </p:cNvGraphicFramePr>
+          <p:nvPr>
+            <p:extLst>
+              <p:ext uri="{D42A27DB-BD31-4B8C-83A1-F6EECF244321}">
+                <p14:modId xmlns:p14="http://schemas.microsoft.com/office/powerpoint/2010/main" val="3533916124"/>
+              </p:ext>
+            </p:extLst>
+          </p:nvPr>
+        </p:nvGraphicFramePr>
+        <p:xfrm>
+          <a:off x="2640000" y="3821647"/>
+          <a:ext cx="6911667" cy="2880000"/>
+        </p:xfrm>
+        <a:graphic>
+          <a:graphicData uri="http://schemas.openxmlformats.org/presentationml/2006/ole">
+            <mc:AlternateContent xmlns:mc="http://schemas.openxmlformats.org/markup-compatibility/2006">
+              <mc:Choice xmlns:v="urn:schemas-microsoft-com:vml" Requires="v">
+                <p:oleObj name="Acrobat Document" r:id="rId2" imgW="6583680" imgH="2743200" progId="Acrobat.Document.DC">
+                  <p:embed/>
+                </p:oleObj>
+              </mc:Choice>
+              <mc:Fallback>
+                <p:oleObj name="Acrobat Document" r:id="rId2" imgW="6583680" imgH="2743200" progId="Acrobat.Document.DC">
+                  <p:embed/>
+                  <p:pic>
+                    <p:nvPicPr>
+                      <p:cNvPr id="0" name=""/>
+                      <p:cNvPicPr/>
+                      <p:nvPr/>
+                    </p:nvPicPr>
+                    <p:blipFill>
+                      <a:blip r:embed="rId3"/>
+                      <a:stretch>
+                        <a:fillRect/>
+                      </a:stretch>
+                    </p:blipFill>
+                    <p:spPr>
+                      <a:xfrm>
+                        <a:off x="2640000" y="3821647"/>
+                        <a:ext cx="6911667" cy="2880000"/>
+                      </a:xfrm>
+                      <a:prstGeom prst="rect">
+                        <a:avLst/>
+                      </a:prstGeom>
+                    </p:spPr>
+                  </p:pic>
+                </p:oleObj>
+              </mc:Fallback>
+            </mc:AlternateContent>
+          </a:graphicData>
+        </a:graphic>
+      </p:graphicFrame>
+      <p:graphicFrame>
+        <p:nvGraphicFramePr>
+          <p:cNvPr id="3" name="Objekt 2">
+            <a:extLst>
+              <a:ext uri="{FF2B5EF4-FFF2-40B4-BE49-F238E27FC236}">
+                <a16:creationId xmlns:a16="http://schemas.microsoft.com/office/drawing/2014/main" id="{1ECB4053-1E98-81EA-2419-48AFA13289CD}"/>
+              </a:ext>
+            </a:extLst>
+          </p:cNvPr>
+          <p:cNvGraphicFramePr>
+            <a:graphicFrameLocks noChangeAspect="1"/>
+          </p:cNvGraphicFramePr>
+          <p:nvPr>
+            <p:extLst>
+              <p:ext uri="{D42A27DB-BD31-4B8C-83A1-F6EECF244321}">
+                <p14:modId xmlns:p14="http://schemas.microsoft.com/office/powerpoint/2010/main" val="3288609595"/>
+              </p:ext>
+            </p:extLst>
+          </p:nvPr>
+        </p:nvGraphicFramePr>
+        <p:xfrm>
+          <a:off x="2640333" y="866049"/>
+          <a:ext cx="6911667" cy="2880000"/>
+        </p:xfrm>
+        <a:graphic>
+          <a:graphicData uri="http://schemas.openxmlformats.org/presentationml/2006/ole">
+            <mc:AlternateContent xmlns:mc="http://schemas.openxmlformats.org/markup-compatibility/2006">
+              <mc:Choice xmlns:v="urn:schemas-microsoft-com:vml" Requires="v">
+                <p:oleObj name="Acrobat Document" r:id="rId4" imgW="6583680" imgH="2743200" progId="Acrobat.Document.DC">
+                  <p:embed/>
+                </p:oleObj>
+              </mc:Choice>
+              <mc:Fallback>
+                <p:oleObj name="Acrobat Document" r:id="rId4" imgW="6583680" imgH="2743200" progId="Acrobat.Document.DC">
+                  <p:embed/>
+                  <p:pic>
+                    <p:nvPicPr>
+                      <p:cNvPr id="0" name=""/>
+                      <p:cNvPicPr/>
+                      <p:nvPr/>
+                    </p:nvPicPr>
+                    <p:blipFill>
+                      <a:blip r:embed="rId5"/>
+                      <a:stretch>
+                        <a:fillRect/>
+                      </a:stretch>
+                    </p:blipFill>
+                    <p:spPr>
+                      <a:xfrm>
+                        <a:off x="2640333" y="866049"/>
+                        <a:ext cx="6911667" cy="2880000"/>
+                      </a:xfrm>
+                      <a:prstGeom prst="rect">
+                        <a:avLst/>
+                      </a:prstGeom>
+                    </p:spPr>
+                  </p:pic>
+                </p:oleObj>
+              </mc:Fallback>
+            </mc:AlternateContent>
+          </a:graphicData>
+        </a:graphic>
+      </p:graphicFrame>
       <p:sp>
         <p:nvSpPr>
           <p:cNvPr id="10" name="Title 1">
@@ -4292,25 +4784,188 @@
           </a:p>
         </p:txBody>
       </p:sp>
+    </p:spTree>
+    <p:extLst>
+      <p:ext uri="{BB962C8B-B14F-4D97-AF65-F5344CB8AC3E}">
+        <p14:creationId xmlns:p14="http://schemas.microsoft.com/office/powerpoint/2010/main" val="1306370375"/>
+      </p:ext>
+    </p:extLst>
+  </p:cSld>
+  <p:clrMapOvr>
+    <a:masterClrMapping/>
+  </p:clrMapOvr>
+</p:sld>
+</file>
+
+<file path=ppt/slides/slide17.xml><?xml version="1.0" encoding="utf-8"?>
+<p:sld xmlns:a="http://schemas.openxmlformats.org/drawingml/2006/main" xmlns:r="http://schemas.openxmlformats.org/officeDocument/2006/relationships" xmlns:p="http://schemas.openxmlformats.org/presentationml/2006/main">
+  <p:cSld>
+    <p:spTree>
+      <p:nvGrpSpPr>
+        <p:cNvPr id="1" name="">
+          <a:extLst>
+            <a:ext uri="{FF2B5EF4-FFF2-40B4-BE49-F238E27FC236}">
+              <a16:creationId xmlns:a16="http://schemas.microsoft.com/office/drawing/2014/main" id="{63D80A7B-7E96-88C2-E991-0067A201F93A}"/>
+            </a:ext>
+          </a:extLst>
+        </p:cNvPr>
+        <p:cNvGrpSpPr/>
+        <p:nvPr/>
+      </p:nvGrpSpPr>
+      <p:grpSpPr>
+        <a:xfrm>
+          <a:off x="0" y="0"/>
+          <a:ext cx="0" cy="0"/>
+          <a:chOff x="0" y="0"/>
+          <a:chExt cx="0" cy="0"/>
+        </a:xfrm>
+      </p:grpSpPr>
+      <p:sp>
+        <p:nvSpPr>
+          <p:cNvPr id="10" name="Title 1">
+            <a:extLst>
+              <a:ext uri="{FF2B5EF4-FFF2-40B4-BE49-F238E27FC236}">
+                <a16:creationId xmlns:a16="http://schemas.microsoft.com/office/drawing/2014/main" id="{454D0F61-787A-2B03-5659-68EBED5DA0C0}"/>
+              </a:ext>
+            </a:extLst>
+          </p:cNvPr>
+          <p:cNvSpPr>
+            <a:spLocks noGrp="1"/>
+          </p:cNvSpPr>
+          <p:nvPr>
+            <p:ph type="title"/>
+          </p:nvPr>
+        </p:nvSpPr>
+        <p:spPr>
+          <a:xfrm>
+            <a:off x="838200" y="-24166"/>
+            <a:ext cx="10515600" cy="585489"/>
+          </a:xfrm>
+        </p:spPr>
+        <p:txBody>
+          <a:bodyPr>
+            <a:normAutofit/>
+          </a:bodyPr>
+          <a:lstStyle/>
+          <a:p>
+            <a:pPr algn="ctr"/>
+            <a:r>
+              <a:rPr lang="de-DE" sz="2000" b="1" dirty="0" err="1"/>
+              <a:t>Results</a:t>
+            </a:r>
+            <a:r>
+              <a:rPr lang="de-DE" sz="2000" b="1" dirty="0"/>
+              <a:t> after </a:t>
+            </a:r>
+            <a:r>
+              <a:rPr lang="de-DE" sz="2000" b="1" dirty="0" err="1"/>
+              <a:t>training</a:t>
+            </a:r>
+            <a:r>
+              <a:rPr lang="de-DE" sz="2000" b="1" dirty="0"/>
+              <a:t> on </a:t>
+            </a:r>
+            <a:r>
+              <a:rPr lang="de-DE" sz="2000" b="1" dirty="0" err="1"/>
+              <a:t>the</a:t>
+            </a:r>
+            <a:r>
+              <a:rPr lang="de-DE" sz="2000" b="1" dirty="0"/>
+              <a:t> </a:t>
+            </a:r>
+            <a:r>
+              <a:rPr lang="de-DE" sz="2000" b="1" dirty="0" err="1"/>
+              <a:t>entire</a:t>
+            </a:r>
+            <a:r>
+              <a:rPr lang="de-DE" sz="2000" b="1" dirty="0"/>
+              <a:t> </a:t>
+            </a:r>
+            <a:r>
+              <a:rPr lang="de-DE" sz="2000" b="1" dirty="0" err="1"/>
+              <a:t>data</a:t>
+            </a:r>
+            <a:r>
+              <a:rPr lang="de-DE" sz="2000" b="1" dirty="0"/>
+              <a:t> </a:t>
+            </a:r>
+            <a:r>
+              <a:rPr lang="de-DE" sz="2000" b="1" dirty="0" err="1"/>
+              <a:t>set</a:t>
+            </a:r>
+            <a:endParaRPr lang="en-US" sz="2000" b="1" dirty="0"/>
+          </a:p>
+        </p:txBody>
+      </p:sp>
+      <p:sp>
+        <p:nvSpPr>
+          <p:cNvPr id="2" name="Title 1">
+            <a:extLst>
+              <a:ext uri="{FF2B5EF4-FFF2-40B4-BE49-F238E27FC236}">
+                <a16:creationId xmlns:a16="http://schemas.microsoft.com/office/drawing/2014/main" id="{F8F1E437-2AF6-426A-FE21-A95814EA7B95}"/>
+              </a:ext>
+            </a:extLst>
+          </p:cNvPr>
+          <p:cNvSpPr txBox="1">
+            <a:spLocks/>
+          </p:cNvSpPr>
+          <p:nvPr/>
+        </p:nvSpPr>
+        <p:spPr>
+          <a:xfrm>
+            <a:off x="838200" y="318359"/>
+            <a:ext cx="10515600" cy="585489"/>
+          </a:xfrm>
+          <a:prstGeom prst="rect">
+            <a:avLst/>
+          </a:prstGeom>
+        </p:spPr>
+        <p:txBody>
+          <a:bodyPr vert="horz" lIns="91440" tIns="45720" rIns="91440" bIns="45720" rtlCol="0" anchor="ctr">
+            <a:normAutofit/>
+          </a:bodyPr>
+          <a:lstStyle>
+            <a:lvl1pPr algn="l" defTabSz="914400" rtl="0" eaLnBrk="1" latinLnBrk="0" hangingPunct="1">
+              <a:lnSpc>
+                <a:spcPct val="90000"/>
+              </a:lnSpc>
+              <a:spcBef>
+                <a:spcPct val="0"/>
+              </a:spcBef>
+              <a:buNone/>
+              <a:defRPr sz="4400" kern="1200">
+                <a:solidFill>
+                  <a:schemeClr val="tx1"/>
+                </a:solidFill>
+                <a:latin typeface="+mj-lt"/>
+                <a:ea typeface="+mj-ea"/>
+                <a:cs typeface="+mj-cs"/>
+              </a:defRPr>
+            </a:lvl1pPr>
+          </a:lstStyle>
+          <a:p>
+            <a:pPr algn="ctr"/>
+            <a:r>
+              <a:rPr lang="de-DE" sz="2000" b="1" dirty="0"/>
+              <a:t>RNN</a:t>
+            </a:r>
+            <a:endParaRPr lang="en-US" sz="2000" b="1" dirty="0"/>
+          </a:p>
+        </p:txBody>
+      </p:sp>
       <p:graphicFrame>
         <p:nvGraphicFramePr>
           <p:cNvPr id="4" name="Object 3">
             <a:extLst>
               <a:ext uri="{FF2B5EF4-FFF2-40B4-BE49-F238E27FC236}">
-                <a16:creationId xmlns:a16="http://schemas.microsoft.com/office/drawing/2014/main" id="{C11DB8B0-59FC-9D20-8FE0-06C2ED5C3073}"/>
+                <a16:creationId xmlns:a16="http://schemas.microsoft.com/office/drawing/2014/main" id="{6473679A-8FA8-C3F7-2F61-C0A1641B5580}"/>
               </a:ext>
             </a:extLst>
           </p:cNvPr>
           <p:cNvGraphicFramePr>
             <a:graphicFrameLocks noChangeAspect="1"/>
           </p:cNvGraphicFramePr>
-          <p:nvPr>
-            <p:extLst>
-              <p:ext uri="{D42A27DB-BD31-4B8C-83A1-F6EECF244321}">
-                <p14:modId xmlns:p14="http://schemas.microsoft.com/office/powerpoint/2010/main" val="3850666733"/>
-              </p:ext>
-            </p:extLst>
-          </p:nvPr>
+          <p:nvPr/>
         </p:nvGraphicFramePr>
         <p:xfrm>
           <a:off x="2640000" y="3821647"/>
@@ -4329,7 +4984,13 @@
                   <p:embed/>
                   <p:pic>
                     <p:nvPicPr>
-                      <p:cNvPr id="0" name=""/>
+                      <p:cNvPr id="4" name="Object 3">
+                        <a:extLst>
+                          <a:ext uri="{FF2B5EF4-FFF2-40B4-BE49-F238E27FC236}">
+                            <a16:creationId xmlns:a16="http://schemas.microsoft.com/office/drawing/2014/main" id="{C11DB8B0-59FC-9D20-8FE0-06C2ED5C3073}"/>
+                          </a:ext>
+                        </a:extLst>
+                      </p:cNvPr>
                       <p:cNvPicPr/>
                       <p:nvPr/>
                     </p:nvPicPr>
@@ -4360,20 +5021,14 @@
           <p:cNvPr id="5" name="Object 4">
             <a:extLst>
               <a:ext uri="{FF2B5EF4-FFF2-40B4-BE49-F238E27FC236}">
-                <a16:creationId xmlns:a16="http://schemas.microsoft.com/office/drawing/2014/main" id="{9F1AFF81-4869-105F-677B-B7CF6A187655}"/>
+                <a16:creationId xmlns:a16="http://schemas.microsoft.com/office/drawing/2014/main" id="{392D83D5-3A3A-6FF3-6304-1094FB9978D4}"/>
               </a:ext>
             </a:extLst>
           </p:cNvPr>
           <p:cNvGraphicFramePr>
             <a:graphicFrameLocks noChangeAspect="1"/>
           </p:cNvGraphicFramePr>
-          <p:nvPr>
-            <p:extLst>
-              <p:ext uri="{D42A27DB-BD31-4B8C-83A1-F6EECF244321}">
-                <p14:modId xmlns:p14="http://schemas.microsoft.com/office/powerpoint/2010/main" val="812199570"/>
-              </p:ext>
-            </p:extLst>
-          </p:nvPr>
+          <p:nvPr/>
         </p:nvGraphicFramePr>
         <p:xfrm>
           <a:off x="2640000" y="903848"/>
@@ -4392,7 +5047,13 @@
                   <p:embed/>
                   <p:pic>
                     <p:nvPicPr>
-                      <p:cNvPr id="0" name=""/>
+                      <p:cNvPr id="5" name="Object 4">
+                        <a:extLst>
+                          <a:ext uri="{FF2B5EF4-FFF2-40B4-BE49-F238E27FC236}">
+                            <a16:creationId xmlns:a16="http://schemas.microsoft.com/office/drawing/2014/main" id="{9F1AFF81-4869-105F-677B-B7CF6A187655}"/>
+                          </a:ext>
+                        </a:extLst>
+                      </p:cNvPr>
                       <p:cNvPicPr/>
                       <p:nvPr/>
                     </p:nvPicPr>
@@ -4423,7 +5084,7 @@
           <p:cNvPr id="6" name="TextBox 5">
             <a:extLst>
               <a:ext uri="{FF2B5EF4-FFF2-40B4-BE49-F238E27FC236}">
-                <a16:creationId xmlns:a16="http://schemas.microsoft.com/office/drawing/2014/main" id="{8EECC4A6-05C3-38A9-BD14-3E9A54FD529D}"/>
+                <a16:creationId xmlns:a16="http://schemas.microsoft.com/office/drawing/2014/main" id="{69887CC7-E9C0-9F05-D329-44A458896304}"/>
               </a:ext>
             </a:extLst>
           </p:cNvPr>
@@ -4439,7 +5100,7 @@
             <a:avLst/>
           </a:prstGeom>
           <a:solidFill>
-            <a:srgbClr val="FF0000"/>
+            <a:srgbClr val="FF9966"/>
           </a:solidFill>
         </p:spPr>
         <p:txBody>
@@ -4469,7 +5130,7 @@
     </p:spTree>
     <p:extLst>
       <p:ext uri="{BB962C8B-B14F-4D97-AF65-F5344CB8AC3E}">
-        <p14:creationId xmlns:p14="http://schemas.microsoft.com/office/powerpoint/2010/main" val="1306370375"/>
+        <p14:creationId xmlns:p14="http://schemas.microsoft.com/office/powerpoint/2010/main" val="341607251"/>
       </p:ext>
     </p:extLst>
   </p:cSld>
@@ -4479,8 +5140,8 @@
 </p:sld>
 </file>
 
-<file path=ppt/slides/slide14.xml><?xml version="1.0" encoding="utf-8"?>
-<p:sld xmlns:a="http://schemas.openxmlformats.org/drawingml/2006/main" xmlns:r="http://schemas.openxmlformats.org/officeDocument/2006/relationships" xmlns:p="http://schemas.openxmlformats.org/presentationml/2006/main">
+<file path=ppt/slides/slide18.xml><?xml version="1.0" encoding="utf-8"?>
+<p:sld xmlns:a="http://schemas.openxmlformats.org/drawingml/2006/main" xmlns:r="http://schemas.openxmlformats.org/officeDocument/2006/relationships" xmlns:p="http://schemas.openxmlformats.org/presentationml/2006/main" show="0">
   <p:cSld>
     <p:spTree>
       <p:nvGrpSpPr>
@@ -4774,7 +5435,7 @@
 </p:sld>
 </file>
 
-<file path=ppt/slides/slide15.xml><?xml version="1.0" encoding="utf-8"?>
+<file path=ppt/slides/slide19.xml><?xml version="1.0" encoding="utf-8"?>
 <p:sld xmlns:a="http://schemas.openxmlformats.org/drawingml/2006/main" xmlns:r="http://schemas.openxmlformats.org/officeDocument/2006/relationships" xmlns:p="http://schemas.openxmlformats.org/presentationml/2006/main">
   <p:cSld>
     <p:spTree>
@@ -5069,7 +5730,744 @@
 </p:sld>
 </file>
 
-<file path=ppt/slides/slide16.xml><?xml version="1.0" encoding="utf-8"?>
+<file path=ppt/slides/slide2.xml><?xml version="1.0" encoding="utf-8"?>
+<p:sld xmlns:a="http://schemas.openxmlformats.org/drawingml/2006/main" xmlns:r="http://schemas.openxmlformats.org/officeDocument/2006/relationships" xmlns:p="http://schemas.openxmlformats.org/presentationml/2006/main">
+  <p:cSld>
+    <p:spTree>
+      <p:nvGrpSpPr>
+        <p:cNvPr id="1" name=""/>
+        <p:cNvGrpSpPr/>
+        <p:nvPr/>
+      </p:nvGrpSpPr>
+      <p:grpSpPr>
+        <a:xfrm>
+          <a:off x="0" y="0"/>
+          <a:ext cx="0" cy="0"/>
+          <a:chOff x="0" y="0"/>
+          <a:chExt cx="0" cy="0"/>
+        </a:xfrm>
+      </p:grpSpPr>
+      <p:sp>
+        <p:nvSpPr>
+          <p:cNvPr id="2" name="Title 1">
+            <a:extLst>
+              <a:ext uri="{FF2B5EF4-FFF2-40B4-BE49-F238E27FC236}">
+                <a16:creationId xmlns:a16="http://schemas.microsoft.com/office/drawing/2014/main" id="{4C902162-C00D-27BA-8035-78C2A4D5EFC2}"/>
+              </a:ext>
+            </a:extLst>
+          </p:cNvPr>
+          <p:cNvSpPr>
+            <a:spLocks noGrp="1"/>
+          </p:cNvSpPr>
+          <p:nvPr>
+            <p:ph type="title"/>
+          </p:nvPr>
+        </p:nvSpPr>
+        <p:spPr/>
+        <p:txBody>
+          <a:bodyPr/>
+          <a:lstStyle/>
+          <a:p>
+            <a:pPr algn="ctr"/>
+            <a:r>
+              <a:rPr lang="de-DE" dirty="0"/>
+              <a:t>General </a:t>
+            </a:r>
+            <a:r>
+              <a:rPr lang="de-DE" dirty="0" err="1"/>
+              <a:t>idea</a:t>
+            </a:r>
+            <a:endParaRPr lang="en-US" dirty="0"/>
+          </a:p>
+        </p:txBody>
+      </p:sp>
+      <p:sp>
+        <p:nvSpPr>
+          <p:cNvPr id="3" name="Content Placeholder 2">
+            <a:extLst>
+              <a:ext uri="{FF2B5EF4-FFF2-40B4-BE49-F238E27FC236}">
+                <a16:creationId xmlns:a16="http://schemas.microsoft.com/office/drawing/2014/main" id="{C5EC69AC-002E-1A92-5753-904AA07C80CD}"/>
+              </a:ext>
+            </a:extLst>
+          </p:cNvPr>
+          <p:cNvSpPr>
+            <a:spLocks noGrp="1"/>
+          </p:cNvSpPr>
+          <p:nvPr>
+            <p:ph idx="1"/>
+          </p:nvPr>
+        </p:nvSpPr>
+        <p:spPr/>
+        <p:txBody>
+          <a:bodyPr>
+            <a:normAutofit fontScale="85000" lnSpcReduction="20000"/>
+          </a:bodyPr>
+          <a:lstStyle/>
+          <a:p>
+            <a:pPr marL="0" indent="0">
+              <a:buNone/>
+            </a:pPr>
+            <a:r>
+              <a:rPr lang="de-DE" dirty="0" err="1"/>
+              <a:t>Build</a:t>
+            </a:r>
+            <a:r>
+              <a:rPr lang="de-DE" dirty="0"/>
+              <a:t> a </a:t>
+            </a:r>
+            <a:r>
+              <a:rPr lang="de-DE" dirty="0" err="1"/>
+              <a:t>deep</a:t>
+            </a:r>
+            <a:r>
+              <a:rPr lang="de-DE" dirty="0"/>
+              <a:t> </a:t>
+            </a:r>
+            <a:r>
+              <a:rPr lang="de-DE" dirty="0" err="1"/>
+              <a:t>learning-based</a:t>
+            </a:r>
+            <a:r>
+              <a:rPr lang="de-DE" dirty="0"/>
+              <a:t> </a:t>
+            </a:r>
+            <a:r>
+              <a:rPr lang="de-DE" dirty="0" err="1"/>
+              <a:t>procedure</a:t>
+            </a:r>
+            <a:r>
+              <a:rPr lang="de-DE" dirty="0"/>
+              <a:t> to </a:t>
+            </a:r>
+            <a:r>
+              <a:rPr lang="de-DE" dirty="0" err="1"/>
+              <a:t>predict</a:t>
+            </a:r>
+            <a:r>
+              <a:rPr lang="de-DE" dirty="0"/>
+              <a:t> </a:t>
+            </a:r>
+            <a:r>
+              <a:rPr lang="de-DE" dirty="0" err="1"/>
+              <a:t>the</a:t>
+            </a:r>
+            <a:r>
+              <a:rPr lang="de-DE" dirty="0"/>
+              <a:t> </a:t>
+            </a:r>
+            <a:r>
+              <a:rPr lang="de-DE" dirty="0" err="1"/>
+              <a:t>close</a:t>
+            </a:r>
+            <a:r>
+              <a:rPr lang="de-DE" dirty="0"/>
+              <a:t> </a:t>
+            </a:r>
+            <a:r>
+              <a:rPr lang="de-DE" dirty="0" err="1"/>
+              <a:t>value</a:t>
+            </a:r>
+            <a:r>
+              <a:rPr lang="de-DE" dirty="0"/>
+              <a:t> </a:t>
+            </a:r>
+            <a:r>
+              <a:rPr lang="de-DE" dirty="0" err="1"/>
+              <a:t>of</a:t>
+            </a:r>
+            <a:r>
+              <a:rPr lang="de-DE" dirty="0"/>
+              <a:t> an </a:t>
+            </a:r>
+            <a:r>
+              <a:rPr lang="de-DE" dirty="0" err="1"/>
+              <a:t>asset</a:t>
+            </a:r>
+            <a:r>
+              <a:rPr lang="de-DE" dirty="0"/>
+              <a:t> </a:t>
+            </a:r>
+            <a:r>
+              <a:rPr lang="de-DE" dirty="0" err="1"/>
+              <a:t>for</a:t>
+            </a:r>
+            <a:r>
+              <a:rPr lang="de-DE" dirty="0"/>
+              <a:t> </a:t>
+            </a:r>
+            <a:r>
+              <a:rPr lang="de-DE" dirty="0" err="1"/>
+              <a:t>the</a:t>
+            </a:r>
+            <a:r>
+              <a:rPr lang="de-DE" dirty="0"/>
+              <a:t> </a:t>
+            </a:r>
+            <a:r>
+              <a:rPr lang="de-DE" dirty="0" err="1"/>
+              <a:t>next</a:t>
+            </a:r>
+            <a:r>
+              <a:rPr lang="de-DE" dirty="0"/>
+              <a:t> </a:t>
+            </a:r>
+            <a:r>
+              <a:rPr lang="de-DE" dirty="0" err="1"/>
+              <a:t>day</a:t>
+            </a:r>
+            <a:r>
+              <a:rPr lang="de-DE" dirty="0"/>
+              <a:t> (</a:t>
+            </a:r>
+            <a:r>
+              <a:rPr lang="de-DE" dirty="0" err="1"/>
+              <a:t>regression</a:t>
+            </a:r>
+            <a:r>
+              <a:rPr lang="de-DE" dirty="0"/>
+              <a:t>). As an </a:t>
+            </a:r>
+            <a:r>
+              <a:rPr lang="de-DE" dirty="0" err="1"/>
+              <a:t>example</a:t>
+            </a:r>
+            <a:r>
+              <a:rPr lang="de-DE" dirty="0"/>
+              <a:t>, </a:t>
+            </a:r>
+            <a:r>
+              <a:rPr lang="de-DE" dirty="0" err="1"/>
+              <a:t>we</a:t>
+            </a:r>
+            <a:r>
+              <a:rPr lang="de-DE" dirty="0"/>
+              <a:t> </a:t>
+            </a:r>
+            <a:r>
+              <a:rPr lang="de-DE" dirty="0" err="1"/>
+              <a:t>took</a:t>
+            </a:r>
+            <a:r>
+              <a:rPr lang="de-DE" dirty="0"/>
+              <a:t> </a:t>
+            </a:r>
+            <a:r>
+              <a:rPr lang="de-DE" dirty="0" err="1"/>
+              <a:t>the</a:t>
+            </a:r>
+            <a:r>
+              <a:rPr lang="de-DE" dirty="0"/>
+              <a:t> META </a:t>
+            </a:r>
+            <a:r>
+              <a:rPr lang="de-DE" dirty="0" err="1"/>
+              <a:t>share</a:t>
+            </a:r>
+            <a:r>
+              <a:rPr lang="de-DE" dirty="0"/>
+              <a:t>.</a:t>
+            </a:r>
+          </a:p>
+          <a:p>
+            <a:pPr marL="0" indent="0">
+              <a:buNone/>
+            </a:pPr>
+            <a:endParaRPr lang="de-DE" dirty="0"/>
+          </a:p>
+          <a:p>
+            <a:pPr marL="0" indent="0">
+              <a:buNone/>
+            </a:pPr>
+            <a:r>
+              <a:rPr lang="de-DE" b="1" dirty="0"/>
+              <a:t>Scenario: </a:t>
+            </a:r>
+          </a:p>
+          <a:p>
+            <a:pPr marL="0" indent="0">
+              <a:buNone/>
+            </a:pPr>
+            <a:r>
+              <a:rPr lang="de-DE" dirty="0" err="1"/>
+              <a:t>Once</a:t>
+            </a:r>
+            <a:r>
+              <a:rPr lang="de-DE" dirty="0"/>
+              <a:t> </a:t>
+            </a:r>
+            <a:r>
+              <a:rPr lang="de-DE" dirty="0" err="1"/>
+              <a:t>the</a:t>
+            </a:r>
+            <a:r>
+              <a:rPr lang="de-DE" dirty="0"/>
+              <a:t> tradefaire </a:t>
+            </a:r>
+            <a:r>
+              <a:rPr lang="de-DE" dirty="0" err="1"/>
+              <a:t>has</a:t>
+            </a:r>
+            <a:r>
+              <a:rPr lang="de-DE" dirty="0"/>
+              <a:t> </a:t>
+            </a:r>
+            <a:r>
+              <a:rPr lang="de-DE" dirty="0" err="1"/>
+              <a:t>closed</a:t>
+            </a:r>
+            <a:r>
+              <a:rPr lang="de-DE" dirty="0"/>
+              <a:t> and </a:t>
+            </a:r>
+            <a:r>
+              <a:rPr lang="de-DE" dirty="0" err="1"/>
+              <a:t>data</a:t>
+            </a:r>
+            <a:r>
+              <a:rPr lang="de-DE" dirty="0"/>
+              <a:t> </a:t>
+            </a:r>
+            <a:r>
+              <a:rPr lang="de-DE" dirty="0" err="1"/>
+              <a:t>are</a:t>
+            </a:r>
+            <a:r>
+              <a:rPr lang="de-DE" dirty="0"/>
+              <a:t> </a:t>
+            </a:r>
+            <a:r>
+              <a:rPr lang="de-DE" dirty="0" err="1"/>
+              <a:t>available</a:t>
+            </a:r>
+            <a:r>
+              <a:rPr lang="de-DE" dirty="0"/>
+              <a:t> (</a:t>
+            </a:r>
+            <a:r>
+              <a:rPr lang="de-DE" dirty="0" err="1"/>
+              <a:t>about</a:t>
+            </a:r>
+            <a:r>
+              <a:rPr lang="de-DE" dirty="0"/>
+              <a:t> 0:00 CET), </a:t>
+            </a:r>
+            <a:r>
+              <a:rPr lang="de-DE" dirty="0" err="1"/>
+              <a:t>train</a:t>
+            </a:r>
+            <a:r>
+              <a:rPr lang="de-DE" dirty="0"/>
+              <a:t> </a:t>
+            </a:r>
+            <a:r>
+              <a:rPr lang="de-DE" dirty="0" err="1"/>
+              <a:t>model</a:t>
+            </a:r>
+            <a:r>
+              <a:rPr lang="de-DE" dirty="0"/>
+              <a:t> </a:t>
+            </a:r>
+            <a:r>
+              <a:rPr lang="de-DE" dirty="0" err="1"/>
+              <a:t>using</a:t>
+            </a:r>
+            <a:r>
+              <a:rPr lang="de-DE" dirty="0"/>
+              <a:t> all </a:t>
+            </a:r>
+            <a:r>
+              <a:rPr lang="de-DE" dirty="0" err="1"/>
+              <a:t>available</a:t>
+            </a:r>
+            <a:r>
+              <a:rPr lang="de-DE" dirty="0"/>
+              <a:t> </a:t>
+            </a:r>
+            <a:r>
+              <a:rPr lang="de-DE" dirty="0" err="1"/>
+              <a:t>data</a:t>
+            </a:r>
+            <a:r>
+              <a:rPr lang="de-DE" dirty="0"/>
+              <a:t> </a:t>
+            </a:r>
+            <a:r>
+              <a:rPr lang="de-DE" dirty="0" err="1"/>
+              <a:t>including</a:t>
+            </a:r>
+            <a:r>
+              <a:rPr lang="de-DE" dirty="0"/>
+              <a:t> </a:t>
+            </a:r>
+            <a:r>
+              <a:rPr lang="de-DE" dirty="0" err="1"/>
+              <a:t>the</a:t>
+            </a:r>
+            <a:r>
+              <a:rPr lang="de-DE" dirty="0"/>
+              <a:t> last </a:t>
+            </a:r>
+            <a:r>
+              <a:rPr lang="de-DE" dirty="0" err="1"/>
+              <a:t>trading</a:t>
+            </a:r>
+            <a:r>
+              <a:rPr lang="de-DE" dirty="0"/>
+              <a:t> </a:t>
+            </a:r>
+            <a:r>
+              <a:rPr lang="de-DE" dirty="0" err="1"/>
+              <a:t>day</a:t>
+            </a:r>
+            <a:r>
+              <a:rPr lang="de-DE" dirty="0"/>
+              <a:t>. </a:t>
+            </a:r>
+          </a:p>
+          <a:p>
+            <a:pPr marL="0" indent="0">
+              <a:buNone/>
+            </a:pPr>
+            <a:r>
+              <a:rPr lang="de-DE" dirty="0"/>
+              <a:t>Act </a:t>
+            </a:r>
+            <a:r>
+              <a:rPr lang="de-DE" dirty="0" err="1"/>
+              <a:t>based</a:t>
+            </a:r>
+            <a:r>
+              <a:rPr lang="de-DE" dirty="0"/>
+              <a:t> on </a:t>
+            </a:r>
+            <a:r>
+              <a:rPr lang="de-DE" dirty="0" err="1"/>
+              <a:t>the</a:t>
+            </a:r>
+            <a:r>
+              <a:rPr lang="de-DE" dirty="0"/>
+              <a:t> </a:t>
+            </a:r>
+            <a:r>
+              <a:rPr lang="de-DE" dirty="0" err="1"/>
+              <a:t>prediction</a:t>
+            </a:r>
+            <a:r>
+              <a:rPr lang="de-DE" dirty="0"/>
+              <a:t> </a:t>
+            </a:r>
+            <a:r>
+              <a:rPr lang="de-DE" dirty="0" err="1"/>
+              <a:t>once</a:t>
+            </a:r>
+            <a:r>
+              <a:rPr lang="de-DE" dirty="0"/>
+              <a:t> </a:t>
+            </a:r>
+            <a:r>
+              <a:rPr lang="de-DE" dirty="0" err="1"/>
+              <a:t>the</a:t>
+            </a:r>
+            <a:r>
+              <a:rPr lang="de-DE" dirty="0"/>
+              <a:t> </a:t>
+            </a:r>
+            <a:r>
+              <a:rPr lang="de-DE" dirty="0" err="1"/>
+              <a:t>tradfaire</a:t>
+            </a:r>
+            <a:r>
+              <a:rPr lang="de-DE" dirty="0"/>
+              <a:t> </a:t>
+            </a:r>
+            <a:r>
+              <a:rPr lang="de-DE" dirty="0" err="1"/>
+              <a:t>has</a:t>
+            </a:r>
+            <a:r>
+              <a:rPr lang="de-DE" dirty="0"/>
+              <a:t> </a:t>
+            </a:r>
+            <a:r>
+              <a:rPr lang="de-DE" dirty="0" err="1"/>
+              <a:t>reopened</a:t>
+            </a:r>
+            <a:r>
+              <a:rPr lang="de-DE" dirty="0"/>
+              <a:t>: </a:t>
+            </a:r>
+          </a:p>
+          <a:p>
+            <a:pPr marL="0" indent="0">
+              <a:buNone/>
+            </a:pPr>
+            <a:r>
+              <a:rPr lang="de-DE" dirty="0" err="1"/>
+              <a:t>if</a:t>
+            </a:r>
+            <a:r>
+              <a:rPr lang="de-DE" dirty="0"/>
+              <a:t> an </a:t>
+            </a:r>
+            <a:r>
+              <a:rPr lang="de-DE" dirty="0" err="1"/>
+              <a:t>increase</a:t>
+            </a:r>
+            <a:r>
+              <a:rPr lang="de-DE" dirty="0"/>
+              <a:t> </a:t>
+            </a:r>
+            <a:r>
+              <a:rPr lang="de-DE" dirty="0" err="1"/>
+              <a:t>is</a:t>
+            </a:r>
+            <a:r>
+              <a:rPr lang="de-DE" dirty="0"/>
+              <a:t> </a:t>
+            </a:r>
+            <a:r>
+              <a:rPr lang="de-DE" dirty="0" err="1"/>
+              <a:t>predicted</a:t>
+            </a:r>
+            <a:r>
+              <a:rPr lang="de-DE" dirty="0"/>
+              <a:t> </a:t>
+            </a:r>
+            <a:r>
+              <a:rPr lang="de-DE" dirty="0" err="1"/>
+              <a:t>buy</a:t>
+            </a:r>
+            <a:r>
+              <a:rPr lang="de-DE" dirty="0"/>
+              <a:t>, </a:t>
+            </a:r>
+            <a:r>
+              <a:rPr lang="de-DE" dirty="0" err="1"/>
+              <a:t>if</a:t>
+            </a:r>
+            <a:r>
+              <a:rPr lang="de-DE" dirty="0"/>
+              <a:t> a </a:t>
+            </a:r>
+            <a:r>
+              <a:rPr lang="de-DE" dirty="0" err="1"/>
+              <a:t>decrease</a:t>
+            </a:r>
+            <a:r>
+              <a:rPr lang="de-DE" dirty="0"/>
+              <a:t> </a:t>
+            </a:r>
+            <a:r>
+              <a:rPr lang="de-DE" dirty="0" err="1"/>
+              <a:t>is</a:t>
+            </a:r>
+            <a:r>
+              <a:rPr lang="de-DE" dirty="0"/>
+              <a:t> </a:t>
+            </a:r>
+            <a:r>
+              <a:rPr lang="de-DE" dirty="0" err="1"/>
+              <a:t>predicted</a:t>
+            </a:r>
+            <a:r>
+              <a:rPr lang="de-DE" dirty="0"/>
+              <a:t> </a:t>
+            </a:r>
+            <a:r>
+              <a:rPr lang="de-DE" dirty="0" err="1"/>
+              <a:t>sell</a:t>
+            </a:r>
+            <a:r>
+              <a:rPr lang="de-DE" dirty="0"/>
+              <a:t> </a:t>
+            </a:r>
+            <a:r>
+              <a:rPr lang="de-DE" dirty="0" err="1"/>
+              <a:t>the</a:t>
+            </a:r>
+            <a:r>
+              <a:rPr lang="de-DE" dirty="0"/>
+              <a:t> </a:t>
+            </a:r>
+            <a:r>
+              <a:rPr lang="de-DE" dirty="0" err="1"/>
+              <a:t>asset</a:t>
+            </a:r>
+            <a:r>
+              <a:rPr lang="de-DE" dirty="0"/>
+              <a:t>.</a:t>
+            </a:r>
+          </a:p>
+          <a:p>
+            <a:pPr marL="0" indent="0">
+              <a:buNone/>
+            </a:pPr>
+            <a:endParaRPr lang="de-DE" dirty="0"/>
+          </a:p>
+          <a:p>
+            <a:pPr marL="0" indent="0">
+              <a:buNone/>
+            </a:pPr>
+            <a:r>
+              <a:rPr lang="de-DE" b="1" dirty="0" err="1"/>
+              <a:t>Prerequisite</a:t>
+            </a:r>
+            <a:r>
+              <a:rPr lang="de-DE" b="1" dirty="0"/>
+              <a:t>: </a:t>
+            </a:r>
+          </a:p>
+          <a:p>
+            <a:pPr marL="0" indent="0">
+              <a:buNone/>
+            </a:pPr>
+            <a:r>
+              <a:rPr lang="de-DE" dirty="0"/>
+              <a:t>At </a:t>
+            </a:r>
+            <a:r>
+              <a:rPr lang="de-DE" dirty="0" err="1"/>
+              <a:t>best</a:t>
+            </a:r>
+            <a:r>
+              <a:rPr lang="de-DE" dirty="0"/>
+              <a:t>, </a:t>
+            </a:r>
+            <a:r>
+              <a:rPr lang="de-DE" dirty="0" err="1"/>
+              <a:t>training</a:t>
+            </a:r>
+            <a:r>
+              <a:rPr lang="de-DE" dirty="0"/>
+              <a:t> </a:t>
+            </a:r>
+            <a:r>
+              <a:rPr lang="de-DE" dirty="0" err="1"/>
+              <a:t>needs</a:t>
+            </a:r>
+            <a:r>
+              <a:rPr lang="de-DE" dirty="0"/>
+              <a:t> to </a:t>
+            </a:r>
+            <a:r>
+              <a:rPr lang="de-DE" dirty="0" err="1"/>
+              <a:t>be</a:t>
+            </a:r>
+            <a:r>
+              <a:rPr lang="de-DE" dirty="0"/>
+              <a:t> </a:t>
+            </a:r>
+            <a:r>
+              <a:rPr lang="de-DE" dirty="0" err="1"/>
+              <a:t>finished</a:t>
+            </a:r>
+            <a:r>
+              <a:rPr lang="de-DE" dirty="0"/>
+              <a:t> </a:t>
+            </a:r>
+            <a:r>
+              <a:rPr lang="de-DE" dirty="0" err="1"/>
+              <a:t>within</a:t>
+            </a:r>
+            <a:r>
+              <a:rPr lang="de-DE" dirty="0"/>
+              <a:t> </a:t>
+            </a:r>
+            <a:r>
+              <a:rPr lang="de-DE" dirty="0" err="1"/>
+              <a:t>the</a:t>
+            </a:r>
+            <a:r>
+              <a:rPr lang="de-DE" dirty="0"/>
+              <a:t> 1 </a:t>
+            </a:r>
+            <a:r>
+              <a:rPr lang="de-DE" dirty="0" err="1"/>
+              <a:t>hour</a:t>
+            </a:r>
+            <a:r>
+              <a:rPr lang="de-DE" dirty="0"/>
+              <a:t> in </a:t>
+            </a:r>
+            <a:r>
+              <a:rPr lang="de-DE" dirty="0" err="1"/>
+              <a:t>which</a:t>
+            </a:r>
+            <a:r>
+              <a:rPr lang="de-DE" dirty="0"/>
+              <a:t> </a:t>
+            </a:r>
+            <a:r>
+              <a:rPr lang="de-DE" dirty="0" err="1"/>
+              <a:t>indices</a:t>
+            </a:r>
+            <a:r>
+              <a:rPr lang="de-DE" dirty="0"/>
+              <a:t> like </a:t>
+            </a:r>
+            <a:r>
+              <a:rPr lang="de-DE" dirty="0" err="1"/>
+              <a:t>the</a:t>
+            </a:r>
+            <a:r>
+              <a:rPr lang="de-DE" dirty="0"/>
+              <a:t> S&amp;P 500 </a:t>
+            </a:r>
+            <a:r>
+              <a:rPr lang="de-DE" dirty="0" err="1"/>
+              <a:t>or</a:t>
+            </a:r>
+            <a:r>
+              <a:rPr lang="de-DE" dirty="0"/>
+              <a:t> </a:t>
+            </a:r>
+            <a:r>
+              <a:rPr lang="de-DE" dirty="0" err="1"/>
+              <a:t>the</a:t>
+            </a:r>
+            <a:r>
+              <a:rPr lang="de-DE" dirty="0"/>
+              <a:t> DJI </a:t>
+            </a:r>
+            <a:r>
+              <a:rPr lang="de-DE" dirty="0" err="1"/>
+              <a:t>are</a:t>
+            </a:r>
+            <a:r>
+              <a:rPr lang="de-DE" dirty="0"/>
+              <a:t> not </a:t>
+            </a:r>
+            <a:r>
+              <a:rPr lang="de-DE" dirty="0" err="1"/>
+              <a:t>tradeable</a:t>
+            </a:r>
+            <a:r>
+              <a:rPr lang="de-DE" dirty="0"/>
+              <a:t>.</a:t>
+            </a:r>
+          </a:p>
+          <a:p>
+            <a:pPr marL="0" indent="0">
+              <a:buNone/>
+            </a:pPr>
+            <a:endParaRPr lang="en-US" dirty="0"/>
+          </a:p>
+        </p:txBody>
+      </p:sp>
+    </p:spTree>
+    <p:extLst>
+      <p:ext uri="{BB962C8B-B14F-4D97-AF65-F5344CB8AC3E}">
+        <p14:creationId xmlns:p14="http://schemas.microsoft.com/office/powerpoint/2010/main" val="1668333977"/>
+      </p:ext>
+    </p:extLst>
+  </p:cSld>
+  <p:clrMapOvr>
+    <a:masterClrMapping/>
+  </p:clrMapOvr>
+</p:sld>
+</file>
+
+<file path=ppt/slides/slide20.xml><?xml version="1.0" encoding="utf-8"?>
 <p:sld xmlns:a="http://schemas.openxmlformats.org/drawingml/2006/main" xmlns:r="http://schemas.openxmlformats.org/officeDocument/2006/relationships" xmlns:p="http://schemas.openxmlformats.org/presentationml/2006/main">
   <p:cSld>
     <p:spTree>
@@ -5364,7 +6762,7 @@
 </p:sld>
 </file>
 
-<file path=ppt/slides/slide17.xml><?xml version="1.0" encoding="utf-8"?>
+<file path=ppt/slides/slide21.xml><?xml version="1.0" encoding="utf-8"?>
 <p:sld xmlns:a="http://schemas.openxmlformats.org/drawingml/2006/main" xmlns:r="http://schemas.openxmlformats.org/officeDocument/2006/relationships" xmlns:p="http://schemas.openxmlformats.org/presentationml/2006/main">
   <p:cSld>
     <p:spTree>
@@ -5514,7 +6912,7 @@
             <a:pPr algn="ctr"/>
             <a:r>
               <a:rPr lang="de-DE" sz="2000" b="1" dirty="0"/>
-              <a:t>Ensemble</a:t>
+              <a:t>Ensemble (RNN + GRU + LSTM)</a:t>
             </a:r>
             <a:endParaRPr lang="en-US" sz="2000" b="1" dirty="0"/>
           </a:p>
@@ -5659,7 +7057,7 @@
 </p:sld>
 </file>
 
-<file path=ppt/slides/slide18.xml><?xml version="1.0" encoding="utf-8"?>
+<file path=ppt/slides/slide22.xml><?xml version="1.0" encoding="utf-8"?>
 <p:sld xmlns:a="http://schemas.openxmlformats.org/drawingml/2006/main" xmlns:r="http://schemas.openxmlformats.org/officeDocument/2006/relationships" xmlns:p="http://schemas.openxmlformats.org/presentationml/2006/main">
   <p:cSld>
     <p:spTree>
@@ -5780,7 +7178,7 @@
 </p:sld>
 </file>
 
-<file path=ppt/slides/slide19.xml><?xml version="1.0" encoding="utf-8"?>
+<file path=ppt/slides/slide23.xml><?xml version="1.0" encoding="utf-8"?>
 <p:sld xmlns:a="http://schemas.openxmlformats.org/drawingml/2006/main" xmlns:r="http://schemas.openxmlformats.org/officeDocument/2006/relationships" xmlns:p="http://schemas.openxmlformats.org/presentationml/2006/main">
   <p:cSld>
     <p:spTree>
@@ -6069,745 +7467,8 @@
 </p:sld>
 </file>
 
-<file path=ppt/slides/slide2.xml><?xml version="1.0" encoding="utf-8"?>
-<p:sld xmlns:a="http://schemas.openxmlformats.org/drawingml/2006/main" xmlns:r="http://schemas.openxmlformats.org/officeDocument/2006/relationships" xmlns:p="http://schemas.openxmlformats.org/presentationml/2006/main">
-  <p:cSld>
-    <p:spTree>
-      <p:nvGrpSpPr>
-        <p:cNvPr id="1" name=""/>
-        <p:cNvGrpSpPr/>
-        <p:nvPr/>
-      </p:nvGrpSpPr>
-      <p:grpSpPr>
-        <a:xfrm>
-          <a:off x="0" y="0"/>
-          <a:ext cx="0" cy="0"/>
-          <a:chOff x="0" y="0"/>
-          <a:chExt cx="0" cy="0"/>
-        </a:xfrm>
-      </p:grpSpPr>
-      <p:sp>
-        <p:nvSpPr>
-          <p:cNvPr id="2" name="Title 1">
-            <a:extLst>
-              <a:ext uri="{FF2B5EF4-FFF2-40B4-BE49-F238E27FC236}">
-                <a16:creationId xmlns:a16="http://schemas.microsoft.com/office/drawing/2014/main" id="{4C902162-C00D-27BA-8035-78C2A4D5EFC2}"/>
-              </a:ext>
-            </a:extLst>
-          </p:cNvPr>
-          <p:cNvSpPr>
-            <a:spLocks noGrp="1"/>
-          </p:cNvSpPr>
-          <p:nvPr>
-            <p:ph type="title"/>
-          </p:nvPr>
-        </p:nvSpPr>
-        <p:spPr/>
-        <p:txBody>
-          <a:bodyPr/>
-          <a:lstStyle/>
-          <a:p>
-            <a:pPr algn="ctr"/>
-            <a:r>
-              <a:rPr lang="de-DE" dirty="0"/>
-              <a:t>General </a:t>
-            </a:r>
-            <a:r>
-              <a:rPr lang="de-DE" dirty="0" err="1"/>
-              <a:t>idea</a:t>
-            </a:r>
-            <a:endParaRPr lang="en-US" dirty="0"/>
-          </a:p>
-        </p:txBody>
-      </p:sp>
-      <p:sp>
-        <p:nvSpPr>
-          <p:cNvPr id="3" name="Content Placeholder 2">
-            <a:extLst>
-              <a:ext uri="{FF2B5EF4-FFF2-40B4-BE49-F238E27FC236}">
-                <a16:creationId xmlns:a16="http://schemas.microsoft.com/office/drawing/2014/main" id="{C5EC69AC-002E-1A92-5753-904AA07C80CD}"/>
-              </a:ext>
-            </a:extLst>
-          </p:cNvPr>
-          <p:cNvSpPr>
-            <a:spLocks noGrp="1"/>
-          </p:cNvSpPr>
-          <p:nvPr>
-            <p:ph idx="1"/>
-          </p:nvPr>
-        </p:nvSpPr>
-        <p:spPr/>
-        <p:txBody>
-          <a:bodyPr>
-            <a:normAutofit fontScale="85000" lnSpcReduction="20000"/>
-          </a:bodyPr>
-          <a:lstStyle/>
-          <a:p>
-            <a:pPr marL="0" indent="0">
-              <a:buNone/>
-            </a:pPr>
-            <a:r>
-              <a:rPr lang="de-DE" dirty="0" err="1"/>
-              <a:t>Build</a:t>
-            </a:r>
-            <a:r>
-              <a:rPr lang="de-DE" dirty="0"/>
-              <a:t> a </a:t>
-            </a:r>
-            <a:r>
-              <a:rPr lang="de-DE" dirty="0" err="1"/>
-              <a:t>deep</a:t>
-            </a:r>
-            <a:r>
-              <a:rPr lang="de-DE" dirty="0"/>
-              <a:t> </a:t>
-            </a:r>
-            <a:r>
-              <a:rPr lang="de-DE" dirty="0" err="1"/>
-              <a:t>learning-based</a:t>
-            </a:r>
-            <a:r>
-              <a:rPr lang="de-DE" dirty="0"/>
-              <a:t> </a:t>
-            </a:r>
-            <a:r>
-              <a:rPr lang="de-DE" dirty="0" err="1"/>
-              <a:t>procedure</a:t>
-            </a:r>
-            <a:r>
-              <a:rPr lang="de-DE" dirty="0"/>
-              <a:t> to </a:t>
-            </a:r>
-            <a:r>
-              <a:rPr lang="de-DE" dirty="0" err="1"/>
-              <a:t>predict</a:t>
-            </a:r>
-            <a:r>
-              <a:rPr lang="de-DE" dirty="0"/>
-              <a:t> </a:t>
-            </a:r>
-            <a:r>
-              <a:rPr lang="de-DE" dirty="0" err="1"/>
-              <a:t>the</a:t>
-            </a:r>
-            <a:r>
-              <a:rPr lang="de-DE" dirty="0"/>
-              <a:t> </a:t>
-            </a:r>
-            <a:r>
-              <a:rPr lang="de-DE" dirty="0" err="1"/>
-              <a:t>close</a:t>
-            </a:r>
-            <a:r>
-              <a:rPr lang="de-DE" dirty="0"/>
-              <a:t> </a:t>
-            </a:r>
-            <a:r>
-              <a:rPr lang="de-DE" dirty="0" err="1"/>
-              <a:t>value</a:t>
-            </a:r>
-            <a:r>
-              <a:rPr lang="de-DE" dirty="0"/>
-              <a:t> </a:t>
-            </a:r>
-            <a:r>
-              <a:rPr lang="de-DE" dirty="0" err="1"/>
-              <a:t>of</a:t>
-            </a:r>
-            <a:r>
-              <a:rPr lang="de-DE" dirty="0"/>
-              <a:t> an </a:t>
-            </a:r>
-            <a:r>
-              <a:rPr lang="de-DE" dirty="0" err="1"/>
-              <a:t>asset</a:t>
-            </a:r>
-            <a:r>
-              <a:rPr lang="de-DE" dirty="0"/>
-              <a:t> </a:t>
-            </a:r>
-            <a:r>
-              <a:rPr lang="de-DE" dirty="0" err="1"/>
-              <a:t>for</a:t>
-            </a:r>
-            <a:r>
-              <a:rPr lang="de-DE" dirty="0"/>
-              <a:t> </a:t>
-            </a:r>
-            <a:r>
-              <a:rPr lang="de-DE" dirty="0" err="1"/>
-              <a:t>the</a:t>
-            </a:r>
-            <a:r>
-              <a:rPr lang="de-DE" dirty="0"/>
-              <a:t> </a:t>
-            </a:r>
-            <a:r>
-              <a:rPr lang="de-DE" dirty="0" err="1"/>
-              <a:t>next</a:t>
-            </a:r>
-            <a:r>
-              <a:rPr lang="de-DE" dirty="0"/>
-              <a:t> </a:t>
-            </a:r>
-            <a:r>
-              <a:rPr lang="de-DE" dirty="0" err="1"/>
-              <a:t>day</a:t>
-            </a:r>
-            <a:r>
-              <a:rPr lang="de-DE" dirty="0"/>
-              <a:t> (</a:t>
-            </a:r>
-            <a:r>
-              <a:rPr lang="de-DE" dirty="0" err="1"/>
-              <a:t>regression</a:t>
-            </a:r>
-            <a:r>
-              <a:rPr lang="de-DE" dirty="0"/>
-              <a:t>). As an </a:t>
-            </a:r>
-            <a:r>
-              <a:rPr lang="de-DE" dirty="0" err="1"/>
-              <a:t>example</a:t>
-            </a:r>
-            <a:r>
-              <a:rPr lang="de-DE" dirty="0"/>
-              <a:t>, </a:t>
-            </a:r>
-            <a:r>
-              <a:rPr lang="de-DE" dirty="0" err="1"/>
-              <a:t>we</a:t>
-            </a:r>
-            <a:r>
-              <a:rPr lang="de-DE" dirty="0"/>
-              <a:t> </a:t>
-            </a:r>
-            <a:r>
-              <a:rPr lang="de-DE" dirty="0" err="1"/>
-              <a:t>took</a:t>
-            </a:r>
-            <a:r>
-              <a:rPr lang="de-DE" dirty="0"/>
-              <a:t> </a:t>
-            </a:r>
-            <a:r>
-              <a:rPr lang="de-DE" dirty="0" err="1"/>
-              <a:t>the</a:t>
-            </a:r>
-            <a:r>
-              <a:rPr lang="de-DE" dirty="0"/>
-              <a:t> META </a:t>
-            </a:r>
-            <a:r>
-              <a:rPr lang="de-DE" dirty="0" err="1"/>
-              <a:t>share</a:t>
-            </a:r>
-            <a:r>
-              <a:rPr lang="de-DE" dirty="0"/>
-              <a:t>.</a:t>
-            </a:r>
-          </a:p>
-          <a:p>
-            <a:pPr marL="0" indent="0">
-              <a:buNone/>
-            </a:pPr>
-            <a:endParaRPr lang="de-DE" dirty="0"/>
-          </a:p>
-          <a:p>
-            <a:pPr marL="0" indent="0">
-              <a:buNone/>
-            </a:pPr>
-            <a:r>
-              <a:rPr lang="de-DE" b="1" dirty="0"/>
-              <a:t>Scenario: </a:t>
-            </a:r>
-          </a:p>
-          <a:p>
-            <a:pPr marL="0" indent="0">
-              <a:buNone/>
-            </a:pPr>
-            <a:r>
-              <a:rPr lang="de-DE" dirty="0" err="1"/>
-              <a:t>Once</a:t>
-            </a:r>
-            <a:r>
-              <a:rPr lang="de-DE" dirty="0"/>
-              <a:t> </a:t>
-            </a:r>
-            <a:r>
-              <a:rPr lang="de-DE" dirty="0" err="1"/>
-              <a:t>the</a:t>
-            </a:r>
-            <a:r>
-              <a:rPr lang="de-DE" dirty="0"/>
-              <a:t> tradefaire </a:t>
-            </a:r>
-            <a:r>
-              <a:rPr lang="de-DE" dirty="0" err="1"/>
-              <a:t>has</a:t>
-            </a:r>
-            <a:r>
-              <a:rPr lang="de-DE" dirty="0"/>
-              <a:t> </a:t>
-            </a:r>
-            <a:r>
-              <a:rPr lang="de-DE" dirty="0" err="1"/>
-              <a:t>closed</a:t>
-            </a:r>
-            <a:r>
-              <a:rPr lang="de-DE" dirty="0"/>
-              <a:t> and </a:t>
-            </a:r>
-            <a:r>
-              <a:rPr lang="de-DE" dirty="0" err="1"/>
-              <a:t>data</a:t>
-            </a:r>
-            <a:r>
-              <a:rPr lang="de-DE" dirty="0"/>
-              <a:t> </a:t>
-            </a:r>
-            <a:r>
-              <a:rPr lang="de-DE" dirty="0" err="1"/>
-              <a:t>are</a:t>
-            </a:r>
-            <a:r>
-              <a:rPr lang="de-DE" dirty="0"/>
-              <a:t> </a:t>
-            </a:r>
-            <a:r>
-              <a:rPr lang="de-DE" dirty="0" err="1"/>
-              <a:t>available</a:t>
-            </a:r>
-            <a:r>
-              <a:rPr lang="de-DE" dirty="0"/>
-              <a:t> (</a:t>
-            </a:r>
-            <a:r>
-              <a:rPr lang="de-DE" dirty="0" err="1"/>
-              <a:t>about</a:t>
-            </a:r>
-            <a:r>
-              <a:rPr lang="de-DE" dirty="0"/>
-              <a:t> 0:00 CET), </a:t>
-            </a:r>
-            <a:r>
-              <a:rPr lang="de-DE" dirty="0" err="1"/>
-              <a:t>train</a:t>
-            </a:r>
-            <a:r>
-              <a:rPr lang="de-DE" dirty="0"/>
-              <a:t> </a:t>
-            </a:r>
-            <a:r>
-              <a:rPr lang="de-DE" dirty="0" err="1"/>
-              <a:t>model</a:t>
-            </a:r>
-            <a:r>
-              <a:rPr lang="de-DE" dirty="0"/>
-              <a:t> </a:t>
-            </a:r>
-            <a:r>
-              <a:rPr lang="de-DE" dirty="0" err="1"/>
-              <a:t>using</a:t>
-            </a:r>
-            <a:r>
-              <a:rPr lang="de-DE" dirty="0"/>
-              <a:t> all </a:t>
-            </a:r>
-            <a:r>
-              <a:rPr lang="de-DE" dirty="0" err="1"/>
-              <a:t>available</a:t>
-            </a:r>
-            <a:r>
-              <a:rPr lang="de-DE" dirty="0"/>
-              <a:t> </a:t>
-            </a:r>
-            <a:r>
-              <a:rPr lang="de-DE" dirty="0" err="1"/>
-              <a:t>data</a:t>
-            </a:r>
-            <a:r>
-              <a:rPr lang="de-DE" dirty="0"/>
-              <a:t> </a:t>
-            </a:r>
-            <a:r>
-              <a:rPr lang="de-DE" dirty="0" err="1"/>
-              <a:t>including</a:t>
-            </a:r>
-            <a:r>
-              <a:rPr lang="de-DE" dirty="0"/>
-              <a:t> </a:t>
-            </a:r>
-            <a:r>
-              <a:rPr lang="de-DE" dirty="0" err="1"/>
-              <a:t>the</a:t>
-            </a:r>
-            <a:r>
-              <a:rPr lang="de-DE" dirty="0"/>
-              <a:t> last </a:t>
-            </a:r>
-            <a:r>
-              <a:rPr lang="de-DE" dirty="0" err="1"/>
-              <a:t>trading</a:t>
-            </a:r>
-            <a:r>
-              <a:rPr lang="de-DE" dirty="0"/>
-              <a:t> </a:t>
-            </a:r>
-            <a:r>
-              <a:rPr lang="de-DE" dirty="0" err="1"/>
-              <a:t>day</a:t>
-            </a:r>
-            <a:r>
-              <a:rPr lang="de-DE" dirty="0"/>
-              <a:t>. </a:t>
-            </a:r>
-          </a:p>
-          <a:p>
-            <a:pPr marL="0" indent="0">
-              <a:buNone/>
-            </a:pPr>
-            <a:r>
-              <a:rPr lang="de-DE" dirty="0"/>
-              <a:t>Act </a:t>
-            </a:r>
-            <a:r>
-              <a:rPr lang="de-DE" dirty="0" err="1"/>
-              <a:t>based</a:t>
-            </a:r>
-            <a:r>
-              <a:rPr lang="de-DE" dirty="0"/>
-              <a:t> on </a:t>
-            </a:r>
-            <a:r>
-              <a:rPr lang="de-DE" dirty="0" err="1"/>
-              <a:t>the</a:t>
-            </a:r>
-            <a:r>
-              <a:rPr lang="de-DE" dirty="0"/>
-              <a:t> </a:t>
-            </a:r>
-            <a:r>
-              <a:rPr lang="de-DE" dirty="0" err="1"/>
-              <a:t>prediction</a:t>
-            </a:r>
-            <a:r>
-              <a:rPr lang="de-DE" dirty="0"/>
-              <a:t> </a:t>
-            </a:r>
-            <a:r>
-              <a:rPr lang="de-DE" dirty="0" err="1"/>
-              <a:t>once</a:t>
-            </a:r>
-            <a:r>
-              <a:rPr lang="de-DE" dirty="0"/>
-              <a:t> </a:t>
-            </a:r>
-            <a:r>
-              <a:rPr lang="de-DE" dirty="0" err="1"/>
-              <a:t>the</a:t>
-            </a:r>
-            <a:r>
-              <a:rPr lang="de-DE" dirty="0"/>
-              <a:t> </a:t>
-            </a:r>
-            <a:r>
-              <a:rPr lang="de-DE" dirty="0" err="1"/>
-              <a:t>tradfaire</a:t>
-            </a:r>
-            <a:r>
-              <a:rPr lang="de-DE" dirty="0"/>
-              <a:t> </a:t>
-            </a:r>
-            <a:r>
-              <a:rPr lang="de-DE" dirty="0" err="1"/>
-              <a:t>has</a:t>
-            </a:r>
-            <a:r>
-              <a:rPr lang="de-DE" dirty="0"/>
-              <a:t> </a:t>
-            </a:r>
-            <a:r>
-              <a:rPr lang="de-DE" dirty="0" err="1"/>
-              <a:t>reopened</a:t>
-            </a:r>
-            <a:r>
-              <a:rPr lang="de-DE" dirty="0"/>
-              <a:t>: </a:t>
-            </a:r>
-          </a:p>
-          <a:p>
-            <a:pPr marL="0" indent="0">
-              <a:buNone/>
-            </a:pPr>
-            <a:r>
-              <a:rPr lang="de-DE" dirty="0" err="1"/>
-              <a:t>if</a:t>
-            </a:r>
-            <a:r>
-              <a:rPr lang="de-DE" dirty="0"/>
-              <a:t> an </a:t>
-            </a:r>
-            <a:r>
-              <a:rPr lang="de-DE" dirty="0" err="1"/>
-              <a:t>increase</a:t>
-            </a:r>
-            <a:r>
-              <a:rPr lang="de-DE" dirty="0"/>
-              <a:t> </a:t>
-            </a:r>
-            <a:r>
-              <a:rPr lang="de-DE" dirty="0" err="1"/>
-              <a:t>is</a:t>
-            </a:r>
-            <a:r>
-              <a:rPr lang="de-DE" dirty="0"/>
-              <a:t> </a:t>
-            </a:r>
-            <a:r>
-              <a:rPr lang="de-DE" dirty="0" err="1"/>
-              <a:t>predicted</a:t>
-            </a:r>
-            <a:r>
-              <a:rPr lang="de-DE" dirty="0"/>
-              <a:t> </a:t>
-            </a:r>
-            <a:r>
-              <a:rPr lang="de-DE" dirty="0" err="1"/>
-              <a:t>buy</a:t>
-            </a:r>
-            <a:r>
-              <a:rPr lang="de-DE" dirty="0"/>
-              <a:t>, </a:t>
-            </a:r>
-            <a:r>
-              <a:rPr lang="de-DE" dirty="0" err="1"/>
-              <a:t>if</a:t>
-            </a:r>
-            <a:r>
-              <a:rPr lang="de-DE" dirty="0"/>
-              <a:t> a </a:t>
-            </a:r>
-            <a:r>
-              <a:rPr lang="de-DE" dirty="0" err="1"/>
-              <a:t>decrease</a:t>
-            </a:r>
-            <a:r>
-              <a:rPr lang="de-DE" dirty="0"/>
-              <a:t> </a:t>
-            </a:r>
-            <a:r>
-              <a:rPr lang="de-DE" dirty="0" err="1"/>
-              <a:t>is</a:t>
-            </a:r>
-            <a:r>
-              <a:rPr lang="de-DE" dirty="0"/>
-              <a:t> </a:t>
-            </a:r>
-            <a:r>
-              <a:rPr lang="de-DE" dirty="0" err="1"/>
-              <a:t>predicted</a:t>
-            </a:r>
-            <a:r>
-              <a:rPr lang="de-DE" dirty="0"/>
-              <a:t> </a:t>
-            </a:r>
-            <a:r>
-              <a:rPr lang="de-DE" dirty="0" err="1"/>
-              <a:t>sell</a:t>
-            </a:r>
-            <a:r>
-              <a:rPr lang="de-DE" dirty="0"/>
-              <a:t> </a:t>
-            </a:r>
-            <a:r>
-              <a:rPr lang="de-DE" dirty="0" err="1"/>
-              <a:t>the</a:t>
-            </a:r>
-            <a:r>
-              <a:rPr lang="de-DE" dirty="0"/>
-              <a:t> </a:t>
-            </a:r>
-            <a:r>
-              <a:rPr lang="de-DE" dirty="0" err="1"/>
-              <a:t>asset</a:t>
-            </a:r>
-            <a:r>
-              <a:rPr lang="de-DE" dirty="0"/>
-              <a:t>.</a:t>
-            </a:r>
-          </a:p>
-          <a:p>
-            <a:pPr marL="0" indent="0">
-              <a:buNone/>
-            </a:pPr>
-            <a:endParaRPr lang="de-DE" dirty="0"/>
-          </a:p>
-          <a:p>
-            <a:pPr marL="0" indent="0">
-              <a:buNone/>
-            </a:pPr>
-            <a:r>
-              <a:rPr lang="de-DE" b="1" dirty="0" err="1"/>
-              <a:t>Prerequisite</a:t>
-            </a:r>
-            <a:r>
-              <a:rPr lang="de-DE" b="1" dirty="0"/>
-              <a:t>: </a:t>
-            </a:r>
-          </a:p>
-          <a:p>
-            <a:pPr marL="0" indent="0">
-              <a:buNone/>
-            </a:pPr>
-            <a:r>
-              <a:rPr lang="de-DE" dirty="0"/>
-              <a:t>At </a:t>
-            </a:r>
-            <a:r>
-              <a:rPr lang="de-DE" dirty="0" err="1"/>
-              <a:t>best</a:t>
-            </a:r>
-            <a:r>
-              <a:rPr lang="de-DE" dirty="0"/>
-              <a:t>, </a:t>
-            </a:r>
-            <a:r>
-              <a:rPr lang="de-DE" dirty="0" err="1"/>
-              <a:t>training</a:t>
-            </a:r>
-            <a:r>
-              <a:rPr lang="de-DE" dirty="0"/>
-              <a:t> </a:t>
-            </a:r>
-            <a:r>
-              <a:rPr lang="de-DE" dirty="0" err="1"/>
-              <a:t>needs</a:t>
-            </a:r>
-            <a:r>
-              <a:rPr lang="de-DE" dirty="0"/>
-              <a:t> to </a:t>
-            </a:r>
-            <a:r>
-              <a:rPr lang="de-DE" dirty="0" err="1"/>
-              <a:t>be</a:t>
-            </a:r>
-            <a:r>
-              <a:rPr lang="de-DE" dirty="0"/>
-              <a:t> </a:t>
-            </a:r>
-            <a:r>
-              <a:rPr lang="de-DE" dirty="0" err="1"/>
-              <a:t>finished</a:t>
-            </a:r>
-            <a:r>
-              <a:rPr lang="de-DE" dirty="0"/>
-              <a:t> </a:t>
-            </a:r>
-            <a:r>
-              <a:rPr lang="de-DE" dirty="0" err="1"/>
-              <a:t>within</a:t>
-            </a:r>
-            <a:r>
-              <a:rPr lang="de-DE" dirty="0"/>
-              <a:t> </a:t>
-            </a:r>
-            <a:r>
-              <a:rPr lang="de-DE" dirty="0" err="1"/>
-              <a:t>the</a:t>
-            </a:r>
-            <a:r>
-              <a:rPr lang="de-DE" dirty="0"/>
-              <a:t> 1 </a:t>
-            </a:r>
-            <a:r>
-              <a:rPr lang="de-DE" dirty="0" err="1"/>
-              <a:t>hour</a:t>
-            </a:r>
-            <a:r>
-              <a:rPr lang="de-DE" dirty="0"/>
-              <a:t> in </a:t>
-            </a:r>
-            <a:r>
-              <a:rPr lang="de-DE" dirty="0" err="1"/>
-              <a:t>which</a:t>
-            </a:r>
-            <a:r>
-              <a:rPr lang="de-DE" dirty="0"/>
-              <a:t> </a:t>
-            </a:r>
-            <a:r>
-              <a:rPr lang="de-DE" dirty="0" err="1"/>
-              <a:t>indices</a:t>
-            </a:r>
-            <a:r>
-              <a:rPr lang="de-DE" dirty="0"/>
-              <a:t> like </a:t>
-            </a:r>
-            <a:r>
-              <a:rPr lang="de-DE" dirty="0" err="1"/>
-              <a:t>the</a:t>
-            </a:r>
-            <a:r>
-              <a:rPr lang="de-DE" dirty="0"/>
-              <a:t> S&amp;P 500 </a:t>
-            </a:r>
-            <a:r>
-              <a:rPr lang="de-DE" dirty="0" err="1"/>
-              <a:t>or</a:t>
-            </a:r>
-            <a:r>
-              <a:rPr lang="de-DE" dirty="0"/>
-              <a:t> </a:t>
-            </a:r>
-            <a:r>
-              <a:rPr lang="de-DE" dirty="0" err="1"/>
-              <a:t>the</a:t>
-            </a:r>
-            <a:r>
-              <a:rPr lang="de-DE" dirty="0"/>
-              <a:t> DJI </a:t>
-            </a:r>
-            <a:r>
-              <a:rPr lang="de-DE" dirty="0" err="1"/>
-              <a:t>are</a:t>
-            </a:r>
-            <a:r>
-              <a:rPr lang="de-DE" dirty="0"/>
-              <a:t> not </a:t>
-            </a:r>
-            <a:r>
-              <a:rPr lang="de-DE" dirty="0" err="1"/>
-              <a:t>tradeable</a:t>
-            </a:r>
-            <a:r>
-              <a:rPr lang="de-DE" dirty="0"/>
-              <a:t>.</a:t>
-            </a:r>
-          </a:p>
-          <a:p>
-            <a:pPr marL="0" indent="0">
-              <a:buNone/>
-            </a:pPr>
-            <a:endParaRPr lang="en-US" dirty="0"/>
-          </a:p>
-        </p:txBody>
-      </p:sp>
-    </p:spTree>
-    <p:extLst>
-      <p:ext uri="{BB962C8B-B14F-4D97-AF65-F5344CB8AC3E}">
-        <p14:creationId xmlns:p14="http://schemas.microsoft.com/office/powerpoint/2010/main" val="1668333977"/>
-      </p:ext>
-    </p:extLst>
-  </p:cSld>
-  <p:clrMapOvr>
-    <a:masterClrMapping/>
-  </p:clrMapOvr>
-</p:sld>
-</file>
-
-<file path=ppt/slides/slide20.xml><?xml version="1.0" encoding="utf-8"?>
-<p:sld xmlns:a="http://schemas.openxmlformats.org/drawingml/2006/main" xmlns:r="http://schemas.openxmlformats.org/officeDocument/2006/relationships" xmlns:p="http://schemas.openxmlformats.org/presentationml/2006/main">
+<file path=ppt/slides/slide24.xml><?xml version="1.0" encoding="utf-8"?>
+<p:sld xmlns:a="http://schemas.openxmlformats.org/drawingml/2006/main" xmlns:r="http://schemas.openxmlformats.org/officeDocument/2006/relationships" xmlns:p="http://schemas.openxmlformats.org/presentationml/2006/main" show="0">
   <p:cSld>
     <p:spTree>
       <p:nvGrpSpPr>
@@ -7083,8 +7744,8 @@
 </p:sld>
 </file>
 
-<file path=ppt/slides/slide21.xml><?xml version="1.0" encoding="utf-8"?>
-<p:sld xmlns:a="http://schemas.openxmlformats.org/drawingml/2006/main" xmlns:r="http://schemas.openxmlformats.org/officeDocument/2006/relationships" xmlns:p="http://schemas.openxmlformats.org/presentationml/2006/main">
+<file path=ppt/slides/slide25.xml><?xml version="1.0" encoding="utf-8"?>
+<p:sld xmlns:a="http://schemas.openxmlformats.org/drawingml/2006/main" xmlns:r="http://schemas.openxmlformats.org/officeDocument/2006/relationships" xmlns:p="http://schemas.openxmlformats.org/presentationml/2006/main" show="0">
   <p:cSld>
     <p:spTree>
       <p:nvGrpSpPr>
@@ -7360,7 +8021,7 @@
 </p:sld>
 </file>
 
-<file path=ppt/slides/slide22.xml><?xml version="1.0" encoding="utf-8"?>
+<file path=ppt/slides/slide26.xml><?xml version="1.0" encoding="utf-8"?>
 <p:sld xmlns:a="http://schemas.openxmlformats.org/drawingml/2006/main" xmlns:r="http://schemas.openxmlformats.org/officeDocument/2006/relationships" xmlns:p="http://schemas.openxmlformats.org/presentationml/2006/main">
   <p:cSld>
     <p:spTree>
@@ -7643,7 +8304,7 @@
 </p:sld>
 </file>
 
-<file path=ppt/slides/slide23.xml><?xml version="1.0" encoding="utf-8"?>
+<file path=ppt/slides/slide27.xml><?xml version="1.0" encoding="utf-8"?>
 <p:sld xmlns:a="http://schemas.openxmlformats.org/drawingml/2006/main" xmlns:r="http://schemas.openxmlformats.org/officeDocument/2006/relationships" xmlns:p="http://schemas.openxmlformats.org/presentationml/2006/main">
   <p:cSld>
     <p:spTree>
@@ -7926,7 +8587,7 @@
 </p:sld>
 </file>
 
-<file path=ppt/slides/slide24.xml><?xml version="1.0" encoding="utf-8"?>
+<file path=ppt/slides/slide28.xml><?xml version="1.0" encoding="utf-8"?>
 <p:sld xmlns:a="http://schemas.openxmlformats.org/drawingml/2006/main" xmlns:r="http://schemas.openxmlformats.org/officeDocument/2006/relationships" xmlns:p="http://schemas.openxmlformats.org/presentationml/2006/main">
   <p:cSld>
     <p:spTree>
@@ -8064,9 +8725,8 @@
             <a:pPr algn="ctr"/>
             <a:r>
               <a:rPr lang="de-DE" sz="2000" b="1" dirty="0"/>
-              <a:t>Ensemble</a:t>
-            </a:r>
-            <a:endParaRPr lang="en-US" sz="2000" b="1" dirty="0"/>
+              <a:t>Ensemble (RNN + GRU + LSTM)</a:t>
+            </a:r>
           </a:p>
         </p:txBody>
       </p:sp>
@@ -8209,7 +8869,7 @@
 </p:sld>
 </file>
 
-<file path=ppt/slides/slide25.xml><?xml version="1.0" encoding="utf-8"?>
+<file path=ppt/slides/slide29.xml><?xml version="1.0" encoding="utf-8"?>
 <p:sld xmlns:a="http://schemas.openxmlformats.org/drawingml/2006/main" xmlns:r="http://schemas.openxmlformats.org/officeDocument/2006/relationships" xmlns:p="http://schemas.openxmlformats.org/presentationml/2006/main">
   <p:cSld>
     <p:spTree>
@@ -8234,142 +8894,6 @@
       </p:grpSpPr>
       <p:sp>
         <p:nvSpPr>
-          <p:cNvPr id="4" name="Title 1">
-            <a:extLst>
-              <a:ext uri="{FF2B5EF4-FFF2-40B4-BE49-F238E27FC236}">
-                <a16:creationId xmlns:a16="http://schemas.microsoft.com/office/drawing/2014/main" id="{A29C6FE6-5EEE-593F-BD8D-757F05289984}"/>
-              </a:ext>
-            </a:extLst>
-          </p:cNvPr>
-          <p:cNvSpPr>
-            <a:spLocks noGrp="1"/>
-          </p:cNvSpPr>
-          <p:nvPr>
-            <p:ph type="title"/>
-          </p:nvPr>
-        </p:nvSpPr>
-        <p:spPr>
-          <a:xfrm>
-            <a:off x="838200" y="102834"/>
-            <a:ext cx="10515600" cy="585489"/>
-          </a:xfrm>
-        </p:spPr>
-        <p:txBody>
-          <a:bodyPr>
-            <a:normAutofit fontScale="90000"/>
-          </a:bodyPr>
-          <a:lstStyle/>
-          <a:p>
-            <a:pPr algn="ctr"/>
-            <a:r>
-              <a:rPr lang="de-DE" sz="2000" b="1" dirty="0"/>
-              <a:t>Table </a:t>
-            </a:r>
-            <a:r>
-              <a:rPr lang="de-DE" sz="2000" b="1" dirty="0" err="1"/>
-              <a:t>from</a:t>
-            </a:r>
-            <a:r>
-              <a:rPr lang="de-DE" sz="2000" b="1" dirty="0"/>
-              <a:t> </a:t>
-            </a:r>
-            <a:r>
-              <a:rPr lang="de-DE" sz="2000" b="1" dirty="0" err="1"/>
-              <a:t>data</a:t>
-            </a:r>
-            <a:r>
-              <a:rPr lang="de-DE" sz="2000" b="1" dirty="0"/>
-              <a:t> in plots_5years/results.txt </a:t>
-            </a:r>
-            <a:r>
-              <a:rPr lang="de-DE" sz="2000" b="1" dirty="0" err="1"/>
-              <a:t>comes</a:t>
-            </a:r>
-            <a:r>
-              <a:rPr lang="de-DE" sz="2000" b="1" dirty="0"/>
-              <a:t> </a:t>
-            </a:r>
-            <a:r>
-              <a:rPr lang="de-DE" sz="2000" b="1" dirty="0" err="1"/>
-              <a:t>here</a:t>
-            </a:r>
-            <a:br>
-              <a:rPr lang="de-DE" sz="2000" b="1" dirty="0"/>
-            </a:br>
-            <a:r>
-              <a:rPr lang="de-DE" sz="2000" b="1" dirty="0" err="1"/>
-              <a:t>to</a:t>
-            </a:r>
-            <a:r>
-              <a:rPr lang="de-DE" sz="2000" b="1" dirty="0"/>
-              <a:t> </a:t>
-            </a:r>
-            <a:r>
-              <a:rPr lang="de-DE" sz="2000" b="1" dirty="0" err="1"/>
-              <a:t>compare</a:t>
-            </a:r>
-            <a:r>
-              <a:rPr lang="de-DE" sz="2000" b="1" dirty="0"/>
-              <a:t> </a:t>
-            </a:r>
-            <a:r>
-              <a:rPr lang="de-DE" sz="2000" b="1" dirty="0" err="1"/>
-              <a:t>prediction</a:t>
-            </a:r>
-            <a:r>
-              <a:rPr lang="de-DE" sz="2000" b="1" dirty="0"/>
-              <a:t> </a:t>
-            </a:r>
-            <a:r>
-              <a:rPr lang="de-DE" sz="2000" b="1" dirty="0" err="1"/>
-              <a:t>with</a:t>
-            </a:r>
-            <a:r>
-              <a:rPr lang="de-DE" sz="2000" b="1" dirty="0"/>
-              <a:t> real-</a:t>
-            </a:r>
-            <a:r>
-              <a:rPr lang="de-DE" sz="2000" b="1" dirty="0" err="1"/>
-              <a:t>world</a:t>
-            </a:r>
-            <a:r>
-              <a:rPr lang="de-DE" sz="2000" b="1" dirty="0"/>
-              <a:t> </a:t>
-            </a:r>
-            <a:r>
-              <a:rPr lang="de-DE" sz="2000" b="1" dirty="0" err="1"/>
-              <a:t>data</a:t>
-            </a:r>
-            <a:r>
-              <a:rPr lang="de-DE" sz="2000" b="1" dirty="0"/>
-              <a:t> </a:t>
-            </a:r>
-            <a:r>
-              <a:rPr lang="de-DE" sz="2000" b="1" dirty="0" err="1"/>
-              <a:t>from</a:t>
-            </a:r>
-            <a:r>
-              <a:rPr lang="de-DE" sz="2000" b="1" dirty="0"/>
-              <a:t> </a:t>
-            </a:r>
-            <a:r>
-              <a:rPr lang="de-DE" sz="2000" b="1" dirty="0" err="1"/>
-              <a:t>the</a:t>
-            </a:r>
-            <a:r>
-              <a:rPr lang="de-DE" sz="2000" b="1" dirty="0"/>
-              <a:t> real </a:t>
-            </a:r>
-            <a:r>
-              <a:rPr lang="de-DE" sz="2000" b="1" dirty="0" err="1"/>
-              <a:t>closes</a:t>
-            </a:r>
-            <a:endParaRPr lang="en-US" sz="2000" b="1" dirty="0"/>
-          </a:p>
-        </p:txBody>
-      </p:sp>
-      <p:sp>
-        <p:nvSpPr>
           <p:cNvPr id="5" name="Title 1">
             <a:extLst>
               <a:ext uri="{FF2B5EF4-FFF2-40B4-BE49-F238E27FC236}">
@@ -8384,7 +8908,7 @@
         </p:nvSpPr>
         <p:spPr>
           <a:xfrm>
-            <a:off x="838200" y="318359"/>
+            <a:off x="838200" y="-164241"/>
             <a:ext cx="10515600" cy="585489"/>
           </a:xfrm>
           <a:prstGeom prst="rect">
@@ -8420,298 +8944,943 @@
           </a:p>
         </p:txBody>
       </p:sp>
-    </p:spTree>
-    <p:extLst>
-      <p:ext uri="{BB962C8B-B14F-4D97-AF65-F5344CB8AC3E}">
-        <p14:creationId xmlns:p14="http://schemas.microsoft.com/office/powerpoint/2010/main" val="185403250"/>
-      </p:ext>
-    </p:extLst>
-  </p:cSld>
-  <p:clrMapOvr>
-    <a:masterClrMapping/>
-  </p:clrMapOvr>
-</p:sld>
-</file>
-
-<file path=ppt/slides/slide26.xml><?xml version="1.0" encoding="utf-8"?>
-<p:sld xmlns:a="http://schemas.openxmlformats.org/drawingml/2006/main" xmlns:r="http://schemas.openxmlformats.org/officeDocument/2006/relationships" xmlns:p="http://schemas.openxmlformats.org/presentationml/2006/main">
-  <p:cSld>
-    <p:spTree>
-      <p:nvGrpSpPr>
-        <p:cNvPr id="1" name="">
-          <a:extLst>
-            <a:ext uri="{FF2B5EF4-FFF2-40B4-BE49-F238E27FC236}">
-              <a16:creationId xmlns:a16="http://schemas.microsoft.com/office/drawing/2014/main" id="{FD486627-FBB5-673F-EFDF-67DBF5D3D1BD}"/>
-            </a:ext>
-          </a:extLst>
-        </p:cNvPr>
-        <p:cNvGrpSpPr/>
-        <p:nvPr/>
-      </p:nvGrpSpPr>
-      <p:grpSpPr>
-        <a:xfrm>
-          <a:off x="0" y="0"/>
-          <a:ext cx="0" cy="0"/>
-          <a:chOff x="0" y="0"/>
-          <a:chExt cx="0" cy="0"/>
-        </a:xfrm>
-      </p:grpSpPr>
-      <p:sp>
-        <p:nvSpPr>
-          <p:cNvPr id="2" name="Title 1">
-            <a:extLst>
-              <a:ext uri="{FF2B5EF4-FFF2-40B4-BE49-F238E27FC236}">
-                <a16:creationId xmlns:a16="http://schemas.microsoft.com/office/drawing/2014/main" id="{A0483AFE-E1AF-1412-E42A-054E308235E9}"/>
-              </a:ext>
-            </a:extLst>
-          </p:cNvPr>
-          <p:cNvSpPr>
-            <a:spLocks noGrp="1"/>
+      <p:graphicFrame>
+        <p:nvGraphicFramePr>
+          <p:cNvPr id="2" name="Tabelle 1">
+            <a:extLst>
+              <a:ext uri="{FF2B5EF4-FFF2-40B4-BE49-F238E27FC236}">
+                <a16:creationId xmlns:a16="http://schemas.microsoft.com/office/drawing/2014/main" id="{3E17F8CC-B671-B821-7EA8-0BA1A960AC8B}"/>
+              </a:ext>
+            </a:extLst>
+          </p:cNvPr>
+          <p:cNvGraphicFramePr>
+            <a:graphicFrameLocks noGrp="1"/>
+          </p:cNvGraphicFramePr>
+          <p:nvPr>
+            <p:extLst>
+              <p:ext uri="{D42A27DB-BD31-4B8C-83A1-F6EECF244321}">
+                <p14:modId xmlns:p14="http://schemas.microsoft.com/office/powerpoint/2010/main" val="3718319512"/>
+              </p:ext>
+            </p:extLst>
+          </p:nvPr>
+        </p:nvGraphicFramePr>
+        <p:xfrm>
+          <a:off x="2032000" y="1639357"/>
+          <a:ext cx="8128000" cy="4820920"/>
+        </p:xfrm>
+        <a:graphic>
+          <a:graphicData uri="http://schemas.openxmlformats.org/drawingml/2006/table">
+            <a:tbl>
+              <a:tblPr firstRow="1" bandRow="1">
+                <a:tableStyleId>{5C22544A-7EE6-4342-B048-85BDC9FD1C3A}</a:tableStyleId>
+              </a:tblPr>
+              <a:tblGrid>
+                <a:gridCol w="2032000">
+                  <a:extLst>
+                    <a:ext uri="{9D8B030D-6E8A-4147-A177-3AD203B41FA5}">
+                      <a16:colId xmlns:a16="http://schemas.microsoft.com/office/drawing/2014/main" val="3908035176"/>
+                    </a:ext>
+                  </a:extLst>
+                </a:gridCol>
+                <a:gridCol w="2032000">
+                  <a:extLst>
+                    <a:ext uri="{9D8B030D-6E8A-4147-A177-3AD203B41FA5}">
+                      <a16:colId xmlns:a16="http://schemas.microsoft.com/office/drawing/2014/main" val="1818886587"/>
+                    </a:ext>
+                  </a:extLst>
+                </a:gridCol>
+                <a:gridCol w="2032000">
+                  <a:extLst>
+                    <a:ext uri="{9D8B030D-6E8A-4147-A177-3AD203B41FA5}">
+                      <a16:colId xmlns:a16="http://schemas.microsoft.com/office/drawing/2014/main" val="1001934775"/>
+                    </a:ext>
+                  </a:extLst>
+                </a:gridCol>
+                <a:gridCol w="2032000">
+                  <a:extLst>
+                    <a:ext uri="{9D8B030D-6E8A-4147-A177-3AD203B41FA5}">
+                      <a16:colId xmlns:a16="http://schemas.microsoft.com/office/drawing/2014/main" val="3265592018"/>
+                    </a:ext>
+                  </a:extLst>
+                </a:gridCol>
+              </a:tblGrid>
+              <a:tr h="370840">
+                <a:tc>
+                  <a:txBody>
+                    <a:bodyPr/>
+                    <a:lstStyle/>
+                    <a:p>
+                      <a:r>
+                        <a:rPr lang="de-DE" dirty="0"/>
+                        <a:t>Date</a:t>
+                      </a:r>
+                    </a:p>
+                  </a:txBody>
+                  <a:tcPr/>
+                </a:tc>
+                <a:tc>
+                  <a:txBody>
+                    <a:bodyPr/>
+                    <a:lstStyle/>
+                    <a:p>
+                      <a:r>
+                        <a:rPr lang="de-DE" dirty="0"/>
+                        <a:t>Model</a:t>
+                      </a:r>
+                    </a:p>
+                  </a:txBody>
+                  <a:tcPr/>
+                </a:tc>
+                <a:tc>
+                  <a:txBody>
+                    <a:bodyPr/>
+                    <a:lstStyle/>
+                    <a:p>
+                      <a:r>
+                        <a:rPr lang="de-DE" dirty="0" err="1"/>
+                        <a:t>Prediction</a:t>
+                      </a:r>
+                      <a:r>
+                        <a:rPr lang="de-DE" dirty="0"/>
+                        <a:t> [USD]</a:t>
+                      </a:r>
+                    </a:p>
+                  </a:txBody>
+                  <a:tcPr/>
+                </a:tc>
+                <a:tc>
+                  <a:txBody>
+                    <a:bodyPr/>
+                    <a:lstStyle/>
+                    <a:p>
+                      <a:r>
+                        <a:rPr lang="de-DE" dirty="0"/>
+                        <a:t>Actual [USD]</a:t>
+                      </a:r>
+                    </a:p>
+                  </a:txBody>
+                  <a:tcPr/>
+                </a:tc>
+                <a:extLst>
+                  <a:ext uri="{0D108BD9-81ED-4DB2-BD59-A6C34878D82A}">
+                    <a16:rowId xmlns:a16="http://schemas.microsoft.com/office/drawing/2014/main" val="108501965"/>
+                  </a:ext>
+                </a:extLst>
+              </a:tr>
+              <a:tr h="370840">
+                <a:tc>
+                  <a:txBody>
+                    <a:bodyPr/>
+                    <a:lstStyle/>
+                    <a:p>
+                      <a:r>
+                        <a:rPr lang="de-DE" dirty="0"/>
+                        <a:t>2025-09-17</a:t>
+                      </a:r>
+                    </a:p>
+                  </a:txBody>
+                  <a:tcPr/>
+                </a:tc>
+                <a:tc>
+                  <a:txBody>
+                    <a:bodyPr/>
+                    <a:lstStyle/>
+                    <a:p>
+                      <a:r>
+                        <a:rPr lang="de-DE" dirty="0"/>
+                        <a:t>RNN</a:t>
+                      </a:r>
+                    </a:p>
+                  </a:txBody>
+                  <a:tcPr/>
+                </a:tc>
+                <a:tc>
+                  <a:txBody>
+                    <a:bodyPr/>
+                    <a:lstStyle/>
+                    <a:p>
+                      <a:r>
+                        <a:rPr lang="de-DE" dirty="0"/>
+                        <a:t>718.32</a:t>
+                      </a:r>
+                    </a:p>
+                  </a:txBody>
+                  <a:tcPr/>
+                </a:tc>
+                <a:tc rowSpan="4">
+                  <a:txBody>
+                    <a:bodyPr/>
+                    <a:lstStyle/>
+                    <a:p>
+                      <a:pPr algn="ctr"/>
+                      <a:r>
+                        <a:rPr lang="de-DE" dirty="0"/>
+                        <a:t>775.72</a:t>
+                      </a:r>
+                    </a:p>
+                  </a:txBody>
+                  <a:tcPr anchor="ctr"/>
+                </a:tc>
+                <a:extLst>
+                  <a:ext uri="{0D108BD9-81ED-4DB2-BD59-A6C34878D82A}">
+                    <a16:rowId xmlns:a16="http://schemas.microsoft.com/office/drawing/2014/main" val="3859821338"/>
+                  </a:ext>
+                </a:extLst>
+              </a:tr>
+              <a:tr h="370840">
+                <a:tc>
+                  <a:txBody>
+                    <a:bodyPr/>
+                    <a:lstStyle/>
+                    <a:p>
+                      <a:r>
+                        <a:rPr lang="de-DE" dirty="0"/>
+                        <a:t>2025-09-17</a:t>
+                      </a:r>
+                    </a:p>
+                  </a:txBody>
+                  <a:tcPr/>
+                </a:tc>
+                <a:tc>
+                  <a:txBody>
+                    <a:bodyPr/>
+                    <a:lstStyle/>
+                    <a:p>
+                      <a:r>
+                        <a:rPr lang="de-DE" dirty="0"/>
+                        <a:t>GRU</a:t>
+                      </a:r>
+                    </a:p>
+                  </a:txBody>
+                  <a:tcPr/>
+                </a:tc>
+                <a:tc>
+                  <a:txBody>
+                    <a:bodyPr/>
+                    <a:lstStyle/>
+                    <a:p>
+                      <a:r>
+                        <a:rPr lang="de-DE" b="1" u="sng" dirty="0"/>
+                        <a:t>768.19</a:t>
+                      </a:r>
+                    </a:p>
+                  </a:txBody>
+                  <a:tcPr/>
+                </a:tc>
+                <a:tc vMerge="1">
+                  <a:txBody>
+                    <a:bodyPr/>
+                    <a:lstStyle/>
+                    <a:p>
+                      <a:endParaRPr lang="de-DE" dirty="0"/>
+                    </a:p>
+                  </a:txBody>
+                  <a:tcPr/>
+                </a:tc>
+                <a:extLst>
+                  <a:ext uri="{0D108BD9-81ED-4DB2-BD59-A6C34878D82A}">
+                    <a16:rowId xmlns:a16="http://schemas.microsoft.com/office/drawing/2014/main" val="2930541402"/>
+                  </a:ext>
+                </a:extLst>
+              </a:tr>
+              <a:tr h="370840">
+                <a:tc>
+                  <a:txBody>
+                    <a:bodyPr/>
+                    <a:lstStyle/>
+                    <a:p>
+                      <a:r>
+                        <a:rPr lang="de-DE" dirty="0"/>
+                        <a:t>2025-09-17</a:t>
+                      </a:r>
+                    </a:p>
+                  </a:txBody>
+                  <a:tcPr/>
+                </a:tc>
+                <a:tc>
+                  <a:txBody>
+                    <a:bodyPr/>
+                    <a:lstStyle/>
+                    <a:p>
+                      <a:r>
+                        <a:rPr lang="de-DE" dirty="0"/>
+                        <a:t>LSTM</a:t>
+                      </a:r>
+                    </a:p>
+                  </a:txBody>
+                  <a:tcPr/>
+                </a:tc>
+                <a:tc>
+                  <a:txBody>
+                    <a:bodyPr/>
+                    <a:lstStyle/>
+                    <a:p>
+                      <a:r>
+                        <a:rPr lang="de-DE" dirty="0"/>
+                        <a:t>755.71</a:t>
+                      </a:r>
+                    </a:p>
+                  </a:txBody>
+                  <a:tcPr/>
+                </a:tc>
+                <a:tc vMerge="1">
+                  <a:txBody>
+                    <a:bodyPr/>
+                    <a:lstStyle/>
+                    <a:p>
+                      <a:endParaRPr lang="de-DE" dirty="0"/>
+                    </a:p>
+                  </a:txBody>
+                  <a:tcPr/>
+                </a:tc>
+                <a:extLst>
+                  <a:ext uri="{0D108BD9-81ED-4DB2-BD59-A6C34878D82A}">
+                    <a16:rowId xmlns:a16="http://schemas.microsoft.com/office/drawing/2014/main" val="4088769094"/>
+                  </a:ext>
+                </a:extLst>
+              </a:tr>
+              <a:tr h="370840">
+                <a:tc>
+                  <a:txBody>
+                    <a:bodyPr/>
+                    <a:lstStyle/>
+                    <a:p>
+                      <a:pPr marL="0" marR="0" lvl="0" indent="0" algn="l" defTabSz="914400" rtl="0" eaLnBrk="1" fontAlgn="auto" latinLnBrk="0" hangingPunct="1">
+                        <a:lnSpc>
+                          <a:spcPct val="100000"/>
+                        </a:lnSpc>
+                        <a:spcBef>
+                          <a:spcPts val="0"/>
+                        </a:spcBef>
+                        <a:spcAft>
+                          <a:spcPts val="0"/>
+                        </a:spcAft>
+                        <a:buClrTx/>
+                        <a:buSzTx/>
+                        <a:buFontTx/>
+                        <a:buNone/>
+                        <a:tabLst/>
+                        <a:defRPr/>
+                      </a:pPr>
+                      <a:r>
+                        <a:rPr lang="de-DE" dirty="0"/>
+                        <a:t>2025-09-17</a:t>
+                      </a:r>
+                    </a:p>
+                  </a:txBody>
+                  <a:tcPr/>
+                </a:tc>
+                <a:tc>
+                  <a:txBody>
+                    <a:bodyPr/>
+                    <a:lstStyle/>
+                    <a:p>
+                      <a:r>
+                        <a:rPr lang="de-DE" dirty="0"/>
+                        <a:t>Ensemble</a:t>
+                      </a:r>
+                    </a:p>
+                  </a:txBody>
+                  <a:tcPr/>
+                </a:tc>
+                <a:tc>
+                  <a:txBody>
+                    <a:bodyPr/>
+                    <a:lstStyle/>
+                    <a:p>
+                      <a:r>
+                        <a:rPr lang="de-DE" dirty="0"/>
+                        <a:t>747.41</a:t>
+                      </a:r>
+                    </a:p>
+                  </a:txBody>
+                  <a:tcPr/>
+                </a:tc>
+                <a:tc vMerge="1">
+                  <a:txBody>
+                    <a:bodyPr/>
+                    <a:lstStyle/>
+                    <a:p>
+                      <a:endParaRPr lang="de-DE" dirty="0"/>
+                    </a:p>
+                  </a:txBody>
+                  <a:tcPr/>
+                </a:tc>
+                <a:extLst>
+                  <a:ext uri="{0D108BD9-81ED-4DB2-BD59-A6C34878D82A}">
+                    <a16:rowId xmlns:a16="http://schemas.microsoft.com/office/drawing/2014/main" val="197593515"/>
+                  </a:ext>
+                </a:extLst>
+              </a:tr>
+              <a:tr h="370840">
+                <a:tc>
+                  <a:txBody>
+                    <a:bodyPr/>
+                    <a:lstStyle/>
+                    <a:p>
+                      <a:r>
+                        <a:rPr lang="de-DE" dirty="0"/>
+                        <a:t>2025-09-18</a:t>
+                      </a:r>
+                    </a:p>
+                  </a:txBody>
+                  <a:tcPr/>
+                </a:tc>
+                <a:tc>
+                  <a:txBody>
+                    <a:bodyPr/>
+                    <a:lstStyle/>
+                    <a:p>
+                      <a:r>
+                        <a:rPr lang="de-DE" dirty="0"/>
+                        <a:t>RNN</a:t>
+                      </a:r>
+                    </a:p>
+                  </a:txBody>
+                  <a:tcPr/>
+                </a:tc>
+                <a:tc>
+                  <a:txBody>
+                    <a:bodyPr/>
+                    <a:lstStyle/>
+                    <a:p>
+                      <a:r>
+                        <a:rPr lang="de-DE" dirty="0"/>
+                        <a:t>724.68</a:t>
+                      </a:r>
+                    </a:p>
+                  </a:txBody>
+                  <a:tcPr/>
+                </a:tc>
+                <a:tc rowSpan="4">
+                  <a:txBody>
+                    <a:bodyPr/>
+                    <a:lstStyle/>
+                    <a:p>
+                      <a:pPr marL="0" algn="ctr" defTabSz="914400" rtl="0" eaLnBrk="1" latinLnBrk="0" hangingPunct="1"/>
+                      <a:r>
+                        <a:rPr lang="de-DE" sz="1800" kern="1200" dirty="0">
+                          <a:solidFill>
+                            <a:schemeClr val="dk1"/>
+                          </a:solidFill>
+                          <a:latin typeface="+mn-lt"/>
+                          <a:ea typeface="+mn-ea"/>
+                          <a:cs typeface="+mn-cs"/>
+                        </a:rPr>
+                        <a:t>780.25</a:t>
+                      </a:r>
+                    </a:p>
+                  </a:txBody>
+                  <a:tcPr anchor="ctr"/>
+                </a:tc>
+                <a:extLst>
+                  <a:ext uri="{0D108BD9-81ED-4DB2-BD59-A6C34878D82A}">
+                    <a16:rowId xmlns:a16="http://schemas.microsoft.com/office/drawing/2014/main" val="1488393037"/>
+                  </a:ext>
+                </a:extLst>
+              </a:tr>
+              <a:tr h="370840">
+                <a:tc>
+                  <a:txBody>
+                    <a:bodyPr/>
+                    <a:lstStyle/>
+                    <a:p>
+                      <a:r>
+                        <a:rPr lang="de-DE" dirty="0"/>
+                        <a:t>2025-09-18</a:t>
+                      </a:r>
+                    </a:p>
+                  </a:txBody>
+                  <a:tcPr/>
+                </a:tc>
+                <a:tc>
+                  <a:txBody>
+                    <a:bodyPr/>
+                    <a:lstStyle/>
+                    <a:p>
+                      <a:r>
+                        <a:rPr lang="de-DE" dirty="0"/>
+                        <a:t>GRU</a:t>
+                      </a:r>
+                    </a:p>
+                  </a:txBody>
+                  <a:tcPr/>
+                </a:tc>
+                <a:tc>
+                  <a:txBody>
+                    <a:bodyPr/>
+                    <a:lstStyle/>
+                    <a:p>
+                      <a:r>
+                        <a:rPr lang="de-DE" b="1" u="sng" dirty="0"/>
+                        <a:t>766.21</a:t>
+                      </a:r>
+                    </a:p>
+                  </a:txBody>
+                  <a:tcPr/>
+                </a:tc>
+                <a:tc vMerge="1">
+                  <a:txBody>
+                    <a:bodyPr/>
+                    <a:lstStyle/>
+                    <a:p>
+                      <a:endParaRPr lang="de-DE" dirty="0"/>
+                    </a:p>
+                  </a:txBody>
+                  <a:tcPr/>
+                </a:tc>
+                <a:extLst>
+                  <a:ext uri="{0D108BD9-81ED-4DB2-BD59-A6C34878D82A}">
+                    <a16:rowId xmlns:a16="http://schemas.microsoft.com/office/drawing/2014/main" val="3385151080"/>
+                  </a:ext>
+                </a:extLst>
+              </a:tr>
+              <a:tr h="370840">
+                <a:tc>
+                  <a:txBody>
+                    <a:bodyPr/>
+                    <a:lstStyle/>
+                    <a:p>
+                      <a:r>
+                        <a:rPr lang="de-DE" dirty="0"/>
+                        <a:t>2025-09-18</a:t>
+                      </a:r>
+                    </a:p>
+                  </a:txBody>
+                  <a:tcPr/>
+                </a:tc>
+                <a:tc>
+                  <a:txBody>
+                    <a:bodyPr/>
+                    <a:lstStyle/>
+                    <a:p>
+                      <a:r>
+                        <a:rPr lang="de-DE" dirty="0"/>
+                        <a:t>LSTM</a:t>
+                      </a:r>
+                    </a:p>
+                  </a:txBody>
+                  <a:tcPr/>
+                </a:tc>
+                <a:tc>
+                  <a:txBody>
+                    <a:bodyPr/>
+                    <a:lstStyle/>
+                    <a:p>
+                      <a:r>
+                        <a:rPr lang="de-DE" dirty="0"/>
+                        <a:t>751.32</a:t>
+                      </a:r>
+                    </a:p>
+                  </a:txBody>
+                  <a:tcPr/>
+                </a:tc>
+                <a:tc vMerge="1">
+                  <a:txBody>
+                    <a:bodyPr/>
+                    <a:lstStyle/>
+                    <a:p>
+                      <a:endParaRPr lang="de-DE" dirty="0"/>
+                    </a:p>
+                  </a:txBody>
+                  <a:tcPr/>
+                </a:tc>
+                <a:extLst>
+                  <a:ext uri="{0D108BD9-81ED-4DB2-BD59-A6C34878D82A}">
+                    <a16:rowId xmlns:a16="http://schemas.microsoft.com/office/drawing/2014/main" val="3884889393"/>
+                  </a:ext>
+                </a:extLst>
+              </a:tr>
+              <a:tr h="370840">
+                <a:tc>
+                  <a:txBody>
+                    <a:bodyPr/>
+                    <a:lstStyle/>
+                    <a:p>
+                      <a:pPr marL="0" marR="0" lvl="0" indent="0" algn="l" defTabSz="914400" rtl="0" eaLnBrk="1" fontAlgn="auto" latinLnBrk="0" hangingPunct="1">
+                        <a:lnSpc>
+                          <a:spcPct val="100000"/>
+                        </a:lnSpc>
+                        <a:spcBef>
+                          <a:spcPts val="0"/>
+                        </a:spcBef>
+                        <a:spcAft>
+                          <a:spcPts val="0"/>
+                        </a:spcAft>
+                        <a:buClrTx/>
+                        <a:buSzTx/>
+                        <a:buFontTx/>
+                        <a:buNone/>
+                        <a:tabLst/>
+                        <a:defRPr/>
+                      </a:pPr>
+                      <a:r>
+                        <a:rPr lang="de-DE" dirty="0"/>
+                        <a:t>2025-09-18</a:t>
+                      </a:r>
+                    </a:p>
+                  </a:txBody>
+                  <a:tcPr/>
+                </a:tc>
+                <a:tc>
+                  <a:txBody>
+                    <a:bodyPr/>
+                    <a:lstStyle/>
+                    <a:p>
+                      <a:r>
+                        <a:rPr lang="de-DE" dirty="0"/>
+                        <a:t>Ensemble</a:t>
+                      </a:r>
+                    </a:p>
+                  </a:txBody>
+                  <a:tcPr/>
+                </a:tc>
+                <a:tc>
+                  <a:txBody>
+                    <a:bodyPr/>
+                    <a:lstStyle/>
+                    <a:p>
+                      <a:r>
+                        <a:rPr lang="de-DE" dirty="0"/>
+                        <a:t>747.40</a:t>
+                      </a:r>
+                    </a:p>
+                  </a:txBody>
+                  <a:tcPr/>
+                </a:tc>
+                <a:tc vMerge="1">
+                  <a:txBody>
+                    <a:bodyPr/>
+                    <a:lstStyle/>
+                    <a:p>
+                      <a:endParaRPr lang="de-DE" dirty="0"/>
+                    </a:p>
+                  </a:txBody>
+                  <a:tcPr/>
+                </a:tc>
+                <a:extLst>
+                  <a:ext uri="{0D108BD9-81ED-4DB2-BD59-A6C34878D82A}">
+                    <a16:rowId xmlns:a16="http://schemas.microsoft.com/office/drawing/2014/main" val="2425393557"/>
+                  </a:ext>
+                </a:extLst>
+              </a:tr>
+              <a:tr h="370840">
+                <a:tc>
+                  <a:txBody>
+                    <a:bodyPr/>
+                    <a:lstStyle/>
+                    <a:p>
+                      <a:r>
+                        <a:rPr lang="de-DE" dirty="0"/>
+                        <a:t>2025-09-19</a:t>
+                      </a:r>
+                    </a:p>
+                  </a:txBody>
+                  <a:tcPr/>
+                </a:tc>
+                <a:tc>
+                  <a:txBody>
+                    <a:bodyPr/>
+                    <a:lstStyle/>
+                    <a:p>
+                      <a:r>
+                        <a:rPr lang="de-DE" dirty="0"/>
+                        <a:t>RNN</a:t>
+                      </a:r>
+                    </a:p>
+                  </a:txBody>
+                  <a:tcPr/>
+                </a:tc>
+                <a:tc>
+                  <a:txBody>
+                    <a:bodyPr/>
+                    <a:lstStyle/>
+                    <a:p>
+                      <a:pPr algn="l"/>
+                      <a:r>
+                        <a:rPr lang="de-DE" dirty="0"/>
+                        <a:t>741.17</a:t>
+                      </a:r>
+                    </a:p>
+                  </a:txBody>
+                  <a:tcPr/>
+                </a:tc>
+                <a:tc rowSpan="4">
+                  <a:txBody>
+                    <a:bodyPr/>
+                    <a:lstStyle/>
+                    <a:p>
+                      <a:pPr algn="ctr"/>
+                      <a:r>
+                        <a:rPr lang="de-DE" dirty="0"/>
+                        <a:t>???</a:t>
+                      </a:r>
+                    </a:p>
+                  </a:txBody>
+                  <a:tcPr anchor="ctr"/>
+                </a:tc>
+                <a:extLst>
+                  <a:ext uri="{0D108BD9-81ED-4DB2-BD59-A6C34878D82A}">
+                    <a16:rowId xmlns:a16="http://schemas.microsoft.com/office/drawing/2014/main" val="266929650"/>
+                  </a:ext>
+                </a:extLst>
+              </a:tr>
+              <a:tr h="370840">
+                <a:tc>
+                  <a:txBody>
+                    <a:bodyPr/>
+                    <a:lstStyle/>
+                    <a:p>
+                      <a:r>
+                        <a:rPr lang="de-DE" dirty="0"/>
+                        <a:t>2025-09-19</a:t>
+                      </a:r>
+                    </a:p>
+                  </a:txBody>
+                  <a:tcPr/>
+                </a:tc>
+                <a:tc>
+                  <a:txBody>
+                    <a:bodyPr/>
+                    <a:lstStyle/>
+                    <a:p>
+                      <a:r>
+                        <a:rPr lang="de-DE" dirty="0"/>
+                        <a:t>GRU</a:t>
+                      </a:r>
+                    </a:p>
+                  </a:txBody>
+                  <a:tcPr/>
+                </a:tc>
+                <a:tc>
+                  <a:txBody>
+                    <a:bodyPr/>
+                    <a:lstStyle/>
+                    <a:p>
+                      <a:pPr algn="l"/>
+                      <a:r>
+                        <a:rPr lang="de-DE" dirty="0"/>
+                        <a:t>770.34</a:t>
+                      </a:r>
+                    </a:p>
+                  </a:txBody>
+                  <a:tcPr/>
+                </a:tc>
+                <a:tc vMerge="1">
+                  <a:txBody>
+                    <a:bodyPr/>
+                    <a:lstStyle/>
+                    <a:p>
+                      <a:pPr algn="l"/>
+                      <a:endParaRPr lang="de-DE" dirty="0"/>
+                    </a:p>
+                  </a:txBody>
+                  <a:tcPr/>
+                </a:tc>
+                <a:extLst>
+                  <a:ext uri="{0D108BD9-81ED-4DB2-BD59-A6C34878D82A}">
+                    <a16:rowId xmlns:a16="http://schemas.microsoft.com/office/drawing/2014/main" val="118396945"/>
+                  </a:ext>
+                </a:extLst>
+              </a:tr>
+              <a:tr h="370840">
+                <a:tc>
+                  <a:txBody>
+                    <a:bodyPr/>
+                    <a:lstStyle/>
+                    <a:p>
+                      <a:r>
+                        <a:rPr lang="de-DE" dirty="0"/>
+                        <a:t>2025-09-19</a:t>
+                      </a:r>
+                    </a:p>
+                  </a:txBody>
+                  <a:tcPr/>
+                </a:tc>
+                <a:tc>
+                  <a:txBody>
+                    <a:bodyPr/>
+                    <a:lstStyle/>
+                    <a:p>
+                      <a:r>
+                        <a:rPr lang="de-DE" dirty="0"/>
+                        <a:t>LSTM</a:t>
+                      </a:r>
+                    </a:p>
+                  </a:txBody>
+                  <a:tcPr/>
+                </a:tc>
+                <a:tc>
+                  <a:txBody>
+                    <a:bodyPr/>
+                    <a:lstStyle/>
+                    <a:p>
+                      <a:pPr algn="l"/>
+                      <a:r>
+                        <a:rPr lang="de-DE" dirty="0"/>
+                        <a:t>739.54</a:t>
+                      </a:r>
+                    </a:p>
+                  </a:txBody>
+                  <a:tcPr/>
+                </a:tc>
+                <a:tc vMerge="1">
+                  <a:txBody>
+                    <a:bodyPr/>
+                    <a:lstStyle/>
+                    <a:p>
+                      <a:pPr algn="l"/>
+                      <a:endParaRPr lang="de-DE" dirty="0"/>
+                    </a:p>
+                  </a:txBody>
+                  <a:tcPr/>
+                </a:tc>
+                <a:extLst>
+                  <a:ext uri="{0D108BD9-81ED-4DB2-BD59-A6C34878D82A}">
+                    <a16:rowId xmlns:a16="http://schemas.microsoft.com/office/drawing/2014/main" val="2436138367"/>
+                  </a:ext>
+                </a:extLst>
+              </a:tr>
+              <a:tr h="370840">
+                <a:tc>
+                  <a:txBody>
+                    <a:bodyPr/>
+                    <a:lstStyle/>
+                    <a:p>
+                      <a:pPr marL="0" marR="0" lvl="0" indent="0" algn="l" defTabSz="914400" rtl="0" eaLnBrk="1" fontAlgn="auto" latinLnBrk="0" hangingPunct="1">
+                        <a:lnSpc>
+                          <a:spcPct val="100000"/>
+                        </a:lnSpc>
+                        <a:spcBef>
+                          <a:spcPts val="0"/>
+                        </a:spcBef>
+                        <a:spcAft>
+                          <a:spcPts val="0"/>
+                        </a:spcAft>
+                        <a:buClrTx/>
+                        <a:buSzTx/>
+                        <a:buFontTx/>
+                        <a:buNone/>
+                        <a:tabLst/>
+                        <a:defRPr/>
+                      </a:pPr>
+                      <a:r>
+                        <a:rPr lang="de-DE" dirty="0"/>
+                        <a:t>2025-09-19</a:t>
+                      </a:r>
+                    </a:p>
+                  </a:txBody>
+                  <a:tcPr/>
+                </a:tc>
+                <a:tc>
+                  <a:txBody>
+                    <a:bodyPr/>
+                    <a:lstStyle/>
+                    <a:p>
+                      <a:r>
+                        <a:rPr lang="de-DE" dirty="0"/>
+                        <a:t>Ensemble</a:t>
+                      </a:r>
+                    </a:p>
+                  </a:txBody>
+                  <a:tcPr/>
+                </a:tc>
+                <a:tc>
+                  <a:txBody>
+                    <a:bodyPr/>
+                    <a:lstStyle/>
+                    <a:p>
+                      <a:pPr algn="l"/>
+                      <a:r>
+                        <a:rPr lang="de-DE" dirty="0"/>
+                        <a:t>750.35</a:t>
+                      </a:r>
+                    </a:p>
+                  </a:txBody>
+                  <a:tcPr/>
+                </a:tc>
+                <a:tc vMerge="1">
+                  <a:txBody>
+                    <a:bodyPr/>
+                    <a:lstStyle/>
+                    <a:p>
+                      <a:pPr algn="l"/>
+                      <a:endParaRPr lang="de-DE" dirty="0"/>
+                    </a:p>
+                  </a:txBody>
+                  <a:tcPr/>
+                </a:tc>
+                <a:extLst>
+                  <a:ext uri="{0D108BD9-81ED-4DB2-BD59-A6C34878D82A}">
+                    <a16:rowId xmlns:a16="http://schemas.microsoft.com/office/drawing/2014/main" val="3714369056"/>
+                  </a:ext>
+                </a:extLst>
+              </a:tr>
+            </a:tbl>
+          </a:graphicData>
+        </a:graphic>
+      </p:graphicFrame>
+      <p:sp>
+        <p:nvSpPr>
+          <p:cNvPr id="3" name="Title 1">
+            <a:extLst>
+              <a:ext uri="{FF2B5EF4-FFF2-40B4-BE49-F238E27FC236}">
+                <a16:creationId xmlns:a16="http://schemas.microsoft.com/office/drawing/2014/main" id="{66B5D2A3-4286-3B53-F754-36C3A0FB9242}"/>
+              </a:ext>
+            </a:extLst>
+          </p:cNvPr>
+          <p:cNvSpPr txBox="1">
+            <a:spLocks/>
           </p:cNvSpPr>
-          <p:nvPr>
-            <p:ph type="title"/>
-          </p:nvPr>
-        </p:nvSpPr>
-        <p:spPr/>
-        <p:txBody>
-          <a:bodyPr/>
-          <a:lstStyle/>
-          <a:p>
-            <a:r>
-              <a:rPr lang="de-DE" dirty="0"/>
-              <a:t>Extra: Sentiment </a:t>
-            </a:r>
-            <a:r>
-              <a:rPr lang="de-DE" dirty="0" err="1"/>
-              <a:t>analysis</a:t>
-            </a:r>
-            <a:endParaRPr lang="en-US" dirty="0"/>
-          </a:p>
-        </p:txBody>
-      </p:sp>
-      <p:sp>
-        <p:nvSpPr>
-          <p:cNvPr id="3" name="Content Placeholder 2">
-            <a:extLst>
-              <a:ext uri="{FF2B5EF4-FFF2-40B4-BE49-F238E27FC236}">
-                <a16:creationId xmlns:a16="http://schemas.microsoft.com/office/drawing/2014/main" id="{9EB75E72-C861-3AF2-ABB4-605E65368ABC}"/>
-              </a:ext>
-            </a:extLst>
-          </p:cNvPr>
-          <p:cNvSpPr>
-            <a:spLocks noGrp="1"/>
-          </p:cNvSpPr>
-          <p:nvPr>
-            <p:ph idx="1"/>
-          </p:nvPr>
+          <p:nvPr/>
         </p:nvSpPr>
         <p:spPr>
           <a:xfrm>
-            <a:off x="838200" y="1690688"/>
-            <a:ext cx="10515600" cy="4351338"/>
-          </a:xfrm>
-        </p:spPr>
-        <p:txBody>
-          <a:bodyPr>
-            <a:normAutofit fontScale="92500" lnSpcReduction="10000"/>
-          </a:bodyPr>
-          <a:lstStyle/>
-          <a:p>
-            <a:r>
-              <a:rPr lang="de-DE" dirty="0"/>
-              <a:t>Access APIs </a:t>
-            </a:r>
-            <a:r>
-              <a:rPr lang="de-DE" dirty="0" err="1"/>
-              <a:t>of</a:t>
-            </a:r>
-            <a:r>
-              <a:rPr lang="de-DE" dirty="0"/>
-              <a:t> </a:t>
-            </a:r>
-            <a:r>
-              <a:rPr lang="de-DE" dirty="0" err="1"/>
-              <a:t>two</a:t>
-            </a:r>
-            <a:r>
-              <a:rPr lang="de-DE" dirty="0"/>
-              <a:t> LLMs </a:t>
-            </a:r>
-            <a:r>
-              <a:rPr lang="de-DE" dirty="0" err="1"/>
-              <a:t>to</a:t>
-            </a:r>
-            <a:r>
-              <a:rPr lang="de-DE" dirty="0"/>
-              <a:t> do </a:t>
-            </a:r>
-            <a:r>
-              <a:rPr lang="de-DE" dirty="0" err="1"/>
-              <a:t>sentiment</a:t>
-            </a:r>
-            <a:r>
-              <a:rPr lang="de-DE" dirty="0"/>
-              <a:t> </a:t>
-            </a:r>
-            <a:r>
-              <a:rPr lang="de-DE" dirty="0" err="1"/>
-              <a:t>analysis</a:t>
-            </a:r>
-            <a:r>
-              <a:rPr lang="de-DE" dirty="0"/>
-              <a:t> on </a:t>
-            </a:r>
-            <a:r>
-              <a:rPr lang="de-DE" dirty="0" err="1"/>
-              <a:t>daily</a:t>
-            </a:r>
-            <a:r>
-              <a:rPr lang="de-DE" dirty="0"/>
-              <a:t> </a:t>
-            </a:r>
-            <a:r>
-              <a:rPr lang="de-DE" dirty="0" err="1"/>
-              <a:t>basis</a:t>
-            </a:r>
-            <a:endParaRPr lang="de-DE" dirty="0"/>
-          </a:p>
-          <a:p>
-            <a:pPr lvl="1"/>
-            <a:r>
-              <a:rPr lang="de-DE" dirty="0"/>
-              <a:t>Google Gemini („</a:t>
-            </a:r>
-            <a:r>
-              <a:rPr lang="de-DE" dirty="0" err="1"/>
-              <a:t>allrounder</a:t>
-            </a:r>
-            <a:r>
-              <a:rPr lang="de-DE" dirty="0"/>
-              <a:t>“)</a:t>
-            </a:r>
-          </a:p>
-          <a:p>
-            <a:pPr lvl="1"/>
-            <a:r>
-              <a:rPr lang="de-DE" dirty="0" err="1"/>
-              <a:t>Perplexity</a:t>
-            </a:r>
-            <a:r>
-              <a:rPr lang="de-DE" dirty="0"/>
-              <a:t> (</a:t>
-            </a:r>
-            <a:r>
-              <a:rPr lang="de-DE" dirty="0" err="1"/>
-              <a:t>focused</a:t>
-            </a:r>
-            <a:r>
-              <a:rPr lang="de-DE" dirty="0"/>
-              <a:t> on real-time </a:t>
-            </a:r>
-            <a:r>
-              <a:rPr lang="de-DE" dirty="0" err="1"/>
-              <a:t>information</a:t>
-            </a:r>
-            <a:r>
-              <a:rPr lang="de-DE" dirty="0"/>
-              <a:t>)</a:t>
-            </a:r>
-          </a:p>
-          <a:p>
-            <a:r>
-              <a:rPr lang="en-US" dirty="0"/>
-              <a:t>Prompt: “Please give me an assessment of Meta shares (ISIN: US30303M1027) based on current news within the past 7 days, using at least 6 reputable financial sources. Use sentiment analysis and any major events impacting the stock. Rate on a scale of 1-100 (1 very poor, 100 very good). Return only a single int as the answer. ”</a:t>
-            </a:r>
-          </a:p>
-          <a:p>
-            <a:r>
-              <a:rPr lang="en-US" dirty="0"/>
-              <a:t>Returns .csv file</a:t>
-            </a:r>
-          </a:p>
-          <a:p>
-            <a:endParaRPr lang="en-US" dirty="0"/>
-          </a:p>
-          <a:p>
-            <a:r>
-              <a:rPr lang="en-US" dirty="0"/>
-              <a:t>Could be integrated for future modelling, if enough data is available</a:t>
-            </a:r>
-          </a:p>
-        </p:txBody>
-      </p:sp>
-      <p:pic>
-        <p:nvPicPr>
-          <p:cNvPr id="5" name="Grafik 4">
-            <a:extLst>
-              <a:ext uri="{FF2B5EF4-FFF2-40B4-BE49-F238E27FC236}">
-                <a16:creationId xmlns:a16="http://schemas.microsoft.com/office/drawing/2014/main" id="{AE33749E-D573-F128-81F0-3D66D1C07FBB}"/>
-              </a:ext>
-            </a:extLst>
-          </p:cNvPr>
-          <p:cNvPicPr>
-            <a:picLocks noChangeAspect="1"/>
-          </p:cNvPicPr>
-          <p:nvPr/>
-        </p:nvPicPr>
-        <p:blipFill>
-          <a:blip r:embed="rId2"/>
-          <a:stretch>
-            <a:fillRect/>
-          </a:stretch>
-        </p:blipFill>
-        <p:spPr>
-          <a:xfrm>
-            <a:off x="3447776" y="4520560"/>
-            <a:ext cx="3924848" cy="790685"/>
+            <a:off x="838200" y="-117475"/>
+            <a:ext cx="10515600" cy="1325563"/>
           </a:xfrm>
           <a:prstGeom prst="rect">
             <a:avLst/>
           </a:prstGeom>
         </p:spPr>
-      </p:pic>
-    </p:spTree>
-    <p:extLst>
-      <p:ext uri="{BB962C8B-B14F-4D97-AF65-F5344CB8AC3E}">
-        <p14:creationId xmlns:p14="http://schemas.microsoft.com/office/powerpoint/2010/main" val="862690193"/>
-      </p:ext>
-    </p:extLst>
-  </p:cSld>
-  <p:clrMapOvr>
-    <a:masterClrMapping/>
-  </p:clrMapOvr>
-</p:sld>
-</file>
-
-<file path=ppt/slides/slide27.xml><?xml version="1.0" encoding="utf-8"?>
-<p:sld xmlns:a="http://schemas.openxmlformats.org/drawingml/2006/main" xmlns:r="http://schemas.openxmlformats.org/officeDocument/2006/relationships" xmlns:p="http://schemas.openxmlformats.org/presentationml/2006/main">
-  <p:cSld>
-    <p:spTree>
-      <p:nvGrpSpPr>
-        <p:cNvPr id="1" name="">
-          <a:extLst>
-            <a:ext uri="{FF2B5EF4-FFF2-40B4-BE49-F238E27FC236}">
-              <a16:creationId xmlns:a16="http://schemas.microsoft.com/office/drawing/2014/main" id="{118968EC-0DF5-454A-29F0-06E7F94B5885}"/>
-            </a:ext>
-          </a:extLst>
-        </p:cNvPr>
-        <p:cNvGrpSpPr/>
-        <p:nvPr/>
-      </p:nvGrpSpPr>
-      <p:grpSpPr>
-        <a:xfrm>
-          <a:off x="0" y="0"/>
-          <a:ext cx="0" cy="0"/>
-          <a:chOff x="0" y="0"/>
-          <a:chExt cx="0" cy="0"/>
-        </a:xfrm>
-      </p:grpSpPr>
-      <p:sp>
-        <p:nvSpPr>
-          <p:cNvPr id="2" name="Title 1">
-            <a:extLst>
-              <a:ext uri="{FF2B5EF4-FFF2-40B4-BE49-F238E27FC236}">
-                <a16:creationId xmlns:a16="http://schemas.microsoft.com/office/drawing/2014/main" id="{437F05CF-EAAC-5EC6-9A1A-47B26BE9E174}"/>
+        <p:txBody>
+          <a:bodyPr vert="horz" lIns="91440" tIns="45720" rIns="91440" bIns="45720" rtlCol="0" anchor="ctr">
+            <a:normAutofit/>
+          </a:bodyPr>
+          <a:lstStyle>
+            <a:lvl1pPr algn="l" defTabSz="914400" rtl="0" eaLnBrk="1" latinLnBrk="0" hangingPunct="1">
+              <a:lnSpc>
+                <a:spcPct val="90000"/>
+              </a:lnSpc>
+              <a:spcBef>
+                <a:spcPct val="0"/>
+              </a:spcBef>
+              <a:buNone/>
+              <a:defRPr sz="4400" kern="1200">
+                <a:solidFill>
+                  <a:schemeClr val="tx1"/>
+                </a:solidFill>
+                <a:latin typeface="+mj-lt"/>
+                <a:ea typeface="+mj-ea"/>
+                <a:cs typeface="+mj-cs"/>
+              </a:defRPr>
+            </a:lvl1pPr>
+          </a:lstStyle>
+          <a:p>
+            <a:r>
+              <a:rPr lang="de-DE" dirty="0"/>
+              <a:t>Evaluation</a:t>
+            </a:r>
+            <a:endParaRPr lang="en-US" dirty="0"/>
+          </a:p>
+        </p:txBody>
+      </p:sp>
+      <p:sp>
+        <p:nvSpPr>
+          <p:cNvPr id="8" name="Content Placeholder 2">
+            <a:extLst>
+              <a:ext uri="{FF2B5EF4-FFF2-40B4-BE49-F238E27FC236}">
+                <a16:creationId xmlns:a16="http://schemas.microsoft.com/office/drawing/2014/main" id="{53685479-F44B-8807-B836-337DCE10903D}"/>
               </a:ext>
             </a:extLst>
           </p:cNvPr>
@@ -8719,41 +9888,12 @@
             <a:spLocks noGrp="1"/>
           </p:cNvSpPr>
           <p:nvPr>
-            <p:ph type="title"/>
-          </p:nvPr>
-        </p:nvSpPr>
-        <p:spPr/>
-        <p:txBody>
-          <a:bodyPr/>
-          <a:lstStyle/>
-          <a:p>
-            <a:r>
-              <a:rPr lang="de-DE" dirty="0"/>
-              <a:t>Outlook</a:t>
-            </a:r>
-            <a:endParaRPr lang="en-US" dirty="0"/>
-          </a:p>
-        </p:txBody>
-      </p:sp>
-      <p:sp>
-        <p:nvSpPr>
-          <p:cNvPr id="3" name="Content Placeholder 2">
-            <a:extLst>
-              <a:ext uri="{FF2B5EF4-FFF2-40B4-BE49-F238E27FC236}">
-                <a16:creationId xmlns:a16="http://schemas.microsoft.com/office/drawing/2014/main" id="{57E2B12A-B674-8F51-3ADD-BF70D5C1906C}"/>
-              </a:ext>
-            </a:extLst>
-          </p:cNvPr>
-          <p:cNvSpPr>
-            <a:spLocks noGrp="1"/>
-          </p:cNvSpPr>
-          <p:nvPr>
             <p:ph idx="1"/>
           </p:nvPr>
         </p:nvSpPr>
         <p:spPr>
           <a:xfrm>
-            <a:off x="838200" y="1690688"/>
+            <a:off x="838200" y="979488"/>
             <a:ext cx="10515600" cy="4351338"/>
           </a:xfrm>
         </p:spPr>
@@ -8764,27 +9904,53 @@
           <a:lstStyle/>
           <a:p>
             <a:r>
-              <a:rPr lang="en-US" dirty="0"/>
-              <a:t>Code optimization </a:t>
-            </a:r>
-            <a:r>
-              <a:rPr lang="en-US" dirty="0">
-                <a:sym typeface="Wingdings" panose="05000000000000000000" pitchFamily="2" charset="2"/>
-              </a:rPr>
-              <a:t> </a:t>
-            </a:r>
-            <a:r>
-              <a:rPr lang="en-US" dirty="0"/>
-              <a:t>Move parts of code used more frequently into class</a:t>
-            </a:r>
-          </a:p>
-          <a:p>
-            <a:r>
-              <a:rPr lang="en-US" dirty="0"/>
-              <a:t>Generate a confidence measure of prediction by applying dropout when applying the trained model </a:t>
-            </a:r>
-          </a:p>
-          <a:p>
+              <a:rPr lang="de-DE" dirty="0"/>
+              <a:t>Evaluation </a:t>
+            </a:r>
+            <a:r>
+              <a:rPr lang="de-DE" dirty="0" err="1"/>
+              <a:t>of</a:t>
+            </a:r>
+            <a:r>
+              <a:rPr lang="de-DE" dirty="0"/>
+              <a:t> </a:t>
+            </a:r>
+            <a:r>
+              <a:rPr lang="de-DE" dirty="0" err="1"/>
+              <a:t>model</a:t>
+            </a:r>
+            <a:r>
+              <a:rPr lang="de-DE" dirty="0"/>
+              <a:t> </a:t>
+            </a:r>
+            <a:r>
+              <a:rPr lang="de-DE" dirty="0" err="1"/>
+              <a:t>performance</a:t>
+            </a:r>
+            <a:r>
+              <a:rPr lang="de-DE" dirty="0"/>
+              <a:t> on META_CLOSE </a:t>
+            </a:r>
+            <a:r>
+              <a:rPr lang="de-DE" dirty="0" err="1"/>
+              <a:t>for</a:t>
+            </a:r>
+            <a:r>
+              <a:rPr lang="de-DE" dirty="0"/>
+              <a:t> a </a:t>
+            </a:r>
+            <a:r>
+              <a:rPr lang="de-DE" dirty="0" err="1"/>
+              <a:t>few</a:t>
+            </a:r>
+            <a:r>
+              <a:rPr lang="de-DE" dirty="0"/>
+              <a:t> </a:t>
+            </a:r>
+            <a:r>
+              <a:rPr lang="de-DE" dirty="0" err="1"/>
+              <a:t>days</a:t>
+            </a:r>
             <a:endParaRPr lang="en-US" dirty="0"/>
           </a:p>
         </p:txBody>
@@ -8792,7 +9958,7 @@
     </p:spTree>
     <p:extLst>
       <p:ext uri="{BB962C8B-B14F-4D97-AF65-F5344CB8AC3E}">
-        <p14:creationId xmlns:p14="http://schemas.microsoft.com/office/powerpoint/2010/main" val="2433222471"/>
+        <p14:creationId xmlns:p14="http://schemas.microsoft.com/office/powerpoint/2010/main" val="185403250"/>
       </p:ext>
     </p:extLst>
   </p:cSld>
@@ -9300,6 +10466,559 @@
     <p:extLst>
       <p:ext uri="{BB962C8B-B14F-4D97-AF65-F5344CB8AC3E}">
         <p14:creationId xmlns:p14="http://schemas.microsoft.com/office/powerpoint/2010/main" val="3729725668"/>
+      </p:ext>
+    </p:extLst>
+  </p:cSld>
+  <p:clrMapOvr>
+    <a:masterClrMapping/>
+  </p:clrMapOvr>
+</p:sld>
+</file>
+
+<file path=ppt/slides/slide30.xml><?xml version="1.0" encoding="utf-8"?>
+<p:sld xmlns:a="http://schemas.openxmlformats.org/drawingml/2006/main" xmlns:r="http://schemas.openxmlformats.org/officeDocument/2006/relationships" xmlns:p="http://schemas.openxmlformats.org/presentationml/2006/main">
+  <p:cSld>
+    <p:spTree>
+      <p:nvGrpSpPr>
+        <p:cNvPr id="1" name="">
+          <a:extLst>
+            <a:ext uri="{FF2B5EF4-FFF2-40B4-BE49-F238E27FC236}">
+              <a16:creationId xmlns:a16="http://schemas.microsoft.com/office/drawing/2014/main" id="{FD486627-FBB5-673F-EFDF-67DBF5D3D1BD}"/>
+            </a:ext>
+          </a:extLst>
+        </p:cNvPr>
+        <p:cNvGrpSpPr/>
+        <p:nvPr/>
+      </p:nvGrpSpPr>
+      <p:grpSpPr>
+        <a:xfrm>
+          <a:off x="0" y="0"/>
+          <a:ext cx="0" cy="0"/>
+          <a:chOff x="0" y="0"/>
+          <a:chExt cx="0" cy="0"/>
+        </a:xfrm>
+      </p:grpSpPr>
+      <p:sp>
+        <p:nvSpPr>
+          <p:cNvPr id="2" name="Title 1">
+            <a:extLst>
+              <a:ext uri="{FF2B5EF4-FFF2-40B4-BE49-F238E27FC236}">
+                <a16:creationId xmlns:a16="http://schemas.microsoft.com/office/drawing/2014/main" id="{A0483AFE-E1AF-1412-E42A-054E308235E9}"/>
+              </a:ext>
+            </a:extLst>
+          </p:cNvPr>
+          <p:cNvSpPr>
+            <a:spLocks noGrp="1"/>
+          </p:cNvSpPr>
+          <p:nvPr>
+            <p:ph type="title"/>
+          </p:nvPr>
+        </p:nvSpPr>
+        <p:spPr/>
+        <p:txBody>
+          <a:bodyPr/>
+          <a:lstStyle/>
+          <a:p>
+            <a:r>
+              <a:rPr lang="de-DE" dirty="0"/>
+              <a:t>Extra: Sentiment </a:t>
+            </a:r>
+            <a:r>
+              <a:rPr lang="de-DE" dirty="0" err="1"/>
+              <a:t>analysis</a:t>
+            </a:r>
+            <a:endParaRPr lang="en-US" dirty="0"/>
+          </a:p>
+        </p:txBody>
+      </p:sp>
+      <p:sp>
+        <p:nvSpPr>
+          <p:cNvPr id="3" name="Content Placeholder 2">
+            <a:extLst>
+              <a:ext uri="{FF2B5EF4-FFF2-40B4-BE49-F238E27FC236}">
+                <a16:creationId xmlns:a16="http://schemas.microsoft.com/office/drawing/2014/main" id="{9EB75E72-C861-3AF2-ABB4-605E65368ABC}"/>
+              </a:ext>
+            </a:extLst>
+          </p:cNvPr>
+          <p:cNvSpPr>
+            <a:spLocks noGrp="1"/>
+          </p:cNvSpPr>
+          <p:nvPr>
+            <p:ph idx="1"/>
+          </p:nvPr>
+        </p:nvSpPr>
+        <p:spPr>
+          <a:xfrm>
+            <a:off x="838200" y="1690688"/>
+            <a:ext cx="10515600" cy="4351338"/>
+          </a:xfrm>
+        </p:spPr>
+        <p:txBody>
+          <a:bodyPr>
+            <a:normAutofit fontScale="92500" lnSpcReduction="10000"/>
+          </a:bodyPr>
+          <a:lstStyle/>
+          <a:p>
+            <a:r>
+              <a:rPr lang="de-DE" dirty="0"/>
+              <a:t>Access APIs </a:t>
+            </a:r>
+            <a:r>
+              <a:rPr lang="de-DE" dirty="0" err="1"/>
+              <a:t>of</a:t>
+            </a:r>
+            <a:r>
+              <a:rPr lang="de-DE" dirty="0"/>
+              <a:t> </a:t>
+            </a:r>
+            <a:r>
+              <a:rPr lang="de-DE" dirty="0" err="1"/>
+              <a:t>two</a:t>
+            </a:r>
+            <a:r>
+              <a:rPr lang="de-DE" dirty="0"/>
+              <a:t> LLMs </a:t>
+            </a:r>
+            <a:r>
+              <a:rPr lang="de-DE" dirty="0" err="1"/>
+              <a:t>to</a:t>
+            </a:r>
+            <a:r>
+              <a:rPr lang="de-DE" dirty="0"/>
+              <a:t> do </a:t>
+            </a:r>
+            <a:r>
+              <a:rPr lang="de-DE" dirty="0" err="1"/>
+              <a:t>sentiment</a:t>
+            </a:r>
+            <a:r>
+              <a:rPr lang="de-DE" dirty="0"/>
+              <a:t> </a:t>
+            </a:r>
+            <a:r>
+              <a:rPr lang="de-DE" dirty="0" err="1"/>
+              <a:t>analysis</a:t>
+            </a:r>
+            <a:r>
+              <a:rPr lang="de-DE" dirty="0"/>
+              <a:t> on </a:t>
+            </a:r>
+            <a:r>
+              <a:rPr lang="de-DE" dirty="0" err="1"/>
+              <a:t>daily</a:t>
+            </a:r>
+            <a:r>
+              <a:rPr lang="de-DE" dirty="0"/>
+              <a:t> </a:t>
+            </a:r>
+            <a:r>
+              <a:rPr lang="de-DE" dirty="0" err="1"/>
+              <a:t>basis</a:t>
+            </a:r>
+            <a:endParaRPr lang="de-DE" dirty="0"/>
+          </a:p>
+          <a:p>
+            <a:pPr lvl="1"/>
+            <a:r>
+              <a:rPr lang="de-DE" dirty="0"/>
+              <a:t>Google Gemini („</a:t>
+            </a:r>
+            <a:r>
+              <a:rPr lang="de-DE" dirty="0" err="1"/>
+              <a:t>allrounder</a:t>
+            </a:r>
+            <a:r>
+              <a:rPr lang="de-DE" dirty="0"/>
+              <a:t>“)</a:t>
+            </a:r>
+          </a:p>
+          <a:p>
+            <a:pPr lvl="1"/>
+            <a:r>
+              <a:rPr lang="de-DE" dirty="0" err="1"/>
+              <a:t>Perplexity</a:t>
+            </a:r>
+            <a:r>
+              <a:rPr lang="de-DE" dirty="0"/>
+              <a:t> (</a:t>
+            </a:r>
+            <a:r>
+              <a:rPr lang="de-DE" dirty="0" err="1"/>
+              <a:t>focused</a:t>
+            </a:r>
+            <a:r>
+              <a:rPr lang="de-DE" dirty="0"/>
+              <a:t> on real-time </a:t>
+            </a:r>
+            <a:r>
+              <a:rPr lang="de-DE" dirty="0" err="1"/>
+              <a:t>information</a:t>
+            </a:r>
+            <a:r>
+              <a:rPr lang="de-DE" dirty="0"/>
+              <a:t>)</a:t>
+            </a:r>
+          </a:p>
+          <a:p>
+            <a:r>
+              <a:rPr lang="en-US" dirty="0"/>
+              <a:t>Prompt: “Please give me an assessment of Meta shares (ISIN: US30303M1027) based on current news within the past 7 days, using at least 6 reputable financial sources. Use sentiment analysis and any major events impacting the stock. Rate on a scale of 1-100 (1 very poor, 100 very good). Return only a single int as the answer. ”</a:t>
+            </a:r>
+          </a:p>
+          <a:p>
+            <a:r>
+              <a:rPr lang="en-US" dirty="0"/>
+              <a:t>Returns .csv file</a:t>
+            </a:r>
+          </a:p>
+          <a:p>
+            <a:endParaRPr lang="en-US" dirty="0"/>
+          </a:p>
+          <a:p>
+            <a:r>
+              <a:rPr lang="en-US" dirty="0"/>
+              <a:t>Could be integrated for future modelling, if enough data is available</a:t>
+            </a:r>
+          </a:p>
+        </p:txBody>
+      </p:sp>
+      <p:pic>
+        <p:nvPicPr>
+          <p:cNvPr id="6" name="Grafik 5">
+            <a:extLst>
+              <a:ext uri="{FF2B5EF4-FFF2-40B4-BE49-F238E27FC236}">
+                <a16:creationId xmlns:a16="http://schemas.microsoft.com/office/drawing/2014/main" id="{01A063E2-A178-CBC5-CA93-AFB7CC5A9B0A}"/>
+              </a:ext>
+            </a:extLst>
+          </p:cNvPr>
+          <p:cNvPicPr>
+            <a:picLocks noChangeAspect="1"/>
+          </p:cNvPicPr>
+          <p:nvPr/>
+        </p:nvPicPr>
+        <p:blipFill>
+          <a:blip r:embed="rId2"/>
+          <a:stretch>
+            <a:fillRect/>
+          </a:stretch>
+        </p:blipFill>
+        <p:spPr>
+          <a:xfrm>
+            <a:off x="3461531" y="4522206"/>
+            <a:ext cx="3982006" cy="743054"/>
+          </a:xfrm>
+          <a:prstGeom prst="rect">
+            <a:avLst/>
+          </a:prstGeom>
+        </p:spPr>
+      </p:pic>
+    </p:spTree>
+    <p:extLst>
+      <p:ext uri="{BB962C8B-B14F-4D97-AF65-F5344CB8AC3E}">
+        <p14:creationId xmlns:p14="http://schemas.microsoft.com/office/powerpoint/2010/main" val="862690193"/>
+      </p:ext>
+    </p:extLst>
+  </p:cSld>
+  <p:clrMapOvr>
+    <a:masterClrMapping/>
+  </p:clrMapOvr>
+</p:sld>
+</file>
+
+<file path=ppt/slides/slide31.xml><?xml version="1.0" encoding="utf-8"?>
+<p:sld xmlns:a="http://schemas.openxmlformats.org/drawingml/2006/main" xmlns:r="http://schemas.openxmlformats.org/officeDocument/2006/relationships" xmlns:p="http://schemas.openxmlformats.org/presentationml/2006/main">
+  <p:cSld>
+    <p:spTree>
+      <p:nvGrpSpPr>
+        <p:cNvPr id="1" name="">
+          <a:extLst>
+            <a:ext uri="{FF2B5EF4-FFF2-40B4-BE49-F238E27FC236}">
+              <a16:creationId xmlns:a16="http://schemas.microsoft.com/office/drawing/2014/main" id="{118968EC-0DF5-454A-29F0-06E7F94B5885}"/>
+            </a:ext>
+          </a:extLst>
+        </p:cNvPr>
+        <p:cNvGrpSpPr/>
+        <p:nvPr/>
+      </p:nvGrpSpPr>
+      <p:grpSpPr>
+        <a:xfrm>
+          <a:off x="0" y="0"/>
+          <a:ext cx="0" cy="0"/>
+          <a:chOff x="0" y="0"/>
+          <a:chExt cx="0" cy="0"/>
+        </a:xfrm>
+      </p:grpSpPr>
+      <p:sp>
+        <p:nvSpPr>
+          <p:cNvPr id="2" name="Title 1">
+            <a:extLst>
+              <a:ext uri="{FF2B5EF4-FFF2-40B4-BE49-F238E27FC236}">
+                <a16:creationId xmlns:a16="http://schemas.microsoft.com/office/drawing/2014/main" id="{437F05CF-EAAC-5EC6-9A1A-47B26BE9E174}"/>
+              </a:ext>
+            </a:extLst>
+          </p:cNvPr>
+          <p:cNvSpPr>
+            <a:spLocks noGrp="1"/>
+          </p:cNvSpPr>
+          <p:nvPr>
+            <p:ph type="title"/>
+          </p:nvPr>
+        </p:nvSpPr>
+        <p:spPr/>
+        <p:txBody>
+          <a:bodyPr/>
+          <a:lstStyle/>
+          <a:p>
+            <a:r>
+              <a:rPr lang="de-DE" dirty="0" err="1"/>
+              <a:t>Conclusion</a:t>
+            </a:r>
+            <a:endParaRPr lang="en-US" dirty="0"/>
+          </a:p>
+        </p:txBody>
+      </p:sp>
+      <p:sp>
+        <p:nvSpPr>
+          <p:cNvPr id="3" name="Content Placeholder 2">
+            <a:extLst>
+              <a:ext uri="{FF2B5EF4-FFF2-40B4-BE49-F238E27FC236}">
+                <a16:creationId xmlns:a16="http://schemas.microsoft.com/office/drawing/2014/main" id="{57E2B12A-B674-8F51-3ADD-BF70D5C1906C}"/>
+              </a:ext>
+            </a:extLst>
+          </p:cNvPr>
+          <p:cNvSpPr>
+            <a:spLocks noGrp="1"/>
+          </p:cNvSpPr>
+          <p:nvPr>
+            <p:ph idx="1"/>
+          </p:nvPr>
+        </p:nvSpPr>
+        <p:spPr>
+          <a:xfrm>
+            <a:off x="838200" y="1690688"/>
+            <a:ext cx="10515600" cy="4351338"/>
+          </a:xfrm>
+        </p:spPr>
+        <p:txBody>
+          <a:bodyPr>
+            <a:normAutofit/>
+          </a:bodyPr>
+          <a:lstStyle/>
+          <a:p>
+            <a:r>
+              <a:rPr lang="en-US" dirty="0"/>
+              <a:t>Which model would we take?</a:t>
+            </a:r>
+          </a:p>
+          <a:p>
+            <a:pPr lvl="1"/>
+            <a:r>
+              <a:rPr lang="en-US" dirty="0"/>
+              <a:t>Based on current results: GRU</a:t>
+            </a:r>
+          </a:p>
+          <a:p>
+            <a:pPr lvl="1"/>
+            <a:r>
+              <a:rPr lang="en-US" dirty="0"/>
+              <a:t>Simulations based on past data necessary, but not enough time</a:t>
+            </a:r>
+          </a:p>
+          <a:p>
+            <a:r>
+              <a:rPr lang="en-US" dirty="0"/>
+              <a:t>Was the project successful?</a:t>
+            </a:r>
+          </a:p>
+          <a:p>
+            <a:pPr lvl="1"/>
+            <a:r>
+              <a:rPr lang="en-US" dirty="0"/>
+              <a:t>More evaluations and simulations (!) necessary</a:t>
+            </a:r>
+          </a:p>
+          <a:p>
+            <a:pPr lvl="1"/>
+            <a:r>
+              <a:rPr lang="en-US" dirty="0"/>
+              <a:t>Trading costs important factor not yet considered</a:t>
+            </a:r>
+          </a:p>
+          <a:p>
+            <a:pPr lvl="1"/>
+            <a:r>
+              <a:rPr lang="en-US" dirty="0"/>
+              <a:t>The future will show</a:t>
+            </a:r>
+          </a:p>
+          <a:p>
+            <a:pPr lvl="1"/>
+            <a:endParaRPr lang="en-US" dirty="0"/>
+          </a:p>
+        </p:txBody>
+      </p:sp>
+    </p:spTree>
+    <p:extLst>
+      <p:ext uri="{BB962C8B-B14F-4D97-AF65-F5344CB8AC3E}">
+        <p14:creationId xmlns:p14="http://schemas.microsoft.com/office/powerpoint/2010/main" val="2433222471"/>
+      </p:ext>
+    </p:extLst>
+  </p:cSld>
+  <p:clrMapOvr>
+    <a:masterClrMapping/>
+  </p:clrMapOvr>
+</p:sld>
+</file>
+
+<file path=ppt/slides/slide32.xml><?xml version="1.0" encoding="utf-8"?>
+<p:sld xmlns:a="http://schemas.openxmlformats.org/drawingml/2006/main" xmlns:r="http://schemas.openxmlformats.org/officeDocument/2006/relationships" xmlns:p="http://schemas.openxmlformats.org/presentationml/2006/main">
+  <p:cSld>
+    <p:spTree>
+      <p:nvGrpSpPr>
+        <p:cNvPr id="1" name="">
+          <a:extLst>
+            <a:ext uri="{FF2B5EF4-FFF2-40B4-BE49-F238E27FC236}">
+              <a16:creationId xmlns:a16="http://schemas.microsoft.com/office/drawing/2014/main" id="{5AA31788-3579-B9E3-8FC4-F4966E84910E}"/>
+            </a:ext>
+          </a:extLst>
+        </p:cNvPr>
+        <p:cNvGrpSpPr/>
+        <p:nvPr/>
+      </p:nvGrpSpPr>
+      <p:grpSpPr>
+        <a:xfrm>
+          <a:off x="0" y="0"/>
+          <a:ext cx="0" cy="0"/>
+          <a:chOff x="0" y="0"/>
+          <a:chExt cx="0" cy="0"/>
+        </a:xfrm>
+      </p:grpSpPr>
+      <p:sp>
+        <p:nvSpPr>
+          <p:cNvPr id="2" name="Title 1">
+            <a:extLst>
+              <a:ext uri="{FF2B5EF4-FFF2-40B4-BE49-F238E27FC236}">
+                <a16:creationId xmlns:a16="http://schemas.microsoft.com/office/drawing/2014/main" id="{0D1FC02B-C688-428B-7BDF-3CDA999099DC}"/>
+              </a:ext>
+            </a:extLst>
+          </p:cNvPr>
+          <p:cNvSpPr>
+            <a:spLocks noGrp="1"/>
+          </p:cNvSpPr>
+          <p:nvPr>
+            <p:ph type="title"/>
+          </p:nvPr>
+        </p:nvSpPr>
+        <p:spPr/>
+        <p:txBody>
+          <a:bodyPr/>
+          <a:lstStyle/>
+          <a:p>
+            <a:r>
+              <a:rPr lang="de-DE" dirty="0"/>
+              <a:t>Outlook</a:t>
+            </a:r>
+            <a:endParaRPr lang="en-US" dirty="0"/>
+          </a:p>
+        </p:txBody>
+      </p:sp>
+      <p:sp>
+        <p:nvSpPr>
+          <p:cNvPr id="3" name="Content Placeholder 2">
+            <a:extLst>
+              <a:ext uri="{FF2B5EF4-FFF2-40B4-BE49-F238E27FC236}">
+                <a16:creationId xmlns:a16="http://schemas.microsoft.com/office/drawing/2014/main" id="{2D257843-00D7-AE22-3D6B-1A32E9F4E46E}"/>
+              </a:ext>
+            </a:extLst>
+          </p:cNvPr>
+          <p:cNvSpPr>
+            <a:spLocks noGrp="1"/>
+          </p:cNvSpPr>
+          <p:nvPr>
+            <p:ph idx="1"/>
+          </p:nvPr>
+        </p:nvSpPr>
+        <p:spPr>
+          <a:xfrm>
+            <a:off x="838200" y="1690688"/>
+            <a:ext cx="10515600" cy="4351338"/>
+          </a:xfrm>
+        </p:spPr>
+        <p:txBody>
+          <a:bodyPr>
+            <a:normAutofit/>
+          </a:bodyPr>
+          <a:lstStyle/>
+          <a:p>
+            <a:r>
+              <a:rPr lang="en-US" dirty="0"/>
+              <a:t>Code optimization </a:t>
+            </a:r>
+            <a:r>
+              <a:rPr lang="en-US" dirty="0">
+                <a:sym typeface="Wingdings" panose="05000000000000000000" pitchFamily="2" charset="2"/>
+              </a:rPr>
+              <a:t> </a:t>
+            </a:r>
+            <a:r>
+              <a:rPr lang="en-US" dirty="0"/>
+              <a:t>Move parts of code used more frequently into class</a:t>
+            </a:r>
+          </a:p>
+          <a:p>
+            <a:r>
+              <a:rPr lang="en-US" dirty="0"/>
+              <a:t>Generate a confidence measure for prediction:</a:t>
+            </a:r>
+          </a:p>
+          <a:p>
+            <a:pPr lvl="1"/>
+            <a:r>
+              <a:rPr lang="en-US" dirty="0"/>
+              <a:t>Apply trained model (inference) with dropout </a:t>
+            </a:r>
+            <a:r>
+              <a:rPr lang="en-US" dirty="0">
+                <a:sym typeface="Wingdings" panose="05000000000000000000" pitchFamily="2" charset="2"/>
+              </a:rPr>
+              <a:t> results differ slightly</a:t>
+            </a:r>
+            <a:endParaRPr lang="en-US" dirty="0"/>
+          </a:p>
+          <a:p>
+            <a:pPr lvl="1"/>
+            <a:r>
+              <a:rPr lang="en-US" dirty="0"/>
+              <a:t>Use different results to create confidence interval of model</a:t>
+            </a:r>
+          </a:p>
+          <a:p>
+            <a:r>
+              <a:rPr lang="en-US" dirty="0"/>
+              <a:t>Evaluate with existing models (prophet, ETS, ARIMA)</a:t>
+            </a:r>
+          </a:p>
+          <a:p>
+            <a:r>
+              <a:rPr lang="en-US" dirty="0"/>
+              <a:t>Try shorter training periods, e.g. 180 days, 90 days or even less</a:t>
+            </a:r>
+          </a:p>
+          <a:p>
+            <a:r>
+              <a:rPr lang="en-US" dirty="0"/>
+              <a:t>Crawl data with increased time resolution, e.g. on hourly base</a:t>
+            </a:r>
+          </a:p>
+          <a:p>
+            <a:endParaRPr lang="en-US" dirty="0"/>
+          </a:p>
+        </p:txBody>
+      </p:sp>
+    </p:spTree>
+    <p:extLst>
+      <p:ext uri="{BB962C8B-B14F-4D97-AF65-F5344CB8AC3E}">
+        <p14:creationId xmlns:p14="http://schemas.microsoft.com/office/powerpoint/2010/main" val="445946304"/>
       </p:ext>
     </p:extLst>
   </p:cSld>
@@ -9364,7 +11083,7 @@
             </a:r>
             <a:r>
               <a:rPr lang="de-DE" dirty="0" err="1"/>
-              <a:t>structure</a:t>
+              <a:t>architecture</a:t>
             </a:r>
             <a:endParaRPr lang="en-US" dirty="0"/>
           </a:p>
@@ -9452,8 +11171,12 @@
           <a:lstStyle/>
           <a:p>
             <a:r>
-              <a:rPr lang="de-DE" dirty="0"/>
-              <a:t>Data </a:t>
+              <a:rPr lang="de-DE" dirty="0" err="1"/>
+              <a:t>Datacrawler</a:t>
+            </a:r>
+            <a:r>
+              <a:rPr lang="de-DE" dirty="0"/>
+              <a:t> – Data </a:t>
             </a:r>
             <a:r>
               <a:rPr lang="de-DE" dirty="0" err="1"/>
@@ -9479,7 +11202,12 @@
             <p:ph idx="1"/>
           </p:nvPr>
         </p:nvSpPr>
-        <p:spPr/>
+        <p:spPr>
+          <a:xfrm>
+            <a:off x="838200" y="1825625"/>
+            <a:ext cx="10515600" cy="2114185"/>
+          </a:xfrm>
+        </p:spPr>
         <p:txBody>
           <a:bodyPr/>
           <a:lstStyle/>
@@ -9490,7 +11218,7 @@
             </a:r>
             <a:r>
               <a:rPr lang="de-DE" dirty="0" err="1"/>
-              <a:t>dublicate</a:t>
+              <a:t>duplicate</a:t>
             </a:r>
             <a:r>
               <a:rPr lang="de-DE" dirty="0"/>
@@ -9580,7 +11308,7 @@
             </a:r>
             <a:r>
               <a:rPr lang="de-DE" dirty="0" err="1"/>
-              <a:t>point</a:t>
+              <a:t>points</a:t>
             </a:r>
             <a:r>
               <a:rPr lang="de-DE" dirty="0"/>
@@ -9608,61 +11336,8 @@
             </a:r>
             <a:endParaRPr lang="de-DE" dirty="0"/>
           </a:p>
-          <a:p>
-            <a:r>
-              <a:rPr lang="de-DE" dirty="0" err="1"/>
-              <a:t>Lookback</a:t>
-            </a:r>
-            <a:r>
-              <a:rPr lang="de-DE" dirty="0"/>
-              <a:t> </a:t>
-            </a:r>
-            <a:r>
-              <a:rPr lang="de-DE" dirty="0" err="1"/>
-              <a:t>period</a:t>
-            </a:r>
-            <a:r>
-              <a:rPr lang="de-DE" dirty="0"/>
-              <a:t>: 60 </a:t>
-            </a:r>
-            <a:r>
-              <a:rPr lang="de-DE" dirty="0" err="1"/>
-              <a:t>days</a:t>
-            </a:r>
-            <a:endParaRPr lang="en-US" dirty="0"/>
-          </a:p>
-        </p:txBody>
-      </p:sp>
-      <p:pic>
-        <p:nvPicPr>
-          <p:cNvPr id="7" name="Grafik 6">
-            <a:extLst>
-              <a:ext uri="{FF2B5EF4-FFF2-40B4-BE49-F238E27FC236}">
-                <a16:creationId xmlns:a16="http://schemas.microsoft.com/office/drawing/2014/main" id="{A877C498-979A-6625-D3A6-2C773F8E96C6}"/>
-              </a:ext>
-            </a:extLst>
-          </p:cNvPr>
-          <p:cNvPicPr>
-            <a:picLocks noChangeAspect="1"/>
-          </p:cNvPicPr>
-          <p:nvPr/>
-        </p:nvPicPr>
-        <p:blipFill>
-          <a:blip r:embed="rId2"/>
-          <a:stretch>
-            <a:fillRect/>
-          </a:stretch>
-        </p:blipFill>
-        <p:spPr>
-          <a:xfrm>
-            <a:off x="1276769" y="3939810"/>
-            <a:ext cx="9164329" cy="2629267"/>
-          </a:xfrm>
-          <a:prstGeom prst="rect">
-            <a:avLst/>
-          </a:prstGeom>
-        </p:spPr>
-      </p:pic>
+        </p:txBody>
+      </p:sp>
     </p:spTree>
     <p:extLst>
       <p:ext uri="{BB962C8B-B14F-4D97-AF65-F5344CB8AC3E}">
@@ -9730,6 +11405,14 @@
             </a:r>
             <a:r>
               <a:rPr lang="de-DE" dirty="0"/>
+              <a:t> – Data </a:t>
+            </a:r>
+            <a:r>
+              <a:rPr lang="de-DE" dirty="0" err="1"/>
+              <a:t>preparation</a:t>
+            </a:r>
+            <a:r>
+              <a:rPr lang="de-DE" dirty="0"/>
               <a:t> </a:t>
             </a:r>
             <a:endParaRPr lang="en-US" dirty="0"/>
@@ -9803,8 +11486,47 @@
           </a:p>
           <a:p>
             <a:r>
-              <a:rPr lang="de-DE" dirty="0" err="1"/>
-              <a:t>Multilayered</a:t>
+              <a:rPr lang="de-DE" dirty="0"/>
+              <a:t>Second </a:t>
+            </a:r>
+            <a:r>
+              <a:rPr lang="de-DE" dirty="0" err="1"/>
+              <a:t>step</a:t>
+            </a:r>
+            <a:r>
+              <a:rPr lang="de-DE" dirty="0"/>
+              <a:t>: </a:t>
+            </a:r>
+            <a:r>
+              <a:rPr lang="de-DE" dirty="0" err="1"/>
+              <a:t>lookback</a:t>
+            </a:r>
+            <a:endParaRPr lang="de-DE" dirty="0"/>
+          </a:p>
+          <a:p>
+            <a:r>
+              <a:rPr lang="de-DE" dirty="0"/>
+              <a:t>Third </a:t>
+            </a:r>
+            <a:r>
+              <a:rPr lang="de-DE" dirty="0" err="1"/>
+              <a:t>step</a:t>
+            </a:r>
+            <a:r>
+              <a:rPr lang="de-DE" dirty="0"/>
+              <a:t>: </a:t>
+            </a:r>
+            <a:r>
+              <a:rPr lang="de-DE" dirty="0" err="1"/>
+              <a:t>train</a:t>
+            </a:r>
+            <a:r>
+              <a:rPr lang="de-DE" dirty="0"/>
+              <a:t>/</a:t>
+            </a:r>
+            <a:r>
+              <a:rPr lang="de-DE" dirty="0" err="1"/>
+              <a:t>test</a:t>
             </a:r>
             <a:r>
               <a:rPr lang="de-DE" dirty="0"/>
@@ -9812,12 +11534,85 @@
             </a:r>
             <a:r>
               <a:rPr lang="de-DE" dirty="0" err="1"/>
-              <a:t>Perceptron</a:t>
-            </a:r>
-            <a:r>
-              <a:rPr lang="en-US" dirty="0"/>
-              <a:t> (MLP)</a:t>
-            </a:r>
+              <a:t>split</a:t>
+            </a:r>
+            <a:r>
+              <a:rPr lang="de-DE" dirty="0"/>
+              <a:t> (80/20)</a:t>
+            </a:r>
+          </a:p>
+          <a:p>
+            <a:pPr lvl="1"/>
+            <a:r>
+              <a:rPr lang="de-DE" dirty="0"/>
+              <a:t>Rather </a:t>
+            </a:r>
+            <a:r>
+              <a:rPr lang="de-DE" dirty="0" err="1"/>
+              <a:t>for</a:t>
+            </a:r>
+            <a:r>
+              <a:rPr lang="de-DE" dirty="0"/>
+              <a:t> </a:t>
+            </a:r>
+            <a:r>
+              <a:rPr lang="de-DE" dirty="0" err="1"/>
+              <a:t>evaluation</a:t>
+            </a:r>
+            <a:endParaRPr lang="de-DE" dirty="0"/>
+          </a:p>
+          <a:p>
+            <a:pPr lvl="1"/>
+            <a:r>
+              <a:rPr lang="de-DE" dirty="0"/>
+              <a:t>In </a:t>
+            </a:r>
+            <a:r>
+              <a:rPr lang="de-DE" dirty="0" err="1"/>
+              <a:t>production</a:t>
+            </a:r>
+            <a:r>
+              <a:rPr lang="de-DE" dirty="0"/>
+              <a:t>, </a:t>
+            </a:r>
+            <a:r>
+              <a:rPr lang="de-DE" dirty="0" err="1"/>
+              <a:t>probably</a:t>
+            </a:r>
+            <a:r>
+              <a:rPr lang="de-DE" dirty="0"/>
+              <a:t> </a:t>
+            </a:r>
+            <a:r>
+              <a:rPr lang="de-DE" dirty="0" err="1"/>
+              <a:t>train</a:t>
+            </a:r>
+            <a:r>
+              <a:rPr lang="de-DE" dirty="0"/>
+              <a:t> on </a:t>
+            </a:r>
+            <a:r>
+              <a:rPr lang="de-DE" dirty="0" err="1"/>
+              <a:t>more</a:t>
+            </a:r>
+            <a:r>
+              <a:rPr lang="de-DE" dirty="0"/>
+              <a:t> </a:t>
+            </a:r>
+            <a:r>
+              <a:rPr lang="de-DE" dirty="0" err="1"/>
+              <a:t>data</a:t>
+            </a:r>
+            <a:endParaRPr lang="en-US" dirty="0"/>
+          </a:p>
+          <a:p>
+            <a:pPr marL="457200" lvl="1" indent="0">
+              <a:buNone/>
+            </a:pPr>
+            <a:endParaRPr lang="en-US" dirty="0"/>
+          </a:p>
+          <a:p>
+            <a:endParaRPr lang="en-US" dirty="0"/>
           </a:p>
           <a:p>
             <a:pPr marL="0" indent="0">
@@ -9826,58 +11621,13 @@
             <a:endParaRPr lang="en-US" dirty="0"/>
           </a:p>
           <a:p>
-            <a:pPr marL="457200" lvl="1" indent="0">
-              <a:buNone/>
-            </a:pPr>
-            <a:endParaRPr lang="en-US" dirty="0"/>
-          </a:p>
-          <a:p>
-            <a:endParaRPr lang="en-US" dirty="0"/>
-          </a:p>
-          <a:p>
             <a:pPr marL="0" indent="0">
               <a:buNone/>
             </a:pPr>
             <a:endParaRPr lang="en-US" dirty="0"/>
           </a:p>
-          <a:p>
-            <a:pPr marL="0" indent="0">
-              <a:buNone/>
-            </a:pPr>
-            <a:endParaRPr lang="en-US" dirty="0"/>
-          </a:p>
-        </p:txBody>
-      </p:sp>
-      <p:pic>
-        <p:nvPicPr>
-          <p:cNvPr id="5" name="Picture 4">
-            <a:extLst>
-              <a:ext uri="{FF2B5EF4-FFF2-40B4-BE49-F238E27FC236}">
-                <a16:creationId xmlns:a16="http://schemas.microsoft.com/office/drawing/2014/main" id="{7E889793-4CC2-AF16-C235-A3CF3A536FC1}"/>
-              </a:ext>
-            </a:extLst>
-          </p:cNvPr>
-          <p:cNvPicPr>
-            <a:picLocks noChangeAspect="1"/>
-          </p:cNvPicPr>
-          <p:nvPr/>
-        </p:nvPicPr>
-        <p:blipFill>
-          <a:blip r:embed="rId2"/>
-          <a:stretch>
-            <a:fillRect/>
-          </a:stretch>
-        </p:blipFill>
-        <p:spPr>
-          <a:xfrm>
-            <a:off x="1129231" y="2878059"/>
-            <a:ext cx="4610100" cy="1409700"/>
-          </a:xfrm>
-          <a:prstGeom prst="rect">
-            <a:avLst/>
-          </a:prstGeom>
-        </p:spPr>
-      </p:pic>
+        </p:txBody>
+      </p:sp>
     </p:spTree>
     <p:extLst>
       <p:ext uri="{BB962C8B-B14F-4D97-AF65-F5344CB8AC3E}">
@@ -9899,7 +11649,7 @@
         <p:cNvPr id="1" name="">
           <a:extLst>
             <a:ext uri="{FF2B5EF4-FFF2-40B4-BE49-F238E27FC236}">
-              <a16:creationId xmlns:a16="http://schemas.microsoft.com/office/drawing/2014/main" id="{3D380AE5-9CF6-9115-C087-C3E53612F809}"/>
+              <a16:creationId xmlns:a16="http://schemas.microsoft.com/office/drawing/2014/main" id="{D09AD904-ADB7-E6A5-A549-E7D0684E8C35}"/>
             </a:ext>
           </a:extLst>
         </p:cNvPr>
@@ -9919,7 +11669,7 @@
           <p:cNvPr id="2" name="Title 1">
             <a:extLst>
               <a:ext uri="{FF2B5EF4-FFF2-40B4-BE49-F238E27FC236}">
-                <a16:creationId xmlns:a16="http://schemas.microsoft.com/office/drawing/2014/main" id="{2CEDD188-FD53-1ED7-8B4C-03C4E359719A}"/>
+                <a16:creationId xmlns:a16="http://schemas.microsoft.com/office/drawing/2014/main" id="{A2F9C4F2-0314-9922-5BAD-300667D53464}"/>
               </a:ext>
             </a:extLst>
           </p:cNvPr>
@@ -9945,7 +11695,23 @@
             </a:r>
             <a:r>
               <a:rPr lang="de-DE" dirty="0"/>
-              <a:t> </a:t>
+              <a:t> – Data </a:t>
+            </a:r>
+            <a:r>
+              <a:rPr lang="de-DE" dirty="0" err="1"/>
+              <a:t>preparation</a:t>
+            </a:r>
+            <a:r>
+              <a:rPr lang="de-DE" dirty="0"/>
+              <a:t> – </a:t>
+            </a:r>
+            <a:r>
+              <a:rPr lang="de-DE" dirty="0" err="1"/>
+              <a:t>lookback</a:t>
+            </a:r>
+            <a:r>
+              <a:rPr lang="de-DE" dirty="0"/>
+              <a:t>  </a:t>
             </a:r>
             <a:endParaRPr lang="en-US" dirty="0"/>
           </a:p>
@@ -9956,7 +11722,7 @@
           <p:cNvPr id="3" name="Content Placeholder 2">
             <a:extLst>
               <a:ext uri="{FF2B5EF4-FFF2-40B4-BE49-F238E27FC236}">
-                <a16:creationId xmlns:a16="http://schemas.microsoft.com/office/drawing/2014/main" id="{0B525E38-7077-840F-8516-F47A194A49D4}"/>
+                <a16:creationId xmlns:a16="http://schemas.microsoft.com/office/drawing/2014/main" id="{2CAA787E-A02C-E9D2-7B37-23DEB56F3A9D}"/>
               </a:ext>
             </a:extLst>
           </p:cNvPr>
@@ -9967,28 +11733,19 @@
             <p:ph idx="1"/>
           </p:nvPr>
         </p:nvSpPr>
-        <p:spPr/>
-        <p:txBody>
-          <a:bodyPr>
-            <a:normAutofit/>
-          </a:bodyPr>
+        <p:spPr>
+          <a:xfrm>
+            <a:off x="838200" y="1825625"/>
+            <a:ext cx="10515600" cy="2114185"/>
+          </a:xfrm>
+        </p:spPr>
+        <p:txBody>
+          <a:bodyPr/>
           <a:lstStyle/>
           <a:p>
             <a:r>
-              <a:rPr lang="de-DE" dirty="0"/>
-              <a:t>First </a:t>
-            </a:r>
-            <a:r>
-              <a:rPr lang="de-DE" dirty="0" err="1"/>
-              <a:t>step</a:t>
-            </a:r>
-            <a:r>
-              <a:rPr lang="de-DE" dirty="0"/>
-              <a:t>: </a:t>
-            </a:r>
-            <a:r>
-              <a:rPr lang="de-DE" dirty="0" err="1"/>
-              <a:t>scale</a:t>
+              <a:rPr lang="de-DE" dirty="0" err="1"/>
+              <a:t>Lookback</a:t>
             </a:r>
             <a:r>
               <a:rPr lang="de-DE" dirty="0"/>
@@ -9996,52 +11753,26 @@
             </a:r>
             <a:r>
               <a:rPr lang="de-DE" dirty="0" err="1"/>
-              <a:t>data</a:t>
-            </a:r>
-            <a:r>
-              <a:rPr lang="de-DE" dirty="0"/>
-              <a:t> </a:t>
-            </a:r>
-            <a:r>
-              <a:rPr lang="de-DE" dirty="0" err="1"/>
-              <a:t>using</a:t>
-            </a:r>
-            <a:r>
-              <a:rPr lang="de-DE" dirty="0"/>
-              <a:t> </a:t>
-            </a:r>
-            <a:r>
-              <a:rPr lang="de-DE" dirty="0" err="1"/>
-              <a:t>MinMaxScaler</a:t>
-            </a:r>
-            <a:endParaRPr lang="en-US" dirty="0"/>
-          </a:p>
-          <a:p>
-            <a:r>
-              <a:rPr lang="en-US" dirty="0"/>
-              <a:t>Recurrent Neural Network (RNN)</a:t>
-            </a:r>
-          </a:p>
-          <a:p>
-            <a:pPr marL="0" indent="0">
-              <a:buNone/>
-            </a:pPr>
-            <a:endParaRPr lang="en-US" dirty="0"/>
-          </a:p>
-          <a:p>
-            <a:pPr marL="0" indent="0">
-              <a:buNone/>
-            </a:pPr>
+              <a:t>period</a:t>
+            </a:r>
+            <a:r>
+              <a:rPr lang="de-DE" dirty="0"/>
+              <a:t>: 60 </a:t>
+            </a:r>
+            <a:r>
+              <a:rPr lang="de-DE" dirty="0" err="1"/>
+              <a:t>days</a:t>
+            </a:r>
             <a:endParaRPr lang="en-US" dirty="0"/>
           </a:p>
         </p:txBody>
       </p:sp>
       <p:pic>
         <p:nvPicPr>
-          <p:cNvPr id="5" name="Picture 4">
-            <a:extLst>
-              <a:ext uri="{FF2B5EF4-FFF2-40B4-BE49-F238E27FC236}">
-                <a16:creationId xmlns:a16="http://schemas.microsoft.com/office/drawing/2014/main" id="{AD492AD2-569C-0FDC-AE0F-C16A586FB536}"/>
+          <p:cNvPr id="7" name="Grafik 6">
+            <a:extLst>
+              <a:ext uri="{FF2B5EF4-FFF2-40B4-BE49-F238E27FC236}">
+                <a16:creationId xmlns:a16="http://schemas.microsoft.com/office/drawing/2014/main" id="{A1911B43-FD17-ECAB-81AF-3C05A81483AE}"/>
               </a:ext>
             </a:extLst>
           </p:cNvPr>
@@ -10058,8 +11789,8 @@
         </p:blipFill>
         <p:spPr>
           <a:xfrm>
-            <a:off x="1189728" y="2818127"/>
-            <a:ext cx="8201025" cy="1819275"/>
+            <a:off x="1166702" y="2390414"/>
+            <a:ext cx="9164329" cy="2629267"/>
           </a:xfrm>
           <a:prstGeom prst="rect">
             <a:avLst/>
@@ -10069,7 +11800,7 @@
     </p:spTree>
     <p:extLst>
       <p:ext uri="{BB962C8B-B14F-4D97-AF65-F5344CB8AC3E}">
-        <p14:creationId xmlns:p14="http://schemas.microsoft.com/office/powerpoint/2010/main" val="2136584559"/>
+        <p14:creationId xmlns:p14="http://schemas.microsoft.com/office/powerpoint/2010/main" val="2352312472"/>
       </p:ext>
     </p:extLst>
   </p:cSld>
@@ -10084,7 +11815,13 @@
   <p:cSld>
     <p:spTree>
       <p:nvGrpSpPr>
-        <p:cNvPr id="1" name=""/>
+        <p:cNvPr id="1" name="">
+          <a:extLst>
+            <a:ext uri="{FF2B5EF4-FFF2-40B4-BE49-F238E27FC236}">
+              <a16:creationId xmlns:a16="http://schemas.microsoft.com/office/drawing/2014/main" id="{D8C3FD55-CA52-19CB-0D6E-D2A3C088A9A0}"/>
+            </a:ext>
+          </a:extLst>
+        </p:cNvPr>
         <p:cNvGrpSpPr/>
         <p:nvPr/>
       </p:nvGrpSpPr>
@@ -10096,128 +11833,12 @@
           <a:chExt cx="0" cy="0"/>
         </a:xfrm>
       </p:grpSpPr>
-      <p:sp>
-        <p:nvSpPr>
-          <p:cNvPr id="2" name="Title 1">
-            <a:extLst>
-              <a:ext uri="{FF2B5EF4-FFF2-40B4-BE49-F238E27FC236}">
-                <a16:creationId xmlns:a16="http://schemas.microsoft.com/office/drawing/2014/main" id="{D498FB88-5A58-F47D-BDEB-3FF012B1715D}"/>
-              </a:ext>
-            </a:extLst>
-          </p:cNvPr>
-          <p:cNvSpPr>
-            <a:spLocks noGrp="1"/>
-          </p:cNvSpPr>
-          <p:nvPr>
-            <p:ph type="title"/>
-          </p:nvPr>
-        </p:nvSpPr>
-        <p:spPr/>
-        <p:txBody>
-          <a:bodyPr/>
-          <a:lstStyle/>
-          <a:p>
-            <a:r>
-              <a:rPr lang="de-DE" dirty="0"/>
-              <a:t>Applied </a:t>
-            </a:r>
-            <a:r>
-              <a:rPr lang="de-DE" dirty="0" err="1"/>
-              <a:t>models</a:t>
-            </a:r>
-            <a:r>
-              <a:rPr lang="de-DE" dirty="0"/>
-              <a:t> </a:t>
-            </a:r>
-            <a:endParaRPr lang="en-US" dirty="0"/>
-          </a:p>
-        </p:txBody>
-      </p:sp>
-      <p:sp>
-        <p:nvSpPr>
-          <p:cNvPr id="3" name="Content Placeholder 2">
-            <a:extLst>
-              <a:ext uri="{FF2B5EF4-FFF2-40B4-BE49-F238E27FC236}">
-                <a16:creationId xmlns:a16="http://schemas.microsoft.com/office/drawing/2014/main" id="{DC543A68-DB92-9498-9A45-83099A72EFCB}"/>
-              </a:ext>
-            </a:extLst>
-          </p:cNvPr>
-          <p:cNvSpPr>
-            <a:spLocks noGrp="1"/>
-          </p:cNvSpPr>
-          <p:nvPr>
-            <p:ph idx="1"/>
-          </p:nvPr>
-        </p:nvSpPr>
-        <p:spPr/>
-        <p:txBody>
-          <a:bodyPr>
-            <a:normAutofit/>
-          </a:bodyPr>
-          <a:lstStyle/>
-          <a:p>
-            <a:r>
-              <a:rPr lang="de-DE" dirty="0"/>
-              <a:t>First </a:t>
-            </a:r>
-            <a:r>
-              <a:rPr lang="de-DE" dirty="0" err="1"/>
-              <a:t>step</a:t>
-            </a:r>
-            <a:r>
-              <a:rPr lang="de-DE" dirty="0"/>
-              <a:t>: </a:t>
-            </a:r>
-            <a:r>
-              <a:rPr lang="de-DE" dirty="0" err="1"/>
-              <a:t>scale</a:t>
-            </a:r>
-            <a:r>
-              <a:rPr lang="de-DE" dirty="0"/>
-              <a:t> </a:t>
-            </a:r>
-            <a:r>
-              <a:rPr lang="de-DE" dirty="0" err="1"/>
-              <a:t>data</a:t>
-            </a:r>
-            <a:r>
-              <a:rPr lang="de-DE" dirty="0"/>
-              <a:t> </a:t>
-            </a:r>
-            <a:r>
-              <a:rPr lang="de-DE" dirty="0" err="1"/>
-              <a:t>using</a:t>
-            </a:r>
-            <a:r>
-              <a:rPr lang="de-DE" dirty="0"/>
-              <a:t> </a:t>
-            </a:r>
-            <a:r>
-              <a:rPr lang="de-DE" dirty="0" err="1"/>
-              <a:t>MinMaxScaler</a:t>
-            </a:r>
-            <a:endParaRPr lang="en-US" dirty="0"/>
-          </a:p>
-          <a:p>
-            <a:r>
-              <a:rPr lang="en-US" dirty="0"/>
-              <a:t>Long short-term memory (LSTM)</a:t>
-            </a:r>
-          </a:p>
-          <a:p>
-            <a:pPr marL="0" indent="0">
-              <a:buNone/>
-            </a:pPr>
-            <a:endParaRPr lang="en-US" dirty="0"/>
-          </a:p>
-        </p:txBody>
-      </p:sp>
       <p:pic>
         <p:nvPicPr>
-          <p:cNvPr id="6" name="Picture 5">
-            <a:extLst>
-              <a:ext uri="{FF2B5EF4-FFF2-40B4-BE49-F238E27FC236}">
-                <a16:creationId xmlns:a16="http://schemas.microsoft.com/office/drawing/2014/main" id="{FA526E35-E12E-41EB-9EBC-CA5768E42813}"/>
+          <p:cNvPr id="5" name="Grafik 4">
+            <a:extLst>
+              <a:ext uri="{FF2B5EF4-FFF2-40B4-BE49-F238E27FC236}">
+                <a16:creationId xmlns:a16="http://schemas.microsoft.com/office/drawing/2014/main" id="{929F7F77-F1B2-888D-9444-A6E2763EE0B1}"/>
               </a:ext>
             </a:extLst>
           </p:cNvPr>
@@ -10234,18 +11855,380 @@
         </p:blipFill>
         <p:spPr>
           <a:xfrm>
-            <a:off x="1170961" y="2835236"/>
-            <a:ext cx="7496175" cy="1571625"/>
+            <a:off x="3113271" y="0"/>
+            <a:ext cx="8821882" cy="6858000"/>
           </a:xfrm>
           <a:prstGeom prst="rect">
             <a:avLst/>
           </a:prstGeom>
         </p:spPr>
       </p:pic>
+      <p:sp>
+        <p:nvSpPr>
+          <p:cNvPr id="11" name="Rechteck 10">
+            <a:extLst>
+              <a:ext uri="{FF2B5EF4-FFF2-40B4-BE49-F238E27FC236}">
+                <a16:creationId xmlns:a16="http://schemas.microsoft.com/office/drawing/2014/main" id="{C96B12BB-B5D1-6B25-F963-841790AAB871}"/>
+              </a:ext>
+            </a:extLst>
+          </p:cNvPr>
+          <p:cNvSpPr/>
+          <p:nvPr/>
+        </p:nvSpPr>
+        <p:spPr>
+          <a:xfrm>
+            <a:off x="3900478" y="-1"/>
+            <a:ext cx="8034675" cy="6443134"/>
+          </a:xfrm>
+          <a:prstGeom prst="rect">
+            <a:avLst/>
+          </a:prstGeom>
+          <a:noFill/>
+          <a:ln w="57150">
+            <a:solidFill>
+              <a:srgbClr val="FF0000"/>
+            </a:solidFill>
+          </a:ln>
+        </p:spPr>
+        <p:style>
+          <a:lnRef idx="2">
+            <a:schemeClr val="accent1">
+              <a:shade val="15000"/>
+            </a:schemeClr>
+          </a:lnRef>
+          <a:fillRef idx="1">
+            <a:schemeClr val="accent1"/>
+          </a:fillRef>
+          <a:effectRef idx="0">
+            <a:schemeClr val="accent1"/>
+          </a:effectRef>
+          <a:fontRef idx="minor">
+            <a:schemeClr val="lt1"/>
+          </a:fontRef>
+        </p:style>
+        <p:txBody>
+          <a:bodyPr rtlCol="0" anchor="ctr"/>
+          <a:lstStyle/>
+          <a:p>
+            <a:pPr algn="ctr"/>
+            <a:endParaRPr lang="de-DE"/>
+          </a:p>
+        </p:txBody>
+      </p:sp>
+      <p:sp>
+        <p:nvSpPr>
+          <p:cNvPr id="12" name="Rechteck 11">
+            <a:extLst>
+              <a:ext uri="{FF2B5EF4-FFF2-40B4-BE49-F238E27FC236}">
+                <a16:creationId xmlns:a16="http://schemas.microsoft.com/office/drawing/2014/main" id="{F7F97779-D567-0862-9AA8-3C5C68726DD9}"/>
+              </a:ext>
+            </a:extLst>
+          </p:cNvPr>
+          <p:cNvSpPr/>
+          <p:nvPr/>
+        </p:nvSpPr>
+        <p:spPr>
+          <a:xfrm>
+            <a:off x="7685077" y="6443133"/>
+            <a:ext cx="821267" cy="203200"/>
+          </a:xfrm>
+          <a:prstGeom prst="rect">
+            <a:avLst/>
+          </a:prstGeom>
+          <a:noFill/>
+          <a:ln w="57150">
+            <a:solidFill>
+              <a:srgbClr val="92D050"/>
+            </a:solidFill>
+          </a:ln>
+        </p:spPr>
+        <p:style>
+          <a:lnRef idx="2">
+            <a:schemeClr val="accent1">
+              <a:shade val="15000"/>
+            </a:schemeClr>
+          </a:lnRef>
+          <a:fillRef idx="1">
+            <a:schemeClr val="accent1"/>
+          </a:fillRef>
+          <a:effectRef idx="0">
+            <a:schemeClr val="accent1"/>
+          </a:effectRef>
+          <a:fontRef idx="minor">
+            <a:schemeClr val="lt1"/>
+          </a:fontRef>
+        </p:style>
+        <p:txBody>
+          <a:bodyPr rtlCol="0" anchor="ctr"/>
+          <a:lstStyle/>
+          <a:p>
+            <a:pPr algn="ctr"/>
+            <a:endParaRPr lang="de-DE">
+              <a:solidFill>
+                <a:srgbClr val="00B050"/>
+              </a:solidFill>
+            </a:endParaRPr>
+          </a:p>
+        </p:txBody>
+      </p:sp>
+      <p:sp>
+        <p:nvSpPr>
+          <p:cNvPr id="13" name="Textfeld 12">
+            <a:extLst>
+              <a:ext uri="{FF2B5EF4-FFF2-40B4-BE49-F238E27FC236}">
+                <a16:creationId xmlns:a16="http://schemas.microsoft.com/office/drawing/2014/main" id="{EF3A64C6-6095-BE28-04A7-8FCBD05DEF55}"/>
+              </a:ext>
+            </a:extLst>
+          </p:cNvPr>
+          <p:cNvSpPr txBox="1"/>
+          <p:nvPr/>
+        </p:nvSpPr>
+        <p:spPr>
+          <a:xfrm>
+            <a:off x="99437" y="878960"/>
+            <a:ext cx="3801041" cy="1077218"/>
+          </a:xfrm>
+          <a:prstGeom prst="rect">
+            <a:avLst/>
+          </a:prstGeom>
+          <a:noFill/>
+        </p:spPr>
+        <p:txBody>
+          <a:bodyPr wrap="none" rtlCol="0">
+            <a:spAutoFit/>
+          </a:bodyPr>
+          <a:lstStyle/>
+          <a:p>
+            <a:pPr algn="ctr"/>
+            <a:r>
+              <a:rPr lang="de-DE" sz="3200" b="1" dirty="0">
+                <a:solidFill>
+                  <a:srgbClr val="FF0000"/>
+                </a:solidFill>
+              </a:rPr>
+              <a:t>X</a:t>
+            </a:r>
+          </a:p>
+          <a:p>
+            <a:pPr algn="ctr"/>
+            <a:r>
+              <a:rPr lang="de-DE" sz="3200" b="1" dirty="0">
+                <a:solidFill>
+                  <a:srgbClr val="FF0000"/>
+                </a:solidFill>
+              </a:rPr>
+              <a:t>(</a:t>
+            </a:r>
+            <a:r>
+              <a:rPr lang="de-DE" sz="3200" b="1" dirty="0" err="1">
+                <a:solidFill>
+                  <a:srgbClr val="FF0000"/>
+                </a:solidFill>
+              </a:rPr>
+              <a:t>lookback</a:t>
+            </a:r>
+            <a:r>
+              <a:rPr lang="de-DE" sz="3200" b="1" dirty="0">
+                <a:solidFill>
+                  <a:srgbClr val="FF0000"/>
+                </a:solidFill>
+              </a:rPr>
+              <a:t> </a:t>
+            </a:r>
+            <a:r>
+              <a:rPr lang="de-DE" sz="3200" b="1" dirty="0" err="1">
+                <a:solidFill>
+                  <a:srgbClr val="FF0000"/>
+                </a:solidFill>
+              </a:rPr>
+              <a:t>period</a:t>
+            </a:r>
+            <a:r>
+              <a:rPr lang="de-DE" sz="3200" b="1" dirty="0">
+                <a:solidFill>
+                  <a:srgbClr val="FF0000"/>
+                </a:solidFill>
+              </a:rPr>
+              <a:t>=60)</a:t>
+            </a:r>
+          </a:p>
+        </p:txBody>
+      </p:sp>
+      <p:sp>
+        <p:nvSpPr>
+          <p:cNvPr id="14" name="Textfeld 13">
+            <a:extLst>
+              <a:ext uri="{FF2B5EF4-FFF2-40B4-BE49-F238E27FC236}">
+                <a16:creationId xmlns:a16="http://schemas.microsoft.com/office/drawing/2014/main" id="{EFF7930C-879A-326A-3D03-C8F3A9EAA029}"/>
+              </a:ext>
+            </a:extLst>
+          </p:cNvPr>
+          <p:cNvSpPr txBox="1"/>
+          <p:nvPr/>
+        </p:nvSpPr>
+        <p:spPr>
+          <a:xfrm>
+            <a:off x="5919914" y="6252345"/>
+            <a:ext cx="1765163" cy="584775"/>
+          </a:xfrm>
+          <a:prstGeom prst="rect">
+            <a:avLst/>
+          </a:prstGeom>
+          <a:noFill/>
+        </p:spPr>
+        <p:txBody>
+          <a:bodyPr wrap="none" rtlCol="0">
+            <a:spAutoFit/>
+          </a:bodyPr>
+          <a:lstStyle/>
+          <a:p>
+            <a:pPr algn="ctr"/>
+            <a:r>
+              <a:rPr lang="de-DE" sz="3200" b="1" dirty="0">
+                <a:solidFill>
+                  <a:srgbClr val="92D050"/>
+                </a:solidFill>
+              </a:rPr>
+              <a:t>Y (</a:t>
+            </a:r>
+            <a:r>
+              <a:rPr lang="de-DE" sz="3200" b="1" dirty="0" err="1">
+                <a:solidFill>
+                  <a:srgbClr val="92D050"/>
+                </a:solidFill>
+              </a:rPr>
+              <a:t>target</a:t>
+            </a:r>
+            <a:r>
+              <a:rPr lang="de-DE" sz="3200" b="1" dirty="0">
+                <a:solidFill>
+                  <a:srgbClr val="92D050"/>
+                </a:solidFill>
+              </a:rPr>
+              <a:t>)</a:t>
+            </a:r>
+          </a:p>
+        </p:txBody>
+      </p:sp>
+      <p:sp>
+        <p:nvSpPr>
+          <p:cNvPr id="15" name="Pfeil: nach unten 14">
+            <a:extLst>
+              <a:ext uri="{FF2B5EF4-FFF2-40B4-BE49-F238E27FC236}">
+                <a16:creationId xmlns:a16="http://schemas.microsoft.com/office/drawing/2014/main" id="{540EB443-B20C-FE9F-3AD2-8F29F43EAE73}"/>
+              </a:ext>
+            </a:extLst>
+          </p:cNvPr>
+          <p:cNvSpPr/>
+          <p:nvPr/>
+        </p:nvSpPr>
+        <p:spPr>
+          <a:xfrm>
+            <a:off x="1557453" y="2175933"/>
+            <a:ext cx="1092200" cy="4267200"/>
+          </a:xfrm>
+          <a:prstGeom prst="downArrow">
+            <a:avLst/>
+          </a:prstGeom>
+        </p:spPr>
+        <p:style>
+          <a:lnRef idx="2">
+            <a:schemeClr val="accent1">
+              <a:shade val="15000"/>
+            </a:schemeClr>
+          </a:lnRef>
+          <a:fillRef idx="1">
+            <a:schemeClr val="accent1"/>
+          </a:fillRef>
+          <a:effectRef idx="0">
+            <a:schemeClr val="accent1"/>
+          </a:effectRef>
+          <a:fontRef idx="minor">
+            <a:schemeClr val="lt1"/>
+          </a:fontRef>
+        </p:style>
+        <p:txBody>
+          <a:bodyPr rtlCol="0" anchor="ctr"/>
+          <a:lstStyle/>
+          <a:p>
+            <a:pPr algn="ctr"/>
+            <a:endParaRPr lang="de-DE"/>
+          </a:p>
+        </p:txBody>
+      </p:sp>
+      <p:sp>
+        <p:nvSpPr>
+          <p:cNvPr id="16" name="Textfeld 15">
+            <a:extLst>
+              <a:ext uri="{FF2B5EF4-FFF2-40B4-BE49-F238E27FC236}">
+                <a16:creationId xmlns:a16="http://schemas.microsoft.com/office/drawing/2014/main" id="{24E124A7-3105-C871-9C7A-F8A3B39B7AC4}"/>
+              </a:ext>
+            </a:extLst>
+          </p:cNvPr>
+          <p:cNvSpPr txBox="1"/>
+          <p:nvPr/>
+        </p:nvSpPr>
+        <p:spPr>
+          <a:xfrm>
+            <a:off x="939856" y="3414825"/>
+            <a:ext cx="2173415" cy="1569660"/>
+          </a:xfrm>
+          <a:prstGeom prst="rect">
+            <a:avLst/>
+          </a:prstGeom>
+          <a:noFill/>
+        </p:spPr>
+        <p:txBody>
+          <a:bodyPr wrap="none" rtlCol="0">
+            <a:spAutoFit/>
+          </a:bodyPr>
+          <a:lstStyle/>
+          <a:p>
+            <a:pPr algn="ctr"/>
+            <a:r>
+              <a:rPr lang="de-DE" sz="3200" b="1" dirty="0" err="1"/>
+              <a:t>Iterate</a:t>
+            </a:r>
+            <a:r>
+              <a:rPr lang="de-DE" sz="3200" b="1" dirty="0"/>
+              <a:t> </a:t>
+            </a:r>
+            <a:r>
+              <a:rPr lang="de-DE" sz="3200" b="1" dirty="0" err="1"/>
+              <a:t>over</a:t>
+            </a:r>
+            <a:endParaRPr lang="de-DE" sz="3200" b="1" dirty="0"/>
+          </a:p>
+          <a:p>
+            <a:pPr algn="ctr"/>
+            <a:r>
+              <a:rPr lang="de-DE" sz="3200" b="1" dirty="0" err="1"/>
+              <a:t>whole</a:t>
+            </a:r>
+            <a:endParaRPr lang="de-DE" sz="3200" b="1" dirty="0"/>
+          </a:p>
+          <a:p>
+            <a:pPr algn="ctr"/>
+            <a:r>
+              <a:rPr lang="de-DE" sz="3200" b="1" dirty="0" err="1"/>
+              <a:t>scaled</a:t>
+            </a:r>
+            <a:r>
+              <a:rPr lang="de-DE" sz="3200" b="1" dirty="0"/>
+              <a:t> </a:t>
+            </a:r>
+            <a:r>
+              <a:rPr lang="de-DE" sz="3200" b="1" dirty="0" err="1"/>
+              <a:t>data</a:t>
+            </a:r>
+            <a:endParaRPr lang="de-DE" sz="3200" b="1" dirty="0"/>
+          </a:p>
+        </p:txBody>
+      </p:sp>
     </p:spTree>
     <p:extLst>
       <p:ext uri="{BB962C8B-B14F-4D97-AF65-F5344CB8AC3E}">
-        <p14:creationId xmlns:p14="http://schemas.microsoft.com/office/powerpoint/2010/main" val="2708990205"/>
+        <p14:creationId xmlns:p14="http://schemas.microsoft.com/office/powerpoint/2010/main" val="1028445247"/>
       </p:ext>
     </p:extLst>
   </p:cSld>
@@ -10263,7 +12246,7 @@
         <p:cNvPr id="1" name="">
           <a:extLst>
             <a:ext uri="{FF2B5EF4-FFF2-40B4-BE49-F238E27FC236}">
-              <a16:creationId xmlns:a16="http://schemas.microsoft.com/office/drawing/2014/main" id="{D7BCAC5F-589C-8B99-BA05-447D597934E0}"/>
+              <a16:creationId xmlns:a16="http://schemas.microsoft.com/office/drawing/2014/main" id="{7810D9B4-32DE-E185-5A71-F64096419E67}"/>
             </a:ext>
           </a:extLst>
         </p:cNvPr>
@@ -10283,7 +12266,7 @@
           <p:cNvPr id="2" name="Title 1">
             <a:extLst>
               <a:ext uri="{FF2B5EF4-FFF2-40B4-BE49-F238E27FC236}">
-                <a16:creationId xmlns:a16="http://schemas.microsoft.com/office/drawing/2014/main" id="{F84D4BEC-D970-0934-0F21-640ECC6C5005}"/>
+                <a16:creationId xmlns:a16="http://schemas.microsoft.com/office/drawing/2014/main" id="{8702BA7D-D311-DD3E-98A0-8C7675E2940A}"/>
               </a:ext>
             </a:extLst>
           </p:cNvPr>
@@ -10320,7 +12303,7 @@
           <p:cNvPr id="3" name="Content Placeholder 2">
             <a:extLst>
               <a:ext uri="{FF2B5EF4-FFF2-40B4-BE49-F238E27FC236}">
-                <a16:creationId xmlns:a16="http://schemas.microsoft.com/office/drawing/2014/main" id="{EC613A9E-7E0B-EAFB-B5D3-50658B3FD546}"/>
+                <a16:creationId xmlns:a16="http://schemas.microsoft.com/office/drawing/2014/main" id="{77422144-2CA0-9945-F3FD-4E790E73596C}"/>
               </a:ext>
             </a:extLst>
           </p:cNvPr>
@@ -10339,20 +12322,8 @@
           <a:lstStyle/>
           <a:p>
             <a:r>
-              <a:rPr lang="de-DE" dirty="0"/>
-              <a:t>First </a:t>
-            </a:r>
-            <a:r>
-              <a:rPr lang="de-DE" dirty="0" err="1"/>
-              <a:t>step</a:t>
-            </a:r>
-            <a:r>
-              <a:rPr lang="de-DE" dirty="0"/>
-              <a:t>: </a:t>
-            </a:r>
-            <a:r>
-              <a:rPr lang="de-DE" dirty="0" err="1"/>
-              <a:t>scale</a:t>
+              <a:rPr lang="de-DE" dirty="0" err="1"/>
+              <a:t>Multilayered</a:t>
             </a:r>
             <a:r>
               <a:rPr lang="de-DE" dirty="0"/>
@@ -10360,45 +12331,23 @@
             </a:r>
             <a:r>
               <a:rPr lang="de-DE" dirty="0" err="1"/>
-              <a:t>data</a:t>
-            </a:r>
-            <a:r>
-              <a:rPr lang="de-DE" dirty="0"/>
-              <a:t> </a:t>
-            </a:r>
-            <a:r>
-              <a:rPr lang="de-DE" dirty="0" err="1"/>
-              <a:t>using</a:t>
-            </a:r>
-            <a:r>
-              <a:rPr lang="de-DE" dirty="0"/>
-              <a:t> </a:t>
-            </a:r>
-            <a:r>
-              <a:rPr lang="de-DE" dirty="0" err="1"/>
-              <a:t>MinMaxScaler</a:t>
-            </a:r>
-            <a:endParaRPr lang="de-DE" dirty="0"/>
-          </a:p>
-          <a:p>
-            <a:r>
-              <a:rPr lang="de-DE" dirty="0"/>
-              <a:t>Gated </a:t>
-            </a:r>
-            <a:r>
-              <a:rPr lang="de-DE" dirty="0" err="1"/>
-              <a:t>Recurrent</a:t>
-            </a:r>
-            <a:r>
-              <a:rPr lang="de-DE" dirty="0"/>
-              <a:t> Unit </a:t>
+              <a:t>Perceptron</a:t>
             </a:r>
             <a:r>
               <a:rPr lang="en-US" dirty="0"/>
-              <a:t>(GRU)</a:t>
-            </a:r>
-          </a:p>
-          <a:p>
+              <a:t> (MLP)</a:t>
+            </a:r>
+          </a:p>
+          <a:p>
+            <a:r>
+              <a:rPr lang="en-US" dirty="0"/>
+              <a:t>Simple basic version of model, especially if less time for training</a:t>
+            </a:r>
+          </a:p>
+          <a:p>
+            <a:pPr marL="0" indent="0">
+              <a:buNone/>
+            </a:pPr>
             <a:endParaRPr lang="en-US" dirty="0"/>
           </a:p>
           <a:p>
@@ -10426,10 +12375,10 @@
       </p:sp>
       <p:pic>
         <p:nvPicPr>
-          <p:cNvPr id="6" name="Picture 5">
-            <a:extLst>
-              <a:ext uri="{FF2B5EF4-FFF2-40B4-BE49-F238E27FC236}">
-                <a16:creationId xmlns:a16="http://schemas.microsoft.com/office/drawing/2014/main" id="{FE682AB0-6D3A-E06F-1316-4557DACC237D}"/>
+          <p:cNvPr id="5" name="Picture 4">
+            <a:extLst>
+              <a:ext uri="{FF2B5EF4-FFF2-40B4-BE49-F238E27FC236}">
+                <a16:creationId xmlns:a16="http://schemas.microsoft.com/office/drawing/2014/main" id="{36D7ACEC-095A-6294-EC82-5A51F743C9B2}"/>
               </a:ext>
             </a:extLst>
           </p:cNvPr>
@@ -10446,8 +12395,8 @@
         </p:blipFill>
         <p:spPr>
           <a:xfrm>
-            <a:off x="1139794" y="2845381"/>
-            <a:ext cx="6743700" cy="2181225"/>
+            <a:off x="1137698" y="2920393"/>
+            <a:ext cx="4610100" cy="1409700"/>
           </a:xfrm>
           <a:prstGeom prst="rect">
             <a:avLst/>
@@ -10457,7 +12406,7 @@
     </p:spTree>
     <p:extLst>
       <p:ext uri="{BB962C8B-B14F-4D97-AF65-F5344CB8AC3E}">
-        <p14:creationId xmlns:p14="http://schemas.microsoft.com/office/powerpoint/2010/main" val="2578081995"/>
+        <p14:creationId xmlns:p14="http://schemas.microsoft.com/office/powerpoint/2010/main" val="1607667241"/>
       </p:ext>
     </p:extLst>
   </p:cSld>

--- a/Backprophet.pptx
+++ b/Backprophet.pptx
@@ -10995,7 +10995,7 @@
           <a:p>
             <a:r>
               <a:rPr lang="en-US" dirty="0"/>
-              <a:t>Evaluate with existing models (prophet, ETS, ARIMA)</a:t>
+              <a:t>Evaluate with existing models/algorithms (prophet, ETS, ARIMA)</a:t>
             </a:r>
           </a:p>
           <a:p>
@@ -11008,6 +11008,12 @@
             <a:r>
               <a:rPr lang="en-US" dirty="0"/>
               <a:t>Crawl data with increased time resolution, e.g. on hourly base</a:t>
+            </a:r>
+          </a:p>
+          <a:p>
+            <a:r>
+              <a:rPr lang="en-US" dirty="0"/>
+              <a:t>Evaluate performance of Transformers on data</a:t>
             </a:r>
           </a:p>
           <a:p>
